--- a/information_systems/real_time_uml/prezi.pptx
+++ b/information_systems/real_time_uml/prezi.pptx
@@ -111,6 +111,11 @@
       </a:defRPr>
     </a:lvl9pPr>
   </p:defaultTextStyle>
+  <p:extLst>
+    <p:ext uri="{EFAFB233-063F-42B5-8137-9DF3F51BA10A}">
+      <p15:sldGuideLst xmlns:p15="http://schemas.microsoft.com/office/powerpoint/2012/main"/>
+    </p:ext>
+  </p:extLst>
 </p:presentation>
 </file>
 
@@ -159,7 +164,6 @@
               <a:rPr lang="hu-HU"/>
               <a:t>Mintacím szerkesztése</a:t>
             </a:r>
-            <a:endParaRPr lang="hu-HU"/>
           </a:p>
         </p:txBody>
       </p:sp>
@@ -224,7 +228,6 @@
               <a:rPr lang="hu-HU"/>
               <a:t>Kattintson ide az alcím mintájának szerkesztéséhez</a:t>
             </a:r>
-            <a:endParaRPr lang="hu-HU"/>
           </a:p>
         </p:txBody>
       </p:sp>
@@ -245,7 +248,7 @@
           <a:p>
             <a:fld id="{14184A55-F98C-4DCF-B43B-D8B9973F5BA3}" type="datetimeFigureOut">
               <a:rPr lang="hu-HU" smtClean="0"/>
-              <a:t>2016. 11. 20.</a:t>
+              <a:t>2016.11.23.</a:t>
             </a:fld>
             <a:endParaRPr lang="hu-HU"/>
           </a:p>
@@ -342,7 +345,6 @@
               <a:rPr lang="hu-HU"/>
               <a:t>Mintacím szerkesztése</a:t>
             </a:r>
-            <a:endParaRPr lang="hu-HU"/>
           </a:p>
         </p:txBody>
       </p:sp>
@@ -394,7 +396,6 @@
               <a:rPr lang="hu-HU"/>
               <a:t>Ötödik szint</a:t>
             </a:r>
-            <a:endParaRPr lang="hu-HU"/>
           </a:p>
         </p:txBody>
       </p:sp>
@@ -415,7 +416,7 @@
           <a:p>
             <a:fld id="{14184A55-F98C-4DCF-B43B-D8B9973F5BA3}" type="datetimeFigureOut">
               <a:rPr lang="hu-HU" smtClean="0"/>
-              <a:t>2016. 11. 20.</a:t>
+              <a:t>2016.11.23.</a:t>
             </a:fld>
             <a:endParaRPr lang="hu-HU"/>
           </a:p>
@@ -517,7 +518,6 @@
               <a:rPr lang="hu-HU"/>
               <a:t>Mintacím szerkesztése</a:t>
             </a:r>
-            <a:endParaRPr lang="hu-HU"/>
           </a:p>
         </p:txBody>
       </p:sp>
@@ -574,7 +574,6 @@
               <a:rPr lang="hu-HU"/>
               <a:t>Ötödik szint</a:t>
             </a:r>
-            <a:endParaRPr lang="hu-HU"/>
           </a:p>
         </p:txBody>
       </p:sp>
@@ -595,7 +594,7 @@
           <a:p>
             <a:fld id="{14184A55-F98C-4DCF-B43B-D8B9973F5BA3}" type="datetimeFigureOut">
               <a:rPr lang="hu-HU" smtClean="0"/>
-              <a:t>2016. 11. 20.</a:t>
+              <a:t>2016.11.23.</a:t>
             </a:fld>
             <a:endParaRPr lang="hu-HU"/>
           </a:p>
@@ -692,7 +691,6 @@
               <a:rPr lang="hu-HU"/>
               <a:t>Mintacím szerkesztése</a:t>
             </a:r>
-            <a:endParaRPr lang="hu-HU"/>
           </a:p>
         </p:txBody>
       </p:sp>
@@ -744,7 +742,6 @@
               <a:rPr lang="hu-HU"/>
               <a:t>Ötödik szint</a:t>
             </a:r>
-            <a:endParaRPr lang="hu-HU"/>
           </a:p>
         </p:txBody>
       </p:sp>
@@ -765,7 +762,7 @@
           <a:p>
             <a:fld id="{14184A55-F98C-4DCF-B43B-D8B9973F5BA3}" type="datetimeFigureOut">
               <a:rPr lang="hu-HU" smtClean="0"/>
-              <a:t>2016. 11. 20.</a:t>
+              <a:t>2016.11.23.</a:t>
             </a:fld>
             <a:endParaRPr lang="hu-HU"/>
           </a:p>
@@ -871,7 +868,6 @@
               <a:rPr lang="hu-HU"/>
               <a:t>Mintacím szerkesztése</a:t>
             </a:r>
-            <a:endParaRPr lang="hu-HU"/>
           </a:p>
         </p:txBody>
       </p:sp>
@@ -1011,7 +1007,7 @@
           <a:p>
             <a:fld id="{14184A55-F98C-4DCF-B43B-D8B9973F5BA3}" type="datetimeFigureOut">
               <a:rPr lang="hu-HU" smtClean="0"/>
-              <a:t>2016. 11. 20.</a:t>
+              <a:t>2016.11.23.</a:t>
             </a:fld>
             <a:endParaRPr lang="hu-HU"/>
           </a:p>
@@ -1108,7 +1104,6 @@
               <a:rPr lang="hu-HU"/>
               <a:t>Mintacím szerkesztése</a:t>
             </a:r>
-            <a:endParaRPr lang="hu-HU"/>
           </a:p>
         </p:txBody>
       </p:sp>
@@ -1165,7 +1160,6 @@
               <a:rPr lang="hu-HU"/>
               <a:t>Ötödik szint</a:t>
             </a:r>
-            <a:endParaRPr lang="hu-HU"/>
           </a:p>
         </p:txBody>
       </p:sp>
@@ -1222,7 +1216,6 @@
               <a:rPr lang="hu-HU"/>
               <a:t>Ötödik szint</a:t>
             </a:r>
-            <a:endParaRPr lang="hu-HU"/>
           </a:p>
         </p:txBody>
       </p:sp>
@@ -1243,7 +1236,7 @@
           <a:p>
             <a:fld id="{14184A55-F98C-4DCF-B43B-D8B9973F5BA3}" type="datetimeFigureOut">
               <a:rPr lang="hu-HU" smtClean="0"/>
-              <a:t>2016. 11. 20.</a:t>
+              <a:t>2016.11.23.</a:t>
             </a:fld>
             <a:endParaRPr lang="hu-HU"/>
           </a:p>
@@ -1345,7 +1338,6 @@
               <a:rPr lang="hu-HU"/>
               <a:t>Mintacím szerkesztése</a:t>
             </a:r>
-            <a:endParaRPr lang="hu-HU"/>
           </a:p>
         </p:txBody>
       </p:sp>
@@ -1467,7 +1459,6 @@
               <a:rPr lang="hu-HU"/>
               <a:t>Ötödik szint</a:t>
             </a:r>
-            <a:endParaRPr lang="hu-HU"/>
           </a:p>
         </p:txBody>
       </p:sp>
@@ -1589,7 +1580,6 @@
               <a:rPr lang="hu-HU"/>
               <a:t>Ötödik szint</a:t>
             </a:r>
-            <a:endParaRPr lang="hu-HU"/>
           </a:p>
         </p:txBody>
       </p:sp>
@@ -1610,7 +1600,7 @@
           <a:p>
             <a:fld id="{14184A55-F98C-4DCF-B43B-D8B9973F5BA3}" type="datetimeFigureOut">
               <a:rPr lang="hu-HU" smtClean="0"/>
-              <a:t>2016. 11. 20.</a:t>
+              <a:t>2016.11.23.</a:t>
             </a:fld>
             <a:endParaRPr lang="hu-HU"/>
           </a:p>
@@ -1707,7 +1697,6 @@
               <a:rPr lang="hu-HU"/>
               <a:t>Mintacím szerkesztése</a:t>
             </a:r>
-            <a:endParaRPr lang="hu-HU"/>
           </a:p>
         </p:txBody>
       </p:sp>
@@ -1728,7 +1717,7 @@
           <a:p>
             <a:fld id="{14184A55-F98C-4DCF-B43B-D8B9973F5BA3}" type="datetimeFigureOut">
               <a:rPr lang="hu-HU" smtClean="0"/>
-              <a:t>2016. 11. 20.</a:t>
+              <a:t>2016.11.23.</a:t>
             </a:fld>
             <a:endParaRPr lang="hu-HU"/>
           </a:p>
@@ -1823,7 +1812,7 @@
           <a:p>
             <a:fld id="{14184A55-F98C-4DCF-B43B-D8B9973F5BA3}" type="datetimeFigureOut">
               <a:rPr lang="hu-HU" smtClean="0"/>
-              <a:t>2016. 11. 20.</a:t>
+              <a:t>2016.11.23.</a:t>
             </a:fld>
             <a:endParaRPr lang="hu-HU"/>
           </a:p>
@@ -1929,7 +1918,6 @@
               <a:rPr lang="hu-HU"/>
               <a:t>Mintacím szerkesztése</a:t>
             </a:r>
-            <a:endParaRPr lang="hu-HU"/>
           </a:p>
         </p:txBody>
       </p:sp>
@@ -2014,7 +2002,6 @@
               <a:rPr lang="hu-HU"/>
               <a:t>Ötödik szint</a:t>
             </a:r>
-            <a:endParaRPr lang="hu-HU"/>
           </a:p>
         </p:txBody>
       </p:sp>
@@ -2100,7 +2087,7 @@
           <a:p>
             <a:fld id="{14184A55-F98C-4DCF-B43B-D8B9973F5BA3}" type="datetimeFigureOut">
               <a:rPr lang="hu-HU" smtClean="0"/>
-              <a:t>2016. 11. 20.</a:t>
+              <a:t>2016.11.23.</a:t>
             </a:fld>
             <a:endParaRPr lang="hu-HU"/>
           </a:p>
@@ -2206,7 +2193,6 @@
               <a:rPr lang="hu-HU"/>
               <a:t>Mintacím szerkesztése</a:t>
             </a:r>
-            <a:endParaRPr lang="hu-HU"/>
           </a:p>
         </p:txBody>
       </p:sp>
@@ -2353,7 +2339,7 @@
           <a:p>
             <a:fld id="{14184A55-F98C-4DCF-B43B-D8B9973F5BA3}" type="datetimeFigureOut">
               <a:rPr lang="hu-HU" smtClean="0"/>
-              <a:t>2016. 11. 20.</a:t>
+              <a:t>2016.11.23.</a:t>
             </a:fld>
             <a:endParaRPr lang="hu-HU"/>
           </a:p>
@@ -2465,7 +2451,6 @@
               <a:rPr lang="hu-HU"/>
               <a:t>Mintacím szerkesztése</a:t>
             </a:r>
-            <a:endParaRPr lang="hu-HU"/>
           </a:p>
         </p:txBody>
       </p:sp>
@@ -2527,7 +2512,6 @@
               <a:rPr lang="hu-HU"/>
               <a:t>Ötödik szint</a:t>
             </a:r>
-            <a:endParaRPr lang="hu-HU"/>
           </a:p>
         </p:txBody>
       </p:sp>
@@ -2566,7 +2550,7 @@
           <a:p>
             <a:fld id="{14184A55-F98C-4DCF-B43B-D8B9973F5BA3}" type="datetimeFigureOut">
               <a:rPr lang="hu-HU" smtClean="0"/>
-              <a:t>2016. 11. 20.</a:t>
+              <a:t>2016.11.23.</a:t>
             </a:fld>
             <a:endParaRPr lang="hu-HU"/>
           </a:p>
@@ -3029,99 +3013,99 @@
               <a:buChar char="•"/>
             </a:pPr>
             <a:r>
-              <a:rPr lang="hu-HU" dirty="0" err="1"/>
+              <a:rPr lang="hu-HU" sz="2200" dirty="0" err="1"/>
               <a:t>Purpose</a:t>
             </a:r>
             <a:r>
-              <a:rPr lang="hu-HU" dirty="0"/>
+              <a:rPr lang="hu-HU" sz="2200" dirty="0"/>
               <a:t> of </a:t>
             </a:r>
             <a:r>
-              <a:rPr lang="hu-HU" dirty="0" err="1"/>
+              <a:rPr lang="hu-HU" sz="2200" dirty="0" err="1"/>
               <a:t>object</a:t>
             </a:r>
             <a:r>
-              <a:rPr lang="hu-HU" dirty="0"/>
-              <a:t> </a:t>
-            </a:r>
-            <a:r>
-              <a:rPr lang="hu-HU" dirty="0" err="1"/>
+              <a:rPr lang="hu-HU" sz="2200" dirty="0"/>
+              <a:t> </a:t>
+            </a:r>
+            <a:r>
+              <a:rPr lang="hu-HU" sz="2200" dirty="0" err="1"/>
               <a:t>analysis</a:t>
             </a:r>
             <a:r>
-              <a:rPr lang="hu-HU" dirty="0"/>
+              <a:rPr lang="hu-HU" sz="2200" dirty="0"/>
               <a:t>: </a:t>
             </a:r>
             <a:r>
-              <a:rPr lang="en-US" dirty="0"/>
+              <a:rPr lang="en-US" sz="2200" dirty="0"/>
               <a:t>identify the objects</a:t>
             </a:r>
             <a:r>
-              <a:rPr lang="hu-HU" dirty="0"/>
+              <a:rPr lang="hu-HU" sz="2200" dirty="0"/>
               <a:t>, </a:t>
             </a:r>
             <a:r>
-              <a:rPr lang="en-US" dirty="0"/>
+              <a:rPr lang="en-US" sz="2200" dirty="0"/>
               <a:t>classes</a:t>
             </a:r>
             <a:r>
-              <a:rPr lang="hu-HU" dirty="0"/>
+              <a:rPr lang="hu-HU" sz="2200" dirty="0"/>
               <a:t>, </a:t>
             </a:r>
             <a:r>
-              <a:rPr lang="hu-HU" dirty="0" err="1"/>
+              <a:rPr lang="hu-HU" sz="2200" dirty="0" err="1"/>
               <a:t>operations</a:t>
             </a:r>
             <a:r>
-              <a:rPr lang="hu-HU" dirty="0"/>
+              <a:rPr lang="hu-HU" sz="2200" dirty="0"/>
               <a:t>, </a:t>
             </a:r>
             <a:r>
-              <a:rPr lang="hu-HU" dirty="0" err="1"/>
+              <a:rPr lang="hu-HU" sz="2200" dirty="0" err="1"/>
               <a:t>messages</a:t>
             </a:r>
             <a:r>
-              <a:rPr lang="hu-HU" dirty="0"/>
+              <a:rPr lang="hu-HU" sz="2200" dirty="0"/>
               <a:t>, </a:t>
             </a:r>
             <a:r>
-              <a:rPr lang="hu-HU" dirty="0" err="1"/>
+              <a:rPr lang="hu-HU" sz="2200" dirty="0" err="1"/>
               <a:t>events</a:t>
             </a:r>
             <a:r>
-              <a:rPr lang="hu-HU" dirty="0"/>
+              <a:rPr lang="hu-HU" sz="2200" dirty="0"/>
               <a:t>, </a:t>
             </a:r>
             <a:r>
-              <a:rPr lang="hu-HU" dirty="0" err="1"/>
+              <a:rPr lang="hu-HU" sz="2200" dirty="0" err="1"/>
               <a:t>activities</a:t>
             </a:r>
             <a:r>
-              <a:rPr lang="hu-HU" dirty="0"/>
+              <a:rPr lang="hu-HU" sz="2200" dirty="0"/>
               <a:t>, </a:t>
             </a:r>
             <a:r>
-              <a:rPr lang="hu-HU" dirty="0" err="1"/>
+              <a:rPr lang="hu-HU" sz="2200" dirty="0" err="1"/>
               <a:t>use-cases</a:t>
             </a:r>
             <a:r>
-              <a:rPr lang="hu-HU" dirty="0"/>
+              <a:rPr lang="hu-HU" sz="2200" dirty="0"/>
               <a:t> in </a:t>
             </a:r>
             <a:r>
-              <a:rPr lang="hu-HU" dirty="0" err="1"/>
+              <a:rPr lang="hu-HU" sz="2200" dirty="0" err="1"/>
               <a:t>the</a:t>
             </a:r>
             <a:r>
-              <a:rPr lang="hu-HU" dirty="0"/>
-              <a:t> </a:t>
-            </a:r>
-            <a:r>
-              <a:rPr lang="hu-HU" dirty="0" err="1"/>
+              <a:rPr lang="hu-HU" sz="2200" dirty="0"/>
+              <a:t> </a:t>
+            </a:r>
+            <a:r>
+              <a:rPr lang="hu-HU" sz="2200" dirty="0" err="1"/>
               <a:t>system</a:t>
             </a:r>
             <a:r>
-              <a:rPr lang="hu-HU" dirty="0"/>
+              <a:rPr lang="hu-HU" sz="2200" dirty="0"/>
               <a:t>.</a:t>
             </a:r>
           </a:p>
@@ -3134,77 +3118,18 @@
               <a:buChar char="•"/>
             </a:pPr>
             <a:r>
-              <a:rPr lang="hu-HU" dirty="0" err="1"/>
-              <a:t>There</a:t>
-            </a:r>
-            <a:r>
-              <a:rPr lang="hu-HU" dirty="0"/>
-              <a:t> </a:t>
-            </a:r>
-            <a:r>
-              <a:rPr lang="hu-HU" dirty="0" err="1"/>
-              <a:t>are</a:t>
-            </a:r>
-            <a:r>
-              <a:rPr lang="hu-HU" dirty="0"/>
-              <a:t> </a:t>
-            </a:r>
-            <a:r>
-              <a:rPr lang="hu-HU" dirty="0" err="1"/>
-              <a:t>different</a:t>
-            </a:r>
-            <a:r>
-              <a:rPr lang="hu-HU" dirty="0"/>
-              <a:t> </a:t>
-            </a:r>
-            <a:r>
-              <a:rPr lang="hu-HU" dirty="0" err="1"/>
-              <a:t>stretgeis</a:t>
-            </a:r>
-            <a:r>
-              <a:rPr lang="hu-HU" dirty="0"/>
-              <a:t> </a:t>
-            </a:r>
-            <a:r>
-              <a:rPr lang="hu-HU" dirty="0" err="1"/>
-              <a:t>for</a:t>
-            </a:r>
-            <a:r>
-              <a:rPr lang="hu-HU" dirty="0"/>
-              <a:t> </a:t>
-            </a:r>
-            <a:r>
-              <a:rPr lang="hu-HU" dirty="0" err="1"/>
-              <a:t>the</a:t>
-            </a:r>
-            <a:r>
-              <a:rPr lang="hu-HU" dirty="0"/>
-              <a:t> </a:t>
-            </a:r>
-            <a:r>
-              <a:rPr lang="hu-HU" dirty="0" err="1"/>
-              <a:t>analysis</a:t>
-            </a:r>
-            <a:r>
-              <a:rPr lang="hu-HU" dirty="0"/>
-              <a:t> (</a:t>
-            </a:r>
-            <a:r>
-              <a:rPr lang="hu-HU" dirty="0" err="1"/>
-              <a:t>see</a:t>
-            </a:r>
-            <a:r>
-              <a:rPr lang="hu-HU" dirty="0"/>
-              <a:t> </a:t>
-            </a:r>
-            <a:r>
-              <a:rPr lang="hu-HU" dirty="0" err="1"/>
-              <a:t>below</a:t>
-            </a:r>
-            <a:r>
-              <a:rPr lang="hu-HU" dirty="0"/>
+              <a:rPr lang="hu-HU" sz="2200" dirty="0"/>
+              <a:t>There are different stretgeis for the analysis (see </a:t>
+            </a:r>
+            <a:r>
+              <a:rPr lang="hu-HU" sz="2200" dirty="0" smtClean="0"/>
+              <a:t>the previous presentaion</a:t>
+            </a:r>
+            <a:r>
+              <a:rPr lang="hu-HU" sz="2200" dirty="0" smtClean="0"/>
               <a:t>..)</a:t>
             </a:r>
+            <a:endParaRPr lang="hu-HU" sz="2200" dirty="0"/>
           </a:p>
           <a:p>
             <a:pPr marL="342900" indent="-342900" algn="l">
@@ -3215,159 +3140,159 @@
               <a:buChar char="•"/>
             </a:pPr>
             <a:r>
-              <a:rPr lang="hu-HU" dirty="0"/>
+              <a:rPr lang="hu-HU" sz="2200" dirty="0"/>
               <a:t>In </a:t>
             </a:r>
             <a:r>
-              <a:rPr lang="hu-HU" dirty="0" err="1"/>
+              <a:rPr lang="hu-HU" sz="2200" dirty="0" err="1"/>
               <a:t>this</a:t>
             </a:r>
             <a:r>
-              <a:rPr lang="hu-HU" dirty="0"/>
-              <a:t> </a:t>
-            </a:r>
-            <a:r>
-              <a:rPr lang="hu-HU" dirty="0" err="1"/>
+              <a:rPr lang="hu-HU" sz="2200" dirty="0"/>
+              <a:t> </a:t>
+            </a:r>
+            <a:r>
+              <a:rPr lang="hu-HU" sz="2200" dirty="0" err="1"/>
               <a:t>presenation</a:t>
             </a:r>
             <a:r>
-              <a:rPr lang="hu-HU" dirty="0"/>
+              <a:rPr lang="hu-HU" sz="2200" dirty="0"/>
               <a:t> we </a:t>
             </a:r>
             <a:r>
-              <a:rPr lang="hu-HU" dirty="0" err="1"/>
+              <a:rPr lang="hu-HU" sz="2200" dirty="0" err="1"/>
               <a:t>consider</a:t>
             </a:r>
             <a:r>
-              <a:rPr lang="hu-HU" dirty="0"/>
-              <a:t> </a:t>
-            </a:r>
-            <a:r>
-              <a:rPr lang="hu-HU" dirty="0" err="1"/>
+              <a:rPr lang="hu-HU" sz="2200" dirty="0"/>
+              <a:t> </a:t>
+            </a:r>
+            <a:r>
+              <a:rPr lang="hu-HU" sz="2200" dirty="0" err="1"/>
               <a:t>only</a:t>
             </a:r>
             <a:r>
-              <a:rPr lang="hu-HU" dirty="0"/>
-              <a:t> </a:t>
-            </a:r>
-            <a:r>
-              <a:rPr lang="hu-HU" dirty="0" err="1"/>
+              <a:rPr lang="hu-HU" sz="2200" dirty="0"/>
+              <a:t> </a:t>
+            </a:r>
+            <a:r>
+              <a:rPr lang="hu-HU" sz="2200" dirty="0" err="1"/>
               <a:t>six</a:t>
             </a:r>
             <a:r>
-              <a:rPr lang="hu-HU" dirty="0"/>
-              <a:t> </a:t>
-            </a:r>
-            <a:r>
-              <a:rPr lang="hu-HU" dirty="0" err="1"/>
+              <a:rPr lang="hu-HU" sz="2200" dirty="0"/>
+              <a:t> </a:t>
+            </a:r>
+            <a:r>
+              <a:rPr lang="hu-HU" sz="2200" dirty="0" err="1"/>
               <a:t>startgies</a:t>
             </a:r>
             <a:r>
-              <a:rPr lang="hu-HU" dirty="0"/>
+              <a:rPr lang="hu-HU" sz="2200" dirty="0"/>
               <a:t> (</a:t>
             </a:r>
             <a:r>
-              <a:rPr lang="hu-HU" dirty="0" err="1"/>
+              <a:rPr lang="hu-HU" sz="2200" dirty="0" err="1"/>
               <a:t>Identify</a:t>
             </a:r>
             <a:r>
-              <a:rPr lang="hu-HU" dirty="0"/>
-              <a:t> </a:t>
-            </a:r>
-            <a:r>
-              <a:rPr lang="hu-HU" dirty="0" err="1"/>
+              <a:rPr lang="hu-HU" sz="2200" dirty="0"/>
+              <a:t> </a:t>
+            </a:r>
+            <a:r>
+              <a:rPr lang="hu-HU" sz="2200" dirty="0" err="1"/>
               <a:t>real-word</a:t>
             </a:r>
             <a:r>
-              <a:rPr lang="hu-HU" dirty="0"/>
-              <a:t> </a:t>
-            </a:r>
-            <a:r>
-              <a:rPr lang="hu-HU" dirty="0" err="1"/>
+              <a:rPr lang="hu-HU" sz="2200" dirty="0"/>
+              <a:t> </a:t>
+            </a:r>
+            <a:r>
+              <a:rPr lang="hu-HU" sz="2200" dirty="0" err="1"/>
               <a:t>items</a:t>
             </a:r>
             <a:r>
-              <a:rPr lang="hu-HU" dirty="0"/>
+              <a:rPr lang="hu-HU" sz="2200" dirty="0"/>
               <a:t>, </a:t>
             </a:r>
             <a:r>
-              <a:rPr lang="hu-HU" dirty="0" err="1"/>
+              <a:rPr lang="hu-HU" sz="2200" dirty="0" err="1"/>
               <a:t>physical</a:t>
             </a:r>
             <a:r>
-              <a:rPr lang="hu-HU" dirty="0"/>
-              <a:t> </a:t>
-            </a:r>
-            <a:r>
-              <a:rPr lang="hu-HU" dirty="0" err="1"/>
+              <a:rPr lang="hu-HU" sz="2200" dirty="0"/>
+              <a:t> </a:t>
+            </a:r>
+            <a:r>
+              <a:rPr lang="hu-HU" sz="2200" dirty="0" err="1"/>
               <a:t>devies</a:t>
             </a:r>
             <a:r>
-              <a:rPr lang="hu-HU" dirty="0"/>
+              <a:rPr lang="hu-HU" sz="2200" dirty="0"/>
               <a:t>, </a:t>
             </a:r>
             <a:r>
-              <a:rPr lang="hu-HU" dirty="0" err="1"/>
+              <a:rPr lang="hu-HU" sz="2200" dirty="0" err="1"/>
               <a:t>key</a:t>
             </a:r>
             <a:r>
-              <a:rPr lang="hu-HU" dirty="0"/>
-              <a:t> </a:t>
-            </a:r>
-            <a:r>
-              <a:rPr lang="hu-HU" dirty="0" err="1"/>
+              <a:rPr lang="hu-HU" sz="2200" dirty="0"/>
+              <a:t> </a:t>
+            </a:r>
+            <a:r>
+              <a:rPr lang="hu-HU" sz="2200" dirty="0" err="1"/>
               <a:t>concepts</a:t>
             </a:r>
             <a:r>
-              <a:rPr lang="hu-HU" dirty="0"/>
+              <a:rPr lang="hu-HU" sz="2200" dirty="0"/>
               <a:t>, </a:t>
             </a:r>
             <a:r>
-              <a:rPr lang="hu-HU" dirty="0" err="1"/>
+              <a:rPr lang="hu-HU" sz="2200" dirty="0" err="1"/>
               <a:t>transaction</a:t>
             </a:r>
             <a:r>
-              <a:rPr lang="hu-HU" dirty="0"/>
+              <a:rPr lang="hu-HU" sz="2200" dirty="0"/>
               <a:t>, </a:t>
             </a:r>
             <a:r>
-              <a:rPr lang="hu-HU" dirty="0" err="1"/>
+              <a:rPr lang="hu-HU" sz="2200" dirty="0" err="1"/>
               <a:t>visual</a:t>
             </a:r>
             <a:r>
-              <a:rPr lang="hu-HU" dirty="0"/>
-              <a:t> </a:t>
-            </a:r>
-            <a:r>
-              <a:rPr lang="hu-HU" dirty="0" err="1"/>
+              <a:rPr lang="hu-HU" sz="2200" dirty="0"/>
+              <a:t> </a:t>
+            </a:r>
+            <a:r>
+              <a:rPr lang="hu-HU" sz="2200" dirty="0" err="1"/>
               <a:t>elements</a:t>
             </a:r>
             <a:r>
-              <a:rPr lang="hu-HU" dirty="0"/>
+              <a:rPr lang="hu-HU" sz="2200" dirty="0"/>
               <a:t>, </a:t>
             </a:r>
             <a:r>
-              <a:rPr lang="hu-HU" dirty="0" err="1"/>
+              <a:rPr lang="hu-HU" sz="2200" dirty="0" err="1"/>
               <a:t>control</a:t>
             </a:r>
             <a:r>
-              <a:rPr lang="hu-HU" dirty="0"/>
-              <a:t> </a:t>
-            </a:r>
-            <a:r>
-              <a:rPr lang="hu-HU" dirty="0" err="1"/>
+              <a:rPr lang="hu-HU" sz="2200" dirty="0"/>
+              <a:t> </a:t>
+            </a:r>
+            <a:r>
+              <a:rPr lang="hu-HU" sz="2200" dirty="0" err="1"/>
               <a:t>elements</a:t>
             </a:r>
             <a:r>
-              <a:rPr lang="hu-HU" dirty="0"/>
-              <a:t> </a:t>
-            </a:r>
-            <a:r>
-              <a:rPr lang="hu-HU" dirty="0" err="1"/>
+              <a:rPr lang="hu-HU" sz="2200" dirty="0"/>
+              <a:t> </a:t>
+            </a:r>
+            <a:r>
+              <a:rPr lang="hu-HU" sz="2200" dirty="0" err="1"/>
               <a:t>staregy</a:t>
             </a:r>
             <a:r>
-              <a:rPr lang="hu-HU" dirty="0"/>
+              <a:rPr lang="hu-HU" sz="2200" dirty="0"/>
               <a:t>)</a:t>
             </a:r>
           </a:p>
@@ -3380,75 +3305,75 @@
               <a:buChar char="•"/>
             </a:pPr>
             <a:r>
-              <a:rPr lang="hu-HU" dirty="0" err="1"/>
+              <a:rPr lang="hu-HU" sz="2200" dirty="0" err="1"/>
               <a:t>Using</a:t>
             </a:r>
             <a:r>
-              <a:rPr lang="hu-HU" dirty="0"/>
-              <a:t> </a:t>
-            </a:r>
-            <a:r>
-              <a:rPr lang="hu-HU" dirty="0" err="1"/>
+              <a:rPr lang="hu-HU" sz="2200" dirty="0"/>
+              <a:t> </a:t>
+            </a:r>
+            <a:r>
+              <a:rPr lang="hu-HU" sz="2200" dirty="0" err="1"/>
               <a:t>two</a:t>
             </a:r>
             <a:r>
-              <a:rPr lang="hu-HU" dirty="0"/>
-              <a:t> </a:t>
-            </a:r>
-            <a:r>
-              <a:rPr lang="hu-HU" dirty="0" err="1"/>
+              <a:rPr lang="hu-HU" sz="2200" dirty="0"/>
+              <a:t> </a:t>
+            </a:r>
+            <a:r>
+              <a:rPr lang="hu-HU" sz="2200" dirty="0" err="1"/>
               <a:t>case</a:t>
             </a:r>
             <a:r>
-              <a:rPr lang="hu-HU" dirty="0"/>
-              <a:t> </a:t>
-            </a:r>
-            <a:r>
-              <a:rPr lang="hu-HU" dirty="0" err="1"/>
+              <a:rPr lang="hu-HU" sz="2200" dirty="0"/>
+              <a:t> </a:t>
+            </a:r>
+            <a:r>
+              <a:rPr lang="hu-HU" sz="2200" dirty="0" err="1"/>
               <a:t>study</a:t>
             </a:r>
             <a:r>
-              <a:rPr lang="hu-HU" dirty="0"/>
-              <a:t> </a:t>
-            </a:r>
-            <a:r>
-              <a:rPr lang="hu-HU" dirty="0" err="1"/>
+              <a:rPr lang="hu-HU" sz="2200" dirty="0"/>
+              <a:t> </a:t>
+            </a:r>
+            <a:r>
+              <a:rPr lang="hu-HU" sz="2200" dirty="0" err="1"/>
               <a:t>for</a:t>
             </a:r>
             <a:r>
-              <a:rPr lang="hu-HU" dirty="0"/>
-              <a:t> </a:t>
-            </a:r>
-            <a:r>
-              <a:rPr lang="hu-HU" dirty="0" err="1"/>
+              <a:rPr lang="hu-HU" sz="2200" dirty="0"/>
+              <a:t> </a:t>
+            </a:r>
+            <a:r>
+              <a:rPr lang="hu-HU" sz="2200" dirty="0" err="1"/>
               <a:t>this</a:t>
             </a:r>
             <a:r>
-              <a:rPr lang="hu-HU" dirty="0"/>
+              <a:rPr lang="hu-HU" sz="2200" dirty="0"/>
               <a:t>: The </a:t>
             </a:r>
             <a:r>
-              <a:rPr lang="hu-HU" dirty="0" err="1"/>
+              <a:rPr lang="hu-HU" sz="2200" dirty="0" err="1"/>
               <a:t>Vhiechle</a:t>
             </a:r>
             <a:r>
-              <a:rPr lang="hu-HU" dirty="0"/>
-              <a:t> </a:t>
-            </a:r>
-            <a:r>
-              <a:rPr lang="hu-HU" dirty="0" err="1"/>
+              <a:rPr lang="hu-HU" sz="2200" dirty="0"/>
+              <a:t> </a:t>
+            </a:r>
+            <a:r>
+              <a:rPr lang="hu-HU" sz="2200" dirty="0" err="1"/>
               <a:t>Detector</a:t>
             </a:r>
             <a:r>
-              <a:rPr lang="hu-HU" dirty="0"/>
+              <a:rPr lang="hu-HU" sz="2200" dirty="0"/>
               <a:t> and </a:t>
             </a:r>
             <a:r>
-              <a:rPr lang="en-US" dirty="0"/>
+              <a:rPr lang="en-US" sz="2200" dirty="0"/>
               <a:t>The Coyote Mission Planning and Control System</a:t>
             </a:r>
             <a:r>
-              <a:rPr lang="hu-HU" dirty="0"/>
+              <a:rPr lang="hu-HU" sz="2200" dirty="0"/>
               <a:t> </a:t>
             </a:r>
           </a:p>

--- a/information_systems/real_time_uml/prezi.pptx
+++ b/information_systems/real_time_uml/prezi.pptx
@@ -7,12 +7,13 @@
   <p:sldIdLst>
     <p:sldId id="256" r:id="rId2"/>
     <p:sldId id="257" r:id="rId3"/>
-    <p:sldId id="258" r:id="rId4"/>
-    <p:sldId id="259" r:id="rId5"/>
-    <p:sldId id="260" r:id="rId6"/>
-    <p:sldId id="261" r:id="rId7"/>
-    <p:sldId id="262" r:id="rId8"/>
-    <p:sldId id="263" r:id="rId9"/>
+    <p:sldId id="264" r:id="rId4"/>
+    <p:sldId id="258" r:id="rId5"/>
+    <p:sldId id="259" r:id="rId6"/>
+    <p:sldId id="260" r:id="rId7"/>
+    <p:sldId id="261" r:id="rId8"/>
+    <p:sldId id="262" r:id="rId9"/>
+    <p:sldId id="263" r:id="rId10"/>
   </p:sldIdLst>
   <p:sldSz cx="12192000" cy="6858000"/>
   <p:notesSz cx="6858000" cy="9144000"/>
@@ -248,7 +249,7 @@
           <a:p>
             <a:fld id="{14184A55-F98C-4DCF-B43B-D8B9973F5BA3}" type="datetimeFigureOut">
               <a:rPr lang="hu-HU" smtClean="0"/>
-              <a:t>2016.11.23.</a:t>
+              <a:t>2016.11.25.</a:t>
             </a:fld>
             <a:endParaRPr lang="hu-HU"/>
           </a:p>
@@ -416,7 +417,7 @@
           <a:p>
             <a:fld id="{14184A55-F98C-4DCF-B43B-D8B9973F5BA3}" type="datetimeFigureOut">
               <a:rPr lang="hu-HU" smtClean="0"/>
-              <a:t>2016.11.23.</a:t>
+              <a:t>2016.11.25.</a:t>
             </a:fld>
             <a:endParaRPr lang="hu-HU"/>
           </a:p>
@@ -594,7 +595,7 @@
           <a:p>
             <a:fld id="{14184A55-F98C-4DCF-B43B-D8B9973F5BA3}" type="datetimeFigureOut">
               <a:rPr lang="hu-HU" smtClean="0"/>
-              <a:t>2016.11.23.</a:t>
+              <a:t>2016.11.25.</a:t>
             </a:fld>
             <a:endParaRPr lang="hu-HU"/>
           </a:p>
@@ -762,7 +763,7 @@
           <a:p>
             <a:fld id="{14184A55-F98C-4DCF-B43B-D8B9973F5BA3}" type="datetimeFigureOut">
               <a:rPr lang="hu-HU" smtClean="0"/>
-              <a:t>2016.11.23.</a:t>
+              <a:t>2016.11.25.</a:t>
             </a:fld>
             <a:endParaRPr lang="hu-HU"/>
           </a:p>
@@ -1007,7 +1008,7 @@
           <a:p>
             <a:fld id="{14184A55-F98C-4DCF-B43B-D8B9973F5BA3}" type="datetimeFigureOut">
               <a:rPr lang="hu-HU" smtClean="0"/>
-              <a:t>2016.11.23.</a:t>
+              <a:t>2016.11.25.</a:t>
             </a:fld>
             <a:endParaRPr lang="hu-HU"/>
           </a:p>
@@ -1236,7 +1237,7 @@
           <a:p>
             <a:fld id="{14184A55-F98C-4DCF-B43B-D8B9973F5BA3}" type="datetimeFigureOut">
               <a:rPr lang="hu-HU" smtClean="0"/>
-              <a:t>2016.11.23.</a:t>
+              <a:t>2016.11.25.</a:t>
             </a:fld>
             <a:endParaRPr lang="hu-HU"/>
           </a:p>
@@ -1600,7 +1601,7 @@
           <a:p>
             <a:fld id="{14184A55-F98C-4DCF-B43B-D8B9973F5BA3}" type="datetimeFigureOut">
               <a:rPr lang="hu-HU" smtClean="0"/>
-              <a:t>2016.11.23.</a:t>
+              <a:t>2016.11.25.</a:t>
             </a:fld>
             <a:endParaRPr lang="hu-HU"/>
           </a:p>
@@ -1717,7 +1718,7 @@
           <a:p>
             <a:fld id="{14184A55-F98C-4DCF-B43B-D8B9973F5BA3}" type="datetimeFigureOut">
               <a:rPr lang="hu-HU" smtClean="0"/>
-              <a:t>2016.11.23.</a:t>
+              <a:t>2016.11.25.</a:t>
             </a:fld>
             <a:endParaRPr lang="hu-HU"/>
           </a:p>
@@ -1812,7 +1813,7 @@
           <a:p>
             <a:fld id="{14184A55-F98C-4DCF-B43B-D8B9973F5BA3}" type="datetimeFigureOut">
               <a:rPr lang="hu-HU" smtClean="0"/>
-              <a:t>2016.11.23.</a:t>
+              <a:t>2016.11.25.</a:t>
             </a:fld>
             <a:endParaRPr lang="hu-HU"/>
           </a:p>
@@ -2087,7 +2088,7 @@
           <a:p>
             <a:fld id="{14184A55-F98C-4DCF-B43B-D8B9973F5BA3}" type="datetimeFigureOut">
               <a:rPr lang="hu-HU" smtClean="0"/>
-              <a:t>2016.11.23.</a:t>
+              <a:t>2016.11.25.</a:t>
             </a:fld>
             <a:endParaRPr lang="hu-HU"/>
           </a:p>
@@ -2339,7 +2340,7 @@
           <a:p>
             <a:fld id="{14184A55-F98C-4DCF-B43B-D8B9973F5BA3}" type="datetimeFigureOut">
               <a:rPr lang="hu-HU" smtClean="0"/>
-              <a:t>2016.11.23.</a:t>
+              <a:t>2016.11.25.</a:t>
             </a:fld>
             <a:endParaRPr lang="hu-HU"/>
           </a:p>
@@ -2550,7 +2551,7 @@
           <a:p>
             <a:fld id="{14184A55-F98C-4DCF-B43B-D8B9973F5BA3}" type="datetimeFigureOut">
               <a:rPr lang="hu-HU" smtClean="0"/>
-              <a:t>2016.11.23.</a:t>
+              <a:t>2016.11.25.</a:t>
             </a:fld>
             <a:endParaRPr lang="hu-HU"/>
           </a:p>
@@ -3123,11 +3124,7 @@
             </a:r>
             <a:r>
               <a:rPr lang="hu-HU" sz="2200" dirty="0" smtClean="0"/>
-              <a:t>the previous presentaion</a:t>
-            </a:r>
-            <a:r>
-              <a:rPr lang="hu-HU" sz="2200" dirty="0" smtClean="0"/>
-              <a:t>..)</a:t>
+              <a:t>the previous presentaion..)</a:t>
             </a:r>
             <a:endParaRPr lang="hu-HU" sz="2200" dirty="0"/>
           </a:p>
@@ -3485,7 +3482,9 @@
         </p:nvSpPr>
         <p:spPr/>
         <p:txBody>
-          <a:bodyPr/>
+          <a:bodyPr>
+            <a:normAutofit/>
+          </a:bodyPr>
           <a:lstStyle/>
           <a:p>
             <a:pPr>
@@ -3605,37 +3604,67 @@
               </a:lnSpc>
             </a:pPr>
             <a:r>
-              <a:rPr lang="hu-HU" dirty="0" err="1"/>
-              <a:t>For</a:t>
-            </a:r>
-            <a:r>
-              <a:rPr lang="hu-HU" dirty="0"/>
-              <a:t> </a:t>
-            </a:r>
-            <a:r>
-              <a:rPr lang="hu-HU" dirty="0" err="1"/>
-              <a:t>instance</a:t>
-            </a:r>
-            <a:r>
-              <a:rPr lang="hu-HU" dirty="0"/>
-              <a:t>: A </a:t>
-            </a:r>
-            <a:r>
-              <a:rPr lang="hu-HU" dirty="0" err="1"/>
-              <a:t>customer</a:t>
-            </a:r>
-            <a:r>
-              <a:rPr lang="hu-HU" dirty="0"/>
-              <a:t> in a banking </a:t>
-            </a:r>
-            <a:r>
-              <a:rPr lang="hu-HU" dirty="0" err="1"/>
-              <a:t>system</a:t>
-            </a:r>
-            <a:r>
-              <a:rPr lang="hu-HU" dirty="0"/>
+              <a:rPr lang="hu-HU" dirty="0" smtClean="0"/>
+              <a:t>Identify </a:t>
+            </a:r>
+            <a:r>
+              <a:rPr lang="hu-HU" dirty="0"/>
+              <a:t>phisical devices </a:t>
+            </a:r>
+            <a:r>
+              <a:rPr lang="en-US" dirty="0"/>
+              <a:t>which are part of the system</a:t>
+            </a:r>
+            <a:r>
+              <a:rPr lang="en-US" dirty="0" smtClean="0"/>
               <a:t>.</a:t>
             </a:r>
+            <a:endParaRPr lang="hu-HU" dirty="0" smtClean="0"/>
+          </a:p>
+          <a:p>
+            <a:r>
+              <a:rPr lang="hu-HU" dirty="0"/>
+              <a:t>Vehicle </a:t>
+            </a:r>
+            <a:r>
+              <a:rPr lang="hu-HU" dirty="0" smtClean="0"/>
+              <a:t>Detector devices</a:t>
+            </a:r>
+            <a:r>
+              <a:rPr lang="hu-HU" b="1" dirty="0" smtClean="0"/>
+              <a:t>: </a:t>
+            </a:r>
+            <a:r>
+              <a:rPr lang="hu-HU" dirty="0"/>
+              <a:t>subsurface passive, </a:t>
+            </a:r>
+            <a:r>
+              <a:rPr lang="en-US" dirty="0"/>
+              <a:t>loop inductors (SPLIs), above-surface infrared sensors (ASIs) and</a:t>
+            </a:r>
+            <a:r>
+              <a:rPr lang="hu-HU" dirty="0"/>
+              <a:t>, above-surface radars (ASRs ).</a:t>
+            </a:r>
+          </a:p>
+          <a:p>
+            <a:r>
+              <a:rPr lang="hu-HU" dirty="0"/>
+              <a:t>Image Acquisition physical devices:  optical, FLIR </a:t>
+            </a:r>
+            <a:r>
+              <a:rPr lang="en-US" dirty="0"/>
+              <a:t>(forward-looking infrared), and SAR (synthetic-aperture radar)</a:t>
+            </a:r>
+            <a:r>
+              <a:rPr lang="hu-HU" dirty="0"/>
+              <a:t> sensors</a:t>
+            </a:r>
+            <a:r>
+              <a:rPr lang="en-US" dirty="0"/>
+              <a:t>.</a:t>
+            </a:r>
+            <a:endParaRPr lang="hu-HU" dirty="0"/>
           </a:p>
           <a:p>
             <a:pPr>
@@ -3643,34 +3672,6 @@
                 <a:spcPct val="150000"/>
               </a:lnSpc>
             </a:pPr>
-            <a:r>
-              <a:rPr lang="hu-HU" dirty="0" err="1"/>
-              <a:t>Identify</a:t>
-            </a:r>
-            <a:r>
-              <a:rPr lang="hu-HU" dirty="0"/>
-              <a:t> </a:t>
-            </a:r>
-            <a:r>
-              <a:rPr lang="hu-HU" dirty="0" err="1"/>
-              <a:t>phisical</a:t>
-            </a:r>
-            <a:r>
-              <a:rPr lang="hu-HU" dirty="0"/>
-              <a:t> </a:t>
-            </a:r>
-            <a:r>
-              <a:rPr lang="hu-HU" dirty="0" err="1"/>
-              <a:t>devices</a:t>
-            </a:r>
-            <a:r>
-              <a:rPr lang="hu-HU" dirty="0"/>
-              <a:t> </a:t>
-            </a:r>
-            <a:r>
-              <a:rPr lang="en-US" dirty="0"/>
-              <a:t>which are part of the system.</a:t>
-            </a:r>
             <a:endParaRPr lang="hu-HU" dirty="0"/>
           </a:p>
         </p:txBody>
@@ -3707,7 +3708,7 @@
       </p:grpSpPr>
       <p:sp>
         <p:nvSpPr>
-          <p:cNvPr id="2" name="Cím 1"/>
+          <p:cNvPr id="2" name="Title 1"/>
           <p:cNvSpPr>
             <a:spLocks noGrp="1"/>
           </p:cNvSpPr>
@@ -3717,23 +3718,25 @@
         </p:nvSpPr>
         <p:spPr/>
         <p:txBody>
-          <a:bodyPr>
-            <a:normAutofit/>
-          </a:bodyPr>
+          <a:bodyPr/>
           <a:lstStyle/>
           <a:p>
             <a:pPr algn="ctr"/>
             <a:r>
-              <a:rPr lang="en-US" sz="4000" dirty="0"/>
-              <a:t> Apply Key Concepts and Transaction Strategies</a:t>
-            </a:r>
-            <a:endParaRPr lang="hu-HU" sz="4000" dirty="0"/>
-          </a:p>
-        </p:txBody>
-      </p:sp>
-      <p:sp>
-        <p:nvSpPr>
-          <p:cNvPr id="3" name="Tartalom helye 2"/>
+              <a:rPr lang="hu-HU" dirty="0"/>
+              <a:t>Apply real-word items and physical devices </a:t>
+            </a:r>
+            <a:r>
+              <a:rPr lang="hu-HU" dirty="0" smtClean="0"/>
+              <a:t>strtegy</a:t>
+            </a:r>
+            <a:endParaRPr lang="hu-HU" dirty="0"/>
+          </a:p>
+        </p:txBody>
+      </p:sp>
+      <p:sp>
+        <p:nvSpPr>
+          <p:cNvPr id="3" name="Content Placeholder 2"/>
           <p:cNvSpPr>
             <a:spLocks noGrp="1"/>
           </p:cNvSpPr>
@@ -3741,131 +3744,69 @@
             <p:ph idx="1"/>
           </p:nvPr>
         </p:nvSpPr>
-        <p:spPr>
-          <a:xfrm>
-            <a:off x="756138" y="1825625"/>
-            <a:ext cx="10597662" cy="4351338"/>
-          </a:xfrm>
-        </p:spPr>
-        <p:txBody>
-          <a:bodyPr/>
-          <a:lstStyle/>
-          <a:p>
-            <a:r>
-              <a:rPr lang="hu-HU" dirty="0" err="1"/>
-              <a:t>Oppsite</a:t>
-            </a:r>
-            <a:r>
-              <a:rPr lang="hu-HU" dirty="0"/>
-              <a:t> of </a:t>
-            </a:r>
-            <a:r>
-              <a:rPr lang="hu-HU" dirty="0" err="1"/>
-              <a:t>real-world</a:t>
-            </a:r>
-            <a:r>
-              <a:rPr lang="hu-HU" dirty="0"/>
-              <a:t> </a:t>
-            </a:r>
-            <a:r>
-              <a:rPr lang="hu-HU" dirty="0" err="1"/>
-              <a:t>strategy</a:t>
-            </a:r>
-            <a:endParaRPr lang="hu-HU" dirty="0"/>
-          </a:p>
-          <a:p>
-            <a:r>
-              <a:rPr lang="hu-HU" dirty="0"/>
-              <a:t>F</a:t>
-            </a:r>
-            <a:r>
-              <a:rPr lang="en-US" dirty="0" err="1"/>
-              <a:t>ind</a:t>
+        <p:spPr/>
+        <p:txBody>
+          <a:bodyPr/>
+          <a:lstStyle/>
+          <a:p>
+            <a:pPr marL="0" indent="0">
+              <a:buNone/>
+            </a:pPr>
+            <a:endParaRPr lang="hu-HU" dirty="0" smtClean="0"/>
+          </a:p>
+          <a:p>
+            <a:r>
+              <a:rPr lang="hu-HU" dirty="0" smtClean="0"/>
+              <a:t>Indructor provides energy, wide interface</a:t>
+            </a:r>
+          </a:p>
+          <a:p>
+            <a:r>
+              <a:rPr lang="hu-HU" dirty="0" smtClean="0"/>
+              <a:t>Sensors and radars provides both </a:t>
+            </a:r>
+            <a:r>
+              <a:rPr lang="hu-HU" dirty="0"/>
+              <a:t>wired </a:t>
+            </a:r>
+            <a:r>
+              <a:rPr lang="hu-HU" dirty="0" smtClean="0"/>
+              <a:t>and secure </a:t>
+            </a:r>
+            <a:r>
+              <a:rPr lang="hu-HU" dirty="0"/>
+              <a:t>wireless communication</a:t>
+            </a:r>
+            <a:endParaRPr lang="hu-HU" dirty="0" smtClean="0"/>
+          </a:p>
+          <a:p>
+            <a:r>
+              <a:rPr lang="hu-HU" dirty="0" smtClean="0"/>
+              <a:t>The seonsors could be passive or active.</a:t>
+            </a:r>
+          </a:p>
+          <a:p>
+            <a:r>
+              <a:rPr lang="hu-HU" dirty="0"/>
+              <a:t>P</a:t>
+            </a:r>
+            <a:r>
+              <a:rPr lang="hu-HU" dirty="0" smtClean="0"/>
+              <a:t>assive means: it uses the enegery emmited from the ground, it shaell be a signal</a:t>
+            </a:r>
+          </a:p>
+          <a:p>
+            <a:r>
+              <a:rPr lang="hu-HU" dirty="0" smtClean="0"/>
+              <a:t>Active means: painting the targets with energy and uses the </a:t>
             </a:r>
             <a:r>
               <a:rPr lang="en-US" dirty="0"/>
-              <a:t> the essential concepts of a domain of discourse</a:t>
-            </a:r>
-            <a:endParaRPr lang="hu-HU" dirty="0"/>
-          </a:p>
-          <a:p>
-            <a:r>
-              <a:rPr lang="hu-HU" dirty="0" err="1"/>
-              <a:t>For</a:t>
-            </a:r>
-            <a:r>
-              <a:rPr lang="hu-HU" dirty="0"/>
-              <a:t> </a:t>
-            </a:r>
-            <a:r>
-              <a:rPr lang="hu-HU" dirty="0" err="1"/>
-              <a:t>instance</a:t>
-            </a:r>
-            <a:r>
-              <a:rPr lang="hu-HU" dirty="0"/>
-              <a:t>: an account in a banking </a:t>
-            </a:r>
-            <a:r>
-              <a:rPr lang="hu-HU" dirty="0" err="1"/>
-              <a:t>system</a:t>
-            </a:r>
-            <a:endParaRPr lang="hu-HU" dirty="0"/>
-          </a:p>
-          <a:p>
-            <a:r>
-              <a:rPr lang="hu-HU" dirty="0" err="1"/>
-              <a:t>Transaction</a:t>
-            </a:r>
-            <a:r>
-              <a:rPr lang="hu-HU" dirty="0"/>
-              <a:t>: R</a:t>
-            </a:r>
-            <a:r>
-              <a:rPr lang="en-US" dirty="0" err="1"/>
-              <a:t>eification</a:t>
-            </a:r>
-            <a:r>
-              <a:rPr lang="en-US" dirty="0"/>
-              <a:t> of an interaction</a:t>
-            </a:r>
-            <a:r>
-              <a:rPr lang="hu-HU" dirty="0"/>
-              <a:t> </a:t>
-            </a:r>
-            <a:r>
-              <a:rPr lang="hu-HU" dirty="0" err="1"/>
-              <a:t>between</a:t>
-            </a:r>
-            <a:r>
-              <a:rPr lang="hu-HU" dirty="0"/>
-              <a:t> </a:t>
-            </a:r>
-            <a:r>
-              <a:rPr lang="hu-HU" dirty="0" err="1"/>
-              <a:t>objects</a:t>
-            </a:r>
-            <a:endParaRPr lang="hu-HU" dirty="0"/>
-          </a:p>
-          <a:p>
-            <a:r>
-              <a:rPr lang="hu-HU" dirty="0" err="1"/>
-              <a:t>For</a:t>
-            </a:r>
-            <a:r>
-              <a:rPr lang="hu-HU" dirty="0"/>
-              <a:t> </a:t>
-            </a:r>
-            <a:r>
-              <a:rPr lang="hu-HU" dirty="0" err="1"/>
-              <a:t>instance</a:t>
-            </a:r>
-            <a:r>
-              <a:rPr lang="hu-HU" dirty="0"/>
-              <a:t>: </a:t>
-            </a:r>
-            <a:r>
-              <a:rPr lang="en-US" dirty="0"/>
-              <a:t>A withdrawal from a bank account is a transactional object.</a:t>
+              <a:t>using the reflection of these pulses to </a:t>
+            </a:r>
+            <a:r>
+              <a:rPr lang="hu-HU" dirty="0" smtClean="0"/>
+              <a:t>geadher information</a:t>
             </a:r>
             <a:endParaRPr lang="hu-HU" dirty="0"/>
           </a:p>
@@ -3874,7 +3815,7 @@
     </p:spTree>
     <p:extLst>
       <p:ext uri="{BB962C8B-B14F-4D97-AF65-F5344CB8AC3E}">
-        <p14:creationId xmlns:p14="http://schemas.microsoft.com/office/powerpoint/2010/main" val="949003330"/>
+        <p14:creationId xmlns:p14="http://schemas.microsoft.com/office/powerpoint/2010/main" val="5271864"/>
       </p:ext>
     </p:extLst>
   </p:cSld>
@@ -3920,10 +3861,10 @@
           <a:p>
             <a:pPr algn="ctr"/>
             <a:r>
-              <a:rPr lang="en-US" sz="3600" dirty="0"/>
-              <a:t>Apply Identify Visual Elements and Scenarios Strategies</a:t>
-            </a:r>
-            <a:endParaRPr lang="hu-HU" sz="3600" dirty="0"/>
+              <a:rPr lang="en-US" sz="4000" dirty="0"/>
+              <a:t> Apply Key Concepts and Transaction Strategies</a:t>
+            </a:r>
+            <a:endParaRPr lang="hu-HU" sz="4000" dirty="0"/>
           </a:p>
         </p:txBody>
       </p:sp>
@@ -3939,173 +3880,17 @@
         </p:nvSpPr>
         <p:spPr>
           <a:xfrm>
-            <a:off x="838200" y="1825625"/>
-            <a:ext cx="10515600" cy="4351338"/>
+            <a:off x="756138" y="1825625"/>
+            <a:ext cx="10597662" cy="4351338"/>
           </a:xfrm>
         </p:spPr>
         <p:txBody>
           <a:bodyPr/>
           <a:lstStyle/>
           <a:p>
-            <a:pPr>
-              <a:lnSpc>
-                <a:spcPct val="100000"/>
-              </a:lnSpc>
-            </a:pPr>
-            <a:r>
-              <a:rPr lang="hu-HU" dirty="0"/>
-              <a:t>VE startegy is </a:t>
-            </a:r>
-            <a:r>
-              <a:rPr lang="hu-HU" dirty="0" err="1"/>
-              <a:t>related</a:t>
-            </a:r>
-            <a:r>
-              <a:rPr lang="hu-HU" dirty="0"/>
-              <a:t> </a:t>
-            </a:r>
-            <a:r>
-              <a:rPr lang="hu-HU" dirty="0" err="1"/>
-              <a:t>to</a:t>
-            </a:r>
-            <a:r>
-              <a:rPr lang="hu-HU" dirty="0"/>
-              <a:t> </a:t>
-            </a:r>
-            <a:r>
-              <a:rPr lang="hu-HU" dirty="0" err="1"/>
-              <a:t>Scenarios</a:t>
-            </a:r>
-            <a:r>
-              <a:rPr lang="hu-HU" dirty="0"/>
-              <a:t> </a:t>
-            </a:r>
-            <a:r>
-              <a:rPr lang="hu-HU" dirty="0" err="1"/>
-              <a:t>strtagey</a:t>
-            </a:r>
-            <a:r>
-              <a:rPr lang="hu-HU" dirty="0"/>
-              <a:t> (during </a:t>
-            </a:r>
-            <a:r>
-              <a:rPr lang="hu-HU" dirty="0" err="1"/>
-              <a:t>considering</a:t>
-            </a:r>
-            <a:r>
-              <a:rPr lang="hu-HU" dirty="0"/>
-              <a:t> a </a:t>
-            </a:r>
-            <a:r>
-              <a:rPr lang="hu-HU" dirty="0" err="1"/>
-              <a:t>scenario</a:t>
-            </a:r>
-            <a:r>
-              <a:rPr lang="hu-HU" dirty="0"/>
-              <a:t> we </a:t>
-            </a:r>
-            <a:r>
-              <a:rPr lang="hu-HU" dirty="0" err="1"/>
-              <a:t>should</a:t>
-            </a:r>
-            <a:r>
-              <a:rPr lang="hu-HU" dirty="0"/>
-              <a:t> </a:t>
-            </a:r>
-            <a:r>
-              <a:rPr lang="hu-HU" dirty="0" err="1"/>
-              <a:t>gadher</a:t>
-            </a:r>
-            <a:r>
-              <a:rPr lang="hu-HU" dirty="0"/>
-              <a:t> </a:t>
-            </a:r>
-            <a:r>
-              <a:rPr lang="hu-HU" dirty="0" err="1"/>
-              <a:t>interfaces</a:t>
-            </a:r>
-            <a:r>
-              <a:rPr lang="hu-HU" dirty="0"/>
-              <a:t> </a:t>
-            </a:r>
-            <a:r>
-              <a:rPr lang="hu-HU" dirty="0" err="1"/>
-              <a:t>for</a:t>
-            </a:r>
-            <a:r>
-              <a:rPr lang="hu-HU" dirty="0"/>
-              <a:t> </a:t>
-            </a:r>
-            <a:r>
-              <a:rPr lang="hu-HU" dirty="0" err="1"/>
-              <a:t>the</a:t>
-            </a:r>
-            <a:r>
-              <a:rPr lang="hu-HU" dirty="0"/>
-              <a:t> </a:t>
-            </a:r>
-            <a:r>
-              <a:rPr lang="hu-HU" dirty="0" err="1"/>
-              <a:t>sceanrios</a:t>
-            </a:r>
-            <a:r>
-              <a:rPr lang="hu-HU" dirty="0"/>
-              <a:t>)</a:t>
-            </a:r>
-          </a:p>
-          <a:p>
-            <a:pPr>
-              <a:lnSpc>
-                <a:spcPct val="100000"/>
-              </a:lnSpc>
-            </a:pPr>
-            <a:r>
-              <a:rPr lang="hu-HU" dirty="0"/>
-              <a:t>The </a:t>
-            </a:r>
-            <a:r>
-              <a:rPr lang="hu-HU" dirty="0" err="1"/>
-              <a:t>easisest</a:t>
-            </a:r>
-            <a:r>
-              <a:rPr lang="hu-HU" dirty="0"/>
-              <a:t> </a:t>
-            </a:r>
-            <a:r>
-              <a:rPr lang="hu-HU" dirty="0" err="1"/>
-              <a:t>way</a:t>
-            </a:r>
-            <a:r>
-              <a:rPr lang="hu-HU" dirty="0"/>
-              <a:t> </a:t>
-            </a:r>
-            <a:r>
-              <a:rPr lang="hu-HU" dirty="0" err="1"/>
-              <a:t>to</a:t>
-            </a:r>
-            <a:r>
-              <a:rPr lang="hu-HU" dirty="0"/>
-              <a:t> </a:t>
-            </a:r>
-            <a:r>
-              <a:rPr lang="hu-HU" dirty="0" err="1"/>
-              <a:t>create</a:t>
-            </a:r>
-            <a:r>
-              <a:rPr lang="hu-HU" dirty="0"/>
-              <a:t> a </a:t>
-            </a:r>
-            <a:r>
-              <a:rPr lang="hu-HU" dirty="0" err="1"/>
-              <a:t>working</a:t>
-            </a:r>
-            <a:r>
-              <a:rPr lang="hu-HU" dirty="0"/>
-              <a:t> </a:t>
-            </a:r>
-            <a:r>
-              <a:rPr lang="hu-HU" dirty="0" err="1"/>
-              <a:t>collaboration</a:t>
+            <a:r>
+              <a:rPr lang="hu-HU" dirty="0" err="1"/>
+              <a:t>Oppsite</a:t>
             </a:r>
             <a:r>
               <a:rPr lang="hu-HU" dirty="0"/>
@@ -4113,71 +3898,111 @@
             </a:r>
             <a:r>
               <a:rPr lang="hu-HU" dirty="0" err="1"/>
-              <a:t>classes</a:t>
-            </a:r>
-            <a:r>
-              <a:rPr lang="hu-HU" dirty="0"/>
-              <a:t> </a:t>
-            </a:r>
-            <a:r>
-              <a:rPr lang="hu-HU" dirty="0" err="1"/>
-              <a:t>to</a:t>
-            </a:r>
-            <a:r>
-              <a:rPr lang="hu-HU" dirty="0"/>
-              <a:t> </a:t>
-            </a:r>
-            <a:r>
-              <a:rPr lang="hu-HU" dirty="0" err="1"/>
-              <a:t>realize</a:t>
-            </a:r>
-            <a:r>
-              <a:rPr lang="hu-HU" dirty="0"/>
-              <a:t> an </a:t>
-            </a:r>
-            <a:r>
-              <a:rPr lang="hu-HU" dirty="0" err="1"/>
-              <a:t>use</a:t>
-            </a:r>
-            <a:r>
-              <a:rPr lang="hu-HU" dirty="0"/>
-              <a:t> </a:t>
-            </a:r>
-            <a:r>
-              <a:rPr lang="hu-HU" dirty="0" err="1"/>
-              <a:t>case</a:t>
+              <a:t>real-world</a:t>
+            </a:r>
+            <a:r>
+              <a:rPr lang="hu-HU" dirty="0"/>
+              <a:t> </a:t>
+            </a:r>
+            <a:r>
+              <a:rPr lang="hu-HU" dirty="0" err="1"/>
+              <a:t>strategy</a:t>
             </a:r>
             <a:endParaRPr lang="hu-HU" dirty="0"/>
           </a:p>
           <a:p>
-            <a:pPr>
-              <a:lnSpc>
-                <a:spcPct val="100000"/>
-              </a:lnSpc>
-            </a:pPr>
+            <a:r>
+              <a:rPr lang="hu-HU" dirty="0"/>
+              <a:t>F</a:t>
+            </a:r>
+            <a:r>
+              <a:rPr lang="en-US" dirty="0" err="1"/>
+              <a:t>ind</a:t>
+            </a:r>
             <a:r>
               <a:rPr lang="en-US" dirty="0"/>
-              <a:t>In small systems (like </a:t>
-            </a:r>
-            <a:r>
-              <a:rPr lang="en-US" u="sng" dirty="0"/>
-              <a:t>RTLC</a:t>
+              <a:t> the essential concepts of a domain of discourse</a:t>
+            </a:r>
+            <a:endParaRPr lang="hu-HU" dirty="0"/>
+          </a:p>
+          <a:p>
+            <a:r>
+              <a:rPr lang="hu-HU" dirty="0" err="1"/>
+              <a:t>For</a:t>
+            </a:r>
+            <a:r>
+              <a:rPr lang="hu-HU" dirty="0"/>
+              <a:t> </a:t>
+            </a:r>
+            <a:r>
+              <a:rPr lang="hu-HU" dirty="0" err="1"/>
+              <a:t>instance</a:t>
+            </a:r>
+            <a:r>
+              <a:rPr lang="hu-HU" dirty="0"/>
+              <a:t>: an account in a banking </a:t>
+            </a:r>
+            <a:r>
+              <a:rPr lang="hu-HU" dirty="0" err="1"/>
+              <a:t>system</a:t>
+            </a:r>
+            <a:endParaRPr lang="hu-HU" dirty="0"/>
+          </a:p>
+          <a:p>
+            <a:r>
+              <a:rPr lang="hu-HU" dirty="0" err="1"/>
+              <a:t>Transaction</a:t>
+            </a:r>
+            <a:r>
+              <a:rPr lang="hu-HU" dirty="0"/>
+              <a:t>: R</a:t>
+            </a:r>
+            <a:r>
+              <a:rPr lang="en-US" dirty="0" err="1"/>
+              <a:t>eification</a:t>
             </a:r>
             <a:r>
               <a:rPr lang="en-US" dirty="0"/>
-              <a:t>) system-level use cases are used while in bigger system subsystem-level user cases are used.</a:t>
+              <a:t> of an interaction</a:t>
+            </a:r>
+            <a:r>
+              <a:rPr lang="hu-HU" dirty="0"/>
+              <a:t> </a:t>
+            </a:r>
+            <a:r>
+              <a:rPr lang="hu-HU" dirty="0" err="1"/>
+              <a:t>between</a:t>
+            </a:r>
+            <a:r>
+              <a:rPr lang="hu-HU" dirty="0"/>
+              <a:t> </a:t>
+            </a:r>
+            <a:r>
+              <a:rPr lang="hu-HU" dirty="0" err="1"/>
+              <a:t>objects</a:t>
             </a:r>
             <a:endParaRPr lang="hu-HU" dirty="0"/>
           </a:p>
           <a:p>
-            <a:pPr>
-              <a:lnSpc>
-                <a:spcPct val="100000"/>
-              </a:lnSpc>
-            </a:pPr>
+            <a:r>
+              <a:rPr lang="hu-HU" dirty="0" err="1"/>
+              <a:t>For</a:t>
+            </a:r>
+            <a:r>
+              <a:rPr lang="hu-HU" dirty="0"/>
+              <a:t> </a:t>
+            </a:r>
+            <a:r>
+              <a:rPr lang="hu-HU" dirty="0" err="1"/>
+              <a:t>instance</a:t>
+            </a:r>
+            <a:r>
+              <a:rPr lang="hu-HU" dirty="0"/>
+              <a:t>: </a:t>
+            </a:r>
             <a:r>
               <a:rPr lang="en-US" dirty="0"/>
-              <a:t>This elaboration is able to done in-line or by decomposition</a:t>
+              <a:t>A withdrawal from a bank account is a transactional object.</a:t>
             </a:r>
             <a:endParaRPr lang="hu-HU" dirty="0"/>
           </a:p>
@@ -4186,7 +4011,7 @@
     </p:spTree>
     <p:extLst>
       <p:ext uri="{BB962C8B-B14F-4D97-AF65-F5344CB8AC3E}">
-        <p14:creationId xmlns:p14="http://schemas.microsoft.com/office/powerpoint/2010/main" val="1309890826"/>
+        <p14:creationId xmlns:p14="http://schemas.microsoft.com/office/powerpoint/2010/main" val="949003330"/>
       </p:ext>
     </p:extLst>
   </p:cSld>
@@ -4232,26 +4057,10 @@
           <a:p>
             <a:pPr algn="ctr"/>
             <a:r>
-              <a:rPr lang="hu-HU" dirty="0" err="1"/>
-              <a:t>Object-level</a:t>
-            </a:r>
-            <a:r>
-              <a:rPr lang="hu-HU" dirty="0"/>
-              <a:t> </a:t>
-            </a:r>
-            <a:r>
-              <a:rPr lang="hu-HU" dirty="0" err="1"/>
-              <a:t>scenario</a:t>
-            </a:r>
-            <a:r>
-              <a:rPr lang="hu-HU" dirty="0"/>
-              <a:t> </a:t>
-            </a:r>
-            <a:r>
-              <a:rPr lang="hu-HU" dirty="0" err="1"/>
-              <a:t>elaboration</a:t>
-            </a:r>
-            <a:endParaRPr lang="hu-HU" sz="3200" dirty="0"/>
+              <a:rPr lang="en-US" sz="3600" dirty="0"/>
+              <a:t>Apply Identify Visual Elements and Scenarios Strategies</a:t>
+            </a:r>
+            <a:endParaRPr lang="hu-HU" sz="3600" dirty="0"/>
           </a:p>
         </p:txBody>
       </p:sp>
@@ -4265,63 +4074,247 @@
             <p:ph idx="1"/>
           </p:nvPr>
         </p:nvSpPr>
-        <p:spPr/>
+        <p:spPr>
+          <a:xfrm>
+            <a:off x="838200" y="1825625"/>
+            <a:ext cx="10515600" cy="4351338"/>
+          </a:xfrm>
+        </p:spPr>
         <p:txBody>
           <a:bodyPr/>
           <a:lstStyle/>
           <a:p>
             <a:pPr>
               <a:lnSpc>
-                <a:spcPct val="150000"/>
+                <a:spcPct val="100000"/>
               </a:lnSpc>
             </a:pPr>
             <a:r>
               <a:rPr lang="hu-HU" dirty="0"/>
-              <a:t>Y</a:t>
-            </a:r>
-            <a:r>
-              <a:rPr lang="en-US" dirty="0" err="1"/>
-              <a:t>ou</a:t>
-            </a:r>
-            <a:r>
-              <a:rPr lang="en-US" dirty="0"/>
-              <a:t> should uncover objects, services and parameters.</a:t>
-            </a:r>
-            <a:endParaRPr lang="hu-HU" dirty="0"/>
+              <a:t>VE startegy is </a:t>
+            </a:r>
+            <a:r>
+              <a:rPr lang="hu-HU" dirty="0" err="1"/>
+              <a:t>related</a:t>
+            </a:r>
+            <a:r>
+              <a:rPr lang="hu-HU" dirty="0"/>
+              <a:t> </a:t>
+            </a:r>
+            <a:r>
+              <a:rPr lang="hu-HU" dirty="0" err="1"/>
+              <a:t>to</a:t>
+            </a:r>
+            <a:r>
+              <a:rPr lang="hu-HU" dirty="0"/>
+              <a:t> </a:t>
+            </a:r>
+            <a:r>
+              <a:rPr lang="hu-HU" dirty="0" err="1"/>
+              <a:t>Scenarios</a:t>
+            </a:r>
+            <a:r>
+              <a:rPr lang="hu-HU" dirty="0"/>
+              <a:t> </a:t>
+            </a:r>
+            <a:r>
+              <a:rPr lang="hu-HU" dirty="0" err="1"/>
+              <a:t>strtagey</a:t>
+            </a:r>
+            <a:r>
+              <a:rPr lang="hu-HU" dirty="0"/>
+              <a:t> (during </a:t>
+            </a:r>
+            <a:r>
+              <a:rPr lang="hu-HU" dirty="0" err="1"/>
+              <a:t>considering</a:t>
+            </a:r>
+            <a:r>
+              <a:rPr lang="hu-HU" dirty="0"/>
+              <a:t> a </a:t>
+            </a:r>
+            <a:r>
+              <a:rPr lang="hu-HU" dirty="0" err="1"/>
+              <a:t>scenario</a:t>
+            </a:r>
+            <a:r>
+              <a:rPr lang="hu-HU" dirty="0"/>
+              <a:t> we </a:t>
+            </a:r>
+            <a:r>
+              <a:rPr lang="hu-HU" dirty="0" err="1"/>
+              <a:t>should</a:t>
+            </a:r>
+            <a:r>
+              <a:rPr lang="hu-HU" dirty="0"/>
+              <a:t> </a:t>
+            </a:r>
+            <a:r>
+              <a:rPr lang="hu-HU" dirty="0" err="1"/>
+              <a:t>gadher</a:t>
+            </a:r>
+            <a:r>
+              <a:rPr lang="hu-HU" dirty="0"/>
+              <a:t> </a:t>
+            </a:r>
+            <a:r>
+              <a:rPr lang="hu-HU" dirty="0" err="1"/>
+              <a:t>interfaces</a:t>
+            </a:r>
+            <a:r>
+              <a:rPr lang="hu-HU" dirty="0"/>
+              <a:t> </a:t>
+            </a:r>
+            <a:r>
+              <a:rPr lang="hu-HU" dirty="0" err="1"/>
+              <a:t>for</a:t>
+            </a:r>
+            <a:r>
+              <a:rPr lang="hu-HU" dirty="0"/>
+              <a:t> </a:t>
+            </a:r>
+            <a:r>
+              <a:rPr lang="hu-HU" dirty="0" err="1"/>
+              <a:t>the</a:t>
+            </a:r>
+            <a:r>
+              <a:rPr lang="hu-HU" dirty="0"/>
+              <a:t> </a:t>
+            </a:r>
+            <a:r>
+              <a:rPr lang="hu-HU" dirty="0" err="1"/>
+              <a:t>sceanrios</a:t>
+            </a:r>
+            <a:r>
+              <a:rPr lang="hu-HU" dirty="0"/>
+              <a:t>)</a:t>
+            </a:r>
           </a:p>
           <a:p>
             <a:pPr>
               <a:lnSpc>
-                <a:spcPct val="150000"/>
+                <a:spcPct val="100000"/>
               </a:lnSpc>
             </a:pPr>
             <a:r>
-              <a:rPr lang="en-US" dirty="0"/>
-              <a:t>What object has the information necessary to perform this service?</a:t>
+              <a:rPr lang="hu-HU" dirty="0"/>
+              <a:t>The </a:t>
+            </a:r>
+            <a:r>
+              <a:rPr lang="hu-HU" dirty="0" err="1"/>
+              <a:t>easisest</a:t>
+            </a:r>
+            <a:r>
+              <a:rPr lang="hu-HU" dirty="0"/>
+              <a:t> </a:t>
+            </a:r>
+            <a:r>
+              <a:rPr lang="hu-HU" dirty="0" err="1"/>
+              <a:t>way</a:t>
+            </a:r>
+            <a:r>
+              <a:rPr lang="hu-HU" dirty="0"/>
+              <a:t> </a:t>
+            </a:r>
+            <a:r>
+              <a:rPr lang="hu-HU" dirty="0" err="1"/>
+              <a:t>to</a:t>
+            </a:r>
+            <a:r>
+              <a:rPr lang="hu-HU" dirty="0"/>
+              <a:t> </a:t>
+            </a:r>
+            <a:r>
+              <a:rPr lang="hu-HU" dirty="0" err="1"/>
+              <a:t>create</a:t>
+            </a:r>
+            <a:r>
+              <a:rPr lang="hu-HU" dirty="0"/>
+              <a:t> a </a:t>
+            </a:r>
+            <a:r>
+              <a:rPr lang="hu-HU" dirty="0" err="1"/>
+              <a:t>working</a:t>
+            </a:r>
+            <a:r>
+              <a:rPr lang="hu-HU" dirty="0"/>
+              <a:t> </a:t>
+            </a:r>
+            <a:r>
+              <a:rPr lang="hu-HU" dirty="0" err="1"/>
+              <a:t>collaboration</a:t>
+            </a:r>
+            <a:r>
+              <a:rPr lang="hu-HU" dirty="0"/>
+              <a:t> of </a:t>
+            </a:r>
+            <a:r>
+              <a:rPr lang="hu-HU" dirty="0" err="1"/>
+              <a:t>classes</a:t>
+            </a:r>
+            <a:r>
+              <a:rPr lang="hu-HU" dirty="0"/>
+              <a:t> </a:t>
+            </a:r>
+            <a:r>
+              <a:rPr lang="hu-HU" dirty="0" err="1"/>
+              <a:t>to</a:t>
+            </a:r>
+            <a:r>
+              <a:rPr lang="hu-HU" dirty="0"/>
+              <a:t> </a:t>
+            </a:r>
+            <a:r>
+              <a:rPr lang="hu-HU" dirty="0" err="1"/>
+              <a:t>realize</a:t>
+            </a:r>
+            <a:r>
+              <a:rPr lang="hu-HU" dirty="0"/>
+              <a:t> an </a:t>
+            </a:r>
+            <a:r>
+              <a:rPr lang="hu-HU" dirty="0" err="1"/>
+              <a:t>use</a:t>
+            </a:r>
+            <a:r>
+              <a:rPr lang="hu-HU" dirty="0"/>
+              <a:t> </a:t>
+            </a:r>
+            <a:r>
+              <a:rPr lang="hu-HU" dirty="0" err="1"/>
+              <a:t>case</a:t>
             </a:r>
             <a:endParaRPr lang="hu-HU" dirty="0"/>
           </a:p>
           <a:p>
             <a:pPr>
               <a:lnSpc>
-                <a:spcPct val="150000"/>
+                <a:spcPct val="100000"/>
               </a:lnSpc>
             </a:pPr>
             <a:r>
               <a:rPr lang="en-US" dirty="0"/>
-              <a:t>What object has the proper interfaces necessary to perform this service?</a:t>
+              <a:t>In small systems (like </a:t>
+            </a:r>
+            <a:r>
+              <a:rPr lang="en-US" u="sng" dirty="0"/>
+              <a:t>RTLC</a:t>
+            </a:r>
+            <a:r>
+              <a:rPr lang="en-US" dirty="0"/>
+              <a:t>) system-level use cases are used while in bigger system subsystem-level user cases are used.</a:t>
             </a:r>
             <a:endParaRPr lang="hu-HU" dirty="0"/>
           </a:p>
           <a:p>
             <a:pPr>
               <a:lnSpc>
-                <a:spcPct val="150000"/>
+                <a:spcPct val="100000"/>
               </a:lnSpc>
             </a:pPr>
             <a:r>
               <a:rPr lang="en-US" dirty="0"/>
-              <a:t>What object has the responsibility to perform this service?</a:t>
+              <a:t>This elaboration is able to done in-line or by decomposition</a:t>
             </a:r>
             <a:endParaRPr lang="hu-HU" dirty="0"/>
           </a:p>
@@ -4330,7 +4323,7 @@
     </p:spTree>
     <p:extLst>
       <p:ext uri="{BB962C8B-B14F-4D97-AF65-F5344CB8AC3E}">
-        <p14:creationId xmlns:p14="http://schemas.microsoft.com/office/powerpoint/2010/main" val="440380590"/>
+        <p14:creationId xmlns:p14="http://schemas.microsoft.com/office/powerpoint/2010/main" val="1309890826"/>
       </p:ext>
     </p:extLst>
   </p:cSld>
@@ -4369,7 +4362,9 @@
         </p:nvSpPr>
         <p:spPr/>
         <p:txBody>
-          <a:bodyPr/>
+          <a:bodyPr>
+            <a:normAutofit/>
+          </a:bodyPr>
           <a:lstStyle/>
           <a:p>
             <a:pPr algn="ctr"/>
@@ -4393,7 +4388,7 @@
               <a:rPr lang="hu-HU" dirty="0" err="1"/>
               <a:t>elaboration</a:t>
             </a:r>
-            <a:endParaRPr lang="hu-HU" dirty="0"/>
+            <a:endParaRPr lang="hu-HU" sz="3200" dirty="0"/>
           </a:p>
         </p:txBody>
       </p:sp>
@@ -4419,20 +4414,17 @@
             </a:pPr>
             <a:r>
               <a:rPr lang="hu-HU" dirty="0"/>
-              <a:t>A</a:t>
+              <a:t>Y</a:t>
             </a:r>
             <a:r>
               <a:rPr lang="en-US" dirty="0" err="1"/>
-              <a:t>dd</a:t>
+              <a:t>ou</a:t>
             </a:r>
             <a:r>
               <a:rPr lang="en-US" dirty="0"/>
-              <a:t> objects, services, and relations to detail this scenario</a:t>
-            </a:r>
-            <a:r>
-              <a:rPr lang="hu-HU" dirty="0"/>
-              <a:t>.</a:t>
-            </a:r>
+              <a:t> should uncover objects, services and parameters.</a:t>
+            </a:r>
+            <a:endParaRPr lang="hu-HU" dirty="0"/>
           </a:p>
           <a:p>
             <a:pPr>
@@ -4441,12 +4433,8 @@
               </a:lnSpc>
             </a:pPr>
             <a:r>
-              <a:rPr lang="hu-HU" dirty="0"/>
-              <a:t>S</a:t>
-            </a:r>
-            <a:r>
               <a:rPr lang="en-US" dirty="0"/>
-              <a:t>tart at the beginning of the scenario, or somewhere in the middle—perhaps</a:t>
+              <a:t>What object has the information necessary to perform this service?</a:t>
             </a:r>
             <a:endParaRPr lang="hu-HU" dirty="0"/>
           </a:p>
@@ -4457,16 +4445,20 @@
               </a:lnSpc>
             </a:pPr>
             <a:r>
-              <a:rPr lang="hu-HU" dirty="0"/>
-              <a:t>A</a:t>
-            </a:r>
-            <a:r>
-              <a:rPr lang="en-US" dirty="0" err="1"/>
-              <a:t>dd</a:t>
-            </a:r>
-            <a:r>
               <a:rPr lang="en-US" dirty="0"/>
-              <a:t> relevant classes to a class diagram, filling in the operation calls and event receptions to handle the message, attributes.</a:t>
+              <a:t>What object has the proper interfaces necessary to perform this service?</a:t>
+            </a:r>
+            <a:endParaRPr lang="hu-HU" dirty="0"/>
+          </a:p>
+          <a:p>
+            <a:pPr>
+              <a:lnSpc>
+                <a:spcPct val="150000"/>
+              </a:lnSpc>
+            </a:pPr>
+            <a:r>
+              <a:rPr lang="en-US" dirty="0"/>
+              <a:t>What object has the responsibility to perform this service?</a:t>
             </a:r>
             <a:endParaRPr lang="hu-HU" dirty="0"/>
           </a:p>
@@ -4475,7 +4467,7 @@
     </p:spTree>
     <p:extLst>
       <p:ext uri="{BB962C8B-B14F-4D97-AF65-F5344CB8AC3E}">
-        <p14:creationId xmlns:p14="http://schemas.microsoft.com/office/powerpoint/2010/main" val="3232678913"/>
+        <p14:creationId xmlns:p14="http://schemas.microsoft.com/office/powerpoint/2010/main" val="440380590"/>
       </p:ext>
     </p:extLst>
   </p:cSld>
@@ -4517,6 +4509,151 @@
           <a:bodyPr/>
           <a:lstStyle/>
           <a:p>
+            <a:pPr algn="ctr"/>
+            <a:r>
+              <a:rPr lang="hu-HU" dirty="0" err="1"/>
+              <a:t>Object-level</a:t>
+            </a:r>
+            <a:r>
+              <a:rPr lang="hu-HU" dirty="0"/>
+              <a:t> </a:t>
+            </a:r>
+            <a:r>
+              <a:rPr lang="hu-HU" dirty="0" err="1"/>
+              <a:t>scenario</a:t>
+            </a:r>
+            <a:r>
+              <a:rPr lang="hu-HU" dirty="0"/>
+              <a:t> </a:t>
+            </a:r>
+            <a:r>
+              <a:rPr lang="hu-HU" dirty="0" err="1"/>
+              <a:t>elaboration</a:t>
+            </a:r>
+            <a:endParaRPr lang="hu-HU" dirty="0"/>
+          </a:p>
+        </p:txBody>
+      </p:sp>
+      <p:sp>
+        <p:nvSpPr>
+          <p:cNvPr id="3" name="Tartalom helye 2"/>
+          <p:cNvSpPr>
+            <a:spLocks noGrp="1"/>
+          </p:cNvSpPr>
+          <p:nvPr>
+            <p:ph idx="1"/>
+          </p:nvPr>
+        </p:nvSpPr>
+        <p:spPr/>
+        <p:txBody>
+          <a:bodyPr/>
+          <a:lstStyle/>
+          <a:p>
+            <a:pPr>
+              <a:lnSpc>
+                <a:spcPct val="150000"/>
+              </a:lnSpc>
+            </a:pPr>
+            <a:r>
+              <a:rPr lang="hu-HU" dirty="0"/>
+              <a:t>A</a:t>
+            </a:r>
+            <a:r>
+              <a:rPr lang="en-US" dirty="0" err="1"/>
+              <a:t>dd</a:t>
+            </a:r>
+            <a:r>
+              <a:rPr lang="en-US" dirty="0"/>
+              <a:t> objects, services, and relations to detail this scenario</a:t>
+            </a:r>
+            <a:r>
+              <a:rPr lang="hu-HU" dirty="0"/>
+              <a:t>.</a:t>
+            </a:r>
+          </a:p>
+          <a:p>
+            <a:pPr>
+              <a:lnSpc>
+                <a:spcPct val="150000"/>
+              </a:lnSpc>
+            </a:pPr>
+            <a:r>
+              <a:rPr lang="hu-HU" dirty="0"/>
+              <a:t>S</a:t>
+            </a:r>
+            <a:r>
+              <a:rPr lang="en-US" dirty="0"/>
+              <a:t>tart at the beginning of the scenario, or somewhere in the middle—perhaps</a:t>
+            </a:r>
+            <a:endParaRPr lang="hu-HU" dirty="0"/>
+          </a:p>
+          <a:p>
+            <a:pPr>
+              <a:lnSpc>
+                <a:spcPct val="150000"/>
+              </a:lnSpc>
+            </a:pPr>
+            <a:r>
+              <a:rPr lang="hu-HU" dirty="0"/>
+              <a:t>A</a:t>
+            </a:r>
+            <a:r>
+              <a:rPr lang="en-US" dirty="0" err="1"/>
+              <a:t>dd</a:t>
+            </a:r>
+            <a:r>
+              <a:rPr lang="en-US" dirty="0"/>
+              <a:t> relevant classes to a class diagram, filling in the operation calls and event receptions to handle the message, attributes.</a:t>
+            </a:r>
+            <a:endParaRPr lang="hu-HU" dirty="0"/>
+          </a:p>
+        </p:txBody>
+      </p:sp>
+    </p:spTree>
+    <p:extLst>
+      <p:ext uri="{BB962C8B-B14F-4D97-AF65-F5344CB8AC3E}">
+        <p14:creationId xmlns:p14="http://schemas.microsoft.com/office/powerpoint/2010/main" val="3232678913"/>
+      </p:ext>
+    </p:extLst>
+  </p:cSld>
+  <p:clrMapOvr>
+    <a:masterClrMapping/>
+  </p:clrMapOvr>
+</p:sld>
+</file>
+
+<file path=ppt/slides/slide8.xml><?xml version="1.0" encoding="utf-8"?>
+<p:sld xmlns:a="http://schemas.openxmlformats.org/drawingml/2006/main" xmlns:r="http://schemas.openxmlformats.org/officeDocument/2006/relationships" xmlns:p="http://schemas.openxmlformats.org/presentationml/2006/main">
+  <p:cSld>
+    <p:spTree>
+      <p:nvGrpSpPr>
+        <p:cNvPr id="1" name=""/>
+        <p:cNvGrpSpPr/>
+        <p:nvPr/>
+      </p:nvGrpSpPr>
+      <p:grpSpPr>
+        <a:xfrm>
+          <a:off x="0" y="0"/>
+          <a:ext cx="0" cy="0"/>
+          <a:chOff x="0" y="0"/>
+          <a:chExt cx="0" cy="0"/>
+        </a:xfrm>
+      </p:grpSpPr>
+      <p:sp>
+        <p:nvSpPr>
+          <p:cNvPr id="2" name="Cím 1"/>
+          <p:cNvSpPr>
+            <a:spLocks noGrp="1"/>
+          </p:cNvSpPr>
+          <p:nvPr>
+            <p:ph type="title"/>
+          </p:nvPr>
+        </p:nvSpPr>
+        <p:spPr/>
+        <p:txBody>
+          <a:bodyPr/>
+          <a:lstStyle/>
+          <a:p>
             <a:r>
               <a:rPr lang="en-US" dirty="0"/>
               <a:t>Merge Models from the Various Strategies</a:t>
@@ -5048,7 +5185,7 @@
 </p:sld>
 </file>
 
-<file path=ppt/slides/slide8.xml><?xml version="1.0" encoding="utf-8"?>
+<file path=ppt/slides/slide9.xml><?xml version="1.0" encoding="utf-8"?>
 <p:sld xmlns:a="http://schemas.openxmlformats.org/drawingml/2006/main" xmlns:r="http://schemas.openxmlformats.org/officeDocument/2006/relationships" xmlns:p="http://schemas.openxmlformats.org/presentationml/2006/main">
   <p:cSld>
     <p:spTree>

--- a/information_systems/real_time_uml/prezi.pptx
+++ b/information_systems/real_time_uml/prezi.pptx
@@ -1,30 +1,130 @@
 
 <file path=ppt/presentation.xml><?xml version="1.0" encoding="utf-8"?>
-<p:presentation xmlns:a="http://schemas.openxmlformats.org/drawingml/2006/main" xmlns:p="http://schemas.openxmlformats.org/presentationml/2006/main" xmlns:r="http://schemas.openxmlformats.org/officeDocument/2006/relationships" xmlns:p14="http://schemas.microsoft.com/office/powerpoint/2010/main" xmlns:p15="http://schemas.microsoft.com/office/powerpoint/2012/main" xmlns:mc="http://schemas.openxmlformats.org/markup-compatibility/2006">
+<p:presentation xmlns:a="http://schemas.openxmlformats.org/drawingml/2006/main" xmlns:r="http://schemas.openxmlformats.org/officeDocument/2006/relationships" xmlns:p="http://schemas.openxmlformats.org/presentationml/2006/main">
   <p:sldMasterIdLst>
-    <p:sldMasterId id="2147483648" r:id="rId2"/>
-    <p:sldMasterId id="2147483661" r:id="rId3"/>
+    <p:sldMasterId id="2147483648" r:id="rId1"/>
+    <p:sldMasterId id="2147483661" r:id="rId2"/>
   </p:sldMasterIdLst>
   <p:sldIdLst>
-    <p:sldId id="256" r:id="rId4"/>
-    <p:sldId id="257" r:id="rId5"/>
-    <p:sldId id="258" r:id="rId6"/>
-    <p:sldId id="259" r:id="rId7"/>
-    <p:sldId id="260" r:id="rId8"/>
-    <p:sldId id="261" r:id="rId9"/>
-    <p:sldId id="262" r:id="rId10"/>
-    <p:sldId id="263" r:id="rId11"/>
-    <p:sldId id="264" r:id="rId12"/>
-    <p:sldId id="265" r:id="rId13"/>
-    <p:sldId id="266" r:id="rId14"/>
+    <p:sldId id="256" r:id="rId3"/>
+    <p:sldId id="257" r:id="rId4"/>
+    <p:sldId id="258" r:id="rId5"/>
+    <p:sldId id="259" r:id="rId6"/>
+    <p:sldId id="260" r:id="rId7"/>
+    <p:sldId id="261" r:id="rId8"/>
+    <p:sldId id="262" r:id="rId9"/>
+    <p:sldId id="263" r:id="rId10"/>
+    <p:sldId id="264" r:id="rId11"/>
+    <p:sldId id="265" r:id="rId12"/>
+    <p:sldId id="266" r:id="rId13"/>
   </p:sldIdLst>
   <p:sldSz cx="12192000" cy="6858000"/>
-  <p:notesSz cx="7559675" cy="10691812"/>
+  <p:notesSz cx="7559675" cy="10691813"/>
+  <p:defaultTextStyle>
+    <a:defPPr>
+      <a:defRPr lang="hu-HU"/>
+    </a:defPPr>
+    <a:lvl1pPr marL="0" algn="l" defTabSz="914400" rtl="0" eaLnBrk="1" latinLnBrk="0" hangingPunct="1">
+      <a:defRPr sz="1800" kern="1200">
+        <a:solidFill>
+          <a:schemeClr val="tx1"/>
+        </a:solidFill>
+        <a:latin typeface="+mn-lt"/>
+        <a:ea typeface="+mn-ea"/>
+        <a:cs typeface="+mn-cs"/>
+      </a:defRPr>
+    </a:lvl1pPr>
+    <a:lvl2pPr marL="457200" algn="l" defTabSz="914400" rtl="0" eaLnBrk="1" latinLnBrk="0" hangingPunct="1">
+      <a:defRPr sz="1800" kern="1200">
+        <a:solidFill>
+          <a:schemeClr val="tx1"/>
+        </a:solidFill>
+        <a:latin typeface="+mn-lt"/>
+        <a:ea typeface="+mn-ea"/>
+        <a:cs typeface="+mn-cs"/>
+      </a:defRPr>
+    </a:lvl2pPr>
+    <a:lvl3pPr marL="914400" algn="l" defTabSz="914400" rtl="0" eaLnBrk="1" latinLnBrk="0" hangingPunct="1">
+      <a:defRPr sz="1800" kern="1200">
+        <a:solidFill>
+          <a:schemeClr val="tx1"/>
+        </a:solidFill>
+        <a:latin typeface="+mn-lt"/>
+        <a:ea typeface="+mn-ea"/>
+        <a:cs typeface="+mn-cs"/>
+      </a:defRPr>
+    </a:lvl3pPr>
+    <a:lvl4pPr marL="1371600" algn="l" defTabSz="914400" rtl="0" eaLnBrk="1" latinLnBrk="0" hangingPunct="1">
+      <a:defRPr sz="1800" kern="1200">
+        <a:solidFill>
+          <a:schemeClr val="tx1"/>
+        </a:solidFill>
+        <a:latin typeface="+mn-lt"/>
+        <a:ea typeface="+mn-ea"/>
+        <a:cs typeface="+mn-cs"/>
+      </a:defRPr>
+    </a:lvl4pPr>
+    <a:lvl5pPr marL="1828800" algn="l" defTabSz="914400" rtl="0" eaLnBrk="1" latinLnBrk="0" hangingPunct="1">
+      <a:defRPr sz="1800" kern="1200">
+        <a:solidFill>
+          <a:schemeClr val="tx1"/>
+        </a:solidFill>
+        <a:latin typeface="+mn-lt"/>
+        <a:ea typeface="+mn-ea"/>
+        <a:cs typeface="+mn-cs"/>
+      </a:defRPr>
+    </a:lvl5pPr>
+    <a:lvl6pPr marL="2286000" algn="l" defTabSz="914400" rtl="0" eaLnBrk="1" latinLnBrk="0" hangingPunct="1">
+      <a:defRPr sz="1800" kern="1200">
+        <a:solidFill>
+          <a:schemeClr val="tx1"/>
+        </a:solidFill>
+        <a:latin typeface="+mn-lt"/>
+        <a:ea typeface="+mn-ea"/>
+        <a:cs typeface="+mn-cs"/>
+      </a:defRPr>
+    </a:lvl6pPr>
+    <a:lvl7pPr marL="2743200" algn="l" defTabSz="914400" rtl="0" eaLnBrk="1" latinLnBrk="0" hangingPunct="1">
+      <a:defRPr sz="1800" kern="1200">
+        <a:solidFill>
+          <a:schemeClr val="tx1"/>
+        </a:solidFill>
+        <a:latin typeface="+mn-lt"/>
+        <a:ea typeface="+mn-ea"/>
+        <a:cs typeface="+mn-cs"/>
+      </a:defRPr>
+    </a:lvl7pPr>
+    <a:lvl8pPr marL="3200400" algn="l" defTabSz="914400" rtl="0" eaLnBrk="1" latinLnBrk="0" hangingPunct="1">
+      <a:defRPr sz="1800" kern="1200">
+        <a:solidFill>
+          <a:schemeClr val="tx1"/>
+        </a:solidFill>
+        <a:latin typeface="+mn-lt"/>
+        <a:ea typeface="+mn-ea"/>
+        <a:cs typeface="+mn-cs"/>
+      </a:defRPr>
+    </a:lvl8pPr>
+    <a:lvl9pPr marL="3657600" algn="l" defTabSz="914400" rtl="0" eaLnBrk="1" latinLnBrk="0" hangingPunct="1">
+      <a:defRPr sz="1800" kern="1200">
+        <a:solidFill>
+          <a:schemeClr val="tx1"/>
+        </a:solidFill>
+        <a:latin typeface="+mn-lt"/>
+        <a:ea typeface="+mn-ea"/>
+        <a:cs typeface="+mn-cs"/>
+      </a:defRPr>
+    </a:lvl9pPr>
+  </p:defaultTextStyle>
+  <p:extLst>
+    <p:ext uri="{EFAFB233-063F-42B5-8137-9DF3F51BA10A}">
+      <p15:sldGuideLst xmlns:p15="http://schemas.microsoft.com/office/powerpoint/2012/main"/>
+    </p:ext>
+  </p:extLst>
 </p:presentation>
 </file>
 
 <file path=ppt/slideLayouts/slideLayout1.xml><?xml version="1.0" encoding="utf-8"?>
-<p:sldLayout xmlns:a="http://schemas.openxmlformats.org/drawingml/2006/main" xmlns:p="http://schemas.openxmlformats.org/presentationml/2006/main" xmlns:r="http://schemas.openxmlformats.org/officeDocument/2006/relationships" xmlns:p14="http://schemas.microsoft.com/office/powerpoint/2010/main" xmlns:p15="http://schemas.microsoft.com/office/powerpoint/2012/main" xmlns:mc="http://schemas.openxmlformats.org/markup-compatibility/2006" type="blank" preserve="1">
+<p:sldLayout xmlns:a="http://schemas.openxmlformats.org/drawingml/2006/main" xmlns:r="http://schemas.openxmlformats.org/officeDocument/2006/relationships" xmlns:p="http://schemas.openxmlformats.org/presentationml/2006/main" type="blank" preserve="1">
   <p:cSld name="Blank Slide">
     <p:spTree>
       <p:nvGrpSpPr>
@@ -42,11 +142,14 @@
       </p:grpSpPr>
     </p:spTree>
   </p:cSld>
+  <p:clrMapOvr>
+    <a:masterClrMapping/>
+  </p:clrMapOvr>
 </p:sldLayout>
 </file>
 
 <file path=ppt/slideLayouts/slideLayout10.xml><?xml version="1.0" encoding="utf-8"?>
-<p:sldLayout xmlns:a="http://schemas.openxmlformats.org/drawingml/2006/main" xmlns:p="http://schemas.openxmlformats.org/presentationml/2006/main" xmlns:r="http://schemas.openxmlformats.org/officeDocument/2006/relationships" xmlns:p14="http://schemas.microsoft.com/office/powerpoint/2010/main" xmlns:p15="http://schemas.microsoft.com/office/powerpoint/2012/main" xmlns:mc="http://schemas.openxmlformats.org/markup-compatibility/2006" type="objOverTx" preserve="1">
+<p:sldLayout xmlns:a="http://schemas.openxmlformats.org/drawingml/2006/main" xmlns:r="http://schemas.openxmlformats.org/officeDocument/2006/relationships" xmlns:p="http://schemas.openxmlformats.org/presentationml/2006/main" type="objOverTx" preserve="1">
   <p:cSld name="Title, Content over Content">
     <p:spTree>
       <p:nvGrpSpPr>
@@ -82,15 +185,16 @@
           </a:prstGeom>
         </p:spPr>
         <p:txBody>
-          <a:bodyPr lIns="0" rIns="0" tIns="0" bIns="0" anchor="ctr"/>
-          <a:p>
-            <a:endParaRPr b="0" lang="hu-HU" sz="1800" spc="-1" strike="noStrike">
+          <a:bodyPr lIns="0" tIns="0" rIns="0" bIns="0" anchor="ctr"/>
+          <a:lstStyle/>
+          <a:p>
+            <a:endParaRPr lang="hu-HU" sz="1800" b="0" strike="noStrike" spc="-1">
               <a:solidFill>
                 <a:srgbClr val="000000"/>
               </a:solidFill>
               <a:uFill>
                 <a:solidFill>
-                  <a:srgbClr val="ffffff"/>
+                  <a:srgbClr val="FFFFFF"/>
                 </a:solidFill>
               </a:uFill>
               <a:latin typeface="Calibri"/>
@@ -118,15 +222,16 @@
           </a:prstGeom>
         </p:spPr>
         <p:txBody>
-          <a:bodyPr lIns="0" rIns="0" tIns="0" bIns="0"/>
-          <a:p>
-            <a:endParaRPr b="0" lang="hu-HU" sz="2800" spc="-1" strike="noStrike">
+          <a:bodyPr lIns="0" tIns="0" rIns="0" bIns="0"/>
+          <a:lstStyle/>
+          <a:p>
+            <a:endParaRPr lang="hu-HU" sz="2800" b="0" strike="noStrike" spc="-1">
               <a:solidFill>
                 <a:srgbClr val="000000"/>
               </a:solidFill>
               <a:uFill>
                 <a:solidFill>
-                  <a:srgbClr val="ffffff"/>
+                  <a:srgbClr val="FFFFFF"/>
                 </a:solidFill>
               </a:uFill>
               <a:latin typeface="Calibri"/>
@@ -154,15 +259,16 @@
           </a:prstGeom>
         </p:spPr>
         <p:txBody>
-          <a:bodyPr lIns="0" rIns="0" tIns="0" bIns="0"/>
-          <a:p>
-            <a:endParaRPr b="0" lang="hu-HU" sz="2800" spc="-1" strike="noStrike">
+          <a:bodyPr lIns="0" tIns="0" rIns="0" bIns="0"/>
+          <a:lstStyle/>
+          <a:p>
+            <a:endParaRPr lang="hu-HU" sz="2800" b="0" strike="noStrike" spc="-1">
               <a:solidFill>
                 <a:srgbClr val="000000"/>
               </a:solidFill>
               <a:uFill>
                 <a:solidFill>
-                  <a:srgbClr val="ffffff"/>
+                  <a:srgbClr val="FFFFFF"/>
                 </a:solidFill>
               </a:uFill>
               <a:latin typeface="Calibri"/>
@@ -172,11 +278,14 @@
       </p:sp>
     </p:spTree>
   </p:cSld>
+  <p:clrMapOvr>
+    <a:masterClrMapping/>
+  </p:clrMapOvr>
 </p:sldLayout>
 </file>
 
 <file path=ppt/slideLayouts/slideLayout11.xml><?xml version="1.0" encoding="utf-8"?>
-<p:sldLayout xmlns:a="http://schemas.openxmlformats.org/drawingml/2006/main" xmlns:p="http://schemas.openxmlformats.org/presentationml/2006/main" xmlns:r="http://schemas.openxmlformats.org/officeDocument/2006/relationships" xmlns:p14="http://schemas.microsoft.com/office/powerpoint/2010/main" xmlns:p15="http://schemas.microsoft.com/office/powerpoint/2012/main" xmlns:mc="http://schemas.openxmlformats.org/markup-compatibility/2006" type="fourObj" preserve="1">
+<p:sldLayout xmlns:a="http://schemas.openxmlformats.org/drawingml/2006/main" xmlns:r="http://schemas.openxmlformats.org/officeDocument/2006/relationships" xmlns:p="http://schemas.openxmlformats.org/presentationml/2006/main" type="fourObj" preserve="1">
   <p:cSld name="Title, 4 Content">
     <p:spTree>
       <p:nvGrpSpPr>
@@ -212,15 +321,16 @@
           </a:prstGeom>
         </p:spPr>
         <p:txBody>
-          <a:bodyPr lIns="0" rIns="0" tIns="0" bIns="0" anchor="ctr"/>
-          <a:p>
-            <a:endParaRPr b="0" lang="hu-HU" sz="1800" spc="-1" strike="noStrike">
+          <a:bodyPr lIns="0" tIns="0" rIns="0" bIns="0" anchor="ctr"/>
+          <a:lstStyle/>
+          <a:p>
+            <a:endParaRPr lang="hu-HU" sz="1800" b="0" strike="noStrike" spc="-1">
               <a:solidFill>
                 <a:srgbClr val="000000"/>
               </a:solidFill>
               <a:uFill>
                 <a:solidFill>
-                  <a:srgbClr val="ffffff"/>
+                  <a:srgbClr val="FFFFFF"/>
                 </a:solidFill>
               </a:uFill>
               <a:latin typeface="Calibri"/>
@@ -248,15 +358,16 @@
           </a:prstGeom>
         </p:spPr>
         <p:txBody>
-          <a:bodyPr lIns="0" rIns="0" tIns="0" bIns="0"/>
-          <a:p>
-            <a:endParaRPr b="0" lang="hu-HU" sz="2800" spc="-1" strike="noStrike">
+          <a:bodyPr lIns="0" tIns="0" rIns="0" bIns="0"/>
+          <a:lstStyle/>
+          <a:p>
+            <a:endParaRPr lang="hu-HU" sz="2800" b="0" strike="noStrike" spc="-1">
               <a:solidFill>
                 <a:srgbClr val="000000"/>
               </a:solidFill>
               <a:uFill>
                 <a:solidFill>
-                  <a:srgbClr val="ffffff"/>
+                  <a:srgbClr val="FFFFFF"/>
                 </a:solidFill>
               </a:uFill>
               <a:latin typeface="Calibri"/>
@@ -284,15 +395,16 @@
           </a:prstGeom>
         </p:spPr>
         <p:txBody>
-          <a:bodyPr lIns="0" rIns="0" tIns="0" bIns="0"/>
-          <a:p>
-            <a:endParaRPr b="0" lang="hu-HU" sz="2800" spc="-1" strike="noStrike">
+          <a:bodyPr lIns="0" tIns="0" rIns="0" bIns="0"/>
+          <a:lstStyle/>
+          <a:p>
+            <a:endParaRPr lang="hu-HU" sz="2800" b="0" strike="noStrike" spc="-1">
               <a:solidFill>
                 <a:srgbClr val="000000"/>
               </a:solidFill>
               <a:uFill>
                 <a:solidFill>
-                  <a:srgbClr val="ffffff"/>
+                  <a:srgbClr val="FFFFFF"/>
                 </a:solidFill>
               </a:uFill>
               <a:latin typeface="Calibri"/>
@@ -320,15 +432,16 @@
           </a:prstGeom>
         </p:spPr>
         <p:txBody>
-          <a:bodyPr lIns="0" rIns="0" tIns="0" bIns="0"/>
-          <a:p>
-            <a:endParaRPr b="0" lang="hu-HU" sz="2800" spc="-1" strike="noStrike">
+          <a:bodyPr lIns="0" tIns="0" rIns="0" bIns="0"/>
+          <a:lstStyle/>
+          <a:p>
+            <a:endParaRPr lang="hu-HU" sz="2800" b="0" strike="noStrike" spc="-1">
               <a:solidFill>
                 <a:srgbClr val="000000"/>
               </a:solidFill>
               <a:uFill>
                 <a:solidFill>
-                  <a:srgbClr val="ffffff"/>
+                  <a:srgbClr val="FFFFFF"/>
                 </a:solidFill>
               </a:uFill>
               <a:latin typeface="Calibri"/>
@@ -356,15 +469,16 @@
           </a:prstGeom>
         </p:spPr>
         <p:txBody>
-          <a:bodyPr lIns="0" rIns="0" tIns="0" bIns="0"/>
-          <a:p>
-            <a:endParaRPr b="0" lang="hu-HU" sz="2800" spc="-1" strike="noStrike">
+          <a:bodyPr lIns="0" tIns="0" rIns="0" bIns="0"/>
+          <a:lstStyle/>
+          <a:p>
+            <a:endParaRPr lang="hu-HU" sz="2800" b="0" strike="noStrike" spc="-1">
               <a:solidFill>
                 <a:srgbClr val="000000"/>
               </a:solidFill>
               <a:uFill>
                 <a:solidFill>
-                  <a:srgbClr val="ffffff"/>
+                  <a:srgbClr val="FFFFFF"/>
                 </a:solidFill>
               </a:uFill>
               <a:latin typeface="Calibri"/>
@@ -374,11 +488,14 @@
       </p:sp>
     </p:spTree>
   </p:cSld>
+  <p:clrMapOvr>
+    <a:masterClrMapping/>
+  </p:clrMapOvr>
 </p:sldLayout>
 </file>
 
 <file path=ppt/slideLayouts/slideLayout12.xml><?xml version="1.0" encoding="utf-8"?>
-<p:sldLayout xmlns:a="http://schemas.openxmlformats.org/drawingml/2006/main" xmlns:p="http://schemas.openxmlformats.org/presentationml/2006/main" xmlns:r="http://schemas.openxmlformats.org/officeDocument/2006/relationships" xmlns:p14="http://schemas.microsoft.com/office/powerpoint/2010/main" xmlns:p15="http://schemas.microsoft.com/office/powerpoint/2012/main" xmlns:mc="http://schemas.openxmlformats.org/markup-compatibility/2006" type="blank" preserve="1">
+<p:sldLayout xmlns:a="http://schemas.openxmlformats.org/drawingml/2006/main" xmlns:r="http://schemas.openxmlformats.org/officeDocument/2006/relationships" xmlns:p="http://schemas.openxmlformats.org/presentationml/2006/main" type="blank" preserve="1">
   <p:cSld name="Title, 6 Content">
     <p:spTree>
       <p:nvGrpSpPr>
@@ -414,15 +531,16 @@
           </a:prstGeom>
         </p:spPr>
         <p:txBody>
-          <a:bodyPr lIns="0" rIns="0" tIns="0" bIns="0" anchor="ctr"/>
-          <a:p>
-            <a:endParaRPr b="0" lang="hu-HU" sz="1800" spc="-1" strike="noStrike">
+          <a:bodyPr lIns="0" tIns="0" rIns="0" bIns="0" anchor="ctr"/>
+          <a:lstStyle/>
+          <a:p>
+            <a:endParaRPr lang="hu-HU" sz="1800" b="0" strike="noStrike" spc="-1">
               <a:solidFill>
                 <a:srgbClr val="000000"/>
               </a:solidFill>
               <a:uFill>
                 <a:solidFill>
-                  <a:srgbClr val="ffffff"/>
+                  <a:srgbClr val="FFFFFF"/>
                 </a:solidFill>
               </a:uFill>
               <a:latin typeface="Calibri"/>
@@ -450,15 +568,16 @@
           </a:prstGeom>
         </p:spPr>
         <p:txBody>
-          <a:bodyPr lIns="0" rIns="0" tIns="0" bIns="0"/>
-          <a:p>
-            <a:endParaRPr b="0" lang="hu-HU" sz="2800" spc="-1" strike="noStrike">
+          <a:bodyPr lIns="0" tIns="0" rIns="0" bIns="0"/>
+          <a:lstStyle/>
+          <a:p>
+            <a:endParaRPr lang="hu-HU" sz="2800" b="0" strike="noStrike" spc="-1">
               <a:solidFill>
                 <a:srgbClr val="000000"/>
               </a:solidFill>
               <a:uFill>
                 <a:solidFill>
-                  <a:srgbClr val="ffffff"/>
+                  <a:srgbClr val="FFFFFF"/>
                 </a:solidFill>
               </a:uFill>
               <a:latin typeface="Calibri"/>
@@ -486,15 +605,16 @@
           </a:prstGeom>
         </p:spPr>
         <p:txBody>
-          <a:bodyPr lIns="0" rIns="0" tIns="0" bIns="0"/>
-          <a:p>
-            <a:endParaRPr b="0" lang="hu-HU" sz="2800" spc="-1" strike="noStrike">
+          <a:bodyPr lIns="0" tIns="0" rIns="0" bIns="0"/>
+          <a:lstStyle/>
+          <a:p>
+            <a:endParaRPr lang="hu-HU" sz="2800" b="0" strike="noStrike" spc="-1">
               <a:solidFill>
                 <a:srgbClr val="000000"/>
               </a:solidFill>
               <a:uFill>
                 <a:solidFill>
-                  <a:srgbClr val="ffffff"/>
+                  <a:srgbClr val="FFFFFF"/>
                 </a:solidFill>
               </a:uFill>
               <a:latin typeface="Calibri"/>
@@ -504,7 +624,7 @@
       </p:sp>
       <p:pic>
         <p:nvPicPr>
-          <p:cNvPr id="37" name="" descr=""/>
+          <p:cNvPr id="37" name="Kép 36"/>
           <p:cNvPicPr/>
           <p:nvPr/>
         </p:nvPicPr>
@@ -527,12 +647,12 @@
       </p:pic>
       <p:pic>
         <p:nvPicPr>
-          <p:cNvPr id="38" name="" descr=""/>
+          <p:cNvPr id="38" name="Kép 37"/>
           <p:cNvPicPr/>
           <p:nvPr/>
         </p:nvPicPr>
         <p:blipFill>
-          <a:blip r:embed="rId3"/>
+          <a:blip r:embed="rId2"/>
           <a:stretch/>
         </p:blipFill>
         <p:spPr>
@@ -550,11 +670,14 @@
       </p:pic>
     </p:spTree>
   </p:cSld>
+  <p:clrMapOvr>
+    <a:masterClrMapping/>
+  </p:clrMapOvr>
 </p:sldLayout>
 </file>
 
 <file path=ppt/slideLayouts/slideLayout13.xml><?xml version="1.0" encoding="utf-8"?>
-<p:sldLayout xmlns:a="http://schemas.openxmlformats.org/drawingml/2006/main" xmlns:p="http://schemas.openxmlformats.org/presentationml/2006/main" xmlns:r="http://schemas.openxmlformats.org/officeDocument/2006/relationships" xmlns:p14="http://schemas.microsoft.com/office/powerpoint/2010/main" xmlns:p15="http://schemas.microsoft.com/office/powerpoint/2012/main" xmlns:mc="http://schemas.openxmlformats.org/markup-compatibility/2006" type="blank" preserve="1">
+<p:sldLayout xmlns:a="http://schemas.openxmlformats.org/drawingml/2006/main" xmlns:r="http://schemas.openxmlformats.org/officeDocument/2006/relationships" xmlns:p="http://schemas.openxmlformats.org/presentationml/2006/main" type="blank" preserve="1">
   <p:cSld name="Blank Slide">
     <p:spTree>
       <p:nvGrpSpPr>
@@ -572,11 +695,14 @@
       </p:grpSpPr>
     </p:spTree>
   </p:cSld>
+  <p:clrMapOvr>
+    <a:masterClrMapping/>
+  </p:clrMapOvr>
 </p:sldLayout>
 </file>
 
 <file path=ppt/slideLayouts/slideLayout14.xml><?xml version="1.0" encoding="utf-8"?>
-<p:sldLayout xmlns:a="http://schemas.openxmlformats.org/drawingml/2006/main" xmlns:p="http://schemas.openxmlformats.org/presentationml/2006/main" xmlns:r="http://schemas.openxmlformats.org/officeDocument/2006/relationships" xmlns:p14="http://schemas.microsoft.com/office/powerpoint/2010/main" xmlns:p15="http://schemas.microsoft.com/office/powerpoint/2012/main" xmlns:mc="http://schemas.openxmlformats.org/markup-compatibility/2006" type="tx" preserve="1">
+<p:sldLayout xmlns:a="http://schemas.openxmlformats.org/drawingml/2006/main" xmlns:r="http://schemas.openxmlformats.org/officeDocument/2006/relationships" xmlns:p="http://schemas.openxmlformats.org/presentationml/2006/main" type="tx" preserve="1">
   <p:cSld name="Title Slide">
     <p:spTree>
       <p:nvGrpSpPr>
@@ -612,15 +738,16 @@
           </a:prstGeom>
         </p:spPr>
         <p:txBody>
-          <a:bodyPr lIns="0" rIns="0" tIns="0" bIns="0" anchor="ctr"/>
-          <a:p>
-            <a:endParaRPr b="0" lang="hu-HU" sz="1800" spc="-1" strike="noStrike">
+          <a:bodyPr lIns="0" tIns="0" rIns="0" bIns="0" anchor="ctr"/>
+          <a:lstStyle/>
+          <a:p>
+            <a:endParaRPr lang="hu-HU" sz="1800" b="0" strike="noStrike" spc="-1">
               <a:solidFill>
                 <a:srgbClr val="000000"/>
               </a:solidFill>
               <a:uFill>
                 <a:solidFill>
-                  <a:srgbClr val="ffffff"/>
+                  <a:srgbClr val="FFFFFF"/>
                 </a:solidFill>
               </a:uFill>
               <a:latin typeface="Calibri"/>
@@ -648,16 +775,17 @@
           </a:prstGeom>
         </p:spPr>
         <p:txBody>
-          <a:bodyPr lIns="0" rIns="0" tIns="0" bIns="0" anchor="ctr"/>
+          <a:bodyPr lIns="0" tIns="0" rIns="0" bIns="0" anchor="ctr"/>
+          <a:lstStyle/>
           <a:p>
             <a:pPr algn="ctr"/>
-            <a:endParaRPr b="0" lang="en-US" sz="3200" spc="-1" strike="noStrike">
+            <a:endParaRPr lang="en-US" sz="3200" b="0" strike="noStrike" spc="-1">
               <a:solidFill>
                 <a:srgbClr val="000000"/>
               </a:solidFill>
               <a:uFill>
                 <a:solidFill>
-                  <a:srgbClr val="ffffff"/>
+                  <a:srgbClr val="FFFFFF"/>
                 </a:solidFill>
               </a:uFill>
               <a:latin typeface="Arial"/>
@@ -667,11 +795,14 @@
       </p:sp>
     </p:spTree>
   </p:cSld>
+  <p:clrMapOvr>
+    <a:masterClrMapping/>
+  </p:clrMapOvr>
 </p:sldLayout>
 </file>
 
 <file path=ppt/slideLayouts/slideLayout15.xml><?xml version="1.0" encoding="utf-8"?>
-<p:sldLayout xmlns:a="http://schemas.openxmlformats.org/drawingml/2006/main" xmlns:p="http://schemas.openxmlformats.org/presentationml/2006/main" xmlns:r="http://schemas.openxmlformats.org/officeDocument/2006/relationships" xmlns:p14="http://schemas.microsoft.com/office/powerpoint/2010/main" xmlns:p15="http://schemas.microsoft.com/office/powerpoint/2012/main" xmlns:mc="http://schemas.openxmlformats.org/markup-compatibility/2006" type="obj" preserve="1">
+<p:sldLayout xmlns:a="http://schemas.openxmlformats.org/drawingml/2006/main" xmlns:r="http://schemas.openxmlformats.org/officeDocument/2006/relationships" xmlns:p="http://schemas.openxmlformats.org/presentationml/2006/main" type="obj" preserve="1">
   <p:cSld name="Title, Content">
     <p:spTree>
       <p:nvGrpSpPr>
@@ -707,15 +838,16 @@
           </a:prstGeom>
         </p:spPr>
         <p:txBody>
-          <a:bodyPr lIns="0" rIns="0" tIns="0" bIns="0" anchor="ctr"/>
-          <a:p>
-            <a:endParaRPr b="0" lang="hu-HU" sz="1800" spc="-1" strike="noStrike">
+          <a:bodyPr lIns="0" tIns="0" rIns="0" bIns="0" anchor="ctr"/>
+          <a:lstStyle/>
+          <a:p>
+            <a:endParaRPr lang="hu-HU" sz="1800" b="0" strike="noStrike" spc="-1">
               <a:solidFill>
                 <a:srgbClr val="000000"/>
               </a:solidFill>
               <a:uFill>
                 <a:solidFill>
-                  <a:srgbClr val="ffffff"/>
+                  <a:srgbClr val="FFFFFF"/>
                 </a:solidFill>
               </a:uFill>
               <a:latin typeface="Calibri"/>
@@ -743,15 +875,16 @@
           </a:prstGeom>
         </p:spPr>
         <p:txBody>
-          <a:bodyPr lIns="0" rIns="0" tIns="0" bIns="0"/>
-          <a:p>
-            <a:endParaRPr b="0" lang="hu-HU" sz="2800" spc="-1" strike="noStrike">
+          <a:bodyPr lIns="0" tIns="0" rIns="0" bIns="0"/>
+          <a:lstStyle/>
+          <a:p>
+            <a:endParaRPr lang="hu-HU" sz="2800" b="0" strike="noStrike" spc="-1">
               <a:solidFill>
                 <a:srgbClr val="000000"/>
               </a:solidFill>
               <a:uFill>
                 <a:solidFill>
-                  <a:srgbClr val="ffffff"/>
+                  <a:srgbClr val="FFFFFF"/>
                 </a:solidFill>
               </a:uFill>
               <a:latin typeface="Calibri"/>
@@ -761,11 +894,14 @@
       </p:sp>
     </p:spTree>
   </p:cSld>
+  <p:clrMapOvr>
+    <a:masterClrMapping/>
+  </p:clrMapOvr>
 </p:sldLayout>
 </file>
 
 <file path=ppt/slideLayouts/slideLayout16.xml><?xml version="1.0" encoding="utf-8"?>
-<p:sldLayout xmlns:a="http://schemas.openxmlformats.org/drawingml/2006/main" xmlns:p="http://schemas.openxmlformats.org/presentationml/2006/main" xmlns:r="http://schemas.openxmlformats.org/officeDocument/2006/relationships" xmlns:p14="http://schemas.microsoft.com/office/powerpoint/2010/main" xmlns:p15="http://schemas.microsoft.com/office/powerpoint/2012/main" xmlns:mc="http://schemas.openxmlformats.org/markup-compatibility/2006" type="twoObj" preserve="1">
+<p:sldLayout xmlns:a="http://schemas.openxmlformats.org/drawingml/2006/main" xmlns:r="http://schemas.openxmlformats.org/officeDocument/2006/relationships" xmlns:p="http://schemas.openxmlformats.org/presentationml/2006/main" type="twoObj" preserve="1">
   <p:cSld name="Title, 2 Content">
     <p:spTree>
       <p:nvGrpSpPr>
@@ -801,15 +937,16 @@
           </a:prstGeom>
         </p:spPr>
         <p:txBody>
-          <a:bodyPr lIns="0" rIns="0" tIns="0" bIns="0" anchor="ctr"/>
-          <a:p>
-            <a:endParaRPr b="0" lang="hu-HU" sz="1800" spc="-1" strike="noStrike">
+          <a:bodyPr lIns="0" tIns="0" rIns="0" bIns="0" anchor="ctr"/>
+          <a:lstStyle/>
+          <a:p>
+            <a:endParaRPr lang="hu-HU" sz="1800" b="0" strike="noStrike" spc="-1">
               <a:solidFill>
                 <a:srgbClr val="000000"/>
               </a:solidFill>
               <a:uFill>
                 <a:solidFill>
-                  <a:srgbClr val="ffffff"/>
+                  <a:srgbClr val="FFFFFF"/>
                 </a:solidFill>
               </a:uFill>
               <a:latin typeface="Calibri"/>
@@ -837,15 +974,16 @@
           </a:prstGeom>
         </p:spPr>
         <p:txBody>
-          <a:bodyPr lIns="0" rIns="0" tIns="0" bIns="0"/>
-          <a:p>
-            <a:endParaRPr b="0" lang="hu-HU" sz="2800" spc="-1" strike="noStrike">
+          <a:bodyPr lIns="0" tIns="0" rIns="0" bIns="0"/>
+          <a:lstStyle/>
+          <a:p>
+            <a:endParaRPr lang="hu-HU" sz="2800" b="0" strike="noStrike" spc="-1">
               <a:solidFill>
                 <a:srgbClr val="000000"/>
               </a:solidFill>
               <a:uFill>
                 <a:solidFill>
-                  <a:srgbClr val="ffffff"/>
+                  <a:srgbClr val="FFFFFF"/>
                 </a:solidFill>
               </a:uFill>
               <a:latin typeface="Calibri"/>
@@ -873,15 +1011,16 @@
           </a:prstGeom>
         </p:spPr>
         <p:txBody>
-          <a:bodyPr lIns="0" rIns="0" tIns="0" bIns="0"/>
-          <a:p>
-            <a:endParaRPr b="0" lang="hu-HU" sz="2800" spc="-1" strike="noStrike">
+          <a:bodyPr lIns="0" tIns="0" rIns="0" bIns="0"/>
+          <a:lstStyle/>
+          <a:p>
+            <a:endParaRPr lang="hu-HU" sz="2800" b="0" strike="noStrike" spc="-1">
               <a:solidFill>
                 <a:srgbClr val="000000"/>
               </a:solidFill>
               <a:uFill>
                 <a:solidFill>
-                  <a:srgbClr val="ffffff"/>
+                  <a:srgbClr val="FFFFFF"/>
                 </a:solidFill>
               </a:uFill>
               <a:latin typeface="Calibri"/>
@@ -891,11 +1030,14 @@
       </p:sp>
     </p:spTree>
   </p:cSld>
+  <p:clrMapOvr>
+    <a:masterClrMapping/>
+  </p:clrMapOvr>
 </p:sldLayout>
 </file>
 
 <file path=ppt/slideLayouts/slideLayout17.xml><?xml version="1.0" encoding="utf-8"?>
-<p:sldLayout xmlns:a="http://schemas.openxmlformats.org/drawingml/2006/main" xmlns:p="http://schemas.openxmlformats.org/presentationml/2006/main" xmlns:r="http://schemas.openxmlformats.org/officeDocument/2006/relationships" xmlns:p14="http://schemas.microsoft.com/office/powerpoint/2010/main" xmlns:p15="http://schemas.microsoft.com/office/powerpoint/2012/main" xmlns:mc="http://schemas.openxmlformats.org/markup-compatibility/2006" type="titleOnly" preserve="1">
+<p:sldLayout xmlns:a="http://schemas.openxmlformats.org/drawingml/2006/main" xmlns:r="http://schemas.openxmlformats.org/officeDocument/2006/relationships" xmlns:p="http://schemas.openxmlformats.org/presentationml/2006/main" type="titleOnly" preserve="1">
   <p:cSld name="Title Only">
     <p:spTree>
       <p:nvGrpSpPr>
@@ -931,15 +1073,16 @@
           </a:prstGeom>
         </p:spPr>
         <p:txBody>
-          <a:bodyPr lIns="0" rIns="0" tIns="0" bIns="0" anchor="ctr"/>
-          <a:p>
-            <a:endParaRPr b="0" lang="hu-HU" sz="1800" spc="-1" strike="noStrike">
+          <a:bodyPr lIns="0" tIns="0" rIns="0" bIns="0" anchor="ctr"/>
+          <a:lstStyle/>
+          <a:p>
+            <a:endParaRPr lang="hu-HU" sz="1800" b="0" strike="noStrike" spc="-1">
               <a:solidFill>
                 <a:srgbClr val="000000"/>
               </a:solidFill>
               <a:uFill>
                 <a:solidFill>
-                  <a:srgbClr val="ffffff"/>
+                  <a:srgbClr val="FFFFFF"/>
                 </a:solidFill>
               </a:uFill>
               <a:latin typeface="Calibri"/>
@@ -949,11 +1092,14 @@
       </p:sp>
     </p:spTree>
   </p:cSld>
+  <p:clrMapOvr>
+    <a:masterClrMapping/>
+  </p:clrMapOvr>
 </p:sldLayout>
 </file>
 
 <file path=ppt/slideLayouts/slideLayout18.xml><?xml version="1.0" encoding="utf-8"?>
-<p:sldLayout xmlns:a="http://schemas.openxmlformats.org/drawingml/2006/main" xmlns:p="http://schemas.openxmlformats.org/presentationml/2006/main" xmlns:r="http://schemas.openxmlformats.org/officeDocument/2006/relationships" xmlns:p14="http://schemas.microsoft.com/office/powerpoint/2010/main" xmlns:p15="http://schemas.microsoft.com/office/powerpoint/2012/main" xmlns:mc="http://schemas.openxmlformats.org/markup-compatibility/2006" type="objOnly" preserve="1">
+<p:sldLayout xmlns:a="http://schemas.openxmlformats.org/drawingml/2006/main" xmlns:r="http://schemas.openxmlformats.org/officeDocument/2006/relationships" xmlns:p="http://schemas.openxmlformats.org/presentationml/2006/main" type="objOnly" preserve="1">
   <p:cSld name="Centered Text">
     <p:spTree>
       <p:nvGrpSpPr>
@@ -989,16 +1135,17 @@
           </a:prstGeom>
         </p:spPr>
         <p:txBody>
-          <a:bodyPr lIns="0" rIns="0" tIns="0" bIns="0" anchor="ctr"/>
+          <a:bodyPr lIns="0" tIns="0" rIns="0" bIns="0" anchor="ctr"/>
+          <a:lstStyle/>
           <a:p>
             <a:pPr algn="ctr"/>
-            <a:endParaRPr b="0" lang="en-US" sz="3200" spc="-1" strike="noStrike">
+            <a:endParaRPr lang="en-US" sz="3200" b="0" strike="noStrike" spc="-1">
               <a:solidFill>
                 <a:srgbClr val="000000"/>
               </a:solidFill>
               <a:uFill>
                 <a:solidFill>
-                  <a:srgbClr val="ffffff"/>
+                  <a:srgbClr val="FFFFFF"/>
                 </a:solidFill>
               </a:uFill>
               <a:latin typeface="Arial"/>
@@ -1008,11 +1155,14 @@
       </p:sp>
     </p:spTree>
   </p:cSld>
+  <p:clrMapOvr>
+    <a:masterClrMapping/>
+  </p:clrMapOvr>
 </p:sldLayout>
 </file>
 
 <file path=ppt/slideLayouts/slideLayout19.xml><?xml version="1.0" encoding="utf-8"?>
-<p:sldLayout xmlns:a="http://schemas.openxmlformats.org/drawingml/2006/main" xmlns:p="http://schemas.openxmlformats.org/presentationml/2006/main" xmlns:r="http://schemas.openxmlformats.org/officeDocument/2006/relationships" xmlns:p14="http://schemas.microsoft.com/office/powerpoint/2010/main" xmlns:p15="http://schemas.microsoft.com/office/powerpoint/2012/main" xmlns:mc="http://schemas.openxmlformats.org/markup-compatibility/2006" type="twoObjAndObj" preserve="1">
+<p:sldLayout xmlns:a="http://schemas.openxmlformats.org/drawingml/2006/main" xmlns:r="http://schemas.openxmlformats.org/officeDocument/2006/relationships" xmlns:p="http://schemas.openxmlformats.org/presentationml/2006/main" type="twoObjAndObj" preserve="1">
   <p:cSld name="Title, 2 Content and Content">
     <p:spTree>
       <p:nvGrpSpPr>
@@ -1048,15 +1198,16 @@
           </a:prstGeom>
         </p:spPr>
         <p:txBody>
-          <a:bodyPr lIns="0" rIns="0" tIns="0" bIns="0" anchor="ctr"/>
-          <a:p>
-            <a:endParaRPr b="0" lang="hu-HU" sz="1800" spc="-1" strike="noStrike">
+          <a:bodyPr lIns="0" tIns="0" rIns="0" bIns="0" anchor="ctr"/>
+          <a:lstStyle/>
+          <a:p>
+            <a:endParaRPr lang="hu-HU" sz="1800" b="0" strike="noStrike" spc="-1">
               <a:solidFill>
                 <a:srgbClr val="000000"/>
               </a:solidFill>
               <a:uFill>
                 <a:solidFill>
-                  <a:srgbClr val="ffffff"/>
+                  <a:srgbClr val="FFFFFF"/>
                 </a:solidFill>
               </a:uFill>
               <a:latin typeface="Calibri"/>
@@ -1084,15 +1235,16 @@
           </a:prstGeom>
         </p:spPr>
         <p:txBody>
-          <a:bodyPr lIns="0" rIns="0" tIns="0" bIns="0"/>
-          <a:p>
-            <a:endParaRPr b="0" lang="hu-HU" sz="2800" spc="-1" strike="noStrike">
+          <a:bodyPr lIns="0" tIns="0" rIns="0" bIns="0"/>
+          <a:lstStyle/>
+          <a:p>
+            <a:endParaRPr lang="hu-HU" sz="2800" b="0" strike="noStrike" spc="-1">
               <a:solidFill>
                 <a:srgbClr val="000000"/>
               </a:solidFill>
               <a:uFill>
                 <a:solidFill>
-                  <a:srgbClr val="ffffff"/>
+                  <a:srgbClr val="FFFFFF"/>
                 </a:solidFill>
               </a:uFill>
               <a:latin typeface="Calibri"/>
@@ -1120,15 +1272,16 @@
           </a:prstGeom>
         </p:spPr>
         <p:txBody>
-          <a:bodyPr lIns="0" rIns="0" tIns="0" bIns="0"/>
-          <a:p>
-            <a:endParaRPr b="0" lang="hu-HU" sz="2800" spc="-1" strike="noStrike">
+          <a:bodyPr lIns="0" tIns="0" rIns="0" bIns="0"/>
+          <a:lstStyle/>
+          <a:p>
+            <a:endParaRPr lang="hu-HU" sz="2800" b="0" strike="noStrike" spc="-1">
               <a:solidFill>
                 <a:srgbClr val="000000"/>
               </a:solidFill>
               <a:uFill>
                 <a:solidFill>
-                  <a:srgbClr val="ffffff"/>
+                  <a:srgbClr val="FFFFFF"/>
                 </a:solidFill>
               </a:uFill>
               <a:latin typeface="Calibri"/>
@@ -1156,15 +1309,16 @@
           </a:prstGeom>
         </p:spPr>
         <p:txBody>
-          <a:bodyPr lIns="0" rIns="0" tIns="0" bIns="0"/>
-          <a:p>
-            <a:endParaRPr b="0" lang="hu-HU" sz="2800" spc="-1" strike="noStrike">
+          <a:bodyPr lIns="0" tIns="0" rIns="0" bIns="0"/>
+          <a:lstStyle/>
+          <a:p>
+            <a:endParaRPr lang="hu-HU" sz="2800" b="0" strike="noStrike" spc="-1">
               <a:solidFill>
                 <a:srgbClr val="000000"/>
               </a:solidFill>
               <a:uFill>
                 <a:solidFill>
-                  <a:srgbClr val="ffffff"/>
+                  <a:srgbClr val="FFFFFF"/>
                 </a:solidFill>
               </a:uFill>
               <a:latin typeface="Calibri"/>
@@ -1174,11 +1328,14 @@
       </p:sp>
     </p:spTree>
   </p:cSld>
+  <p:clrMapOvr>
+    <a:masterClrMapping/>
+  </p:clrMapOvr>
 </p:sldLayout>
 </file>
 
 <file path=ppt/slideLayouts/slideLayout2.xml><?xml version="1.0" encoding="utf-8"?>
-<p:sldLayout xmlns:a="http://schemas.openxmlformats.org/drawingml/2006/main" xmlns:p="http://schemas.openxmlformats.org/presentationml/2006/main" xmlns:r="http://schemas.openxmlformats.org/officeDocument/2006/relationships" xmlns:p14="http://schemas.microsoft.com/office/powerpoint/2010/main" xmlns:p15="http://schemas.microsoft.com/office/powerpoint/2012/main" xmlns:mc="http://schemas.openxmlformats.org/markup-compatibility/2006" type="tx" preserve="1">
+<p:sldLayout xmlns:a="http://schemas.openxmlformats.org/drawingml/2006/main" xmlns:r="http://schemas.openxmlformats.org/officeDocument/2006/relationships" xmlns:p="http://schemas.openxmlformats.org/presentationml/2006/main" type="tx" preserve="1">
   <p:cSld name="Title Slide">
     <p:spTree>
       <p:nvGrpSpPr>
@@ -1214,15 +1371,16 @@
           </a:prstGeom>
         </p:spPr>
         <p:txBody>
-          <a:bodyPr lIns="0" rIns="0" tIns="0" bIns="0" anchor="ctr"/>
-          <a:p>
-            <a:endParaRPr b="0" lang="hu-HU" sz="1800" spc="-1" strike="noStrike">
+          <a:bodyPr lIns="0" tIns="0" rIns="0" bIns="0" anchor="ctr"/>
+          <a:lstStyle/>
+          <a:p>
+            <a:endParaRPr lang="hu-HU" sz="1800" b="0" strike="noStrike" spc="-1">
               <a:solidFill>
                 <a:srgbClr val="000000"/>
               </a:solidFill>
               <a:uFill>
                 <a:solidFill>
-                  <a:srgbClr val="ffffff"/>
+                  <a:srgbClr val="FFFFFF"/>
                 </a:solidFill>
               </a:uFill>
               <a:latin typeface="Calibri"/>
@@ -1250,16 +1408,17 @@
           </a:prstGeom>
         </p:spPr>
         <p:txBody>
-          <a:bodyPr lIns="0" rIns="0" tIns="0" bIns="0" anchor="ctr"/>
+          <a:bodyPr lIns="0" tIns="0" rIns="0" bIns="0" anchor="ctr"/>
+          <a:lstStyle/>
           <a:p>
             <a:pPr algn="ctr"/>
-            <a:endParaRPr b="0" lang="en-US" sz="3200" spc="-1" strike="noStrike">
+            <a:endParaRPr lang="en-US" sz="3200" b="0" strike="noStrike" spc="-1">
               <a:solidFill>
                 <a:srgbClr val="000000"/>
               </a:solidFill>
               <a:uFill>
                 <a:solidFill>
-                  <a:srgbClr val="ffffff"/>
+                  <a:srgbClr val="FFFFFF"/>
                 </a:solidFill>
               </a:uFill>
               <a:latin typeface="Arial"/>
@@ -1269,11 +1428,14 @@
       </p:sp>
     </p:spTree>
   </p:cSld>
+  <p:clrMapOvr>
+    <a:masterClrMapping/>
+  </p:clrMapOvr>
 </p:sldLayout>
 </file>
 
 <file path=ppt/slideLayouts/slideLayout20.xml><?xml version="1.0" encoding="utf-8"?>
-<p:sldLayout xmlns:a="http://schemas.openxmlformats.org/drawingml/2006/main" xmlns:p="http://schemas.openxmlformats.org/presentationml/2006/main" xmlns:r="http://schemas.openxmlformats.org/officeDocument/2006/relationships" xmlns:p14="http://schemas.microsoft.com/office/powerpoint/2010/main" xmlns:p15="http://schemas.microsoft.com/office/powerpoint/2012/main" xmlns:mc="http://schemas.openxmlformats.org/markup-compatibility/2006" type="objAndTwoObj" preserve="1">
+<p:sldLayout xmlns:a="http://schemas.openxmlformats.org/drawingml/2006/main" xmlns:r="http://schemas.openxmlformats.org/officeDocument/2006/relationships" xmlns:p="http://schemas.openxmlformats.org/presentationml/2006/main" type="objAndTwoObj" preserve="1">
   <p:cSld name="Title Content and 2 Content">
     <p:spTree>
       <p:nvGrpSpPr>
@@ -1309,15 +1471,16 @@
           </a:prstGeom>
         </p:spPr>
         <p:txBody>
-          <a:bodyPr lIns="0" rIns="0" tIns="0" bIns="0" anchor="ctr"/>
-          <a:p>
-            <a:endParaRPr b="0" lang="hu-HU" sz="1800" spc="-1" strike="noStrike">
+          <a:bodyPr lIns="0" tIns="0" rIns="0" bIns="0" anchor="ctr"/>
+          <a:lstStyle/>
+          <a:p>
+            <a:endParaRPr lang="hu-HU" sz="1800" b="0" strike="noStrike" spc="-1">
               <a:solidFill>
                 <a:srgbClr val="000000"/>
               </a:solidFill>
               <a:uFill>
                 <a:solidFill>
-                  <a:srgbClr val="ffffff"/>
+                  <a:srgbClr val="FFFFFF"/>
                 </a:solidFill>
               </a:uFill>
               <a:latin typeface="Calibri"/>
@@ -1345,15 +1508,16 @@
           </a:prstGeom>
         </p:spPr>
         <p:txBody>
-          <a:bodyPr lIns="0" rIns="0" tIns="0" bIns="0"/>
-          <a:p>
-            <a:endParaRPr b="0" lang="hu-HU" sz="2800" spc="-1" strike="noStrike">
+          <a:bodyPr lIns="0" tIns="0" rIns="0" bIns="0"/>
+          <a:lstStyle/>
+          <a:p>
+            <a:endParaRPr lang="hu-HU" sz="2800" b="0" strike="noStrike" spc="-1">
               <a:solidFill>
                 <a:srgbClr val="000000"/>
               </a:solidFill>
               <a:uFill>
                 <a:solidFill>
-                  <a:srgbClr val="ffffff"/>
+                  <a:srgbClr val="FFFFFF"/>
                 </a:solidFill>
               </a:uFill>
               <a:latin typeface="Calibri"/>
@@ -1381,15 +1545,16 @@
           </a:prstGeom>
         </p:spPr>
         <p:txBody>
-          <a:bodyPr lIns="0" rIns="0" tIns="0" bIns="0"/>
-          <a:p>
-            <a:endParaRPr b="0" lang="hu-HU" sz="2800" spc="-1" strike="noStrike">
+          <a:bodyPr lIns="0" tIns="0" rIns="0" bIns="0"/>
+          <a:lstStyle/>
+          <a:p>
+            <a:endParaRPr lang="hu-HU" sz="2800" b="0" strike="noStrike" spc="-1">
               <a:solidFill>
                 <a:srgbClr val="000000"/>
               </a:solidFill>
               <a:uFill>
                 <a:solidFill>
-                  <a:srgbClr val="ffffff"/>
+                  <a:srgbClr val="FFFFFF"/>
                 </a:solidFill>
               </a:uFill>
               <a:latin typeface="Calibri"/>
@@ -1417,15 +1582,16 @@
           </a:prstGeom>
         </p:spPr>
         <p:txBody>
-          <a:bodyPr lIns="0" rIns="0" tIns="0" bIns="0"/>
-          <a:p>
-            <a:endParaRPr b="0" lang="hu-HU" sz="2800" spc="-1" strike="noStrike">
+          <a:bodyPr lIns="0" tIns="0" rIns="0" bIns="0"/>
+          <a:lstStyle/>
+          <a:p>
+            <a:endParaRPr lang="hu-HU" sz="2800" b="0" strike="noStrike" spc="-1">
               <a:solidFill>
                 <a:srgbClr val="000000"/>
               </a:solidFill>
               <a:uFill>
                 <a:solidFill>
-                  <a:srgbClr val="ffffff"/>
+                  <a:srgbClr val="FFFFFF"/>
                 </a:solidFill>
               </a:uFill>
               <a:latin typeface="Calibri"/>
@@ -1435,11 +1601,14 @@
       </p:sp>
     </p:spTree>
   </p:cSld>
+  <p:clrMapOvr>
+    <a:masterClrMapping/>
+  </p:clrMapOvr>
 </p:sldLayout>
 </file>
 
 <file path=ppt/slideLayouts/slideLayout21.xml><?xml version="1.0" encoding="utf-8"?>
-<p:sldLayout xmlns:a="http://schemas.openxmlformats.org/drawingml/2006/main" xmlns:p="http://schemas.openxmlformats.org/presentationml/2006/main" xmlns:r="http://schemas.openxmlformats.org/officeDocument/2006/relationships" xmlns:p14="http://schemas.microsoft.com/office/powerpoint/2010/main" xmlns:p15="http://schemas.microsoft.com/office/powerpoint/2012/main" xmlns:mc="http://schemas.openxmlformats.org/markup-compatibility/2006" type="twoObjOverTx" preserve="1">
+<p:sldLayout xmlns:a="http://schemas.openxmlformats.org/drawingml/2006/main" xmlns:r="http://schemas.openxmlformats.org/officeDocument/2006/relationships" xmlns:p="http://schemas.openxmlformats.org/presentationml/2006/main" type="twoObjOverTx" preserve="1">
   <p:cSld name="Title, 2 Content over Content">
     <p:spTree>
       <p:nvGrpSpPr>
@@ -1475,15 +1644,16 @@
           </a:prstGeom>
         </p:spPr>
         <p:txBody>
-          <a:bodyPr lIns="0" rIns="0" tIns="0" bIns="0" anchor="ctr"/>
-          <a:p>
-            <a:endParaRPr b="0" lang="hu-HU" sz="1800" spc="-1" strike="noStrike">
+          <a:bodyPr lIns="0" tIns="0" rIns="0" bIns="0" anchor="ctr"/>
+          <a:lstStyle/>
+          <a:p>
+            <a:endParaRPr lang="hu-HU" sz="1800" b="0" strike="noStrike" spc="-1">
               <a:solidFill>
                 <a:srgbClr val="000000"/>
               </a:solidFill>
               <a:uFill>
                 <a:solidFill>
-                  <a:srgbClr val="ffffff"/>
+                  <a:srgbClr val="FFFFFF"/>
                 </a:solidFill>
               </a:uFill>
               <a:latin typeface="Calibri"/>
@@ -1511,15 +1681,16 @@
           </a:prstGeom>
         </p:spPr>
         <p:txBody>
-          <a:bodyPr lIns="0" rIns="0" tIns="0" bIns="0"/>
-          <a:p>
-            <a:endParaRPr b="0" lang="hu-HU" sz="2800" spc="-1" strike="noStrike">
+          <a:bodyPr lIns="0" tIns="0" rIns="0" bIns="0"/>
+          <a:lstStyle/>
+          <a:p>
+            <a:endParaRPr lang="hu-HU" sz="2800" b="0" strike="noStrike" spc="-1">
               <a:solidFill>
                 <a:srgbClr val="000000"/>
               </a:solidFill>
               <a:uFill>
                 <a:solidFill>
-                  <a:srgbClr val="ffffff"/>
+                  <a:srgbClr val="FFFFFF"/>
                 </a:solidFill>
               </a:uFill>
               <a:latin typeface="Calibri"/>
@@ -1547,15 +1718,16 @@
           </a:prstGeom>
         </p:spPr>
         <p:txBody>
-          <a:bodyPr lIns="0" rIns="0" tIns="0" bIns="0"/>
-          <a:p>
-            <a:endParaRPr b="0" lang="hu-HU" sz="2800" spc="-1" strike="noStrike">
+          <a:bodyPr lIns="0" tIns="0" rIns="0" bIns="0"/>
+          <a:lstStyle/>
+          <a:p>
+            <a:endParaRPr lang="hu-HU" sz="2800" b="0" strike="noStrike" spc="-1">
               <a:solidFill>
                 <a:srgbClr val="000000"/>
               </a:solidFill>
               <a:uFill>
                 <a:solidFill>
-                  <a:srgbClr val="ffffff"/>
+                  <a:srgbClr val="FFFFFF"/>
                 </a:solidFill>
               </a:uFill>
               <a:latin typeface="Calibri"/>
@@ -1583,15 +1755,16 @@
           </a:prstGeom>
         </p:spPr>
         <p:txBody>
-          <a:bodyPr lIns="0" rIns="0" tIns="0" bIns="0"/>
-          <a:p>
-            <a:endParaRPr b="0" lang="hu-HU" sz="2800" spc="-1" strike="noStrike">
+          <a:bodyPr lIns="0" tIns="0" rIns="0" bIns="0"/>
+          <a:lstStyle/>
+          <a:p>
+            <a:endParaRPr lang="hu-HU" sz="2800" b="0" strike="noStrike" spc="-1">
               <a:solidFill>
                 <a:srgbClr val="000000"/>
               </a:solidFill>
               <a:uFill>
                 <a:solidFill>
-                  <a:srgbClr val="ffffff"/>
+                  <a:srgbClr val="FFFFFF"/>
                 </a:solidFill>
               </a:uFill>
               <a:latin typeface="Calibri"/>
@@ -1601,11 +1774,14 @@
       </p:sp>
     </p:spTree>
   </p:cSld>
+  <p:clrMapOvr>
+    <a:masterClrMapping/>
+  </p:clrMapOvr>
 </p:sldLayout>
 </file>
 
 <file path=ppt/slideLayouts/slideLayout22.xml><?xml version="1.0" encoding="utf-8"?>
-<p:sldLayout xmlns:a="http://schemas.openxmlformats.org/drawingml/2006/main" xmlns:p="http://schemas.openxmlformats.org/presentationml/2006/main" xmlns:r="http://schemas.openxmlformats.org/officeDocument/2006/relationships" xmlns:p14="http://schemas.microsoft.com/office/powerpoint/2010/main" xmlns:p15="http://schemas.microsoft.com/office/powerpoint/2012/main" xmlns:mc="http://schemas.openxmlformats.org/markup-compatibility/2006" type="objOverTx" preserve="1">
+<p:sldLayout xmlns:a="http://schemas.openxmlformats.org/drawingml/2006/main" xmlns:r="http://schemas.openxmlformats.org/officeDocument/2006/relationships" xmlns:p="http://schemas.openxmlformats.org/presentationml/2006/main" type="objOverTx" preserve="1">
   <p:cSld name="Title, Content over Content">
     <p:spTree>
       <p:nvGrpSpPr>
@@ -1641,15 +1817,16 @@
           </a:prstGeom>
         </p:spPr>
         <p:txBody>
-          <a:bodyPr lIns="0" rIns="0" tIns="0" bIns="0" anchor="ctr"/>
-          <a:p>
-            <a:endParaRPr b="0" lang="hu-HU" sz="1800" spc="-1" strike="noStrike">
+          <a:bodyPr lIns="0" tIns="0" rIns="0" bIns="0" anchor="ctr"/>
+          <a:lstStyle/>
+          <a:p>
+            <a:endParaRPr lang="hu-HU" sz="1800" b="0" strike="noStrike" spc="-1">
               <a:solidFill>
                 <a:srgbClr val="000000"/>
               </a:solidFill>
               <a:uFill>
                 <a:solidFill>
-                  <a:srgbClr val="ffffff"/>
+                  <a:srgbClr val="FFFFFF"/>
                 </a:solidFill>
               </a:uFill>
               <a:latin typeface="Calibri"/>
@@ -1677,15 +1854,16 @@
           </a:prstGeom>
         </p:spPr>
         <p:txBody>
-          <a:bodyPr lIns="0" rIns="0" tIns="0" bIns="0"/>
-          <a:p>
-            <a:endParaRPr b="0" lang="hu-HU" sz="2800" spc="-1" strike="noStrike">
+          <a:bodyPr lIns="0" tIns="0" rIns="0" bIns="0"/>
+          <a:lstStyle/>
+          <a:p>
+            <a:endParaRPr lang="hu-HU" sz="2800" b="0" strike="noStrike" spc="-1">
               <a:solidFill>
                 <a:srgbClr val="000000"/>
               </a:solidFill>
               <a:uFill>
                 <a:solidFill>
-                  <a:srgbClr val="ffffff"/>
+                  <a:srgbClr val="FFFFFF"/>
                 </a:solidFill>
               </a:uFill>
               <a:latin typeface="Calibri"/>
@@ -1713,15 +1891,16 @@
           </a:prstGeom>
         </p:spPr>
         <p:txBody>
-          <a:bodyPr lIns="0" rIns="0" tIns="0" bIns="0"/>
-          <a:p>
-            <a:endParaRPr b="0" lang="hu-HU" sz="2800" spc="-1" strike="noStrike">
+          <a:bodyPr lIns="0" tIns="0" rIns="0" bIns="0"/>
+          <a:lstStyle/>
+          <a:p>
+            <a:endParaRPr lang="hu-HU" sz="2800" b="0" strike="noStrike" spc="-1">
               <a:solidFill>
                 <a:srgbClr val="000000"/>
               </a:solidFill>
               <a:uFill>
                 <a:solidFill>
-                  <a:srgbClr val="ffffff"/>
+                  <a:srgbClr val="FFFFFF"/>
                 </a:solidFill>
               </a:uFill>
               <a:latin typeface="Calibri"/>
@@ -1731,11 +1910,14 @@
       </p:sp>
     </p:spTree>
   </p:cSld>
+  <p:clrMapOvr>
+    <a:masterClrMapping/>
+  </p:clrMapOvr>
 </p:sldLayout>
 </file>
 
 <file path=ppt/slideLayouts/slideLayout23.xml><?xml version="1.0" encoding="utf-8"?>
-<p:sldLayout xmlns:a="http://schemas.openxmlformats.org/drawingml/2006/main" xmlns:p="http://schemas.openxmlformats.org/presentationml/2006/main" xmlns:r="http://schemas.openxmlformats.org/officeDocument/2006/relationships" xmlns:p14="http://schemas.microsoft.com/office/powerpoint/2010/main" xmlns:p15="http://schemas.microsoft.com/office/powerpoint/2012/main" xmlns:mc="http://schemas.openxmlformats.org/markup-compatibility/2006" type="fourObj" preserve="1">
+<p:sldLayout xmlns:a="http://schemas.openxmlformats.org/drawingml/2006/main" xmlns:r="http://schemas.openxmlformats.org/officeDocument/2006/relationships" xmlns:p="http://schemas.openxmlformats.org/presentationml/2006/main" type="fourObj" preserve="1">
   <p:cSld name="Title, 4 Content">
     <p:spTree>
       <p:nvGrpSpPr>
@@ -1771,15 +1953,16 @@
           </a:prstGeom>
         </p:spPr>
         <p:txBody>
-          <a:bodyPr lIns="0" rIns="0" tIns="0" bIns="0" anchor="ctr"/>
-          <a:p>
-            <a:endParaRPr b="0" lang="hu-HU" sz="1800" spc="-1" strike="noStrike">
+          <a:bodyPr lIns="0" tIns="0" rIns="0" bIns="0" anchor="ctr"/>
+          <a:lstStyle/>
+          <a:p>
+            <a:endParaRPr lang="hu-HU" sz="1800" b="0" strike="noStrike" spc="-1">
               <a:solidFill>
                 <a:srgbClr val="000000"/>
               </a:solidFill>
               <a:uFill>
                 <a:solidFill>
-                  <a:srgbClr val="ffffff"/>
+                  <a:srgbClr val="FFFFFF"/>
                 </a:solidFill>
               </a:uFill>
               <a:latin typeface="Calibri"/>
@@ -1807,15 +1990,16 @@
           </a:prstGeom>
         </p:spPr>
         <p:txBody>
-          <a:bodyPr lIns="0" rIns="0" tIns="0" bIns="0"/>
-          <a:p>
-            <a:endParaRPr b="0" lang="hu-HU" sz="2800" spc="-1" strike="noStrike">
+          <a:bodyPr lIns="0" tIns="0" rIns="0" bIns="0"/>
+          <a:lstStyle/>
+          <a:p>
+            <a:endParaRPr lang="hu-HU" sz="2800" b="0" strike="noStrike" spc="-1">
               <a:solidFill>
                 <a:srgbClr val="000000"/>
               </a:solidFill>
               <a:uFill>
                 <a:solidFill>
-                  <a:srgbClr val="ffffff"/>
+                  <a:srgbClr val="FFFFFF"/>
                 </a:solidFill>
               </a:uFill>
               <a:latin typeface="Calibri"/>
@@ -1843,15 +2027,16 @@
           </a:prstGeom>
         </p:spPr>
         <p:txBody>
-          <a:bodyPr lIns="0" rIns="0" tIns="0" bIns="0"/>
-          <a:p>
-            <a:endParaRPr b="0" lang="hu-HU" sz="2800" spc="-1" strike="noStrike">
+          <a:bodyPr lIns="0" tIns="0" rIns="0" bIns="0"/>
+          <a:lstStyle/>
+          <a:p>
+            <a:endParaRPr lang="hu-HU" sz="2800" b="0" strike="noStrike" spc="-1">
               <a:solidFill>
                 <a:srgbClr val="000000"/>
               </a:solidFill>
               <a:uFill>
                 <a:solidFill>
-                  <a:srgbClr val="ffffff"/>
+                  <a:srgbClr val="FFFFFF"/>
                 </a:solidFill>
               </a:uFill>
               <a:latin typeface="Calibri"/>
@@ -1879,15 +2064,16 @@
           </a:prstGeom>
         </p:spPr>
         <p:txBody>
-          <a:bodyPr lIns="0" rIns="0" tIns="0" bIns="0"/>
-          <a:p>
-            <a:endParaRPr b="0" lang="hu-HU" sz="2800" spc="-1" strike="noStrike">
+          <a:bodyPr lIns="0" tIns="0" rIns="0" bIns="0"/>
+          <a:lstStyle/>
+          <a:p>
+            <a:endParaRPr lang="hu-HU" sz="2800" b="0" strike="noStrike" spc="-1">
               <a:solidFill>
                 <a:srgbClr val="000000"/>
               </a:solidFill>
               <a:uFill>
                 <a:solidFill>
-                  <a:srgbClr val="ffffff"/>
+                  <a:srgbClr val="FFFFFF"/>
                 </a:solidFill>
               </a:uFill>
               <a:latin typeface="Calibri"/>
@@ -1915,15 +2101,16 @@
           </a:prstGeom>
         </p:spPr>
         <p:txBody>
-          <a:bodyPr lIns="0" rIns="0" tIns="0" bIns="0"/>
-          <a:p>
-            <a:endParaRPr b="0" lang="hu-HU" sz="2800" spc="-1" strike="noStrike">
+          <a:bodyPr lIns="0" tIns="0" rIns="0" bIns="0"/>
+          <a:lstStyle/>
+          <a:p>
+            <a:endParaRPr lang="hu-HU" sz="2800" b="0" strike="noStrike" spc="-1">
               <a:solidFill>
                 <a:srgbClr val="000000"/>
               </a:solidFill>
               <a:uFill>
                 <a:solidFill>
-                  <a:srgbClr val="ffffff"/>
+                  <a:srgbClr val="FFFFFF"/>
                 </a:solidFill>
               </a:uFill>
               <a:latin typeface="Calibri"/>
@@ -1933,11 +2120,14 @@
       </p:sp>
     </p:spTree>
   </p:cSld>
+  <p:clrMapOvr>
+    <a:masterClrMapping/>
+  </p:clrMapOvr>
 </p:sldLayout>
 </file>
 
 <file path=ppt/slideLayouts/slideLayout24.xml><?xml version="1.0" encoding="utf-8"?>
-<p:sldLayout xmlns:a="http://schemas.openxmlformats.org/drawingml/2006/main" xmlns:p="http://schemas.openxmlformats.org/presentationml/2006/main" xmlns:r="http://schemas.openxmlformats.org/officeDocument/2006/relationships" xmlns:p14="http://schemas.microsoft.com/office/powerpoint/2010/main" xmlns:p15="http://schemas.microsoft.com/office/powerpoint/2012/main" xmlns:mc="http://schemas.openxmlformats.org/markup-compatibility/2006" type="blank" preserve="1">
+<p:sldLayout xmlns:a="http://schemas.openxmlformats.org/drawingml/2006/main" xmlns:r="http://schemas.openxmlformats.org/officeDocument/2006/relationships" xmlns:p="http://schemas.openxmlformats.org/presentationml/2006/main" type="blank" preserve="1">
   <p:cSld name="Title, 6 Content">
     <p:spTree>
       <p:nvGrpSpPr>
@@ -1973,15 +2163,16 @@
           </a:prstGeom>
         </p:spPr>
         <p:txBody>
-          <a:bodyPr lIns="0" rIns="0" tIns="0" bIns="0" anchor="ctr"/>
-          <a:p>
-            <a:endParaRPr b="0" lang="hu-HU" sz="1800" spc="-1" strike="noStrike">
+          <a:bodyPr lIns="0" tIns="0" rIns="0" bIns="0" anchor="ctr"/>
+          <a:lstStyle/>
+          <a:p>
+            <a:endParaRPr lang="hu-HU" sz="1800" b="0" strike="noStrike" spc="-1">
               <a:solidFill>
                 <a:srgbClr val="000000"/>
               </a:solidFill>
               <a:uFill>
                 <a:solidFill>
-                  <a:srgbClr val="ffffff"/>
+                  <a:srgbClr val="FFFFFF"/>
                 </a:solidFill>
               </a:uFill>
               <a:latin typeface="Calibri"/>
@@ -2009,15 +2200,16 @@
           </a:prstGeom>
         </p:spPr>
         <p:txBody>
-          <a:bodyPr lIns="0" rIns="0" tIns="0" bIns="0"/>
-          <a:p>
-            <a:endParaRPr b="0" lang="hu-HU" sz="2800" spc="-1" strike="noStrike">
+          <a:bodyPr lIns="0" tIns="0" rIns="0" bIns="0"/>
+          <a:lstStyle/>
+          <a:p>
+            <a:endParaRPr lang="hu-HU" sz="2800" b="0" strike="noStrike" spc="-1">
               <a:solidFill>
                 <a:srgbClr val="000000"/>
               </a:solidFill>
               <a:uFill>
                 <a:solidFill>
-                  <a:srgbClr val="ffffff"/>
+                  <a:srgbClr val="FFFFFF"/>
                 </a:solidFill>
               </a:uFill>
               <a:latin typeface="Calibri"/>
@@ -2045,15 +2237,16 @@
           </a:prstGeom>
         </p:spPr>
         <p:txBody>
-          <a:bodyPr lIns="0" rIns="0" tIns="0" bIns="0"/>
-          <a:p>
-            <a:endParaRPr b="0" lang="hu-HU" sz="2800" spc="-1" strike="noStrike">
+          <a:bodyPr lIns="0" tIns="0" rIns="0" bIns="0"/>
+          <a:lstStyle/>
+          <a:p>
+            <a:endParaRPr lang="hu-HU" sz="2800" b="0" strike="noStrike" spc="-1">
               <a:solidFill>
                 <a:srgbClr val="000000"/>
               </a:solidFill>
               <a:uFill>
                 <a:solidFill>
-                  <a:srgbClr val="ffffff"/>
+                  <a:srgbClr val="FFFFFF"/>
                 </a:solidFill>
               </a:uFill>
               <a:latin typeface="Calibri"/>
@@ -2063,7 +2256,7 @@
       </p:sp>
       <p:pic>
         <p:nvPicPr>
-          <p:cNvPr id="76" name="" descr=""/>
+          <p:cNvPr id="76" name="Kép 75"/>
           <p:cNvPicPr/>
           <p:nvPr/>
         </p:nvPicPr>
@@ -2086,12 +2279,12 @@
       </p:pic>
       <p:pic>
         <p:nvPicPr>
-          <p:cNvPr id="77" name="" descr=""/>
+          <p:cNvPr id="77" name="Kép 76"/>
           <p:cNvPicPr/>
           <p:nvPr/>
         </p:nvPicPr>
         <p:blipFill>
-          <a:blip r:embed="rId3"/>
+          <a:blip r:embed="rId2"/>
           <a:stretch/>
         </p:blipFill>
         <p:spPr>
@@ -2109,11 +2302,14 @@
       </p:pic>
     </p:spTree>
   </p:cSld>
+  <p:clrMapOvr>
+    <a:masterClrMapping/>
+  </p:clrMapOvr>
 </p:sldLayout>
 </file>
 
 <file path=ppt/slideLayouts/slideLayout3.xml><?xml version="1.0" encoding="utf-8"?>
-<p:sldLayout xmlns:a="http://schemas.openxmlformats.org/drawingml/2006/main" xmlns:p="http://schemas.openxmlformats.org/presentationml/2006/main" xmlns:r="http://schemas.openxmlformats.org/officeDocument/2006/relationships" xmlns:p14="http://schemas.microsoft.com/office/powerpoint/2010/main" xmlns:p15="http://schemas.microsoft.com/office/powerpoint/2012/main" xmlns:mc="http://schemas.openxmlformats.org/markup-compatibility/2006" type="obj" preserve="1">
+<p:sldLayout xmlns:a="http://schemas.openxmlformats.org/drawingml/2006/main" xmlns:r="http://schemas.openxmlformats.org/officeDocument/2006/relationships" xmlns:p="http://schemas.openxmlformats.org/presentationml/2006/main" type="obj" preserve="1">
   <p:cSld name="Title, Content">
     <p:spTree>
       <p:nvGrpSpPr>
@@ -2149,15 +2345,16 @@
           </a:prstGeom>
         </p:spPr>
         <p:txBody>
-          <a:bodyPr lIns="0" rIns="0" tIns="0" bIns="0" anchor="ctr"/>
-          <a:p>
-            <a:endParaRPr b="0" lang="hu-HU" sz="1800" spc="-1" strike="noStrike">
+          <a:bodyPr lIns="0" tIns="0" rIns="0" bIns="0" anchor="ctr"/>
+          <a:lstStyle/>
+          <a:p>
+            <a:endParaRPr lang="hu-HU" sz="1800" b="0" strike="noStrike" spc="-1">
               <a:solidFill>
                 <a:srgbClr val="000000"/>
               </a:solidFill>
               <a:uFill>
                 <a:solidFill>
-                  <a:srgbClr val="ffffff"/>
+                  <a:srgbClr val="FFFFFF"/>
                 </a:solidFill>
               </a:uFill>
               <a:latin typeface="Calibri"/>
@@ -2185,15 +2382,16 @@
           </a:prstGeom>
         </p:spPr>
         <p:txBody>
-          <a:bodyPr lIns="0" rIns="0" tIns="0" bIns="0"/>
-          <a:p>
-            <a:endParaRPr b="0" lang="hu-HU" sz="2800" spc="-1" strike="noStrike">
+          <a:bodyPr lIns="0" tIns="0" rIns="0" bIns="0"/>
+          <a:lstStyle/>
+          <a:p>
+            <a:endParaRPr lang="hu-HU" sz="2800" b="0" strike="noStrike" spc="-1">
               <a:solidFill>
                 <a:srgbClr val="000000"/>
               </a:solidFill>
               <a:uFill>
                 <a:solidFill>
-                  <a:srgbClr val="ffffff"/>
+                  <a:srgbClr val="FFFFFF"/>
                 </a:solidFill>
               </a:uFill>
               <a:latin typeface="Calibri"/>
@@ -2203,11 +2401,14 @@
       </p:sp>
     </p:spTree>
   </p:cSld>
+  <p:clrMapOvr>
+    <a:masterClrMapping/>
+  </p:clrMapOvr>
 </p:sldLayout>
 </file>
 
 <file path=ppt/slideLayouts/slideLayout4.xml><?xml version="1.0" encoding="utf-8"?>
-<p:sldLayout xmlns:a="http://schemas.openxmlformats.org/drawingml/2006/main" xmlns:p="http://schemas.openxmlformats.org/presentationml/2006/main" xmlns:r="http://schemas.openxmlformats.org/officeDocument/2006/relationships" xmlns:p14="http://schemas.microsoft.com/office/powerpoint/2010/main" xmlns:p15="http://schemas.microsoft.com/office/powerpoint/2012/main" xmlns:mc="http://schemas.openxmlformats.org/markup-compatibility/2006" type="twoObj" preserve="1">
+<p:sldLayout xmlns:a="http://schemas.openxmlformats.org/drawingml/2006/main" xmlns:r="http://schemas.openxmlformats.org/officeDocument/2006/relationships" xmlns:p="http://schemas.openxmlformats.org/presentationml/2006/main" type="twoObj" preserve="1">
   <p:cSld name="Title, 2 Content">
     <p:spTree>
       <p:nvGrpSpPr>
@@ -2243,15 +2444,16 @@
           </a:prstGeom>
         </p:spPr>
         <p:txBody>
-          <a:bodyPr lIns="0" rIns="0" tIns="0" bIns="0" anchor="ctr"/>
-          <a:p>
-            <a:endParaRPr b="0" lang="hu-HU" sz="1800" spc="-1" strike="noStrike">
+          <a:bodyPr lIns="0" tIns="0" rIns="0" bIns="0" anchor="ctr"/>
+          <a:lstStyle/>
+          <a:p>
+            <a:endParaRPr lang="hu-HU" sz="1800" b="0" strike="noStrike" spc="-1">
               <a:solidFill>
                 <a:srgbClr val="000000"/>
               </a:solidFill>
               <a:uFill>
                 <a:solidFill>
-                  <a:srgbClr val="ffffff"/>
+                  <a:srgbClr val="FFFFFF"/>
                 </a:solidFill>
               </a:uFill>
               <a:latin typeface="Calibri"/>
@@ -2279,15 +2481,16 @@
           </a:prstGeom>
         </p:spPr>
         <p:txBody>
-          <a:bodyPr lIns="0" rIns="0" tIns="0" bIns="0"/>
-          <a:p>
-            <a:endParaRPr b="0" lang="hu-HU" sz="2800" spc="-1" strike="noStrike">
+          <a:bodyPr lIns="0" tIns="0" rIns="0" bIns="0"/>
+          <a:lstStyle/>
+          <a:p>
+            <a:endParaRPr lang="hu-HU" sz="2800" b="0" strike="noStrike" spc="-1">
               <a:solidFill>
                 <a:srgbClr val="000000"/>
               </a:solidFill>
               <a:uFill>
                 <a:solidFill>
-                  <a:srgbClr val="ffffff"/>
+                  <a:srgbClr val="FFFFFF"/>
                 </a:solidFill>
               </a:uFill>
               <a:latin typeface="Calibri"/>
@@ -2315,15 +2518,16 @@
           </a:prstGeom>
         </p:spPr>
         <p:txBody>
-          <a:bodyPr lIns="0" rIns="0" tIns="0" bIns="0"/>
-          <a:p>
-            <a:endParaRPr b="0" lang="hu-HU" sz="2800" spc="-1" strike="noStrike">
+          <a:bodyPr lIns="0" tIns="0" rIns="0" bIns="0"/>
+          <a:lstStyle/>
+          <a:p>
+            <a:endParaRPr lang="hu-HU" sz="2800" b="0" strike="noStrike" spc="-1">
               <a:solidFill>
                 <a:srgbClr val="000000"/>
               </a:solidFill>
               <a:uFill>
                 <a:solidFill>
-                  <a:srgbClr val="ffffff"/>
+                  <a:srgbClr val="FFFFFF"/>
                 </a:solidFill>
               </a:uFill>
               <a:latin typeface="Calibri"/>
@@ -2333,11 +2537,14 @@
       </p:sp>
     </p:spTree>
   </p:cSld>
+  <p:clrMapOvr>
+    <a:masterClrMapping/>
+  </p:clrMapOvr>
 </p:sldLayout>
 </file>
 
 <file path=ppt/slideLayouts/slideLayout5.xml><?xml version="1.0" encoding="utf-8"?>
-<p:sldLayout xmlns:a="http://schemas.openxmlformats.org/drawingml/2006/main" xmlns:p="http://schemas.openxmlformats.org/presentationml/2006/main" xmlns:r="http://schemas.openxmlformats.org/officeDocument/2006/relationships" xmlns:p14="http://schemas.microsoft.com/office/powerpoint/2010/main" xmlns:p15="http://schemas.microsoft.com/office/powerpoint/2012/main" xmlns:mc="http://schemas.openxmlformats.org/markup-compatibility/2006" type="titleOnly" preserve="1">
+<p:sldLayout xmlns:a="http://schemas.openxmlformats.org/drawingml/2006/main" xmlns:r="http://schemas.openxmlformats.org/officeDocument/2006/relationships" xmlns:p="http://schemas.openxmlformats.org/presentationml/2006/main" type="titleOnly" preserve="1">
   <p:cSld name="Title Only">
     <p:spTree>
       <p:nvGrpSpPr>
@@ -2373,15 +2580,16 @@
           </a:prstGeom>
         </p:spPr>
         <p:txBody>
-          <a:bodyPr lIns="0" rIns="0" tIns="0" bIns="0" anchor="ctr"/>
-          <a:p>
-            <a:endParaRPr b="0" lang="hu-HU" sz="1800" spc="-1" strike="noStrike">
+          <a:bodyPr lIns="0" tIns="0" rIns="0" bIns="0" anchor="ctr"/>
+          <a:lstStyle/>
+          <a:p>
+            <a:endParaRPr lang="hu-HU" sz="1800" b="0" strike="noStrike" spc="-1">
               <a:solidFill>
                 <a:srgbClr val="000000"/>
               </a:solidFill>
               <a:uFill>
                 <a:solidFill>
-                  <a:srgbClr val="ffffff"/>
+                  <a:srgbClr val="FFFFFF"/>
                 </a:solidFill>
               </a:uFill>
               <a:latin typeface="Calibri"/>
@@ -2391,11 +2599,14 @@
       </p:sp>
     </p:spTree>
   </p:cSld>
+  <p:clrMapOvr>
+    <a:masterClrMapping/>
+  </p:clrMapOvr>
 </p:sldLayout>
 </file>
 
 <file path=ppt/slideLayouts/slideLayout6.xml><?xml version="1.0" encoding="utf-8"?>
-<p:sldLayout xmlns:a="http://schemas.openxmlformats.org/drawingml/2006/main" xmlns:p="http://schemas.openxmlformats.org/presentationml/2006/main" xmlns:r="http://schemas.openxmlformats.org/officeDocument/2006/relationships" xmlns:p14="http://schemas.microsoft.com/office/powerpoint/2010/main" xmlns:p15="http://schemas.microsoft.com/office/powerpoint/2012/main" xmlns:mc="http://schemas.openxmlformats.org/markup-compatibility/2006" type="objOnly" preserve="1">
+<p:sldLayout xmlns:a="http://schemas.openxmlformats.org/drawingml/2006/main" xmlns:r="http://schemas.openxmlformats.org/officeDocument/2006/relationships" xmlns:p="http://schemas.openxmlformats.org/presentationml/2006/main" type="objOnly" preserve="1">
   <p:cSld name="Centered Text">
     <p:spTree>
       <p:nvGrpSpPr>
@@ -2431,16 +2642,17 @@
           </a:prstGeom>
         </p:spPr>
         <p:txBody>
-          <a:bodyPr lIns="0" rIns="0" tIns="0" bIns="0" anchor="ctr"/>
+          <a:bodyPr lIns="0" tIns="0" rIns="0" bIns="0" anchor="ctr"/>
+          <a:lstStyle/>
           <a:p>
             <a:pPr algn="ctr"/>
-            <a:endParaRPr b="0" lang="en-US" sz="3200" spc="-1" strike="noStrike">
+            <a:endParaRPr lang="en-US" sz="3200" b="0" strike="noStrike" spc="-1">
               <a:solidFill>
                 <a:srgbClr val="000000"/>
               </a:solidFill>
               <a:uFill>
                 <a:solidFill>
-                  <a:srgbClr val="ffffff"/>
+                  <a:srgbClr val="FFFFFF"/>
                 </a:solidFill>
               </a:uFill>
               <a:latin typeface="Arial"/>
@@ -2450,11 +2662,14 @@
       </p:sp>
     </p:spTree>
   </p:cSld>
+  <p:clrMapOvr>
+    <a:masterClrMapping/>
+  </p:clrMapOvr>
 </p:sldLayout>
 </file>
 
 <file path=ppt/slideLayouts/slideLayout7.xml><?xml version="1.0" encoding="utf-8"?>
-<p:sldLayout xmlns:a="http://schemas.openxmlformats.org/drawingml/2006/main" xmlns:p="http://schemas.openxmlformats.org/presentationml/2006/main" xmlns:r="http://schemas.openxmlformats.org/officeDocument/2006/relationships" xmlns:p14="http://schemas.microsoft.com/office/powerpoint/2010/main" xmlns:p15="http://schemas.microsoft.com/office/powerpoint/2012/main" xmlns:mc="http://schemas.openxmlformats.org/markup-compatibility/2006" type="twoObjAndObj" preserve="1">
+<p:sldLayout xmlns:a="http://schemas.openxmlformats.org/drawingml/2006/main" xmlns:r="http://schemas.openxmlformats.org/officeDocument/2006/relationships" xmlns:p="http://schemas.openxmlformats.org/presentationml/2006/main" type="twoObjAndObj" preserve="1">
   <p:cSld name="Title, 2 Content and Content">
     <p:spTree>
       <p:nvGrpSpPr>
@@ -2490,15 +2705,16 @@
           </a:prstGeom>
         </p:spPr>
         <p:txBody>
-          <a:bodyPr lIns="0" rIns="0" tIns="0" bIns="0" anchor="ctr"/>
-          <a:p>
-            <a:endParaRPr b="0" lang="hu-HU" sz="1800" spc="-1" strike="noStrike">
+          <a:bodyPr lIns="0" tIns="0" rIns="0" bIns="0" anchor="ctr"/>
+          <a:lstStyle/>
+          <a:p>
+            <a:endParaRPr lang="hu-HU" sz="1800" b="0" strike="noStrike" spc="-1">
               <a:solidFill>
                 <a:srgbClr val="000000"/>
               </a:solidFill>
               <a:uFill>
                 <a:solidFill>
-                  <a:srgbClr val="ffffff"/>
+                  <a:srgbClr val="FFFFFF"/>
                 </a:solidFill>
               </a:uFill>
               <a:latin typeface="Calibri"/>
@@ -2526,15 +2742,16 @@
           </a:prstGeom>
         </p:spPr>
         <p:txBody>
-          <a:bodyPr lIns="0" rIns="0" tIns="0" bIns="0"/>
-          <a:p>
-            <a:endParaRPr b="0" lang="hu-HU" sz="2800" spc="-1" strike="noStrike">
+          <a:bodyPr lIns="0" tIns="0" rIns="0" bIns="0"/>
+          <a:lstStyle/>
+          <a:p>
+            <a:endParaRPr lang="hu-HU" sz="2800" b="0" strike="noStrike" spc="-1">
               <a:solidFill>
                 <a:srgbClr val="000000"/>
               </a:solidFill>
               <a:uFill>
                 <a:solidFill>
-                  <a:srgbClr val="ffffff"/>
+                  <a:srgbClr val="FFFFFF"/>
                 </a:solidFill>
               </a:uFill>
               <a:latin typeface="Calibri"/>
@@ -2562,15 +2779,16 @@
           </a:prstGeom>
         </p:spPr>
         <p:txBody>
-          <a:bodyPr lIns="0" rIns="0" tIns="0" bIns="0"/>
-          <a:p>
-            <a:endParaRPr b="0" lang="hu-HU" sz="2800" spc="-1" strike="noStrike">
+          <a:bodyPr lIns="0" tIns="0" rIns="0" bIns="0"/>
+          <a:lstStyle/>
+          <a:p>
+            <a:endParaRPr lang="hu-HU" sz="2800" b="0" strike="noStrike" spc="-1">
               <a:solidFill>
                 <a:srgbClr val="000000"/>
               </a:solidFill>
               <a:uFill>
                 <a:solidFill>
-                  <a:srgbClr val="ffffff"/>
+                  <a:srgbClr val="FFFFFF"/>
                 </a:solidFill>
               </a:uFill>
               <a:latin typeface="Calibri"/>
@@ -2598,15 +2816,16 @@
           </a:prstGeom>
         </p:spPr>
         <p:txBody>
-          <a:bodyPr lIns="0" rIns="0" tIns="0" bIns="0"/>
-          <a:p>
-            <a:endParaRPr b="0" lang="hu-HU" sz="2800" spc="-1" strike="noStrike">
+          <a:bodyPr lIns="0" tIns="0" rIns="0" bIns="0"/>
+          <a:lstStyle/>
+          <a:p>
+            <a:endParaRPr lang="hu-HU" sz="2800" b="0" strike="noStrike" spc="-1">
               <a:solidFill>
                 <a:srgbClr val="000000"/>
               </a:solidFill>
               <a:uFill>
                 <a:solidFill>
-                  <a:srgbClr val="ffffff"/>
+                  <a:srgbClr val="FFFFFF"/>
                 </a:solidFill>
               </a:uFill>
               <a:latin typeface="Calibri"/>
@@ -2616,11 +2835,14 @@
       </p:sp>
     </p:spTree>
   </p:cSld>
+  <p:clrMapOvr>
+    <a:masterClrMapping/>
+  </p:clrMapOvr>
 </p:sldLayout>
 </file>
 
 <file path=ppt/slideLayouts/slideLayout8.xml><?xml version="1.0" encoding="utf-8"?>
-<p:sldLayout xmlns:a="http://schemas.openxmlformats.org/drawingml/2006/main" xmlns:p="http://schemas.openxmlformats.org/presentationml/2006/main" xmlns:r="http://schemas.openxmlformats.org/officeDocument/2006/relationships" xmlns:p14="http://schemas.microsoft.com/office/powerpoint/2010/main" xmlns:p15="http://schemas.microsoft.com/office/powerpoint/2012/main" xmlns:mc="http://schemas.openxmlformats.org/markup-compatibility/2006" type="objAndTwoObj" preserve="1">
+<p:sldLayout xmlns:a="http://schemas.openxmlformats.org/drawingml/2006/main" xmlns:r="http://schemas.openxmlformats.org/officeDocument/2006/relationships" xmlns:p="http://schemas.openxmlformats.org/presentationml/2006/main" type="objAndTwoObj" preserve="1">
   <p:cSld name="Title Content and 2 Content">
     <p:spTree>
       <p:nvGrpSpPr>
@@ -2656,15 +2878,16 @@
           </a:prstGeom>
         </p:spPr>
         <p:txBody>
-          <a:bodyPr lIns="0" rIns="0" tIns="0" bIns="0" anchor="ctr"/>
-          <a:p>
-            <a:endParaRPr b="0" lang="hu-HU" sz="1800" spc="-1" strike="noStrike">
+          <a:bodyPr lIns="0" tIns="0" rIns="0" bIns="0" anchor="ctr"/>
+          <a:lstStyle/>
+          <a:p>
+            <a:endParaRPr lang="hu-HU" sz="1800" b="0" strike="noStrike" spc="-1">
               <a:solidFill>
                 <a:srgbClr val="000000"/>
               </a:solidFill>
               <a:uFill>
                 <a:solidFill>
-                  <a:srgbClr val="ffffff"/>
+                  <a:srgbClr val="FFFFFF"/>
                 </a:solidFill>
               </a:uFill>
               <a:latin typeface="Calibri"/>
@@ -2692,15 +2915,16 @@
           </a:prstGeom>
         </p:spPr>
         <p:txBody>
-          <a:bodyPr lIns="0" rIns="0" tIns="0" bIns="0"/>
-          <a:p>
-            <a:endParaRPr b="0" lang="hu-HU" sz="2800" spc="-1" strike="noStrike">
+          <a:bodyPr lIns="0" tIns="0" rIns="0" bIns="0"/>
+          <a:lstStyle/>
+          <a:p>
+            <a:endParaRPr lang="hu-HU" sz="2800" b="0" strike="noStrike" spc="-1">
               <a:solidFill>
                 <a:srgbClr val="000000"/>
               </a:solidFill>
               <a:uFill>
                 <a:solidFill>
-                  <a:srgbClr val="ffffff"/>
+                  <a:srgbClr val="FFFFFF"/>
                 </a:solidFill>
               </a:uFill>
               <a:latin typeface="Calibri"/>
@@ -2728,15 +2952,16 @@
           </a:prstGeom>
         </p:spPr>
         <p:txBody>
-          <a:bodyPr lIns="0" rIns="0" tIns="0" bIns="0"/>
-          <a:p>
-            <a:endParaRPr b="0" lang="hu-HU" sz="2800" spc="-1" strike="noStrike">
+          <a:bodyPr lIns="0" tIns="0" rIns="0" bIns="0"/>
+          <a:lstStyle/>
+          <a:p>
+            <a:endParaRPr lang="hu-HU" sz="2800" b="0" strike="noStrike" spc="-1">
               <a:solidFill>
                 <a:srgbClr val="000000"/>
               </a:solidFill>
               <a:uFill>
                 <a:solidFill>
-                  <a:srgbClr val="ffffff"/>
+                  <a:srgbClr val="FFFFFF"/>
                 </a:solidFill>
               </a:uFill>
               <a:latin typeface="Calibri"/>
@@ -2764,15 +2989,16 @@
           </a:prstGeom>
         </p:spPr>
         <p:txBody>
-          <a:bodyPr lIns="0" rIns="0" tIns="0" bIns="0"/>
-          <a:p>
-            <a:endParaRPr b="0" lang="hu-HU" sz="2800" spc="-1" strike="noStrike">
+          <a:bodyPr lIns="0" tIns="0" rIns="0" bIns="0"/>
+          <a:lstStyle/>
+          <a:p>
+            <a:endParaRPr lang="hu-HU" sz="2800" b="0" strike="noStrike" spc="-1">
               <a:solidFill>
                 <a:srgbClr val="000000"/>
               </a:solidFill>
               <a:uFill>
                 <a:solidFill>
-                  <a:srgbClr val="ffffff"/>
+                  <a:srgbClr val="FFFFFF"/>
                 </a:solidFill>
               </a:uFill>
               <a:latin typeface="Calibri"/>
@@ -2782,11 +3008,14 @@
       </p:sp>
     </p:spTree>
   </p:cSld>
+  <p:clrMapOvr>
+    <a:masterClrMapping/>
+  </p:clrMapOvr>
 </p:sldLayout>
 </file>
 
 <file path=ppt/slideLayouts/slideLayout9.xml><?xml version="1.0" encoding="utf-8"?>
-<p:sldLayout xmlns:a="http://schemas.openxmlformats.org/drawingml/2006/main" xmlns:p="http://schemas.openxmlformats.org/presentationml/2006/main" xmlns:r="http://schemas.openxmlformats.org/officeDocument/2006/relationships" xmlns:p14="http://schemas.microsoft.com/office/powerpoint/2010/main" xmlns:p15="http://schemas.microsoft.com/office/powerpoint/2012/main" xmlns:mc="http://schemas.openxmlformats.org/markup-compatibility/2006" type="twoObjOverTx" preserve="1">
+<p:sldLayout xmlns:a="http://schemas.openxmlformats.org/drawingml/2006/main" xmlns:r="http://schemas.openxmlformats.org/officeDocument/2006/relationships" xmlns:p="http://schemas.openxmlformats.org/presentationml/2006/main" type="twoObjOverTx" preserve="1">
   <p:cSld name="Title, 2 Content over Content">
     <p:spTree>
       <p:nvGrpSpPr>
@@ -2822,15 +3051,16 @@
           </a:prstGeom>
         </p:spPr>
         <p:txBody>
-          <a:bodyPr lIns="0" rIns="0" tIns="0" bIns="0" anchor="ctr"/>
-          <a:p>
-            <a:endParaRPr b="0" lang="hu-HU" sz="1800" spc="-1" strike="noStrike">
+          <a:bodyPr lIns="0" tIns="0" rIns="0" bIns="0" anchor="ctr"/>
+          <a:lstStyle/>
+          <a:p>
+            <a:endParaRPr lang="hu-HU" sz="1800" b="0" strike="noStrike" spc="-1">
               <a:solidFill>
                 <a:srgbClr val="000000"/>
               </a:solidFill>
               <a:uFill>
                 <a:solidFill>
-                  <a:srgbClr val="ffffff"/>
+                  <a:srgbClr val="FFFFFF"/>
                 </a:solidFill>
               </a:uFill>
               <a:latin typeface="Calibri"/>
@@ -2858,15 +3088,16 @@
           </a:prstGeom>
         </p:spPr>
         <p:txBody>
-          <a:bodyPr lIns="0" rIns="0" tIns="0" bIns="0"/>
-          <a:p>
-            <a:endParaRPr b="0" lang="hu-HU" sz="2800" spc="-1" strike="noStrike">
+          <a:bodyPr lIns="0" tIns="0" rIns="0" bIns="0"/>
+          <a:lstStyle/>
+          <a:p>
+            <a:endParaRPr lang="hu-HU" sz="2800" b="0" strike="noStrike" spc="-1">
               <a:solidFill>
                 <a:srgbClr val="000000"/>
               </a:solidFill>
               <a:uFill>
                 <a:solidFill>
-                  <a:srgbClr val="ffffff"/>
+                  <a:srgbClr val="FFFFFF"/>
                 </a:solidFill>
               </a:uFill>
               <a:latin typeface="Calibri"/>
@@ -2894,15 +3125,16 @@
           </a:prstGeom>
         </p:spPr>
         <p:txBody>
-          <a:bodyPr lIns="0" rIns="0" tIns="0" bIns="0"/>
-          <a:p>
-            <a:endParaRPr b="0" lang="hu-HU" sz="2800" spc="-1" strike="noStrike">
+          <a:bodyPr lIns="0" tIns="0" rIns="0" bIns="0"/>
+          <a:lstStyle/>
+          <a:p>
+            <a:endParaRPr lang="hu-HU" sz="2800" b="0" strike="noStrike" spc="-1">
               <a:solidFill>
                 <a:srgbClr val="000000"/>
               </a:solidFill>
               <a:uFill>
                 <a:solidFill>
-                  <a:srgbClr val="ffffff"/>
+                  <a:srgbClr val="FFFFFF"/>
                 </a:solidFill>
               </a:uFill>
               <a:latin typeface="Calibri"/>
@@ -2930,15 +3162,16 @@
           </a:prstGeom>
         </p:spPr>
         <p:txBody>
-          <a:bodyPr lIns="0" rIns="0" tIns="0" bIns="0"/>
-          <a:p>
-            <a:endParaRPr b="0" lang="hu-HU" sz="2800" spc="-1" strike="noStrike">
+          <a:bodyPr lIns="0" tIns="0" rIns="0" bIns="0"/>
+          <a:lstStyle/>
+          <a:p>
+            <a:endParaRPr lang="hu-HU" sz="2800" b="0" strike="noStrike" spc="-1">
               <a:solidFill>
                 <a:srgbClr val="000000"/>
               </a:solidFill>
               <a:uFill>
                 <a:solidFill>
-                  <a:srgbClr val="ffffff"/>
+                  <a:srgbClr val="FFFFFF"/>
                 </a:solidFill>
               </a:uFill>
               <a:latin typeface="Calibri"/>
@@ -2948,17 +3181,21 @@
       </p:sp>
     </p:spTree>
   </p:cSld>
+  <p:clrMapOvr>
+    <a:masterClrMapping/>
+  </p:clrMapOvr>
 </p:sldLayout>
 </file>
 
 <file path=ppt/slideMasters/slideMaster1.xml><?xml version="1.0" encoding="utf-8"?>
-<p:sldMaster xmlns:a="http://schemas.openxmlformats.org/drawingml/2006/main" xmlns:p="http://schemas.openxmlformats.org/presentationml/2006/main" xmlns:r="http://schemas.openxmlformats.org/officeDocument/2006/relationships" xmlns:p14="http://schemas.microsoft.com/office/powerpoint/2010/main" xmlns:p15="http://schemas.microsoft.com/office/powerpoint/2012/main" xmlns:mc="http://schemas.openxmlformats.org/markup-compatibility/2006">
+<p:sldMaster xmlns:a="http://schemas.openxmlformats.org/drawingml/2006/main" xmlns:r="http://schemas.openxmlformats.org/officeDocument/2006/relationships" xmlns:p="http://schemas.openxmlformats.org/presentationml/2006/main">
   <p:cSld>
     <p:bg>
       <p:bgPr>
         <a:solidFill>
-          <a:srgbClr val="ffffff"/>
+          <a:srgbClr val="FFFFFF"/>
         </a:solidFill>
+        <a:effectLst/>
       </p:bgPr>
     </p:bg>
     <p:spTree>
@@ -2977,7 +3214,7 @@
       </p:grpSpPr>
       <p:sp>
         <p:nvSpPr>
-          <p:cNvPr id="0" name="PlaceHolder 1"/>
+          <p:cNvPr id="5" name="PlaceHolder 1"/>
           <p:cNvSpPr>
             <a:spLocks noGrp="1"/>
           </p:cNvSpPr>
@@ -2996,6 +3233,7 @@
         </p:spPr>
         <p:txBody>
           <a:bodyPr anchor="b"/>
+          <a:lstStyle/>
           <a:p>
             <a:pPr algn="ctr">
               <a:lnSpc>
@@ -3003,26 +3241,26 @@
               </a:lnSpc>
             </a:pPr>
             <a:r>
-              <a:rPr b="0" lang="hu-HU" sz="6000" spc="-1" strike="noStrike">
-                <a:solidFill>
-                  <a:srgbClr val="000000"/>
-                </a:solidFill>
-                <a:uFill>
-                  <a:solidFill>
-                    <a:srgbClr val="ffffff"/>
+              <a:rPr lang="hu-HU" sz="6000" b="0" strike="noStrike" spc="-1">
+                <a:solidFill>
+                  <a:srgbClr val="000000"/>
+                </a:solidFill>
+                <a:uFill>
+                  <a:solidFill>
+                    <a:srgbClr val="FFFFFF"/>
                   </a:solidFill>
                 </a:uFill>
                 <a:latin typeface="Calibri Light"/>
               </a:rPr>
               <a:t>Mintacím szerkesztése</a:t>
             </a:r>
-            <a:endParaRPr b="0" lang="hu-HU" sz="1800" spc="-1" strike="noStrike">
+            <a:endParaRPr lang="hu-HU" sz="1800" b="0" strike="noStrike" spc="-1">
               <a:solidFill>
                 <a:srgbClr val="000000"/>
               </a:solidFill>
               <a:uFill>
                 <a:solidFill>
-                  <a:srgbClr val="ffffff"/>
+                  <a:srgbClr val="FFFFFF"/>
                 </a:solidFill>
               </a:uFill>
               <a:latin typeface="Calibri"/>
@@ -3032,7 +3270,7 @@
       </p:sp>
       <p:sp>
         <p:nvSpPr>
-          <p:cNvPr id="1" name="PlaceHolder 2"/>
+          <p:cNvPr id="6" name="PlaceHolder 2"/>
           <p:cNvSpPr>
             <a:spLocks noGrp="1"/>
           </p:cNvSpPr>
@@ -3051,6 +3289,7 @@
         </p:spPr>
         <p:txBody>
           <a:bodyPr anchor="ctr"/>
+          <a:lstStyle/>
           <a:p>
             <a:pPr>
               <a:lnSpc>
@@ -3058,26 +3297,26 @@
               </a:lnSpc>
             </a:pPr>
             <a:r>
-              <a:rPr b="0" lang="en-US" sz="1200" spc="-1" strike="noStrike">
-                <a:solidFill>
-                  <a:srgbClr val="8b8b8b"/>
-                </a:solidFill>
-                <a:uFill>
-                  <a:solidFill>
-                    <a:srgbClr val="ffffff"/>
+              <a:rPr lang="en-US" sz="1200" b="0" strike="noStrike" spc="-1">
+                <a:solidFill>
+                  <a:srgbClr val="8B8B8B"/>
+                </a:solidFill>
+                <a:uFill>
+                  <a:solidFill>
+                    <a:srgbClr val="FFFFFF"/>
                   </a:solidFill>
                 </a:uFill>
                 <a:latin typeface="Calibri"/>
               </a:rPr>
               <a:t>11/29/16</a:t>
             </a:r>
-            <a:endParaRPr b="0" lang="en-US" sz="1400" spc="-1" strike="noStrike">
+            <a:endParaRPr lang="en-US" sz="1400" b="0" strike="noStrike" spc="-1">
               <a:solidFill>
                 <a:srgbClr val="000000"/>
               </a:solidFill>
               <a:uFill>
                 <a:solidFill>
-                  <a:srgbClr val="ffffff"/>
+                  <a:srgbClr val="FFFFFF"/>
                 </a:solidFill>
               </a:uFill>
               <a:latin typeface="Times New Roman"/>
@@ -3106,14 +3345,15 @@
         </p:spPr>
         <p:txBody>
           <a:bodyPr anchor="ctr"/>
-          <a:p>
-            <a:endParaRPr b="0" lang="en-US" sz="2400" spc="-1" strike="noStrike">
+          <a:lstStyle/>
+          <a:p>
+            <a:endParaRPr lang="en-US" sz="2400" b="0" strike="noStrike" spc="-1">
               <a:solidFill>
                 <a:srgbClr val="000000"/>
               </a:solidFill>
               <a:uFill>
                 <a:solidFill>
-                  <a:srgbClr val="ffffff"/>
+                  <a:srgbClr val="FFFFFF"/>
                 </a:solidFill>
               </a:uFill>
               <a:latin typeface="Times New Roman"/>
@@ -3142,6 +3382,7 @@
         </p:spPr>
         <p:txBody>
           <a:bodyPr anchor="ctr"/>
+          <a:lstStyle/>
           <a:p>
             <a:pPr algn="r">
               <a:lnSpc>
@@ -3149,26 +3390,26 @@
               </a:lnSpc>
             </a:pPr>
             <a:fld id="{9BF3785F-7362-4487-A2AE-EB2BFCE18064}" type="slidenum">
-              <a:rPr b="0" lang="en-US" sz="1200" spc="-1" strike="noStrike">
-                <a:solidFill>
-                  <a:srgbClr val="8b8b8b"/>
-                </a:solidFill>
-                <a:uFill>
-                  <a:solidFill>
-                    <a:srgbClr val="ffffff"/>
-                  </a:solidFill>
-                </a:uFill>
-                <a:latin typeface="Calibri"/>
-              </a:rPr>
-              <a:t>&lt;number&gt;</a:t>
+              <a:rPr lang="en-US" sz="1200" b="0" strike="noStrike" spc="-1">
+                <a:solidFill>
+                  <a:srgbClr val="8B8B8B"/>
+                </a:solidFill>
+                <a:uFill>
+                  <a:solidFill>
+                    <a:srgbClr val="FFFFFF"/>
+                  </a:solidFill>
+                </a:uFill>
+                <a:latin typeface="Calibri"/>
+              </a:rPr>
+              <a:t>‹#›</a:t>
             </a:fld>
-            <a:endParaRPr b="0" lang="en-US" sz="1400" spc="-1" strike="noStrike">
+            <a:endParaRPr lang="en-US" sz="1400" b="0" strike="noStrike" spc="-1">
               <a:solidFill>
                 <a:srgbClr val="000000"/>
               </a:solidFill>
               <a:uFill>
                 <a:solidFill>
-                  <a:srgbClr val="ffffff"/>
+                  <a:srgbClr val="FFFFFF"/>
                 </a:solidFill>
               </a:uFill>
               <a:latin typeface="Times New Roman"/>
@@ -3196,7 +3437,8 @@
           </a:prstGeom>
         </p:spPr>
         <p:txBody>
-          <a:bodyPr lIns="0" rIns="0" tIns="0" bIns="0"/>
+          <a:bodyPr lIns="0" tIns="0" rIns="0" bIns="0"/>
+          <a:lstStyle/>
           <a:p>
             <a:pPr marL="432000" indent="-324000">
               <a:buClr>
@@ -3207,33 +3449,22 @@
               <a:buChar char=""/>
             </a:pPr>
             <a:r>
-              <a:rPr b="0" lang="hu-HU" sz="2800" spc="-1" strike="noStrike">
-                <a:solidFill>
-                  <a:srgbClr val="000000"/>
-                </a:solidFill>
-                <a:uFill>
-                  <a:solidFill>
-                    <a:srgbClr val="ffffff"/>
+              <a:rPr lang="hu-HU" sz="2800" b="0" strike="noStrike" spc="-1">
+                <a:solidFill>
+                  <a:srgbClr val="000000"/>
+                </a:solidFill>
+                <a:uFill>
+                  <a:solidFill>
+                    <a:srgbClr val="FFFFFF"/>
                   </a:solidFill>
                 </a:uFill>
                 <a:latin typeface="Calibri"/>
               </a:rPr>
               <a:t>Click to edit the outline text format</a:t>
             </a:r>
-            <a:endParaRPr b="0" lang="hu-HU" sz="2800" spc="-1" strike="noStrike">
-              <a:solidFill>
-                <a:srgbClr val="000000"/>
-              </a:solidFill>
-              <a:uFill>
-                <a:solidFill>
-                  <a:srgbClr val="ffffff"/>
-                </a:solidFill>
-              </a:uFill>
-              <a:latin typeface="Calibri"/>
-            </a:endParaRPr>
-          </a:p>
-          <a:p>
-            <a:pPr lvl="1" marL="864000" indent="-324000">
+          </a:p>
+          <a:p>
+            <a:pPr marL="864000" lvl="1" indent="-324000">
               <a:buClr>
                 <a:srgbClr val="000000"/>
               </a:buClr>
@@ -3242,33 +3473,22 @@
               <a:buChar char=""/>
             </a:pPr>
             <a:r>
-              <a:rPr b="0" lang="hu-HU" sz="2000" spc="-1" strike="noStrike">
-                <a:solidFill>
-                  <a:srgbClr val="000000"/>
-                </a:solidFill>
-                <a:uFill>
-                  <a:solidFill>
-                    <a:srgbClr val="ffffff"/>
+              <a:rPr lang="hu-HU" sz="2000" b="0" strike="noStrike" spc="-1">
+                <a:solidFill>
+                  <a:srgbClr val="000000"/>
+                </a:solidFill>
+                <a:uFill>
+                  <a:solidFill>
+                    <a:srgbClr val="FFFFFF"/>
                   </a:solidFill>
                 </a:uFill>
                 <a:latin typeface="Calibri"/>
               </a:rPr>
               <a:t>Second Outline Level</a:t>
             </a:r>
-            <a:endParaRPr b="0" lang="hu-HU" sz="2000" spc="-1" strike="noStrike">
-              <a:solidFill>
-                <a:srgbClr val="000000"/>
-              </a:solidFill>
-              <a:uFill>
-                <a:solidFill>
-                  <a:srgbClr val="ffffff"/>
-                </a:solidFill>
-              </a:uFill>
-              <a:latin typeface="Calibri"/>
-            </a:endParaRPr>
-          </a:p>
-          <a:p>
-            <a:pPr lvl="2" marL="1296000" indent="-288000">
+          </a:p>
+          <a:p>
+            <a:pPr marL="1296000" lvl="2" indent="-288000">
               <a:buClr>
                 <a:srgbClr val="000000"/>
               </a:buClr>
@@ -3277,33 +3497,22 @@
               <a:buChar char=""/>
             </a:pPr>
             <a:r>
-              <a:rPr b="0" lang="hu-HU" sz="1800" spc="-1" strike="noStrike">
-                <a:solidFill>
-                  <a:srgbClr val="000000"/>
-                </a:solidFill>
-                <a:uFill>
-                  <a:solidFill>
-                    <a:srgbClr val="ffffff"/>
+              <a:rPr lang="hu-HU" sz="1800" b="0" strike="noStrike" spc="-1">
+                <a:solidFill>
+                  <a:srgbClr val="000000"/>
+                </a:solidFill>
+                <a:uFill>
+                  <a:solidFill>
+                    <a:srgbClr val="FFFFFF"/>
                   </a:solidFill>
                 </a:uFill>
                 <a:latin typeface="Calibri"/>
               </a:rPr>
               <a:t>Third Outline Level</a:t>
             </a:r>
-            <a:endParaRPr b="0" lang="hu-HU" sz="1800" spc="-1" strike="noStrike">
-              <a:solidFill>
-                <a:srgbClr val="000000"/>
-              </a:solidFill>
-              <a:uFill>
-                <a:solidFill>
-                  <a:srgbClr val="ffffff"/>
-                </a:solidFill>
-              </a:uFill>
-              <a:latin typeface="Calibri"/>
-            </a:endParaRPr>
-          </a:p>
-          <a:p>
-            <a:pPr lvl="3" marL="1728000" indent="-216000">
+          </a:p>
+          <a:p>
+            <a:pPr marL="1728000" lvl="3" indent="-216000">
               <a:buClr>
                 <a:srgbClr val="000000"/>
               </a:buClr>
@@ -3312,33 +3521,22 @@
               <a:buChar char=""/>
             </a:pPr>
             <a:r>
-              <a:rPr b="0" lang="hu-HU" sz="1800" spc="-1" strike="noStrike">
-                <a:solidFill>
-                  <a:srgbClr val="000000"/>
-                </a:solidFill>
-                <a:uFill>
-                  <a:solidFill>
-                    <a:srgbClr val="ffffff"/>
+              <a:rPr lang="hu-HU" sz="1800" b="0" strike="noStrike" spc="-1">
+                <a:solidFill>
+                  <a:srgbClr val="000000"/>
+                </a:solidFill>
+                <a:uFill>
+                  <a:solidFill>
+                    <a:srgbClr val="FFFFFF"/>
                   </a:solidFill>
                 </a:uFill>
                 <a:latin typeface="Calibri"/>
               </a:rPr>
               <a:t>Fourth Outline Level</a:t>
             </a:r>
-            <a:endParaRPr b="0" lang="hu-HU" sz="1800" spc="-1" strike="noStrike">
-              <a:solidFill>
-                <a:srgbClr val="000000"/>
-              </a:solidFill>
-              <a:uFill>
-                <a:solidFill>
-                  <a:srgbClr val="ffffff"/>
-                </a:solidFill>
-              </a:uFill>
-              <a:latin typeface="Calibri"/>
-            </a:endParaRPr>
-          </a:p>
-          <a:p>
-            <a:pPr lvl="4" marL="2160000" indent="-216000">
+          </a:p>
+          <a:p>
+            <a:pPr marL="2160000" lvl="4" indent="-216000">
               <a:buClr>
                 <a:srgbClr val="000000"/>
               </a:buClr>
@@ -3347,33 +3545,22 @@
               <a:buChar char=""/>
             </a:pPr>
             <a:r>
-              <a:rPr b="0" lang="hu-HU" sz="2000" spc="-1" strike="noStrike">
-                <a:solidFill>
-                  <a:srgbClr val="000000"/>
-                </a:solidFill>
-                <a:uFill>
-                  <a:solidFill>
-                    <a:srgbClr val="ffffff"/>
+              <a:rPr lang="hu-HU" sz="2000" b="0" strike="noStrike" spc="-1">
+                <a:solidFill>
+                  <a:srgbClr val="000000"/>
+                </a:solidFill>
+                <a:uFill>
+                  <a:solidFill>
+                    <a:srgbClr val="FFFFFF"/>
                   </a:solidFill>
                 </a:uFill>
                 <a:latin typeface="Calibri"/>
               </a:rPr>
               <a:t>Fifth Outline Level</a:t>
             </a:r>
-            <a:endParaRPr b="0" lang="hu-HU" sz="2000" spc="-1" strike="noStrike">
-              <a:solidFill>
-                <a:srgbClr val="000000"/>
-              </a:solidFill>
-              <a:uFill>
-                <a:solidFill>
-                  <a:srgbClr val="ffffff"/>
-                </a:solidFill>
-              </a:uFill>
-              <a:latin typeface="Calibri"/>
-            </a:endParaRPr>
-          </a:p>
-          <a:p>
-            <a:pPr lvl="5" marL="2592000" indent="-216000">
+          </a:p>
+          <a:p>
+            <a:pPr marL="2592000" lvl="5" indent="-216000">
               <a:buClr>
                 <a:srgbClr val="000000"/>
               </a:buClr>
@@ -3382,33 +3569,22 @@
               <a:buChar char=""/>
             </a:pPr>
             <a:r>
-              <a:rPr b="0" lang="hu-HU" sz="2000" spc="-1" strike="noStrike">
-                <a:solidFill>
-                  <a:srgbClr val="000000"/>
-                </a:solidFill>
-                <a:uFill>
-                  <a:solidFill>
-                    <a:srgbClr val="ffffff"/>
+              <a:rPr lang="hu-HU" sz="2000" b="0" strike="noStrike" spc="-1">
+                <a:solidFill>
+                  <a:srgbClr val="000000"/>
+                </a:solidFill>
+                <a:uFill>
+                  <a:solidFill>
+                    <a:srgbClr val="FFFFFF"/>
                   </a:solidFill>
                 </a:uFill>
                 <a:latin typeface="Calibri"/>
               </a:rPr>
               <a:t>Sixth Outline Level</a:t>
             </a:r>
-            <a:endParaRPr b="0" lang="hu-HU" sz="2000" spc="-1" strike="noStrike">
-              <a:solidFill>
-                <a:srgbClr val="000000"/>
-              </a:solidFill>
-              <a:uFill>
-                <a:solidFill>
-                  <a:srgbClr val="ffffff"/>
-                </a:solidFill>
-              </a:uFill>
-              <a:latin typeface="Calibri"/>
-            </a:endParaRPr>
-          </a:p>
-          <a:p>
-            <a:pPr lvl="6" marL="3024000" indent="-216000">
+          </a:p>
+          <a:p>
+            <a:pPr marL="3024000" lvl="6" indent="-216000">
               <a:buClr>
                 <a:srgbClr val="000000"/>
               </a:buClr>
@@ -3417,61 +3593,331 @@
               <a:buChar char=""/>
             </a:pPr>
             <a:r>
-              <a:rPr b="0" lang="hu-HU" sz="2000" spc="-1" strike="noStrike">
-                <a:solidFill>
-                  <a:srgbClr val="000000"/>
-                </a:solidFill>
-                <a:uFill>
-                  <a:solidFill>
-                    <a:srgbClr val="ffffff"/>
+              <a:rPr lang="hu-HU" sz="2000" b="0" strike="noStrike" spc="-1">
+                <a:solidFill>
+                  <a:srgbClr val="000000"/>
+                </a:solidFill>
+                <a:uFill>
+                  <a:solidFill>
+                    <a:srgbClr val="FFFFFF"/>
                   </a:solidFill>
                 </a:uFill>
                 <a:latin typeface="Calibri"/>
               </a:rPr>
               <a:t>Seventh Outline Level</a:t>
             </a:r>
-            <a:endParaRPr b="0" lang="hu-HU" sz="2000" spc="-1" strike="noStrike">
-              <a:solidFill>
-                <a:srgbClr val="000000"/>
-              </a:solidFill>
-              <a:uFill>
-                <a:solidFill>
-                  <a:srgbClr val="ffffff"/>
-                </a:solidFill>
-              </a:uFill>
-              <a:latin typeface="Calibri"/>
-            </a:endParaRPr>
           </a:p>
         </p:txBody>
       </p:sp>
     </p:spTree>
   </p:cSld>
-  <p:clrMap bg1="lt1" bg2="lt2" tx1="dk1" tx2="dk2" accent1="accent1" accent2="accent2" accent3="accent3" accent4="accent4" accent5="accent5" accent6="accent6" hlink="hlink" folHlink="folHlink"/>
+  <p:clrMap bg1="lt1" tx1="dk1" bg2="lt2" tx2="dk2" accent1="accent1" accent2="accent2" accent3="accent3" accent4="accent4" accent5="accent5" accent6="accent6" hlink="hlink" folHlink="folHlink"/>
   <p:sldLayoutIdLst>
-    <p:sldLayoutId id="2147483649" r:id="rId2"/>
-    <p:sldLayoutId id="2147483650" r:id="rId3"/>
-    <p:sldLayoutId id="2147483651" r:id="rId4"/>
-    <p:sldLayoutId id="2147483652" r:id="rId5"/>
-    <p:sldLayoutId id="2147483653" r:id="rId6"/>
-    <p:sldLayoutId id="2147483654" r:id="rId7"/>
-    <p:sldLayoutId id="2147483655" r:id="rId8"/>
-    <p:sldLayoutId id="2147483656" r:id="rId9"/>
-    <p:sldLayoutId id="2147483657" r:id="rId10"/>
-    <p:sldLayoutId id="2147483658" r:id="rId11"/>
-    <p:sldLayoutId id="2147483659" r:id="rId12"/>
-    <p:sldLayoutId id="2147483660" r:id="rId13"/>
+    <p:sldLayoutId id="2147483649" r:id="rId1"/>
+    <p:sldLayoutId id="2147483650" r:id="rId2"/>
+    <p:sldLayoutId id="2147483651" r:id="rId3"/>
+    <p:sldLayoutId id="2147483652" r:id="rId4"/>
+    <p:sldLayoutId id="2147483653" r:id="rId5"/>
+    <p:sldLayoutId id="2147483654" r:id="rId6"/>
+    <p:sldLayoutId id="2147483655" r:id="rId7"/>
+    <p:sldLayoutId id="2147483656" r:id="rId8"/>
+    <p:sldLayoutId id="2147483657" r:id="rId9"/>
+    <p:sldLayoutId id="2147483658" r:id="rId10"/>
+    <p:sldLayoutId id="2147483659" r:id="rId11"/>
+    <p:sldLayoutId id="2147483660" r:id="rId12"/>
   </p:sldLayoutIdLst>
+  <p:txStyles>
+    <p:titleStyle>
+      <a:lvl1pPr algn="l" defTabSz="914400" rtl="0" eaLnBrk="1" latinLnBrk="0" hangingPunct="1">
+        <a:lnSpc>
+          <a:spcPct val="90000"/>
+        </a:lnSpc>
+        <a:spcBef>
+          <a:spcPct val="0"/>
+        </a:spcBef>
+        <a:buNone/>
+        <a:defRPr sz="4400" kern="1200">
+          <a:solidFill>
+            <a:schemeClr val="tx1"/>
+          </a:solidFill>
+          <a:latin typeface="+mj-lt"/>
+          <a:ea typeface="+mj-ea"/>
+          <a:cs typeface="+mj-cs"/>
+        </a:defRPr>
+      </a:lvl1pPr>
+    </p:titleStyle>
+    <p:bodyStyle>
+      <a:lvl1pPr marL="228600" indent="-228600" algn="l" defTabSz="914400" rtl="0" eaLnBrk="1" latinLnBrk="0" hangingPunct="1">
+        <a:lnSpc>
+          <a:spcPct val="90000"/>
+        </a:lnSpc>
+        <a:spcBef>
+          <a:spcPts val="1000"/>
+        </a:spcBef>
+        <a:buFont typeface="Arial" panose="020B0604020202020204" pitchFamily="34" charset="0"/>
+        <a:buChar char="•"/>
+        <a:defRPr sz="2800" kern="1200">
+          <a:solidFill>
+            <a:schemeClr val="tx1"/>
+          </a:solidFill>
+          <a:latin typeface="+mn-lt"/>
+          <a:ea typeface="+mn-ea"/>
+          <a:cs typeface="+mn-cs"/>
+        </a:defRPr>
+      </a:lvl1pPr>
+      <a:lvl2pPr marL="685800" indent="-228600" algn="l" defTabSz="914400" rtl="0" eaLnBrk="1" latinLnBrk="0" hangingPunct="1">
+        <a:lnSpc>
+          <a:spcPct val="90000"/>
+        </a:lnSpc>
+        <a:spcBef>
+          <a:spcPts val="500"/>
+        </a:spcBef>
+        <a:buFont typeface="Arial" panose="020B0604020202020204" pitchFamily="34" charset="0"/>
+        <a:buChar char="•"/>
+        <a:defRPr sz="2400" kern="1200">
+          <a:solidFill>
+            <a:schemeClr val="tx1"/>
+          </a:solidFill>
+          <a:latin typeface="+mn-lt"/>
+          <a:ea typeface="+mn-ea"/>
+          <a:cs typeface="+mn-cs"/>
+        </a:defRPr>
+      </a:lvl2pPr>
+      <a:lvl3pPr marL="1143000" indent="-228600" algn="l" defTabSz="914400" rtl="0" eaLnBrk="1" latinLnBrk="0" hangingPunct="1">
+        <a:lnSpc>
+          <a:spcPct val="90000"/>
+        </a:lnSpc>
+        <a:spcBef>
+          <a:spcPts val="500"/>
+        </a:spcBef>
+        <a:buFont typeface="Arial" panose="020B0604020202020204" pitchFamily="34" charset="0"/>
+        <a:buChar char="•"/>
+        <a:defRPr sz="2000" kern="1200">
+          <a:solidFill>
+            <a:schemeClr val="tx1"/>
+          </a:solidFill>
+          <a:latin typeface="+mn-lt"/>
+          <a:ea typeface="+mn-ea"/>
+          <a:cs typeface="+mn-cs"/>
+        </a:defRPr>
+      </a:lvl3pPr>
+      <a:lvl4pPr marL="1600200" indent="-228600" algn="l" defTabSz="914400" rtl="0" eaLnBrk="1" latinLnBrk="0" hangingPunct="1">
+        <a:lnSpc>
+          <a:spcPct val="90000"/>
+        </a:lnSpc>
+        <a:spcBef>
+          <a:spcPts val="500"/>
+        </a:spcBef>
+        <a:buFont typeface="Arial" panose="020B0604020202020204" pitchFamily="34" charset="0"/>
+        <a:buChar char="•"/>
+        <a:defRPr sz="1800" kern="1200">
+          <a:solidFill>
+            <a:schemeClr val="tx1"/>
+          </a:solidFill>
+          <a:latin typeface="+mn-lt"/>
+          <a:ea typeface="+mn-ea"/>
+          <a:cs typeface="+mn-cs"/>
+        </a:defRPr>
+      </a:lvl4pPr>
+      <a:lvl5pPr marL="2057400" indent="-228600" algn="l" defTabSz="914400" rtl="0" eaLnBrk="1" latinLnBrk="0" hangingPunct="1">
+        <a:lnSpc>
+          <a:spcPct val="90000"/>
+        </a:lnSpc>
+        <a:spcBef>
+          <a:spcPts val="500"/>
+        </a:spcBef>
+        <a:buFont typeface="Arial" panose="020B0604020202020204" pitchFamily="34" charset="0"/>
+        <a:buChar char="•"/>
+        <a:defRPr sz="1800" kern="1200">
+          <a:solidFill>
+            <a:schemeClr val="tx1"/>
+          </a:solidFill>
+          <a:latin typeface="+mn-lt"/>
+          <a:ea typeface="+mn-ea"/>
+          <a:cs typeface="+mn-cs"/>
+        </a:defRPr>
+      </a:lvl5pPr>
+      <a:lvl6pPr marL="2514600" indent="-228600" algn="l" defTabSz="914400" rtl="0" eaLnBrk="1" latinLnBrk="0" hangingPunct="1">
+        <a:lnSpc>
+          <a:spcPct val="90000"/>
+        </a:lnSpc>
+        <a:spcBef>
+          <a:spcPts val="500"/>
+        </a:spcBef>
+        <a:buFont typeface="Arial" panose="020B0604020202020204" pitchFamily="34" charset="0"/>
+        <a:buChar char="•"/>
+        <a:defRPr sz="1800" kern="1200">
+          <a:solidFill>
+            <a:schemeClr val="tx1"/>
+          </a:solidFill>
+          <a:latin typeface="+mn-lt"/>
+          <a:ea typeface="+mn-ea"/>
+          <a:cs typeface="+mn-cs"/>
+        </a:defRPr>
+      </a:lvl6pPr>
+      <a:lvl7pPr marL="2971800" indent="-228600" algn="l" defTabSz="914400" rtl="0" eaLnBrk="1" latinLnBrk="0" hangingPunct="1">
+        <a:lnSpc>
+          <a:spcPct val="90000"/>
+        </a:lnSpc>
+        <a:spcBef>
+          <a:spcPts val="500"/>
+        </a:spcBef>
+        <a:buFont typeface="Arial" panose="020B0604020202020204" pitchFamily="34" charset="0"/>
+        <a:buChar char="•"/>
+        <a:defRPr sz="1800" kern="1200">
+          <a:solidFill>
+            <a:schemeClr val="tx1"/>
+          </a:solidFill>
+          <a:latin typeface="+mn-lt"/>
+          <a:ea typeface="+mn-ea"/>
+          <a:cs typeface="+mn-cs"/>
+        </a:defRPr>
+      </a:lvl7pPr>
+      <a:lvl8pPr marL="3429000" indent="-228600" algn="l" defTabSz="914400" rtl="0" eaLnBrk="1" latinLnBrk="0" hangingPunct="1">
+        <a:lnSpc>
+          <a:spcPct val="90000"/>
+        </a:lnSpc>
+        <a:spcBef>
+          <a:spcPts val="500"/>
+        </a:spcBef>
+        <a:buFont typeface="Arial" panose="020B0604020202020204" pitchFamily="34" charset="0"/>
+        <a:buChar char="•"/>
+        <a:defRPr sz="1800" kern="1200">
+          <a:solidFill>
+            <a:schemeClr val="tx1"/>
+          </a:solidFill>
+          <a:latin typeface="+mn-lt"/>
+          <a:ea typeface="+mn-ea"/>
+          <a:cs typeface="+mn-cs"/>
+        </a:defRPr>
+      </a:lvl8pPr>
+      <a:lvl9pPr marL="3886200" indent="-228600" algn="l" defTabSz="914400" rtl="0" eaLnBrk="1" latinLnBrk="0" hangingPunct="1">
+        <a:lnSpc>
+          <a:spcPct val="90000"/>
+        </a:lnSpc>
+        <a:spcBef>
+          <a:spcPts val="500"/>
+        </a:spcBef>
+        <a:buFont typeface="Arial" panose="020B0604020202020204" pitchFamily="34" charset="0"/>
+        <a:buChar char="•"/>
+        <a:defRPr sz="1800" kern="1200">
+          <a:solidFill>
+            <a:schemeClr val="tx1"/>
+          </a:solidFill>
+          <a:latin typeface="+mn-lt"/>
+          <a:ea typeface="+mn-ea"/>
+          <a:cs typeface="+mn-cs"/>
+        </a:defRPr>
+      </a:lvl9pPr>
+    </p:bodyStyle>
+    <p:otherStyle>
+      <a:defPPr>
+        <a:defRPr lang="hu-HU"/>
+      </a:defPPr>
+      <a:lvl1pPr marL="0" algn="l" defTabSz="914400" rtl="0" eaLnBrk="1" latinLnBrk="0" hangingPunct="1">
+        <a:defRPr sz="1800" kern="1200">
+          <a:solidFill>
+            <a:schemeClr val="tx1"/>
+          </a:solidFill>
+          <a:latin typeface="+mn-lt"/>
+          <a:ea typeface="+mn-ea"/>
+          <a:cs typeface="+mn-cs"/>
+        </a:defRPr>
+      </a:lvl1pPr>
+      <a:lvl2pPr marL="457200" algn="l" defTabSz="914400" rtl="0" eaLnBrk="1" latinLnBrk="0" hangingPunct="1">
+        <a:defRPr sz="1800" kern="1200">
+          <a:solidFill>
+            <a:schemeClr val="tx1"/>
+          </a:solidFill>
+          <a:latin typeface="+mn-lt"/>
+          <a:ea typeface="+mn-ea"/>
+          <a:cs typeface="+mn-cs"/>
+        </a:defRPr>
+      </a:lvl2pPr>
+      <a:lvl3pPr marL="914400" algn="l" defTabSz="914400" rtl="0" eaLnBrk="1" latinLnBrk="0" hangingPunct="1">
+        <a:defRPr sz="1800" kern="1200">
+          <a:solidFill>
+            <a:schemeClr val="tx1"/>
+          </a:solidFill>
+          <a:latin typeface="+mn-lt"/>
+          <a:ea typeface="+mn-ea"/>
+          <a:cs typeface="+mn-cs"/>
+        </a:defRPr>
+      </a:lvl3pPr>
+      <a:lvl4pPr marL="1371600" algn="l" defTabSz="914400" rtl="0" eaLnBrk="1" latinLnBrk="0" hangingPunct="1">
+        <a:defRPr sz="1800" kern="1200">
+          <a:solidFill>
+            <a:schemeClr val="tx1"/>
+          </a:solidFill>
+          <a:latin typeface="+mn-lt"/>
+          <a:ea typeface="+mn-ea"/>
+          <a:cs typeface="+mn-cs"/>
+        </a:defRPr>
+      </a:lvl4pPr>
+      <a:lvl5pPr marL="1828800" algn="l" defTabSz="914400" rtl="0" eaLnBrk="1" latinLnBrk="0" hangingPunct="1">
+        <a:defRPr sz="1800" kern="1200">
+          <a:solidFill>
+            <a:schemeClr val="tx1"/>
+          </a:solidFill>
+          <a:latin typeface="+mn-lt"/>
+          <a:ea typeface="+mn-ea"/>
+          <a:cs typeface="+mn-cs"/>
+        </a:defRPr>
+      </a:lvl5pPr>
+      <a:lvl6pPr marL="2286000" algn="l" defTabSz="914400" rtl="0" eaLnBrk="1" latinLnBrk="0" hangingPunct="1">
+        <a:defRPr sz="1800" kern="1200">
+          <a:solidFill>
+            <a:schemeClr val="tx1"/>
+          </a:solidFill>
+          <a:latin typeface="+mn-lt"/>
+          <a:ea typeface="+mn-ea"/>
+          <a:cs typeface="+mn-cs"/>
+        </a:defRPr>
+      </a:lvl6pPr>
+      <a:lvl7pPr marL="2743200" algn="l" defTabSz="914400" rtl="0" eaLnBrk="1" latinLnBrk="0" hangingPunct="1">
+        <a:defRPr sz="1800" kern="1200">
+          <a:solidFill>
+            <a:schemeClr val="tx1"/>
+          </a:solidFill>
+          <a:latin typeface="+mn-lt"/>
+          <a:ea typeface="+mn-ea"/>
+          <a:cs typeface="+mn-cs"/>
+        </a:defRPr>
+      </a:lvl7pPr>
+      <a:lvl8pPr marL="3200400" algn="l" defTabSz="914400" rtl="0" eaLnBrk="1" latinLnBrk="0" hangingPunct="1">
+        <a:defRPr sz="1800" kern="1200">
+          <a:solidFill>
+            <a:schemeClr val="tx1"/>
+          </a:solidFill>
+          <a:latin typeface="+mn-lt"/>
+          <a:ea typeface="+mn-ea"/>
+          <a:cs typeface="+mn-cs"/>
+        </a:defRPr>
+      </a:lvl8pPr>
+      <a:lvl9pPr marL="3657600" algn="l" defTabSz="914400" rtl="0" eaLnBrk="1" latinLnBrk="0" hangingPunct="1">
+        <a:defRPr sz="1800" kern="1200">
+          <a:solidFill>
+            <a:schemeClr val="tx1"/>
+          </a:solidFill>
+          <a:latin typeface="+mn-lt"/>
+          <a:ea typeface="+mn-ea"/>
+          <a:cs typeface="+mn-cs"/>
+        </a:defRPr>
+      </a:lvl9pPr>
+    </p:otherStyle>
+  </p:txStyles>
 </p:sldMaster>
 </file>
 
 <file path=ppt/slideMasters/slideMaster2.xml><?xml version="1.0" encoding="utf-8"?>
-<p:sldMaster xmlns:a="http://schemas.openxmlformats.org/drawingml/2006/main" xmlns:p="http://schemas.openxmlformats.org/presentationml/2006/main" xmlns:r="http://schemas.openxmlformats.org/officeDocument/2006/relationships" xmlns:p14="http://schemas.microsoft.com/office/powerpoint/2010/main" xmlns:p15="http://schemas.microsoft.com/office/powerpoint/2012/main" xmlns:mc="http://schemas.openxmlformats.org/markup-compatibility/2006">
+<p:sldMaster xmlns:a="http://schemas.openxmlformats.org/drawingml/2006/main" xmlns:r="http://schemas.openxmlformats.org/officeDocument/2006/relationships" xmlns:p="http://schemas.openxmlformats.org/presentationml/2006/main">
   <p:cSld>
     <p:bg>
       <p:bgPr>
         <a:solidFill>
-          <a:srgbClr val="ffffff"/>
+          <a:srgbClr val="FFFFFF"/>
         </a:solidFill>
+        <a:effectLst/>
       </p:bgPr>
     </p:bg>
     <p:spTree>
@@ -3509,6 +3955,7 @@
         </p:spPr>
         <p:txBody>
           <a:bodyPr anchor="ctr"/>
+          <a:lstStyle/>
           <a:p>
             <a:pPr>
               <a:lnSpc>
@@ -3516,26 +3963,26 @@
               </a:lnSpc>
             </a:pPr>
             <a:r>
-              <a:rPr b="0" lang="hu-HU" sz="4400" spc="-1" strike="noStrike">
-                <a:solidFill>
-                  <a:srgbClr val="000000"/>
-                </a:solidFill>
-                <a:uFill>
-                  <a:solidFill>
-                    <a:srgbClr val="ffffff"/>
+              <a:rPr lang="hu-HU" sz="4400" b="0" strike="noStrike" spc="-1">
+                <a:solidFill>
+                  <a:srgbClr val="000000"/>
+                </a:solidFill>
+                <a:uFill>
+                  <a:solidFill>
+                    <a:srgbClr val="FFFFFF"/>
                   </a:solidFill>
                 </a:uFill>
                 <a:latin typeface="Calibri Light"/>
               </a:rPr>
               <a:t>Mintacím szerkesztése</a:t>
             </a:r>
-            <a:endParaRPr b="0" lang="hu-HU" sz="1800" spc="-1" strike="noStrike">
+            <a:endParaRPr lang="hu-HU" sz="1800" b="0" strike="noStrike" spc="-1">
               <a:solidFill>
                 <a:srgbClr val="000000"/>
               </a:solidFill>
               <a:uFill>
                 <a:solidFill>
-                  <a:srgbClr val="ffffff"/>
+                  <a:srgbClr val="FFFFFF"/>
                 </a:solidFill>
               </a:uFill>
               <a:latin typeface="Calibri"/>
@@ -3564,6 +4011,7 @@
         </p:spPr>
         <p:txBody>
           <a:bodyPr/>
+          <a:lstStyle/>
           <a:p>
             <a:pPr marL="432000" indent="-324000">
               <a:buClr>
@@ -3574,33 +4022,22 @@
               <a:buChar char=""/>
             </a:pPr>
             <a:r>
-              <a:rPr b="0" lang="hu-HU" sz="2800" spc="-1" strike="noStrike">
-                <a:solidFill>
-                  <a:srgbClr val="000000"/>
-                </a:solidFill>
-                <a:uFill>
-                  <a:solidFill>
-                    <a:srgbClr val="ffffff"/>
+              <a:rPr lang="hu-HU" sz="2800" b="0" strike="noStrike" spc="-1">
+                <a:solidFill>
+                  <a:srgbClr val="000000"/>
+                </a:solidFill>
+                <a:uFill>
+                  <a:solidFill>
+                    <a:srgbClr val="FFFFFF"/>
                   </a:solidFill>
                 </a:uFill>
                 <a:latin typeface="Calibri"/>
               </a:rPr>
               <a:t>Click to edit the outline text format</a:t>
             </a:r>
-            <a:endParaRPr b="0" lang="hu-HU" sz="2800" spc="-1" strike="noStrike">
-              <a:solidFill>
-                <a:srgbClr val="000000"/>
-              </a:solidFill>
-              <a:uFill>
-                <a:solidFill>
-                  <a:srgbClr val="ffffff"/>
-                </a:solidFill>
-              </a:uFill>
-              <a:latin typeface="Calibri"/>
-            </a:endParaRPr>
-          </a:p>
-          <a:p>
-            <a:pPr lvl="1" marL="864000" indent="-324000">
+          </a:p>
+          <a:p>
+            <a:pPr marL="864000" lvl="1" indent="-324000">
               <a:buClr>
                 <a:srgbClr val="000000"/>
               </a:buClr>
@@ -3609,33 +4046,22 @@
               <a:buChar char=""/>
             </a:pPr>
             <a:r>
-              <a:rPr b="0" lang="hu-HU" sz="2800" spc="-1" strike="noStrike">
-                <a:solidFill>
-                  <a:srgbClr val="000000"/>
-                </a:solidFill>
-                <a:uFill>
-                  <a:solidFill>
-                    <a:srgbClr val="ffffff"/>
+              <a:rPr lang="hu-HU" sz="2800" b="0" strike="noStrike" spc="-1">
+                <a:solidFill>
+                  <a:srgbClr val="000000"/>
+                </a:solidFill>
+                <a:uFill>
+                  <a:solidFill>
+                    <a:srgbClr val="FFFFFF"/>
                   </a:solidFill>
                 </a:uFill>
                 <a:latin typeface="Calibri"/>
               </a:rPr>
               <a:t>Second Outline Level</a:t>
             </a:r>
-            <a:endParaRPr b="0" lang="hu-HU" sz="2800" spc="-1" strike="noStrike">
-              <a:solidFill>
-                <a:srgbClr val="000000"/>
-              </a:solidFill>
-              <a:uFill>
-                <a:solidFill>
-                  <a:srgbClr val="ffffff"/>
-                </a:solidFill>
-              </a:uFill>
-              <a:latin typeface="Calibri"/>
-            </a:endParaRPr>
-          </a:p>
-          <a:p>
-            <a:pPr lvl="2" marL="1296000" indent="-288000">
+          </a:p>
+          <a:p>
+            <a:pPr marL="1296000" lvl="2" indent="-288000">
               <a:buClr>
                 <a:srgbClr val="000000"/>
               </a:buClr>
@@ -3644,33 +4070,22 @@
               <a:buChar char=""/>
             </a:pPr>
             <a:r>
-              <a:rPr b="0" lang="hu-HU" sz="2800" spc="-1" strike="noStrike">
-                <a:solidFill>
-                  <a:srgbClr val="000000"/>
-                </a:solidFill>
-                <a:uFill>
-                  <a:solidFill>
-                    <a:srgbClr val="ffffff"/>
+              <a:rPr lang="hu-HU" sz="2800" b="0" strike="noStrike" spc="-1">
+                <a:solidFill>
+                  <a:srgbClr val="000000"/>
+                </a:solidFill>
+                <a:uFill>
+                  <a:solidFill>
+                    <a:srgbClr val="FFFFFF"/>
                   </a:solidFill>
                 </a:uFill>
                 <a:latin typeface="Calibri"/>
               </a:rPr>
               <a:t>Third Outline Level</a:t>
             </a:r>
-            <a:endParaRPr b="0" lang="hu-HU" sz="2800" spc="-1" strike="noStrike">
-              <a:solidFill>
-                <a:srgbClr val="000000"/>
-              </a:solidFill>
-              <a:uFill>
-                <a:solidFill>
-                  <a:srgbClr val="ffffff"/>
-                </a:solidFill>
-              </a:uFill>
-              <a:latin typeface="Calibri"/>
-            </a:endParaRPr>
-          </a:p>
-          <a:p>
-            <a:pPr lvl="3" marL="1728000" indent="-216000">
+          </a:p>
+          <a:p>
+            <a:pPr marL="1728000" lvl="3" indent="-216000">
               <a:buClr>
                 <a:srgbClr val="000000"/>
               </a:buClr>
@@ -3679,33 +4094,22 @@
               <a:buChar char=""/>
             </a:pPr>
             <a:r>
-              <a:rPr b="0" lang="hu-HU" sz="2800" spc="-1" strike="noStrike">
-                <a:solidFill>
-                  <a:srgbClr val="000000"/>
-                </a:solidFill>
-                <a:uFill>
-                  <a:solidFill>
-                    <a:srgbClr val="ffffff"/>
+              <a:rPr lang="hu-HU" sz="2800" b="0" strike="noStrike" spc="-1">
+                <a:solidFill>
+                  <a:srgbClr val="000000"/>
+                </a:solidFill>
+                <a:uFill>
+                  <a:solidFill>
+                    <a:srgbClr val="FFFFFF"/>
                   </a:solidFill>
                 </a:uFill>
                 <a:latin typeface="Calibri"/>
               </a:rPr>
               <a:t>Fourth Outline Level</a:t>
             </a:r>
-            <a:endParaRPr b="0" lang="hu-HU" sz="2800" spc="-1" strike="noStrike">
-              <a:solidFill>
-                <a:srgbClr val="000000"/>
-              </a:solidFill>
-              <a:uFill>
-                <a:solidFill>
-                  <a:srgbClr val="ffffff"/>
-                </a:solidFill>
-              </a:uFill>
-              <a:latin typeface="Calibri"/>
-            </a:endParaRPr>
-          </a:p>
-          <a:p>
-            <a:pPr lvl="4" marL="2160000" indent="-216000">
+          </a:p>
+          <a:p>
+            <a:pPr marL="2160000" lvl="4" indent="-216000">
               <a:buClr>
                 <a:srgbClr val="000000"/>
               </a:buClr>
@@ -3714,33 +4118,22 @@
               <a:buChar char=""/>
             </a:pPr>
             <a:r>
-              <a:rPr b="0" lang="hu-HU" sz="2800" spc="-1" strike="noStrike">
-                <a:solidFill>
-                  <a:srgbClr val="000000"/>
-                </a:solidFill>
-                <a:uFill>
-                  <a:solidFill>
-                    <a:srgbClr val="ffffff"/>
+              <a:rPr lang="hu-HU" sz="2800" b="0" strike="noStrike" spc="-1">
+                <a:solidFill>
+                  <a:srgbClr val="000000"/>
+                </a:solidFill>
+                <a:uFill>
+                  <a:solidFill>
+                    <a:srgbClr val="FFFFFF"/>
                   </a:solidFill>
                 </a:uFill>
                 <a:latin typeface="Calibri"/>
               </a:rPr>
               <a:t>Fifth Outline Level</a:t>
             </a:r>
-            <a:endParaRPr b="0" lang="hu-HU" sz="2800" spc="-1" strike="noStrike">
-              <a:solidFill>
-                <a:srgbClr val="000000"/>
-              </a:solidFill>
-              <a:uFill>
-                <a:solidFill>
-                  <a:srgbClr val="ffffff"/>
-                </a:solidFill>
-              </a:uFill>
-              <a:latin typeface="Calibri"/>
-            </a:endParaRPr>
-          </a:p>
-          <a:p>
-            <a:pPr lvl="5" marL="2592000" indent="-216000">
+          </a:p>
+          <a:p>
+            <a:pPr marL="2592000" lvl="5" indent="-216000">
               <a:buClr>
                 <a:srgbClr val="000000"/>
               </a:buClr>
@@ -3749,30 +4142,19 @@
               <a:buChar char=""/>
             </a:pPr>
             <a:r>
-              <a:rPr b="0" lang="hu-HU" sz="2800" spc="-1" strike="noStrike">
-                <a:solidFill>
-                  <a:srgbClr val="000000"/>
-                </a:solidFill>
-                <a:uFill>
-                  <a:solidFill>
-                    <a:srgbClr val="ffffff"/>
+              <a:rPr lang="hu-HU" sz="2800" b="0" strike="noStrike" spc="-1">
+                <a:solidFill>
+                  <a:srgbClr val="000000"/>
+                </a:solidFill>
+                <a:uFill>
+                  <a:solidFill>
+                    <a:srgbClr val="FFFFFF"/>
                   </a:solidFill>
                 </a:uFill>
                 <a:latin typeface="Calibri"/>
               </a:rPr>
               <a:t>Sixth Outline Level</a:t>
             </a:r>
-            <a:endParaRPr b="0" lang="hu-HU" sz="2800" spc="-1" strike="noStrike">
-              <a:solidFill>
-                <a:srgbClr val="000000"/>
-              </a:solidFill>
-              <a:uFill>
-                <a:solidFill>
-                  <a:srgbClr val="ffffff"/>
-                </a:solidFill>
-              </a:uFill>
-              <a:latin typeface="Calibri"/>
-            </a:endParaRPr>
           </a:p>
           <a:p>
             <a:pPr marL="228600" indent="-228240">
@@ -3786,33 +4168,22 @@
               <a:buChar char="•"/>
             </a:pPr>
             <a:r>
-              <a:rPr b="0" lang="hu-HU" sz="2800" spc="-1" strike="noStrike">
-                <a:solidFill>
-                  <a:srgbClr val="000000"/>
-                </a:solidFill>
-                <a:uFill>
-                  <a:solidFill>
-                    <a:srgbClr val="ffffff"/>
+              <a:rPr lang="hu-HU" sz="2800" b="0" strike="noStrike" spc="-1">
+                <a:solidFill>
+                  <a:srgbClr val="000000"/>
+                </a:solidFill>
+                <a:uFill>
+                  <a:solidFill>
+                    <a:srgbClr val="FFFFFF"/>
                   </a:solidFill>
                 </a:uFill>
                 <a:latin typeface="Calibri"/>
               </a:rPr>
               <a:t>Seventh Outline LevelMintaszöveg szerkesztése</a:t>
             </a:r>
-            <a:endParaRPr b="0" lang="hu-HU" sz="2800" spc="-1" strike="noStrike">
-              <a:solidFill>
-                <a:srgbClr val="000000"/>
-              </a:solidFill>
-              <a:uFill>
-                <a:solidFill>
-                  <a:srgbClr val="ffffff"/>
-                </a:solidFill>
-              </a:uFill>
-              <a:latin typeface="Calibri"/>
-            </a:endParaRPr>
-          </a:p>
-          <a:p>
-            <a:pPr lvl="1" marL="685800" indent="-228240">
+          </a:p>
+          <a:p>
+            <a:pPr marL="685800" lvl="1" indent="-228240">
               <a:lnSpc>
                 <a:spcPct val="100000"/>
               </a:lnSpc>
@@ -3823,33 +4194,33 @@
               <a:buChar char="•"/>
             </a:pPr>
             <a:r>
-              <a:rPr b="0" lang="hu-HU" sz="2400" spc="-1" strike="noStrike">
-                <a:solidFill>
-                  <a:srgbClr val="000000"/>
-                </a:solidFill>
-                <a:uFill>
-                  <a:solidFill>
-                    <a:srgbClr val="ffffff"/>
+              <a:rPr lang="hu-HU" sz="2400" b="0" strike="noStrike" spc="-1">
+                <a:solidFill>
+                  <a:srgbClr val="000000"/>
+                </a:solidFill>
+                <a:uFill>
+                  <a:solidFill>
+                    <a:srgbClr val="FFFFFF"/>
                   </a:solidFill>
                 </a:uFill>
                 <a:latin typeface="Calibri"/>
               </a:rPr>
               <a:t>Második szint</a:t>
             </a:r>
-            <a:endParaRPr b="0" lang="hu-HU" sz="2800" spc="-1" strike="noStrike">
+            <a:endParaRPr lang="hu-HU" sz="2800" b="0" strike="noStrike" spc="-1">
               <a:solidFill>
                 <a:srgbClr val="000000"/>
               </a:solidFill>
               <a:uFill>
                 <a:solidFill>
-                  <a:srgbClr val="ffffff"/>
+                  <a:srgbClr val="FFFFFF"/>
                 </a:solidFill>
               </a:uFill>
               <a:latin typeface="Calibri"/>
             </a:endParaRPr>
           </a:p>
           <a:p>
-            <a:pPr lvl="2" marL="1143000" indent="-228240">
+            <a:pPr marL="1143000" lvl="2" indent="-228240">
               <a:lnSpc>
                 <a:spcPct val="100000"/>
               </a:lnSpc>
@@ -3860,33 +4231,33 @@
               <a:buChar char="•"/>
             </a:pPr>
             <a:r>
-              <a:rPr b="0" lang="hu-HU" sz="2000" spc="-1" strike="noStrike">
-                <a:solidFill>
-                  <a:srgbClr val="000000"/>
-                </a:solidFill>
-                <a:uFill>
-                  <a:solidFill>
-                    <a:srgbClr val="ffffff"/>
+              <a:rPr lang="hu-HU" sz="2000" b="0" strike="noStrike" spc="-1">
+                <a:solidFill>
+                  <a:srgbClr val="000000"/>
+                </a:solidFill>
+                <a:uFill>
+                  <a:solidFill>
+                    <a:srgbClr val="FFFFFF"/>
                   </a:solidFill>
                 </a:uFill>
                 <a:latin typeface="Calibri"/>
               </a:rPr>
               <a:t>Harmadik szint</a:t>
             </a:r>
-            <a:endParaRPr b="0" lang="hu-HU" sz="2800" spc="-1" strike="noStrike">
+            <a:endParaRPr lang="hu-HU" sz="2800" b="0" strike="noStrike" spc="-1">
               <a:solidFill>
                 <a:srgbClr val="000000"/>
               </a:solidFill>
               <a:uFill>
                 <a:solidFill>
-                  <a:srgbClr val="ffffff"/>
+                  <a:srgbClr val="FFFFFF"/>
                 </a:solidFill>
               </a:uFill>
               <a:latin typeface="Calibri"/>
             </a:endParaRPr>
           </a:p>
           <a:p>
-            <a:pPr lvl="3" marL="1600200" indent="-228240">
+            <a:pPr marL="1600200" lvl="3" indent="-228240">
               <a:lnSpc>
                 <a:spcPct val="100000"/>
               </a:lnSpc>
@@ -3897,33 +4268,33 @@
               <a:buChar char="•"/>
             </a:pPr>
             <a:r>
-              <a:rPr b="0" lang="hu-HU" sz="1800" spc="-1" strike="noStrike">
-                <a:solidFill>
-                  <a:srgbClr val="000000"/>
-                </a:solidFill>
-                <a:uFill>
-                  <a:solidFill>
-                    <a:srgbClr val="ffffff"/>
+              <a:rPr lang="hu-HU" sz="1800" b="0" strike="noStrike" spc="-1">
+                <a:solidFill>
+                  <a:srgbClr val="000000"/>
+                </a:solidFill>
+                <a:uFill>
+                  <a:solidFill>
+                    <a:srgbClr val="FFFFFF"/>
                   </a:solidFill>
                 </a:uFill>
                 <a:latin typeface="Calibri"/>
               </a:rPr>
               <a:t>Negyedik szint</a:t>
             </a:r>
-            <a:endParaRPr b="0" lang="hu-HU" sz="2800" spc="-1" strike="noStrike">
+            <a:endParaRPr lang="hu-HU" sz="2800" b="0" strike="noStrike" spc="-1">
               <a:solidFill>
                 <a:srgbClr val="000000"/>
               </a:solidFill>
               <a:uFill>
                 <a:solidFill>
-                  <a:srgbClr val="ffffff"/>
+                  <a:srgbClr val="FFFFFF"/>
                 </a:solidFill>
               </a:uFill>
               <a:latin typeface="Calibri"/>
             </a:endParaRPr>
           </a:p>
           <a:p>
-            <a:pPr lvl="4" marL="2057400" indent="-228240">
+            <a:pPr marL="2057400" lvl="4" indent="-228240">
               <a:lnSpc>
                 <a:spcPct val="100000"/>
               </a:lnSpc>
@@ -3934,26 +4305,26 @@
               <a:buChar char="•"/>
             </a:pPr>
             <a:r>
-              <a:rPr b="0" lang="hu-HU" sz="1800" spc="-1" strike="noStrike">
-                <a:solidFill>
-                  <a:srgbClr val="000000"/>
-                </a:solidFill>
-                <a:uFill>
-                  <a:solidFill>
-                    <a:srgbClr val="ffffff"/>
+              <a:rPr lang="hu-HU" sz="1800" b="0" strike="noStrike" spc="-1">
+                <a:solidFill>
+                  <a:srgbClr val="000000"/>
+                </a:solidFill>
+                <a:uFill>
+                  <a:solidFill>
+                    <a:srgbClr val="FFFFFF"/>
                   </a:solidFill>
                 </a:uFill>
                 <a:latin typeface="Calibri"/>
               </a:rPr>
               <a:t>Ötödik szint</a:t>
             </a:r>
-            <a:endParaRPr b="0" lang="hu-HU" sz="2800" spc="-1" strike="noStrike">
+            <a:endParaRPr lang="hu-HU" sz="2800" b="0" strike="noStrike" spc="-1">
               <a:solidFill>
                 <a:srgbClr val="000000"/>
               </a:solidFill>
               <a:uFill>
                 <a:solidFill>
-                  <a:srgbClr val="ffffff"/>
+                  <a:srgbClr val="FFFFFF"/>
                 </a:solidFill>
               </a:uFill>
               <a:latin typeface="Calibri"/>
@@ -3982,6 +4353,7 @@
         </p:spPr>
         <p:txBody>
           <a:bodyPr anchor="ctr"/>
+          <a:lstStyle/>
           <a:p>
             <a:pPr>
               <a:lnSpc>
@@ -3989,26 +4361,26 @@
               </a:lnSpc>
             </a:pPr>
             <a:r>
-              <a:rPr b="0" lang="en-US" sz="1200" spc="-1" strike="noStrike">
-                <a:solidFill>
-                  <a:srgbClr val="8b8b8b"/>
-                </a:solidFill>
-                <a:uFill>
-                  <a:solidFill>
-                    <a:srgbClr val="ffffff"/>
+              <a:rPr lang="en-US" sz="1200" b="0" strike="noStrike" spc="-1">
+                <a:solidFill>
+                  <a:srgbClr val="8B8B8B"/>
+                </a:solidFill>
+                <a:uFill>
+                  <a:solidFill>
+                    <a:srgbClr val="FFFFFF"/>
                   </a:solidFill>
                 </a:uFill>
                 <a:latin typeface="Calibri"/>
               </a:rPr>
               <a:t>11/29/16</a:t>
             </a:r>
-            <a:endParaRPr b="0" lang="en-US" sz="1400" spc="-1" strike="noStrike">
+            <a:endParaRPr lang="en-US" sz="1400" b="0" strike="noStrike" spc="-1">
               <a:solidFill>
                 <a:srgbClr val="000000"/>
               </a:solidFill>
               <a:uFill>
                 <a:solidFill>
-                  <a:srgbClr val="ffffff"/>
+                  <a:srgbClr val="FFFFFF"/>
                 </a:solidFill>
               </a:uFill>
               <a:latin typeface="Times New Roman"/>
@@ -4037,14 +4409,15 @@
         </p:spPr>
         <p:txBody>
           <a:bodyPr anchor="ctr"/>
-          <a:p>
-            <a:endParaRPr b="0" lang="en-US" sz="2400" spc="-1" strike="noStrike">
+          <a:lstStyle/>
+          <a:p>
+            <a:endParaRPr lang="en-US" sz="2400" b="0" strike="noStrike" spc="-1">
               <a:solidFill>
                 <a:srgbClr val="000000"/>
               </a:solidFill>
               <a:uFill>
                 <a:solidFill>
-                  <a:srgbClr val="ffffff"/>
+                  <a:srgbClr val="FFFFFF"/>
                 </a:solidFill>
               </a:uFill>
               <a:latin typeface="Times New Roman"/>
@@ -4073,6 +4446,7 @@
         </p:spPr>
         <p:txBody>
           <a:bodyPr anchor="ctr"/>
+          <a:lstStyle/>
           <a:p>
             <a:pPr algn="r">
               <a:lnSpc>
@@ -4080,26 +4454,26 @@
               </a:lnSpc>
             </a:pPr>
             <a:fld id="{46E264AD-E142-43EC-B55B-E4E2D8ED590A}" type="slidenum">
-              <a:rPr b="0" lang="en-US" sz="1200" spc="-1" strike="noStrike">
-                <a:solidFill>
-                  <a:srgbClr val="8b8b8b"/>
-                </a:solidFill>
-                <a:uFill>
-                  <a:solidFill>
-                    <a:srgbClr val="ffffff"/>
-                  </a:solidFill>
-                </a:uFill>
-                <a:latin typeface="Calibri"/>
-              </a:rPr>
-              <a:t>&lt;number&gt;</a:t>
+              <a:rPr lang="en-US" sz="1200" b="0" strike="noStrike" spc="-1">
+                <a:solidFill>
+                  <a:srgbClr val="8B8B8B"/>
+                </a:solidFill>
+                <a:uFill>
+                  <a:solidFill>
+                    <a:srgbClr val="FFFFFF"/>
+                  </a:solidFill>
+                </a:uFill>
+                <a:latin typeface="Calibri"/>
+              </a:rPr>
+              <a:t>‹#›</a:t>
             </a:fld>
-            <a:endParaRPr b="0" lang="en-US" sz="1400" spc="-1" strike="noStrike">
+            <a:endParaRPr lang="en-US" sz="1400" b="0" strike="noStrike" spc="-1">
               <a:solidFill>
                 <a:srgbClr val="000000"/>
               </a:solidFill>
               <a:uFill>
                 <a:solidFill>
-                  <a:srgbClr val="ffffff"/>
+                  <a:srgbClr val="FFFFFF"/>
                 </a:solidFill>
               </a:uFill>
               <a:latin typeface="Times New Roman"/>
@@ -4109,26 +4483,306 @@
       </p:sp>
     </p:spTree>
   </p:cSld>
-  <p:clrMap bg1="lt1" bg2="lt2" tx1="dk1" tx2="dk2" accent1="accent1" accent2="accent2" accent3="accent3" accent4="accent4" accent5="accent5" accent6="accent6" hlink="hlink" folHlink="folHlink"/>
+  <p:clrMap bg1="lt1" tx1="dk1" bg2="lt2" tx2="dk2" accent1="accent1" accent2="accent2" accent3="accent3" accent4="accent4" accent5="accent5" accent6="accent6" hlink="hlink" folHlink="folHlink"/>
   <p:sldLayoutIdLst>
-    <p:sldLayoutId id="2147483662" r:id="rId2"/>
-    <p:sldLayoutId id="2147483663" r:id="rId3"/>
-    <p:sldLayoutId id="2147483664" r:id="rId4"/>
-    <p:sldLayoutId id="2147483665" r:id="rId5"/>
-    <p:sldLayoutId id="2147483666" r:id="rId6"/>
-    <p:sldLayoutId id="2147483667" r:id="rId7"/>
-    <p:sldLayoutId id="2147483668" r:id="rId8"/>
-    <p:sldLayoutId id="2147483669" r:id="rId9"/>
-    <p:sldLayoutId id="2147483670" r:id="rId10"/>
-    <p:sldLayoutId id="2147483671" r:id="rId11"/>
-    <p:sldLayoutId id="2147483672" r:id="rId12"/>
-    <p:sldLayoutId id="2147483673" r:id="rId13"/>
+    <p:sldLayoutId id="2147483662" r:id="rId1"/>
+    <p:sldLayoutId id="2147483663" r:id="rId2"/>
+    <p:sldLayoutId id="2147483664" r:id="rId3"/>
+    <p:sldLayoutId id="2147483665" r:id="rId4"/>
+    <p:sldLayoutId id="2147483666" r:id="rId5"/>
+    <p:sldLayoutId id="2147483667" r:id="rId6"/>
+    <p:sldLayoutId id="2147483668" r:id="rId7"/>
+    <p:sldLayoutId id="2147483669" r:id="rId8"/>
+    <p:sldLayoutId id="2147483670" r:id="rId9"/>
+    <p:sldLayoutId id="2147483671" r:id="rId10"/>
+    <p:sldLayoutId id="2147483672" r:id="rId11"/>
+    <p:sldLayoutId id="2147483673" r:id="rId12"/>
   </p:sldLayoutIdLst>
+  <p:txStyles>
+    <p:titleStyle>
+      <a:lvl1pPr algn="l" defTabSz="914400" rtl="0" eaLnBrk="1" latinLnBrk="0" hangingPunct="1">
+        <a:lnSpc>
+          <a:spcPct val="90000"/>
+        </a:lnSpc>
+        <a:spcBef>
+          <a:spcPct val="0"/>
+        </a:spcBef>
+        <a:buNone/>
+        <a:defRPr sz="4400" kern="1200">
+          <a:solidFill>
+            <a:schemeClr val="tx1"/>
+          </a:solidFill>
+          <a:latin typeface="+mj-lt"/>
+          <a:ea typeface="+mj-ea"/>
+          <a:cs typeface="+mj-cs"/>
+        </a:defRPr>
+      </a:lvl1pPr>
+    </p:titleStyle>
+    <p:bodyStyle>
+      <a:lvl1pPr marL="228600" indent="-228600" algn="l" defTabSz="914400" rtl="0" eaLnBrk="1" latinLnBrk="0" hangingPunct="1">
+        <a:lnSpc>
+          <a:spcPct val="90000"/>
+        </a:lnSpc>
+        <a:spcBef>
+          <a:spcPts val="1000"/>
+        </a:spcBef>
+        <a:buFont typeface="Arial" panose="020B0604020202020204" pitchFamily="34" charset="0"/>
+        <a:buChar char="•"/>
+        <a:defRPr sz="2800" kern="1200">
+          <a:solidFill>
+            <a:schemeClr val="tx1"/>
+          </a:solidFill>
+          <a:latin typeface="+mn-lt"/>
+          <a:ea typeface="+mn-ea"/>
+          <a:cs typeface="+mn-cs"/>
+        </a:defRPr>
+      </a:lvl1pPr>
+      <a:lvl2pPr marL="685800" indent="-228600" algn="l" defTabSz="914400" rtl="0" eaLnBrk="1" latinLnBrk="0" hangingPunct="1">
+        <a:lnSpc>
+          <a:spcPct val="90000"/>
+        </a:lnSpc>
+        <a:spcBef>
+          <a:spcPts val="500"/>
+        </a:spcBef>
+        <a:buFont typeface="Arial" panose="020B0604020202020204" pitchFamily="34" charset="0"/>
+        <a:buChar char="•"/>
+        <a:defRPr sz="2400" kern="1200">
+          <a:solidFill>
+            <a:schemeClr val="tx1"/>
+          </a:solidFill>
+          <a:latin typeface="+mn-lt"/>
+          <a:ea typeface="+mn-ea"/>
+          <a:cs typeface="+mn-cs"/>
+        </a:defRPr>
+      </a:lvl2pPr>
+      <a:lvl3pPr marL="1143000" indent="-228600" algn="l" defTabSz="914400" rtl="0" eaLnBrk="1" latinLnBrk="0" hangingPunct="1">
+        <a:lnSpc>
+          <a:spcPct val="90000"/>
+        </a:lnSpc>
+        <a:spcBef>
+          <a:spcPts val="500"/>
+        </a:spcBef>
+        <a:buFont typeface="Arial" panose="020B0604020202020204" pitchFamily="34" charset="0"/>
+        <a:buChar char="•"/>
+        <a:defRPr sz="2000" kern="1200">
+          <a:solidFill>
+            <a:schemeClr val="tx1"/>
+          </a:solidFill>
+          <a:latin typeface="+mn-lt"/>
+          <a:ea typeface="+mn-ea"/>
+          <a:cs typeface="+mn-cs"/>
+        </a:defRPr>
+      </a:lvl3pPr>
+      <a:lvl4pPr marL="1600200" indent="-228600" algn="l" defTabSz="914400" rtl="0" eaLnBrk="1" latinLnBrk="0" hangingPunct="1">
+        <a:lnSpc>
+          <a:spcPct val="90000"/>
+        </a:lnSpc>
+        <a:spcBef>
+          <a:spcPts val="500"/>
+        </a:spcBef>
+        <a:buFont typeface="Arial" panose="020B0604020202020204" pitchFamily="34" charset="0"/>
+        <a:buChar char="•"/>
+        <a:defRPr sz="1800" kern="1200">
+          <a:solidFill>
+            <a:schemeClr val="tx1"/>
+          </a:solidFill>
+          <a:latin typeface="+mn-lt"/>
+          <a:ea typeface="+mn-ea"/>
+          <a:cs typeface="+mn-cs"/>
+        </a:defRPr>
+      </a:lvl4pPr>
+      <a:lvl5pPr marL="2057400" indent="-228600" algn="l" defTabSz="914400" rtl="0" eaLnBrk="1" latinLnBrk="0" hangingPunct="1">
+        <a:lnSpc>
+          <a:spcPct val="90000"/>
+        </a:lnSpc>
+        <a:spcBef>
+          <a:spcPts val="500"/>
+        </a:spcBef>
+        <a:buFont typeface="Arial" panose="020B0604020202020204" pitchFamily="34" charset="0"/>
+        <a:buChar char="•"/>
+        <a:defRPr sz="1800" kern="1200">
+          <a:solidFill>
+            <a:schemeClr val="tx1"/>
+          </a:solidFill>
+          <a:latin typeface="+mn-lt"/>
+          <a:ea typeface="+mn-ea"/>
+          <a:cs typeface="+mn-cs"/>
+        </a:defRPr>
+      </a:lvl5pPr>
+      <a:lvl6pPr marL="2514600" indent="-228600" algn="l" defTabSz="914400" rtl="0" eaLnBrk="1" latinLnBrk="0" hangingPunct="1">
+        <a:lnSpc>
+          <a:spcPct val="90000"/>
+        </a:lnSpc>
+        <a:spcBef>
+          <a:spcPts val="500"/>
+        </a:spcBef>
+        <a:buFont typeface="Arial" panose="020B0604020202020204" pitchFamily="34" charset="0"/>
+        <a:buChar char="•"/>
+        <a:defRPr sz="1800" kern="1200">
+          <a:solidFill>
+            <a:schemeClr val="tx1"/>
+          </a:solidFill>
+          <a:latin typeface="+mn-lt"/>
+          <a:ea typeface="+mn-ea"/>
+          <a:cs typeface="+mn-cs"/>
+        </a:defRPr>
+      </a:lvl6pPr>
+      <a:lvl7pPr marL="2971800" indent="-228600" algn="l" defTabSz="914400" rtl="0" eaLnBrk="1" latinLnBrk="0" hangingPunct="1">
+        <a:lnSpc>
+          <a:spcPct val="90000"/>
+        </a:lnSpc>
+        <a:spcBef>
+          <a:spcPts val="500"/>
+        </a:spcBef>
+        <a:buFont typeface="Arial" panose="020B0604020202020204" pitchFamily="34" charset="0"/>
+        <a:buChar char="•"/>
+        <a:defRPr sz="1800" kern="1200">
+          <a:solidFill>
+            <a:schemeClr val="tx1"/>
+          </a:solidFill>
+          <a:latin typeface="+mn-lt"/>
+          <a:ea typeface="+mn-ea"/>
+          <a:cs typeface="+mn-cs"/>
+        </a:defRPr>
+      </a:lvl7pPr>
+      <a:lvl8pPr marL="3429000" indent="-228600" algn="l" defTabSz="914400" rtl="0" eaLnBrk="1" latinLnBrk="0" hangingPunct="1">
+        <a:lnSpc>
+          <a:spcPct val="90000"/>
+        </a:lnSpc>
+        <a:spcBef>
+          <a:spcPts val="500"/>
+        </a:spcBef>
+        <a:buFont typeface="Arial" panose="020B0604020202020204" pitchFamily="34" charset="0"/>
+        <a:buChar char="•"/>
+        <a:defRPr sz="1800" kern="1200">
+          <a:solidFill>
+            <a:schemeClr val="tx1"/>
+          </a:solidFill>
+          <a:latin typeface="+mn-lt"/>
+          <a:ea typeface="+mn-ea"/>
+          <a:cs typeface="+mn-cs"/>
+        </a:defRPr>
+      </a:lvl8pPr>
+      <a:lvl9pPr marL="3886200" indent="-228600" algn="l" defTabSz="914400" rtl="0" eaLnBrk="1" latinLnBrk="0" hangingPunct="1">
+        <a:lnSpc>
+          <a:spcPct val="90000"/>
+        </a:lnSpc>
+        <a:spcBef>
+          <a:spcPts val="500"/>
+        </a:spcBef>
+        <a:buFont typeface="Arial" panose="020B0604020202020204" pitchFamily="34" charset="0"/>
+        <a:buChar char="•"/>
+        <a:defRPr sz="1800" kern="1200">
+          <a:solidFill>
+            <a:schemeClr val="tx1"/>
+          </a:solidFill>
+          <a:latin typeface="+mn-lt"/>
+          <a:ea typeface="+mn-ea"/>
+          <a:cs typeface="+mn-cs"/>
+        </a:defRPr>
+      </a:lvl9pPr>
+    </p:bodyStyle>
+    <p:otherStyle>
+      <a:defPPr>
+        <a:defRPr lang="hu-HU"/>
+      </a:defPPr>
+      <a:lvl1pPr marL="0" algn="l" defTabSz="914400" rtl="0" eaLnBrk="1" latinLnBrk="0" hangingPunct="1">
+        <a:defRPr sz="1800" kern="1200">
+          <a:solidFill>
+            <a:schemeClr val="tx1"/>
+          </a:solidFill>
+          <a:latin typeface="+mn-lt"/>
+          <a:ea typeface="+mn-ea"/>
+          <a:cs typeface="+mn-cs"/>
+        </a:defRPr>
+      </a:lvl1pPr>
+      <a:lvl2pPr marL="457200" algn="l" defTabSz="914400" rtl="0" eaLnBrk="1" latinLnBrk="0" hangingPunct="1">
+        <a:defRPr sz="1800" kern="1200">
+          <a:solidFill>
+            <a:schemeClr val="tx1"/>
+          </a:solidFill>
+          <a:latin typeface="+mn-lt"/>
+          <a:ea typeface="+mn-ea"/>
+          <a:cs typeface="+mn-cs"/>
+        </a:defRPr>
+      </a:lvl2pPr>
+      <a:lvl3pPr marL="914400" algn="l" defTabSz="914400" rtl="0" eaLnBrk="1" latinLnBrk="0" hangingPunct="1">
+        <a:defRPr sz="1800" kern="1200">
+          <a:solidFill>
+            <a:schemeClr val="tx1"/>
+          </a:solidFill>
+          <a:latin typeface="+mn-lt"/>
+          <a:ea typeface="+mn-ea"/>
+          <a:cs typeface="+mn-cs"/>
+        </a:defRPr>
+      </a:lvl3pPr>
+      <a:lvl4pPr marL="1371600" algn="l" defTabSz="914400" rtl="0" eaLnBrk="1" latinLnBrk="0" hangingPunct="1">
+        <a:defRPr sz="1800" kern="1200">
+          <a:solidFill>
+            <a:schemeClr val="tx1"/>
+          </a:solidFill>
+          <a:latin typeface="+mn-lt"/>
+          <a:ea typeface="+mn-ea"/>
+          <a:cs typeface="+mn-cs"/>
+        </a:defRPr>
+      </a:lvl4pPr>
+      <a:lvl5pPr marL="1828800" algn="l" defTabSz="914400" rtl="0" eaLnBrk="1" latinLnBrk="0" hangingPunct="1">
+        <a:defRPr sz="1800" kern="1200">
+          <a:solidFill>
+            <a:schemeClr val="tx1"/>
+          </a:solidFill>
+          <a:latin typeface="+mn-lt"/>
+          <a:ea typeface="+mn-ea"/>
+          <a:cs typeface="+mn-cs"/>
+        </a:defRPr>
+      </a:lvl5pPr>
+      <a:lvl6pPr marL="2286000" algn="l" defTabSz="914400" rtl="0" eaLnBrk="1" latinLnBrk="0" hangingPunct="1">
+        <a:defRPr sz="1800" kern="1200">
+          <a:solidFill>
+            <a:schemeClr val="tx1"/>
+          </a:solidFill>
+          <a:latin typeface="+mn-lt"/>
+          <a:ea typeface="+mn-ea"/>
+          <a:cs typeface="+mn-cs"/>
+        </a:defRPr>
+      </a:lvl6pPr>
+      <a:lvl7pPr marL="2743200" algn="l" defTabSz="914400" rtl="0" eaLnBrk="1" latinLnBrk="0" hangingPunct="1">
+        <a:defRPr sz="1800" kern="1200">
+          <a:solidFill>
+            <a:schemeClr val="tx1"/>
+          </a:solidFill>
+          <a:latin typeface="+mn-lt"/>
+          <a:ea typeface="+mn-ea"/>
+          <a:cs typeface="+mn-cs"/>
+        </a:defRPr>
+      </a:lvl7pPr>
+      <a:lvl8pPr marL="3200400" algn="l" defTabSz="914400" rtl="0" eaLnBrk="1" latinLnBrk="0" hangingPunct="1">
+        <a:defRPr sz="1800" kern="1200">
+          <a:solidFill>
+            <a:schemeClr val="tx1"/>
+          </a:solidFill>
+          <a:latin typeface="+mn-lt"/>
+          <a:ea typeface="+mn-ea"/>
+          <a:cs typeface="+mn-cs"/>
+        </a:defRPr>
+      </a:lvl8pPr>
+      <a:lvl9pPr marL="3657600" algn="l" defTabSz="914400" rtl="0" eaLnBrk="1" latinLnBrk="0" hangingPunct="1">
+        <a:defRPr sz="1800" kern="1200">
+          <a:solidFill>
+            <a:schemeClr val="tx1"/>
+          </a:solidFill>
+          <a:latin typeface="+mn-lt"/>
+          <a:ea typeface="+mn-ea"/>
+          <a:cs typeface="+mn-cs"/>
+        </a:defRPr>
+      </a:lvl9pPr>
+    </p:otherStyle>
+  </p:txStyles>
 </p:sldMaster>
 </file>
 
 <file path=ppt/slides/slide1.xml><?xml version="1.0" encoding="utf-8"?>
-<p:sld xmlns:a="http://schemas.openxmlformats.org/drawingml/2006/main" xmlns:p="http://schemas.openxmlformats.org/presentationml/2006/main" xmlns:r="http://schemas.openxmlformats.org/officeDocument/2006/relationships" xmlns:p14="http://schemas.microsoft.com/office/powerpoint/2010/main" xmlns:p15="http://schemas.microsoft.com/office/powerpoint/2012/main" xmlns:mc="http://schemas.openxmlformats.org/markup-compatibility/2006">
+<p:sld xmlns:a="http://schemas.openxmlformats.org/drawingml/2006/main" xmlns:r="http://schemas.openxmlformats.org/officeDocument/2006/relationships" xmlns:p="http://schemas.openxmlformats.org/presentationml/2006/main">
   <p:cSld>
     <p:spTree>
       <p:nvGrpSpPr>
@@ -4165,6 +4819,7 @@
         </p:spPr>
         <p:txBody>
           <a:bodyPr anchor="b"/>
+          <a:lstStyle/>
           <a:p>
             <a:pPr algn="ctr">
               <a:lnSpc>
@@ -4172,26 +4827,26 @@
               </a:lnSpc>
             </a:pPr>
             <a:r>
-              <a:rPr b="0" lang="hu-HU" sz="6000" spc="-1" strike="noStrike">
-                <a:solidFill>
-                  <a:srgbClr val="000000"/>
-                </a:solidFill>
-                <a:uFill>
-                  <a:solidFill>
-                    <a:srgbClr val="ffffff"/>
+              <a:rPr lang="hu-HU" sz="6000" b="0" strike="noStrike" spc="-1">
+                <a:solidFill>
+                  <a:srgbClr val="000000"/>
+                </a:solidFill>
+                <a:uFill>
+                  <a:solidFill>
+                    <a:srgbClr val="FFFFFF"/>
                   </a:solidFill>
                 </a:uFill>
                 <a:latin typeface="Calibri Light"/>
               </a:rPr>
               <a:t>Introductory</a:t>
             </a:r>
-            <a:endParaRPr b="0" lang="hu-HU" sz="1800" spc="-1" strike="noStrike">
+            <a:endParaRPr lang="hu-HU" sz="1800" b="0" strike="noStrike" spc="-1">
               <a:solidFill>
                 <a:srgbClr val="000000"/>
               </a:solidFill>
               <a:uFill>
                 <a:solidFill>
-                  <a:srgbClr val="ffffff"/>
+                  <a:srgbClr val="FFFFFF"/>
                 </a:solidFill>
               </a:uFill>
               <a:latin typeface="Calibri"/>
@@ -4220,6 +4875,7 @@
         </p:spPr>
         <p:txBody>
           <a:bodyPr/>
+          <a:lstStyle/>
           <a:p>
             <a:pPr marL="343080" indent="-342720">
               <a:lnSpc>
@@ -4232,26 +4888,26 @@
               <a:buChar char="•"/>
             </a:pPr>
             <a:r>
-              <a:rPr b="0" lang="en-US" sz="2200" spc="-1" strike="noStrike">
-                <a:solidFill>
-                  <a:srgbClr val="000000"/>
-                </a:solidFill>
-                <a:uFill>
-                  <a:solidFill>
-                    <a:srgbClr val="ffffff"/>
+              <a:rPr lang="en-US" sz="2200" b="0" strike="noStrike" spc="-1" dirty="0">
+                <a:solidFill>
+                  <a:srgbClr val="000000"/>
+                </a:solidFill>
+                <a:uFill>
+                  <a:solidFill>
+                    <a:srgbClr val="FFFFFF"/>
                   </a:solidFill>
                 </a:uFill>
                 <a:latin typeface="Calibri"/>
               </a:rPr>
               <a:t>Purpose of object analysis: identify the objects, classes, operations, messages, events, activities, use-cases in the system.</a:t>
             </a:r>
-            <a:endParaRPr b="0" lang="en-US" sz="3200" spc="-1" strike="noStrike">
+            <a:endParaRPr lang="en-US" sz="3200" b="0" strike="noStrike" spc="-1" dirty="0">
               <a:solidFill>
                 <a:srgbClr val="000000"/>
               </a:solidFill>
               <a:uFill>
                 <a:solidFill>
-                  <a:srgbClr val="ffffff"/>
+                  <a:srgbClr val="FFFFFF"/>
                 </a:solidFill>
               </a:uFill>
               <a:latin typeface="Arial"/>
@@ -4269,26 +4925,82 @@
               <a:buChar char="•"/>
             </a:pPr>
             <a:r>
-              <a:rPr b="0" lang="en-US" sz="2200" spc="-1" strike="noStrike">
-                <a:solidFill>
-                  <a:srgbClr val="000000"/>
-                </a:solidFill>
-                <a:uFill>
-                  <a:solidFill>
-                    <a:srgbClr val="ffffff"/>
-                  </a:solidFill>
-                </a:uFill>
-                <a:latin typeface="Calibri"/>
-              </a:rPr>
-              <a:t>There are different stretgeis for the analysis (see the previous presentaion..)</a:t>
-            </a:r>
-            <a:endParaRPr b="0" lang="en-US" sz="3200" spc="-1" strike="noStrike">
+              <a:rPr lang="en-US" sz="2200" b="0" strike="noStrike" spc="-1" dirty="0">
+                <a:solidFill>
+                  <a:srgbClr val="000000"/>
+                </a:solidFill>
+                <a:uFill>
+                  <a:solidFill>
+                    <a:srgbClr val="FFFFFF"/>
+                  </a:solidFill>
+                </a:uFill>
+                <a:latin typeface="Calibri"/>
+              </a:rPr>
+              <a:t>There are different </a:t>
+            </a:r>
+            <a:r>
+              <a:rPr lang="en-US" sz="2200" b="0" strike="noStrike" spc="-1" dirty="0" err="1">
+                <a:solidFill>
+                  <a:srgbClr val="000000"/>
+                </a:solidFill>
+                <a:uFill>
+                  <a:solidFill>
+                    <a:srgbClr val="FFFFFF"/>
+                  </a:solidFill>
+                </a:uFill>
+                <a:latin typeface="Calibri"/>
+              </a:rPr>
+              <a:t>stretgeis</a:t>
+            </a:r>
+            <a:r>
+              <a:rPr lang="en-US" sz="2200" b="0" strike="noStrike" spc="-1" dirty="0">
+                <a:solidFill>
+                  <a:srgbClr val="000000"/>
+                </a:solidFill>
+                <a:uFill>
+                  <a:solidFill>
+                    <a:srgbClr val="FFFFFF"/>
+                  </a:solidFill>
+                </a:uFill>
+                <a:latin typeface="Calibri"/>
+              </a:rPr>
+              <a:t> for the analysis (see the previous </a:t>
+            </a:r>
+            <a:r>
+              <a:rPr lang="en-US" sz="2200" b="0" strike="noStrike" spc="-1" dirty="0" err="1">
+                <a:solidFill>
+                  <a:srgbClr val="000000"/>
+                </a:solidFill>
+                <a:uFill>
+                  <a:solidFill>
+                    <a:srgbClr val="FFFFFF"/>
+                  </a:solidFill>
+                </a:uFill>
+                <a:latin typeface="Calibri"/>
+              </a:rPr>
+              <a:t>presentaion</a:t>
+            </a:r>
+            <a:r>
+              <a:rPr lang="en-US" sz="2200" b="0" strike="noStrike" spc="-1" dirty="0">
+                <a:solidFill>
+                  <a:srgbClr val="000000"/>
+                </a:solidFill>
+                <a:uFill>
+                  <a:solidFill>
+                    <a:srgbClr val="FFFFFF"/>
+                  </a:solidFill>
+                </a:uFill>
+                <a:latin typeface="Calibri"/>
+              </a:rPr>
+              <a:t>..)</a:t>
+            </a:r>
+            <a:endParaRPr lang="en-US" sz="3200" b="0" strike="noStrike" spc="-1" dirty="0">
               <a:solidFill>
                 <a:srgbClr val="000000"/>
               </a:solidFill>
               <a:uFill>
                 <a:solidFill>
-                  <a:srgbClr val="ffffff"/>
+                  <a:srgbClr val="FFFFFF"/>
                 </a:solidFill>
               </a:uFill>
               <a:latin typeface="Arial"/>
@@ -4306,26 +5018,138 @@
               <a:buChar char="•"/>
             </a:pPr>
             <a:r>
-              <a:rPr b="0" lang="en-US" sz="2200" spc="-1" strike="noStrike">
-                <a:solidFill>
-                  <a:srgbClr val="000000"/>
-                </a:solidFill>
-                <a:uFill>
-                  <a:solidFill>
-                    <a:srgbClr val="ffffff"/>
-                  </a:solidFill>
-                </a:uFill>
-                <a:latin typeface="Calibri"/>
-              </a:rPr>
-              <a:t>In this presenation we consider only six startgies (Identify real-word items, physical devies, key concepts, transaction, visual elements, control elements staregy)</a:t>
-            </a:r>
-            <a:endParaRPr b="0" lang="en-US" sz="3200" spc="-1" strike="noStrike">
+              <a:rPr lang="en-US" sz="2200" b="0" strike="noStrike" spc="-1" dirty="0">
+                <a:solidFill>
+                  <a:srgbClr val="000000"/>
+                </a:solidFill>
+                <a:uFill>
+                  <a:solidFill>
+                    <a:srgbClr val="FFFFFF"/>
+                  </a:solidFill>
+                </a:uFill>
+                <a:latin typeface="Calibri"/>
+              </a:rPr>
+              <a:t>In this </a:t>
+            </a:r>
+            <a:r>
+              <a:rPr lang="en-US" sz="2200" b="0" strike="noStrike" spc="-1" dirty="0" err="1">
+                <a:solidFill>
+                  <a:srgbClr val="000000"/>
+                </a:solidFill>
+                <a:uFill>
+                  <a:solidFill>
+                    <a:srgbClr val="FFFFFF"/>
+                  </a:solidFill>
+                </a:uFill>
+                <a:latin typeface="Calibri"/>
+              </a:rPr>
+              <a:t>presenation</a:t>
+            </a:r>
+            <a:r>
+              <a:rPr lang="en-US" sz="2200" b="0" strike="noStrike" spc="-1" dirty="0">
+                <a:solidFill>
+                  <a:srgbClr val="000000"/>
+                </a:solidFill>
+                <a:uFill>
+                  <a:solidFill>
+                    <a:srgbClr val="FFFFFF"/>
+                  </a:solidFill>
+                </a:uFill>
+                <a:latin typeface="Calibri"/>
+              </a:rPr>
+              <a:t> we consider only six </a:t>
+            </a:r>
+            <a:r>
+              <a:rPr lang="en-US" sz="2200" b="0" strike="noStrike" spc="-1" dirty="0" err="1">
+                <a:solidFill>
+                  <a:srgbClr val="000000"/>
+                </a:solidFill>
+                <a:uFill>
+                  <a:solidFill>
+                    <a:srgbClr val="FFFFFF"/>
+                  </a:solidFill>
+                </a:uFill>
+                <a:latin typeface="Calibri"/>
+              </a:rPr>
+              <a:t>startgies</a:t>
+            </a:r>
+            <a:r>
+              <a:rPr lang="en-US" sz="2200" b="0" strike="noStrike" spc="-1" dirty="0">
+                <a:solidFill>
+                  <a:srgbClr val="000000"/>
+                </a:solidFill>
+                <a:uFill>
+                  <a:solidFill>
+                    <a:srgbClr val="FFFFFF"/>
+                  </a:solidFill>
+                </a:uFill>
+                <a:latin typeface="Calibri"/>
+              </a:rPr>
+              <a:t> (Identify real-word items, physical </a:t>
+            </a:r>
+            <a:r>
+              <a:rPr lang="en-US" sz="2200" b="0" strike="noStrike" spc="-1" dirty="0" err="1">
+                <a:solidFill>
+                  <a:srgbClr val="000000"/>
+                </a:solidFill>
+                <a:uFill>
+                  <a:solidFill>
+                    <a:srgbClr val="FFFFFF"/>
+                  </a:solidFill>
+                </a:uFill>
+                <a:latin typeface="Calibri"/>
+              </a:rPr>
+              <a:t>devies</a:t>
+            </a:r>
+            <a:r>
+              <a:rPr lang="en-US" sz="2200" b="0" strike="noStrike" spc="-1" dirty="0">
+                <a:solidFill>
+                  <a:srgbClr val="000000"/>
+                </a:solidFill>
+                <a:uFill>
+                  <a:solidFill>
+                    <a:srgbClr val="FFFFFF"/>
+                  </a:solidFill>
+                </a:uFill>
+                <a:latin typeface="Calibri"/>
+              </a:rPr>
+              <a:t>, key concepts, transaction, visual elements, control elements </a:t>
+            </a:r>
+            <a:r>
+              <a:rPr lang="en-US" sz="2200" b="0" strike="noStrike" spc="-1" dirty="0" err="1">
+                <a:solidFill>
+                  <a:srgbClr val="000000"/>
+                </a:solidFill>
+                <a:uFill>
+                  <a:solidFill>
+                    <a:srgbClr val="FFFFFF"/>
+                  </a:solidFill>
+                </a:uFill>
+                <a:latin typeface="Calibri"/>
+              </a:rPr>
+              <a:t>staregy</a:t>
+            </a:r>
+            <a:r>
+              <a:rPr lang="en-US" sz="2200" b="0" strike="noStrike" spc="-1" dirty="0">
+                <a:solidFill>
+                  <a:srgbClr val="000000"/>
+                </a:solidFill>
+                <a:uFill>
+                  <a:solidFill>
+                    <a:srgbClr val="FFFFFF"/>
+                  </a:solidFill>
+                </a:uFill>
+                <a:latin typeface="Calibri"/>
+              </a:rPr>
+              <a:t>)</a:t>
+            </a:r>
+            <a:endParaRPr lang="en-US" sz="3200" b="0" strike="noStrike" spc="-1" dirty="0">
               <a:solidFill>
                 <a:srgbClr val="000000"/>
               </a:solidFill>
               <a:uFill>
                 <a:solidFill>
-                  <a:srgbClr val="ffffff"/>
+                  <a:srgbClr val="FFFFFF"/>
                 </a:solidFill>
               </a:uFill>
               <a:latin typeface="Arial"/>
@@ -4343,35 +5167,99 @@
               <a:buChar char="•"/>
             </a:pPr>
             <a:r>
-              <a:rPr b="0" lang="en-US" sz="2200" spc="-1" strike="noStrike">
-                <a:solidFill>
-                  <a:srgbClr val="000000"/>
-                </a:solidFill>
-                <a:uFill>
-                  <a:solidFill>
-                    <a:srgbClr val="ffffff"/>
-                  </a:solidFill>
-                </a:uFill>
-                <a:latin typeface="Calibri"/>
-              </a:rPr>
-              <a:t>Using two case study for this: The Vhiechle Detector and The Coyote Mission Planning and Control System </a:t>
-            </a:r>
-            <a:endParaRPr b="0" lang="en-US" sz="3200" spc="-1" strike="noStrike">
+              <a:rPr lang="en-US" sz="2200" b="0" strike="noStrike" spc="-1" dirty="0">
+                <a:solidFill>
+                  <a:srgbClr val="000000"/>
+                </a:solidFill>
+                <a:uFill>
+                  <a:solidFill>
+                    <a:srgbClr val="FFFFFF"/>
+                  </a:solidFill>
+                </a:uFill>
+                <a:latin typeface="Calibri"/>
+              </a:rPr>
+              <a:t>Using two case study for this: The </a:t>
+            </a:r>
+            <a:r>
+              <a:rPr lang="en-US" sz="2200" b="0" strike="noStrike" spc="-1" dirty="0" err="1">
+                <a:solidFill>
+                  <a:srgbClr val="000000"/>
+                </a:solidFill>
+                <a:uFill>
+                  <a:solidFill>
+                    <a:srgbClr val="FFFFFF"/>
+                  </a:solidFill>
+                </a:uFill>
+                <a:latin typeface="Calibri"/>
+              </a:rPr>
+              <a:t>Vhiechle</a:t>
+            </a:r>
+            <a:r>
+              <a:rPr lang="en-US" sz="2200" b="0" strike="noStrike" spc="-1" dirty="0">
+                <a:solidFill>
+                  <a:srgbClr val="000000"/>
+                </a:solidFill>
+                <a:uFill>
+                  <a:solidFill>
+                    <a:srgbClr val="FFFFFF"/>
+                  </a:solidFill>
+                </a:uFill>
+                <a:latin typeface="Calibri"/>
+              </a:rPr>
+              <a:t> Detector and The Coyote Mission Planning and Control System </a:t>
+            </a:r>
+            <a:endParaRPr lang="en-US" sz="3200" b="0" strike="noStrike" spc="-1" dirty="0">
               <a:solidFill>
                 <a:srgbClr val="000000"/>
               </a:solidFill>
               <a:uFill>
                 <a:solidFill>
-                  <a:srgbClr val="ffffff"/>
+                  <a:srgbClr val="FFFFFF"/>
                 </a:solidFill>
               </a:uFill>
               <a:latin typeface="Arial"/>
             </a:endParaRPr>
+          </a:p>
+        </p:txBody>
+      </p:sp>
+      <p:sp>
+        <p:nvSpPr>
+          <p:cNvPr id="2" name="Szövegdoboz 1"/>
+          <p:cNvSpPr txBox="1"/>
+          <p:nvPr/>
+        </p:nvSpPr>
+        <p:spPr>
+          <a:xfrm>
+            <a:off x="9265298" y="251927"/>
+            <a:ext cx="2211355" cy="646331"/>
+          </a:xfrm>
+          <a:prstGeom prst="rect">
+            <a:avLst/>
+          </a:prstGeom>
+          <a:noFill/>
+        </p:spPr>
+        <p:txBody>
+          <a:bodyPr wrap="square" rtlCol="0">
+            <a:spAutoFit/>
+          </a:bodyPr>
+          <a:lstStyle/>
+          <a:p>
+            <a:r>
+              <a:rPr lang="hu-HU" dirty="0" err="1"/>
+              <a:t>Author</a:t>
+            </a:r>
+            <a:r>
+              <a:rPr lang="hu-HU" dirty="0"/>
+              <a:t>: Nagy András (HDPCPI)</a:t>
+            </a:r>
           </a:p>
         </p:txBody>
       </p:sp>
     </p:spTree>
   </p:cSld>
+  <p:clrMapOvr>
+    <a:masterClrMapping/>
+  </p:clrMapOvr>
   <p:timing>
     <p:tnLst>
       <p:par>
@@ -4380,14 +5268,14 @@
             <p:seq>
               <p:cTn id="2" nodeType="mainSeq"/>
               <p:prevCondLst>
-                <p:cond delay="0" evt="onPrev">
+                <p:cond evt="onPrev" delay="0">
                   <p:tgtEl>
                     <p:sldTgt/>
                   </p:tgtEl>
                 </p:cond>
               </p:prevCondLst>
               <p:nextCondLst>
-                <p:cond delay="0" evt="onNext">
+                <p:cond evt="onNext" delay="0">
                   <p:tgtEl>
                     <p:sldTgt/>
                   </p:tgtEl>
@@ -4403,7 +5291,7 @@
 </file>
 
 <file path=ppt/slides/slide10.xml><?xml version="1.0" encoding="utf-8"?>
-<p:sld xmlns:a="http://schemas.openxmlformats.org/drawingml/2006/main" xmlns:p="http://schemas.openxmlformats.org/presentationml/2006/main" xmlns:r="http://schemas.openxmlformats.org/officeDocument/2006/relationships" xmlns:p14="http://schemas.microsoft.com/office/powerpoint/2010/main" xmlns:p15="http://schemas.microsoft.com/office/powerpoint/2012/main" xmlns:mc="http://schemas.openxmlformats.org/markup-compatibility/2006">
+<p:sld xmlns:a="http://schemas.openxmlformats.org/drawingml/2006/main" xmlns:r="http://schemas.openxmlformats.org/officeDocument/2006/relationships" xmlns:p="http://schemas.openxmlformats.org/presentationml/2006/main">
   <p:cSld>
     <p:spTree>
       <p:nvGrpSpPr>
@@ -4440,6 +5328,7 @@
         </p:spPr>
         <p:txBody>
           <a:bodyPr anchor="ctr"/>
+          <a:lstStyle/>
           <a:p>
             <a:pPr>
               <a:lnSpc>
@@ -4447,26 +5336,26 @@
               </a:lnSpc>
             </a:pPr>
             <a:r>
-              <a:rPr b="0" lang="hu-HU" sz="4400" spc="-1" strike="noStrike">
-                <a:solidFill>
-                  <a:srgbClr val="000000"/>
-                </a:solidFill>
-                <a:uFill>
-                  <a:solidFill>
-                    <a:srgbClr val="ffffff"/>
+              <a:rPr lang="hu-HU" sz="4400" b="0" strike="noStrike" spc="-1">
+                <a:solidFill>
+                  <a:srgbClr val="000000"/>
+                </a:solidFill>
+                <a:uFill>
+                  <a:solidFill>
+                    <a:srgbClr val="FFFFFF"/>
                   </a:solidFill>
                 </a:uFill>
                 <a:latin typeface="Calibri Light"/>
               </a:rPr>
               <a:t>Merge Models from the Various Strategies</a:t>
             </a:r>
-            <a:endParaRPr b="0" lang="hu-HU" sz="1800" spc="-1" strike="noStrike">
+            <a:endParaRPr lang="hu-HU" sz="1800" b="0" strike="noStrike" spc="-1">
               <a:solidFill>
                 <a:srgbClr val="000000"/>
               </a:solidFill>
               <a:uFill>
                 <a:solidFill>
-                  <a:srgbClr val="ffffff"/>
+                  <a:srgbClr val="FFFFFF"/>
                 </a:solidFill>
               </a:uFill>
               <a:latin typeface="Calibri"/>
@@ -4494,13 +5383,20 @@
           </a:ln>
         </p:spPr>
         <p:style>
-          <a:lnRef idx="0"/>
-          <a:fillRef idx="0"/>
-          <a:effectRef idx="0"/>
+          <a:lnRef idx="0">
+            <a:scrgbClr r="0" g="0" b="0"/>
+          </a:lnRef>
+          <a:fillRef idx="0">
+            <a:scrgbClr r="0" g="0" b="0"/>
+          </a:fillRef>
+          <a:effectRef idx="0">
+            <a:scrgbClr r="0" g="0" b="0"/>
+          </a:effectRef>
           <a:fontRef idx="minor"/>
         </p:style>
         <p:txBody>
-          <a:bodyPr lIns="90000" rIns="90000" tIns="45000" bIns="45000"/>
+          <a:bodyPr lIns="90000" tIns="45000" rIns="90000" bIns="45000"/>
+          <a:lstStyle/>
           <a:p>
             <a:pPr marL="285840" indent="-285480">
               <a:lnSpc>
@@ -4513,26 +5409,26 @@
               <a:buChar char="•"/>
             </a:pPr>
             <a:r>
-              <a:rPr b="0" lang="en-US" sz="2800" spc="-1" strike="noStrike">
-                <a:solidFill>
-                  <a:srgbClr val="000000"/>
-                </a:solidFill>
-                <a:uFill>
-                  <a:solidFill>
-                    <a:srgbClr val="ffffff"/>
+              <a:rPr lang="en-US" sz="2800" b="0" strike="noStrike" spc="-1">
+                <a:solidFill>
+                  <a:srgbClr val="000000"/>
+                </a:solidFill>
+                <a:uFill>
+                  <a:solidFill>
+                    <a:srgbClr val="FFFFFF"/>
                   </a:solidFill>
                 </a:uFill>
                 <a:latin typeface="Calibri"/>
               </a:rPr>
               <a:t>Merge together the different models that have arisen from the application of the different strategies.</a:t>
             </a:r>
-            <a:endParaRPr b="0" lang="en-US" sz="1800" spc="-1" strike="noStrike">
+            <a:endParaRPr lang="en-US" sz="1800" b="0" strike="noStrike" spc="-1">
               <a:solidFill>
                 <a:srgbClr val="000000"/>
               </a:solidFill>
               <a:uFill>
                 <a:solidFill>
-                  <a:srgbClr val="ffffff"/>
+                  <a:srgbClr val="FFFFFF"/>
                 </a:solidFill>
               </a:uFill>
               <a:latin typeface="Arial"/>
@@ -4550,26 +5446,26 @@
               <a:buChar char="•"/>
             </a:pPr>
             <a:r>
-              <a:rPr b="0" lang="en-US" sz="2800" spc="-1" strike="noStrike">
-                <a:solidFill>
-                  <a:srgbClr val="000000"/>
-                </a:solidFill>
-                <a:uFill>
-                  <a:solidFill>
-                    <a:srgbClr val="ffffff"/>
+              <a:rPr lang="en-US" sz="2800" b="0" strike="noStrike" spc="-1">
+                <a:solidFill>
+                  <a:srgbClr val="000000"/>
+                </a:solidFill>
+                <a:uFill>
+                  <a:solidFill>
+                    <a:srgbClr val="FFFFFF"/>
                   </a:solidFill>
                 </a:uFill>
                 <a:latin typeface="Calibri"/>
               </a:rPr>
               <a:t>The resulting the use-case collaborations should be on a single class</a:t>
             </a:r>
-            <a:endParaRPr b="0" lang="en-US" sz="1800" spc="-1" strike="noStrike">
+            <a:endParaRPr lang="en-US" sz="1800" b="0" strike="noStrike" spc="-1">
               <a:solidFill>
                 <a:srgbClr val="000000"/>
               </a:solidFill>
               <a:uFill>
                 <a:solidFill>
-                  <a:srgbClr val="ffffff"/>
+                  <a:srgbClr val="FFFFFF"/>
                 </a:solidFill>
               </a:uFill>
               <a:latin typeface="Arial"/>
@@ -4581,13 +5477,13 @@
                 <a:spcPct val="100000"/>
               </a:lnSpc>
             </a:pPr>
-            <a:endParaRPr b="0" lang="en-US" sz="1800" spc="-1" strike="noStrike">
+            <a:endParaRPr lang="en-US" sz="1800" b="0" strike="noStrike" spc="-1">
               <a:solidFill>
                 <a:srgbClr val="000000"/>
               </a:solidFill>
               <a:uFill>
                 <a:solidFill>
-                  <a:srgbClr val="ffffff"/>
+                  <a:srgbClr val="FFFFFF"/>
                 </a:solidFill>
               </a:uFill>
               <a:latin typeface="Arial"/>
@@ -4615,13 +5511,20 @@
           </a:ln>
         </p:spPr>
         <p:style>
-          <a:lnRef idx="0"/>
-          <a:fillRef idx="0"/>
-          <a:effectRef idx="0"/>
+          <a:lnRef idx="0">
+            <a:scrgbClr r="0" g="0" b="0"/>
+          </a:lnRef>
+          <a:fillRef idx="0">
+            <a:scrgbClr r="0" g="0" b="0"/>
+          </a:fillRef>
+          <a:effectRef idx="0">
+            <a:scrgbClr r="0" g="0" b="0"/>
+          </a:effectRef>
           <a:fontRef idx="minor"/>
         </p:style>
         <p:txBody>
-          <a:bodyPr lIns="90000" rIns="90000" tIns="45000" bIns="45000"/>
+          <a:bodyPr lIns="90000" tIns="45000" rIns="90000" bIns="45000"/>
+          <a:lstStyle/>
           <a:p>
             <a:pPr>
               <a:lnSpc>
@@ -4629,26 +5532,26 @@
               </a:lnSpc>
             </a:pPr>
             <a:r>
-              <a:rPr b="0" lang="en-US" sz="2800" spc="-1" strike="noStrike">
-                <a:solidFill>
-                  <a:srgbClr val="000000"/>
-                </a:solidFill>
-                <a:uFill>
-                  <a:solidFill>
-                    <a:srgbClr val="ffffff"/>
+              <a:rPr lang="en-US" sz="2800" b="0" strike="noStrike" spc="-1">
+                <a:solidFill>
+                  <a:srgbClr val="000000"/>
+                </a:solidFill>
+                <a:uFill>
+                  <a:solidFill>
+                    <a:srgbClr val="FFFFFF"/>
                   </a:solidFill>
                 </a:uFill>
                 <a:latin typeface="Calibri"/>
               </a:rPr>
               <a:t>You should ask the following questions:</a:t>
             </a:r>
-            <a:endParaRPr b="0" lang="en-US" sz="1800" spc="-1" strike="noStrike">
+            <a:endParaRPr lang="en-US" sz="1800" b="0" strike="noStrike" spc="-1">
               <a:solidFill>
                 <a:srgbClr val="000000"/>
               </a:solidFill>
               <a:uFill>
                 <a:solidFill>
-                  <a:srgbClr val="ffffff"/>
+                  <a:srgbClr val="FFFFFF"/>
                 </a:solidFill>
               </a:uFill>
               <a:latin typeface="Arial"/>
@@ -4666,26 +5569,26 @@
               <a:buChar char="•"/>
             </a:pPr>
             <a:r>
-              <a:rPr b="0" lang="en-US" sz="2800" spc="-1" strike="noStrike">
-                <a:solidFill>
-                  <a:srgbClr val="000000"/>
-                </a:solidFill>
-                <a:uFill>
-                  <a:solidFill>
-                    <a:srgbClr val="ffffff"/>
+              <a:rPr lang="en-US" sz="2800" b="0" strike="noStrike" spc="-1">
+                <a:solidFill>
+                  <a:srgbClr val="000000"/>
+                </a:solidFill>
+                <a:uFill>
+                  <a:solidFill>
+                    <a:srgbClr val="FFFFFF"/>
                   </a:solidFill>
                 </a:uFill>
                 <a:latin typeface="Calibri"/>
               </a:rPr>
               <a:t>Which strategy worked best for you, and why?</a:t>
             </a:r>
-            <a:endParaRPr b="0" lang="en-US" sz="1800" spc="-1" strike="noStrike">
+            <a:endParaRPr lang="en-US" sz="1800" b="0" strike="noStrike" spc="-1">
               <a:solidFill>
                 <a:srgbClr val="000000"/>
               </a:solidFill>
               <a:uFill>
                 <a:solidFill>
-                  <a:srgbClr val="ffffff"/>
+                  <a:srgbClr val="FFFFFF"/>
                 </a:solidFill>
               </a:uFill>
               <a:latin typeface="Arial"/>
@@ -4703,26 +5606,26 @@
               <a:buChar char="•"/>
             </a:pPr>
             <a:r>
-              <a:rPr b="0" lang="en-US" sz="2800" spc="-1" strike="noStrike">
-                <a:solidFill>
-                  <a:srgbClr val="000000"/>
-                </a:solidFill>
-                <a:uFill>
-                  <a:solidFill>
-                    <a:srgbClr val="ffffff"/>
+              <a:rPr lang="en-US" sz="2800" b="0" strike="noStrike" spc="-1">
+                <a:solidFill>
+                  <a:srgbClr val="000000"/>
+                </a:solidFill>
+                <a:uFill>
+                  <a:solidFill>
+                    <a:srgbClr val="FFFFFF"/>
                   </a:solidFill>
                 </a:uFill>
                 <a:latin typeface="Calibri"/>
               </a:rPr>
               <a:t>Which strategy worked the least well for you, and why?</a:t>
             </a:r>
-            <a:endParaRPr b="0" lang="en-US" sz="1800" spc="-1" strike="noStrike">
+            <a:endParaRPr lang="en-US" sz="1800" b="0" strike="noStrike" spc="-1">
               <a:solidFill>
                 <a:srgbClr val="000000"/>
               </a:solidFill>
               <a:uFill>
                 <a:solidFill>
-                  <a:srgbClr val="ffffff"/>
+                  <a:srgbClr val="FFFFFF"/>
                 </a:solidFill>
               </a:uFill>
               <a:latin typeface="Arial"/>
@@ -4740,26 +5643,26 @@
               <a:buChar char="•"/>
             </a:pPr>
             <a:r>
-              <a:rPr b="0" lang="en-US" sz="2800" spc="-1" strike="noStrike">
-                <a:solidFill>
-                  <a:srgbClr val="000000"/>
-                </a:solidFill>
-                <a:uFill>
-                  <a:solidFill>
-                    <a:srgbClr val="ffffff"/>
+              <a:rPr lang="en-US" sz="2800" b="0" strike="noStrike" spc="-1">
+                <a:solidFill>
+                  <a:srgbClr val="000000"/>
+                </a:solidFill>
+                <a:uFill>
+                  <a:solidFill>
+                    <a:srgbClr val="FFFFFF"/>
                   </a:solidFill>
                 </a:uFill>
                 <a:latin typeface="Calibri"/>
               </a:rPr>
               <a:t>Did some strategies seem to be better identifying elements in one problem or the other?</a:t>
             </a:r>
-            <a:endParaRPr b="0" lang="en-US" sz="1800" spc="-1" strike="noStrike">
+            <a:endParaRPr lang="en-US" sz="1800" b="0" strike="noStrike" spc="-1">
               <a:solidFill>
                 <a:srgbClr val="000000"/>
               </a:solidFill>
               <a:uFill>
                 <a:solidFill>
-                  <a:srgbClr val="ffffff"/>
+                  <a:srgbClr val="FFFFFF"/>
                 </a:solidFill>
               </a:uFill>
               <a:latin typeface="Arial"/>
@@ -4777,26 +5680,26 @@
               <a:buChar char="•"/>
             </a:pPr>
             <a:r>
-              <a:rPr b="0" lang="en-US" sz="2800" spc="-1" strike="noStrike">
-                <a:solidFill>
-                  <a:srgbClr val="000000"/>
-                </a:solidFill>
-                <a:uFill>
-                  <a:solidFill>
-                    <a:srgbClr val="ffffff"/>
+              <a:rPr lang="en-US" sz="2800" b="0" strike="noStrike" spc="-1">
+                <a:solidFill>
+                  <a:srgbClr val="000000"/>
+                </a:solidFill>
+                <a:uFill>
+                  <a:solidFill>
+                    <a:srgbClr val="FFFFFF"/>
                   </a:solidFill>
                 </a:uFill>
                 <a:latin typeface="Calibri"/>
               </a:rPr>
               <a:t>What combination of strategies do you think will be most effective for you?</a:t>
             </a:r>
-            <a:endParaRPr b="0" lang="en-US" sz="1800" spc="-1" strike="noStrike">
+            <a:endParaRPr lang="en-US" sz="1800" b="0" strike="noStrike" spc="-1">
               <a:solidFill>
                 <a:srgbClr val="000000"/>
               </a:solidFill>
               <a:uFill>
                 <a:solidFill>
-                  <a:srgbClr val="ffffff"/>
+                  <a:srgbClr val="FFFFFF"/>
                 </a:solidFill>
               </a:uFill>
               <a:latin typeface="Arial"/>
@@ -4808,13 +5711,13 @@
                 <a:spcPct val="100000"/>
               </a:lnSpc>
             </a:pPr>
-            <a:endParaRPr b="0" lang="en-US" sz="1800" spc="-1" strike="noStrike">
+            <a:endParaRPr lang="en-US" sz="1800" b="0" strike="noStrike" spc="-1">
               <a:solidFill>
                 <a:srgbClr val="000000"/>
               </a:solidFill>
               <a:uFill>
                 <a:solidFill>
-                  <a:srgbClr val="ffffff"/>
+                  <a:srgbClr val="FFFFFF"/>
                 </a:solidFill>
               </a:uFill>
               <a:latin typeface="Arial"/>
@@ -4824,11 +5727,14 @@
       </p:sp>
     </p:spTree>
   </p:cSld>
+  <p:clrMapOvr>
+    <a:masterClrMapping/>
+  </p:clrMapOvr>
 </p:sld>
 </file>
 
 <file path=ppt/slides/slide11.xml><?xml version="1.0" encoding="utf-8"?>
-<p:sld xmlns:a="http://schemas.openxmlformats.org/drawingml/2006/main" xmlns:p="http://schemas.openxmlformats.org/presentationml/2006/main" xmlns:r="http://schemas.openxmlformats.org/officeDocument/2006/relationships" xmlns:p14="http://schemas.microsoft.com/office/powerpoint/2010/main" xmlns:p15="http://schemas.microsoft.com/office/powerpoint/2012/main" xmlns:mc="http://schemas.openxmlformats.org/markup-compatibility/2006">
+<p:sld xmlns:a="http://schemas.openxmlformats.org/drawingml/2006/main" xmlns:r="http://schemas.openxmlformats.org/officeDocument/2006/relationships" xmlns:p="http://schemas.openxmlformats.org/presentationml/2006/main">
   <p:cSld>
     <p:spTree>
       <p:nvGrpSpPr>
@@ -4865,33 +5771,62 @@
         </p:spPr>
         <p:txBody>
           <a:bodyPr anchor="ctr"/>
-          <a:p>
-            <a:pPr>
+          <a:lstStyle/>
+          <a:p>
+            <a:pPr algn="ctr">
               <a:lnSpc>
                 <a:spcPct val="90000"/>
               </a:lnSpc>
             </a:pPr>
             <a:r>
-              <a:rPr b="0" lang="hu-HU" sz="4400" spc="-1" strike="noStrike">
-                <a:solidFill>
-                  <a:srgbClr val="000000"/>
-                </a:solidFill>
-                <a:uFill>
-                  <a:solidFill>
-                    <a:srgbClr val="ffffff"/>
+              <a:rPr lang="hu-HU" sz="4400" b="0" strike="noStrike" spc="-1" dirty="0" err="1">
+                <a:solidFill>
+                  <a:srgbClr val="000000"/>
+                </a:solidFill>
+                <a:uFill>
+                  <a:solidFill>
+                    <a:srgbClr val="FFFFFF"/>
                   </a:solidFill>
                 </a:uFill>
                 <a:latin typeface="Calibri Light"/>
               </a:rPr>
-              <a:t>Looking ahead</a:t>
-            </a:r>
-            <a:endParaRPr b="0" lang="hu-HU" sz="1800" spc="-1" strike="noStrike">
+              <a:t>Looking</a:t>
+            </a:r>
+            <a:r>
+              <a:rPr lang="hu-HU" sz="4400" b="0" strike="noStrike" spc="-1" dirty="0">
+                <a:solidFill>
+                  <a:srgbClr val="000000"/>
+                </a:solidFill>
+                <a:uFill>
+                  <a:solidFill>
+                    <a:srgbClr val="FFFFFF"/>
+                  </a:solidFill>
+                </a:uFill>
+                <a:latin typeface="Calibri Light"/>
+              </a:rPr>
+              <a:t> </a:t>
+            </a:r>
+            <a:r>
+              <a:rPr lang="hu-HU" sz="4400" b="0" strike="noStrike" spc="-1" dirty="0" err="1">
+                <a:solidFill>
+                  <a:srgbClr val="000000"/>
+                </a:solidFill>
+                <a:uFill>
+                  <a:solidFill>
+                    <a:srgbClr val="FFFFFF"/>
+                  </a:solidFill>
+                </a:uFill>
+                <a:latin typeface="Calibri Light"/>
+              </a:rPr>
+              <a:t>ahead</a:t>
+            </a:r>
+            <a:endParaRPr lang="hu-HU" sz="1800" b="0" strike="noStrike" spc="-1" dirty="0">
               <a:solidFill>
                 <a:srgbClr val="000000"/>
               </a:solidFill>
               <a:uFill>
                 <a:solidFill>
-                  <a:srgbClr val="ffffff"/>
+                  <a:srgbClr val="FFFFFF"/>
                 </a:solidFill>
               </a:uFill>
               <a:latin typeface="Calibri"/>
@@ -4920,6 +5855,7 @@
         </p:spPr>
         <p:txBody>
           <a:bodyPr/>
+          <a:lstStyle/>
           <a:p>
             <a:pPr marL="228600" indent="-228240">
               <a:lnSpc>
@@ -4932,30 +5868,19 @@
               <a:buChar char="•"/>
             </a:pPr>
             <a:r>
-              <a:rPr b="0" lang="hu-HU" sz="2800" spc="-1" strike="noStrike">
-                <a:solidFill>
-                  <a:srgbClr val="000000"/>
-                </a:solidFill>
-                <a:uFill>
-                  <a:solidFill>
-                    <a:srgbClr val="ffffff"/>
+              <a:rPr lang="hu-HU" sz="2800" b="0" strike="noStrike" spc="-1">
+                <a:solidFill>
+                  <a:srgbClr val="000000"/>
+                </a:solidFill>
+                <a:uFill>
+                  <a:solidFill>
+                    <a:srgbClr val="FFFFFF"/>
                   </a:solidFill>
                 </a:uFill>
                 <a:latin typeface="Calibri"/>
               </a:rPr>
               <a:t>The startegies are only partially ortogonal.</a:t>
             </a:r>
-            <a:endParaRPr b="0" lang="hu-HU" sz="2800" spc="-1" strike="noStrike">
-              <a:solidFill>
-                <a:srgbClr val="000000"/>
-              </a:solidFill>
-              <a:uFill>
-                <a:solidFill>
-                  <a:srgbClr val="ffffff"/>
-                </a:solidFill>
-              </a:uFill>
-              <a:latin typeface="Calibri"/>
-            </a:endParaRPr>
           </a:p>
           <a:p>
             <a:pPr marL="228600" indent="-228240">
@@ -4969,30 +5894,19 @@
               <a:buChar char="•"/>
             </a:pPr>
             <a:r>
-              <a:rPr b="0" lang="hu-HU" sz="2800" spc="-1" strike="noStrike">
-                <a:solidFill>
-                  <a:srgbClr val="000000"/>
-                </a:solidFill>
-                <a:uFill>
-                  <a:solidFill>
-                    <a:srgbClr val="ffffff"/>
+              <a:rPr lang="hu-HU" sz="2800" b="0" strike="noStrike" spc="-1">
+                <a:solidFill>
+                  <a:srgbClr val="000000"/>
+                </a:solidFill>
+                <a:uFill>
+                  <a:solidFill>
+                    <a:srgbClr val="FFFFFF"/>
                   </a:solidFill>
                 </a:uFill>
                 <a:latin typeface="Calibri"/>
               </a:rPr>
               <a:t>The model analysis corresponds to the idea of paltform independent model in the OMG’s model-driven architecture. (MDA)</a:t>
             </a:r>
-            <a:endParaRPr b="0" lang="hu-HU" sz="2800" spc="-1" strike="noStrike">
-              <a:solidFill>
-                <a:srgbClr val="000000"/>
-              </a:solidFill>
-              <a:uFill>
-                <a:solidFill>
-                  <a:srgbClr val="ffffff"/>
-                </a:solidFill>
-              </a:uFill>
-              <a:latin typeface="Calibri"/>
-            </a:endParaRPr>
           </a:p>
           <a:p>
             <a:pPr marL="228600" indent="-228240">
@@ -5006,30 +5920,19 @@
               <a:buChar char="•"/>
             </a:pPr>
             <a:r>
-              <a:rPr b="0" lang="hu-HU" sz="2800" spc="-1" strike="noStrike">
-                <a:solidFill>
-                  <a:srgbClr val="000000"/>
-                </a:solidFill>
-                <a:uFill>
-                  <a:solidFill>
-                    <a:srgbClr val="ffffff"/>
+              <a:rPr lang="hu-HU" sz="2800" b="0" strike="noStrike" spc="-1">
+                <a:solidFill>
+                  <a:srgbClr val="000000"/>
+                </a:solidFill>
+                <a:uFill>
+                  <a:solidFill>
+                    <a:srgbClr val="FFFFFF"/>
                   </a:solidFill>
                 </a:uFill>
                 <a:latin typeface="Calibri"/>
               </a:rPr>
               <a:t>Different optimaztion intention or technology selections result in different platform specific models from the same platform independent model.</a:t>
             </a:r>
-            <a:endParaRPr b="0" lang="hu-HU" sz="2800" spc="-1" strike="noStrike">
-              <a:solidFill>
-                <a:srgbClr val="000000"/>
-              </a:solidFill>
-              <a:uFill>
-                <a:solidFill>
-                  <a:srgbClr val="ffffff"/>
-                </a:solidFill>
-              </a:uFill>
-              <a:latin typeface="Calibri"/>
-            </a:endParaRPr>
           </a:p>
           <a:p>
             <a:pPr marL="228600" indent="-228240">
@@ -5043,30 +5946,19 @@
               <a:buChar char="•"/>
             </a:pPr>
             <a:r>
-              <a:rPr b="0" lang="hu-HU" sz="2800" spc="-1" strike="noStrike">
-                <a:solidFill>
-                  <a:srgbClr val="000000"/>
-                </a:solidFill>
-                <a:uFill>
-                  <a:solidFill>
-                    <a:srgbClr val="ffffff"/>
+              <a:rPr lang="hu-HU" sz="2800" b="0" strike="noStrike" spc="-1">
+                <a:solidFill>
+                  <a:srgbClr val="000000"/>
+                </a:solidFill>
+                <a:uFill>
+                  <a:solidFill>
+                    <a:srgbClr val="FFFFFF"/>
                   </a:solidFill>
                 </a:uFill>
                 <a:latin typeface="Calibri"/>
               </a:rPr>
               <a:t>The approach insulates you from technology churn and increases the interoperability of your system</a:t>
             </a:r>
-            <a:endParaRPr b="0" lang="hu-HU" sz="2800" spc="-1" strike="noStrike">
-              <a:solidFill>
-                <a:srgbClr val="000000"/>
-              </a:solidFill>
-              <a:uFill>
-                <a:solidFill>
-                  <a:srgbClr val="ffffff"/>
-                </a:solidFill>
-              </a:uFill>
-              <a:latin typeface="Calibri"/>
-            </a:endParaRPr>
           </a:p>
           <a:p>
             <a:pPr marL="228600" indent="-228240">
@@ -5080,13 +5972,13 @@
               <a:buChar char="•"/>
             </a:pPr>
             <a:r>
-              <a:rPr b="0" lang="hu-HU" sz="2800" spc="-1" strike="noStrike">
-                <a:solidFill>
-                  <a:srgbClr val="000000"/>
-                </a:solidFill>
-                <a:uFill>
-                  <a:solidFill>
-                    <a:srgbClr val="ffffff"/>
+              <a:rPr lang="hu-HU" sz="2800" b="0" strike="noStrike" spc="-1">
+                <a:solidFill>
+                  <a:srgbClr val="000000"/>
+                </a:solidFill>
+                <a:uFill>
+                  <a:solidFill>
+                    <a:srgbClr val="FFFFFF"/>
                   </a:solidFill>
                 </a:uFill>
                 <a:latin typeface="Calibri"/>
@@ -5094,13 +5986,13 @@
               <a:t>For systems that have a long life the </a:t>
             </a:r>
             <a:r>
-              <a:rPr b="0" lang="hu-HU" sz="2800" spc="-1" strike="noStrike" u="sng">
-                <a:solidFill>
-                  <a:srgbClr val="000000"/>
-                </a:solidFill>
-                <a:uFill>
-                  <a:solidFill>
-                    <a:srgbClr val="ffffff"/>
+              <a:rPr lang="hu-HU" sz="2800" b="0" u="sng" strike="noStrike" spc="-1">
+                <a:solidFill>
+                  <a:srgbClr val="000000"/>
+                </a:solidFill>
+                <a:uFill>
+                  <a:solidFill>
+                    <a:srgbClr val="FFFFFF"/>
                   </a:solidFill>
                 </a:uFill>
                 <a:latin typeface="Calibri"/>
@@ -5108,40 +6000,32 @@
               <a:t>MDA</a:t>
             </a:r>
             <a:r>
-              <a:rPr b="0" lang="hu-HU" sz="2800" spc="-1" strike="noStrike">
-                <a:solidFill>
-                  <a:srgbClr val="000000"/>
-                </a:solidFill>
-                <a:uFill>
-                  <a:solidFill>
-                    <a:srgbClr val="ffffff"/>
+              <a:rPr lang="hu-HU" sz="2800" b="0" strike="noStrike" spc="-1">
+                <a:solidFill>
+                  <a:srgbClr val="000000"/>
+                </a:solidFill>
+                <a:uFill>
+                  <a:solidFill>
+                    <a:srgbClr val="FFFFFF"/>
                   </a:solidFill>
                 </a:uFill>
                 <a:latin typeface="Calibri"/>
               </a:rPr>
               <a:t> approach is both highly practical and effective.</a:t>
             </a:r>
-            <a:endParaRPr b="0" lang="hu-HU" sz="2800" spc="-1" strike="noStrike">
-              <a:solidFill>
-                <a:srgbClr val="000000"/>
-              </a:solidFill>
-              <a:uFill>
-                <a:solidFill>
-                  <a:srgbClr val="ffffff"/>
-                </a:solidFill>
-              </a:uFill>
-              <a:latin typeface="Calibri"/>
-            </a:endParaRPr>
           </a:p>
         </p:txBody>
       </p:sp>
     </p:spTree>
   </p:cSld>
+  <p:clrMapOvr>
+    <a:masterClrMapping/>
+  </p:clrMapOvr>
 </p:sld>
 </file>
 
 <file path=ppt/slides/slide2.xml><?xml version="1.0" encoding="utf-8"?>
-<p:sld xmlns:a="http://schemas.openxmlformats.org/drawingml/2006/main" xmlns:p="http://schemas.openxmlformats.org/presentationml/2006/main" xmlns:r="http://schemas.openxmlformats.org/officeDocument/2006/relationships" xmlns:p14="http://schemas.microsoft.com/office/powerpoint/2010/main" xmlns:p15="http://schemas.microsoft.com/office/powerpoint/2012/main" xmlns:mc="http://schemas.openxmlformats.org/markup-compatibility/2006">
+<p:sld xmlns:a="http://schemas.openxmlformats.org/drawingml/2006/main" xmlns:r="http://schemas.openxmlformats.org/officeDocument/2006/relationships" xmlns:p="http://schemas.openxmlformats.org/presentationml/2006/main">
   <p:cSld>
     <p:spTree>
       <p:nvGrpSpPr>
@@ -5178,6 +6062,7 @@
         </p:spPr>
         <p:txBody>
           <a:bodyPr anchor="ctr"/>
+          <a:lstStyle/>
           <a:p>
             <a:pPr algn="ctr">
               <a:lnSpc>
@@ -5185,26 +6070,26 @@
               </a:lnSpc>
             </a:pPr>
             <a:r>
-              <a:rPr b="0" lang="hu-HU" sz="4400" spc="-1" strike="noStrike">
-                <a:solidFill>
-                  <a:srgbClr val="000000"/>
-                </a:solidFill>
-                <a:uFill>
-                  <a:solidFill>
-                    <a:srgbClr val="ffffff"/>
+              <a:rPr lang="hu-HU" sz="4400" b="0" strike="noStrike" spc="-1">
+                <a:solidFill>
+                  <a:srgbClr val="000000"/>
+                </a:solidFill>
+                <a:uFill>
+                  <a:solidFill>
+                    <a:srgbClr val="FFFFFF"/>
                   </a:solidFill>
                 </a:uFill>
                 <a:latin typeface="Calibri Light"/>
               </a:rPr>
               <a:t>Apply real-word items and physical devices strtegy</a:t>
             </a:r>
-            <a:endParaRPr b="0" lang="hu-HU" sz="1800" spc="-1" strike="noStrike">
+            <a:endParaRPr lang="hu-HU" sz="1800" b="0" strike="noStrike" spc="-1">
               <a:solidFill>
                 <a:srgbClr val="000000"/>
               </a:solidFill>
               <a:uFill>
                 <a:solidFill>
-                  <a:srgbClr val="ffffff"/>
+                  <a:srgbClr val="FFFFFF"/>
                 </a:solidFill>
               </a:uFill>
               <a:latin typeface="Calibri"/>
@@ -5233,6 +6118,7 @@
         </p:spPr>
         <p:txBody>
           <a:bodyPr/>
+          <a:lstStyle/>
           <a:p>
             <a:pPr marL="228600" indent="-228240">
               <a:lnSpc>
@@ -5245,30 +6131,369 @@
               <a:buChar char="•"/>
             </a:pPr>
             <a:r>
-              <a:rPr b="0" lang="hu-HU" sz="2800" spc="-1" strike="noStrike">
-                <a:solidFill>
-                  <a:srgbClr val="000000"/>
-                </a:solidFill>
-                <a:uFill>
-                  <a:solidFill>
-                    <a:srgbClr val="ffffff"/>
-                  </a:solidFill>
-                </a:uFill>
-                <a:latin typeface="Calibri"/>
-              </a:rPr>
-              <a:t>Identify objects and classes thet reprsents things which have physical manifestation in the real world.</a:t>
-            </a:r>
-            <a:endParaRPr b="0" lang="hu-HU" sz="2800" spc="-1" strike="noStrike">
-              <a:solidFill>
-                <a:srgbClr val="000000"/>
-              </a:solidFill>
-              <a:uFill>
-                <a:solidFill>
-                  <a:srgbClr val="ffffff"/>
-                </a:solidFill>
-              </a:uFill>
-              <a:latin typeface="Calibri"/>
-            </a:endParaRPr>
+              <a:rPr lang="hu-HU" sz="2800" b="0" strike="noStrike" spc="-1" dirty="0" err="1">
+                <a:solidFill>
+                  <a:srgbClr val="000000"/>
+                </a:solidFill>
+                <a:uFill>
+                  <a:solidFill>
+                    <a:srgbClr val="FFFFFF"/>
+                  </a:solidFill>
+                </a:uFill>
+                <a:latin typeface="Calibri"/>
+              </a:rPr>
+              <a:t>Identify</a:t>
+            </a:r>
+            <a:r>
+              <a:rPr lang="hu-HU" sz="2800" b="0" strike="noStrike" spc="-1" dirty="0">
+                <a:solidFill>
+                  <a:srgbClr val="000000"/>
+                </a:solidFill>
+                <a:uFill>
+                  <a:solidFill>
+                    <a:srgbClr val="FFFFFF"/>
+                  </a:solidFill>
+                </a:uFill>
+                <a:latin typeface="Calibri"/>
+              </a:rPr>
+              <a:t> </a:t>
+            </a:r>
+            <a:r>
+              <a:rPr lang="hu-HU" sz="2800" b="0" strike="noStrike" spc="-1" dirty="0" err="1">
+                <a:solidFill>
+                  <a:srgbClr val="000000"/>
+                </a:solidFill>
+                <a:uFill>
+                  <a:solidFill>
+                    <a:srgbClr val="FFFFFF"/>
+                  </a:solidFill>
+                </a:uFill>
+                <a:latin typeface="Calibri"/>
+              </a:rPr>
+              <a:t>objects</a:t>
+            </a:r>
+            <a:r>
+              <a:rPr lang="hu-HU" sz="2800" b="0" strike="noStrike" spc="-1" dirty="0">
+                <a:solidFill>
+                  <a:srgbClr val="000000"/>
+                </a:solidFill>
+                <a:uFill>
+                  <a:solidFill>
+                    <a:srgbClr val="FFFFFF"/>
+                  </a:solidFill>
+                </a:uFill>
+                <a:latin typeface="Calibri"/>
+              </a:rPr>
+              <a:t> and </a:t>
+            </a:r>
+            <a:r>
+              <a:rPr lang="hu-HU" sz="2800" b="0" strike="noStrike" spc="-1" dirty="0" err="1">
+                <a:solidFill>
+                  <a:srgbClr val="000000"/>
+                </a:solidFill>
+                <a:uFill>
+                  <a:solidFill>
+                    <a:srgbClr val="FFFFFF"/>
+                  </a:solidFill>
+                </a:uFill>
+                <a:latin typeface="Calibri"/>
+              </a:rPr>
+              <a:t>classes</a:t>
+            </a:r>
+            <a:r>
+              <a:rPr lang="hu-HU" sz="2800" b="0" strike="noStrike" spc="-1" dirty="0">
+                <a:solidFill>
+                  <a:srgbClr val="000000"/>
+                </a:solidFill>
+                <a:uFill>
+                  <a:solidFill>
+                    <a:srgbClr val="FFFFFF"/>
+                  </a:solidFill>
+                </a:uFill>
+                <a:latin typeface="Calibri"/>
+              </a:rPr>
+              <a:t> </a:t>
+            </a:r>
+            <a:r>
+              <a:rPr lang="hu-HU" sz="2800" b="0" strike="noStrike" spc="-1" dirty="0" err="1">
+                <a:solidFill>
+                  <a:srgbClr val="000000"/>
+                </a:solidFill>
+                <a:uFill>
+                  <a:solidFill>
+                    <a:srgbClr val="FFFFFF"/>
+                  </a:solidFill>
+                </a:uFill>
+                <a:latin typeface="Calibri"/>
+              </a:rPr>
+              <a:t>thet</a:t>
+            </a:r>
+            <a:r>
+              <a:rPr lang="hu-HU" sz="2800" b="0" strike="noStrike" spc="-1" dirty="0">
+                <a:solidFill>
+                  <a:srgbClr val="000000"/>
+                </a:solidFill>
+                <a:uFill>
+                  <a:solidFill>
+                    <a:srgbClr val="FFFFFF"/>
+                  </a:solidFill>
+                </a:uFill>
+                <a:latin typeface="Calibri"/>
+              </a:rPr>
+              <a:t> </a:t>
+            </a:r>
+            <a:r>
+              <a:rPr lang="hu-HU" sz="2800" b="0" strike="noStrike" spc="-1" dirty="0" err="1">
+                <a:solidFill>
+                  <a:srgbClr val="000000"/>
+                </a:solidFill>
+                <a:uFill>
+                  <a:solidFill>
+                    <a:srgbClr val="FFFFFF"/>
+                  </a:solidFill>
+                </a:uFill>
+                <a:latin typeface="Calibri"/>
+              </a:rPr>
+              <a:t>reprsents</a:t>
+            </a:r>
+            <a:r>
+              <a:rPr lang="hu-HU" sz="2800" b="0" strike="noStrike" spc="-1" dirty="0">
+                <a:solidFill>
+                  <a:srgbClr val="000000"/>
+                </a:solidFill>
+                <a:uFill>
+                  <a:solidFill>
+                    <a:srgbClr val="FFFFFF"/>
+                  </a:solidFill>
+                </a:uFill>
+                <a:latin typeface="Calibri"/>
+              </a:rPr>
+              <a:t> </a:t>
+            </a:r>
+            <a:r>
+              <a:rPr lang="hu-HU" sz="2800" b="0" strike="noStrike" spc="-1" dirty="0" err="1">
+                <a:solidFill>
+                  <a:srgbClr val="000000"/>
+                </a:solidFill>
+                <a:uFill>
+                  <a:solidFill>
+                    <a:srgbClr val="FFFFFF"/>
+                  </a:solidFill>
+                </a:uFill>
+                <a:latin typeface="Calibri"/>
+              </a:rPr>
+              <a:t>things</a:t>
+            </a:r>
+            <a:r>
+              <a:rPr lang="hu-HU" sz="2800" b="0" strike="noStrike" spc="-1" dirty="0">
+                <a:solidFill>
+                  <a:srgbClr val="000000"/>
+                </a:solidFill>
+                <a:uFill>
+                  <a:solidFill>
+                    <a:srgbClr val="FFFFFF"/>
+                  </a:solidFill>
+                </a:uFill>
+                <a:latin typeface="Calibri"/>
+              </a:rPr>
+              <a:t> </a:t>
+            </a:r>
+            <a:r>
+              <a:rPr lang="hu-HU" sz="2800" b="0" strike="noStrike" spc="-1" dirty="0" err="1">
+                <a:solidFill>
+                  <a:srgbClr val="000000"/>
+                </a:solidFill>
+                <a:uFill>
+                  <a:solidFill>
+                    <a:srgbClr val="FFFFFF"/>
+                  </a:solidFill>
+                </a:uFill>
+                <a:latin typeface="Calibri"/>
+              </a:rPr>
+              <a:t>which</a:t>
+            </a:r>
+            <a:r>
+              <a:rPr lang="hu-HU" sz="2800" b="0" strike="noStrike" spc="-1" dirty="0">
+                <a:solidFill>
+                  <a:srgbClr val="000000"/>
+                </a:solidFill>
+                <a:uFill>
+                  <a:solidFill>
+                    <a:srgbClr val="FFFFFF"/>
+                  </a:solidFill>
+                </a:uFill>
+                <a:latin typeface="Calibri"/>
+              </a:rPr>
+              <a:t> </a:t>
+            </a:r>
+            <a:r>
+              <a:rPr lang="hu-HU" sz="2800" b="0" strike="noStrike" spc="-1" dirty="0" err="1">
+                <a:solidFill>
+                  <a:srgbClr val="000000"/>
+                </a:solidFill>
+                <a:uFill>
+                  <a:solidFill>
+                    <a:srgbClr val="FFFFFF"/>
+                  </a:solidFill>
+                </a:uFill>
+                <a:latin typeface="Calibri"/>
+              </a:rPr>
+              <a:t>have</a:t>
+            </a:r>
+            <a:r>
+              <a:rPr lang="hu-HU" sz="2800" b="0" strike="noStrike" spc="-1" dirty="0">
+                <a:solidFill>
+                  <a:srgbClr val="000000"/>
+                </a:solidFill>
+                <a:uFill>
+                  <a:solidFill>
+                    <a:srgbClr val="FFFFFF"/>
+                  </a:solidFill>
+                </a:uFill>
+                <a:latin typeface="Calibri"/>
+              </a:rPr>
+              <a:t> </a:t>
+            </a:r>
+            <a:r>
+              <a:rPr lang="hu-HU" sz="2800" b="0" strike="noStrike" spc="-1" dirty="0" err="1">
+                <a:solidFill>
+                  <a:srgbClr val="000000"/>
+                </a:solidFill>
+                <a:uFill>
+                  <a:solidFill>
+                    <a:srgbClr val="FFFFFF"/>
+                  </a:solidFill>
+                </a:uFill>
+                <a:latin typeface="Calibri"/>
+              </a:rPr>
+              <a:t>physical</a:t>
+            </a:r>
+            <a:r>
+              <a:rPr lang="hu-HU" sz="2800" b="0" strike="noStrike" spc="-1" dirty="0">
+                <a:solidFill>
+                  <a:srgbClr val="000000"/>
+                </a:solidFill>
+                <a:uFill>
+                  <a:solidFill>
+                    <a:srgbClr val="FFFFFF"/>
+                  </a:solidFill>
+                </a:uFill>
+                <a:latin typeface="Calibri"/>
+              </a:rPr>
+              <a:t> </a:t>
+            </a:r>
+            <a:r>
+              <a:rPr lang="hu-HU" sz="2800" b="0" strike="noStrike" spc="-1" dirty="0" err="1">
+                <a:solidFill>
+                  <a:srgbClr val="000000"/>
+                </a:solidFill>
+                <a:uFill>
+                  <a:solidFill>
+                    <a:srgbClr val="FFFFFF"/>
+                  </a:solidFill>
+                </a:uFill>
+                <a:latin typeface="Calibri"/>
+              </a:rPr>
+              <a:t>manifestation</a:t>
+            </a:r>
+            <a:r>
+              <a:rPr lang="hu-HU" sz="2800" b="0" strike="noStrike" spc="-1" dirty="0">
+                <a:solidFill>
+                  <a:srgbClr val="000000"/>
+                </a:solidFill>
+                <a:uFill>
+                  <a:solidFill>
+                    <a:srgbClr val="FFFFFF"/>
+                  </a:solidFill>
+                </a:uFill>
+                <a:latin typeface="Calibri"/>
+              </a:rPr>
+              <a:t> in </a:t>
+            </a:r>
+            <a:r>
+              <a:rPr lang="hu-HU" sz="2800" b="0" strike="noStrike" spc="-1" dirty="0" err="1">
+                <a:solidFill>
+                  <a:srgbClr val="000000"/>
+                </a:solidFill>
+                <a:uFill>
+                  <a:solidFill>
+                    <a:srgbClr val="FFFFFF"/>
+                  </a:solidFill>
+                </a:uFill>
+                <a:latin typeface="Calibri"/>
+              </a:rPr>
+              <a:t>the</a:t>
+            </a:r>
+            <a:r>
+              <a:rPr lang="hu-HU" sz="2800" b="0" strike="noStrike" spc="-1" dirty="0">
+                <a:solidFill>
+                  <a:srgbClr val="000000"/>
+                </a:solidFill>
+                <a:uFill>
+                  <a:solidFill>
+                    <a:srgbClr val="FFFFFF"/>
+                  </a:solidFill>
+                </a:uFill>
+                <a:latin typeface="Calibri"/>
+              </a:rPr>
+              <a:t> </a:t>
+            </a:r>
+            <a:r>
+              <a:rPr lang="hu-HU" sz="2800" b="0" strike="noStrike" spc="-1" dirty="0" err="1">
+                <a:solidFill>
+                  <a:srgbClr val="000000"/>
+                </a:solidFill>
+                <a:uFill>
+                  <a:solidFill>
+                    <a:srgbClr val="FFFFFF"/>
+                  </a:solidFill>
+                </a:uFill>
+                <a:latin typeface="Calibri"/>
+              </a:rPr>
+              <a:t>real</a:t>
+            </a:r>
+            <a:r>
+              <a:rPr lang="hu-HU" sz="2800" b="0" strike="noStrike" spc="-1" dirty="0">
+                <a:solidFill>
+                  <a:srgbClr val="000000"/>
+                </a:solidFill>
+                <a:uFill>
+                  <a:solidFill>
+                    <a:srgbClr val="FFFFFF"/>
+                  </a:solidFill>
+                </a:uFill>
+                <a:latin typeface="Calibri"/>
+              </a:rPr>
+              <a:t> </a:t>
+            </a:r>
+            <a:r>
+              <a:rPr lang="hu-HU" sz="2800" b="0" strike="noStrike" spc="-1" dirty="0" err="1">
+                <a:solidFill>
+                  <a:srgbClr val="000000"/>
+                </a:solidFill>
+                <a:uFill>
+                  <a:solidFill>
+                    <a:srgbClr val="FFFFFF"/>
+                  </a:solidFill>
+                </a:uFill>
+                <a:latin typeface="Calibri"/>
+              </a:rPr>
+              <a:t>world</a:t>
+            </a:r>
+            <a:r>
+              <a:rPr lang="hu-HU" sz="2800" b="0" strike="noStrike" spc="-1" dirty="0">
+                <a:solidFill>
+                  <a:srgbClr val="000000"/>
+                </a:solidFill>
+                <a:uFill>
+                  <a:solidFill>
+                    <a:srgbClr val="FFFFFF"/>
+                  </a:solidFill>
+                </a:uFill>
+                <a:latin typeface="Calibri"/>
+              </a:rPr>
+              <a:t>.</a:t>
+            </a:r>
           </a:p>
           <a:p>
             <a:pPr marL="228600" indent="-228240">
@@ -5282,30 +6507,201 @@
               <a:buChar char="•"/>
             </a:pPr>
             <a:r>
-              <a:rPr b="0" lang="hu-HU" sz="2800" spc="-1" strike="noStrike">
-                <a:solidFill>
-                  <a:srgbClr val="000000"/>
-                </a:solidFill>
-                <a:uFill>
-                  <a:solidFill>
-                    <a:srgbClr val="ffffff"/>
-                  </a:solidFill>
-                </a:uFill>
-                <a:latin typeface="Calibri"/>
-              </a:rPr>
-              <a:t>Identify phisical devices which are part of the system.</a:t>
-            </a:r>
-            <a:endParaRPr b="0" lang="hu-HU" sz="2800" spc="-1" strike="noStrike">
-              <a:solidFill>
-                <a:srgbClr val="000000"/>
-              </a:solidFill>
-              <a:uFill>
-                <a:solidFill>
-                  <a:srgbClr val="ffffff"/>
-                </a:solidFill>
-              </a:uFill>
-              <a:latin typeface="Calibri"/>
-            </a:endParaRPr>
+              <a:rPr lang="hu-HU" sz="2800" b="0" strike="noStrike" spc="-1" dirty="0" err="1">
+                <a:solidFill>
+                  <a:srgbClr val="000000"/>
+                </a:solidFill>
+                <a:uFill>
+                  <a:solidFill>
+                    <a:srgbClr val="FFFFFF"/>
+                  </a:solidFill>
+                </a:uFill>
+                <a:latin typeface="Calibri"/>
+              </a:rPr>
+              <a:t>Identify</a:t>
+            </a:r>
+            <a:r>
+              <a:rPr lang="hu-HU" sz="2800" b="0" strike="noStrike" spc="-1" dirty="0">
+                <a:solidFill>
+                  <a:srgbClr val="000000"/>
+                </a:solidFill>
+                <a:uFill>
+                  <a:solidFill>
+                    <a:srgbClr val="FFFFFF"/>
+                  </a:solidFill>
+                </a:uFill>
+                <a:latin typeface="Calibri"/>
+              </a:rPr>
+              <a:t> </a:t>
+            </a:r>
+            <a:r>
+              <a:rPr lang="hu-HU" sz="2800" b="0" strike="noStrike" spc="-1" dirty="0" err="1">
+                <a:solidFill>
+                  <a:srgbClr val="000000"/>
+                </a:solidFill>
+                <a:uFill>
+                  <a:solidFill>
+                    <a:srgbClr val="FFFFFF"/>
+                  </a:solidFill>
+                </a:uFill>
+                <a:latin typeface="Calibri"/>
+              </a:rPr>
+              <a:t>phisical</a:t>
+            </a:r>
+            <a:r>
+              <a:rPr lang="hu-HU" sz="2800" b="0" strike="noStrike" spc="-1" dirty="0">
+                <a:solidFill>
+                  <a:srgbClr val="000000"/>
+                </a:solidFill>
+                <a:uFill>
+                  <a:solidFill>
+                    <a:srgbClr val="FFFFFF"/>
+                  </a:solidFill>
+                </a:uFill>
+                <a:latin typeface="Calibri"/>
+              </a:rPr>
+              <a:t> </a:t>
+            </a:r>
+            <a:r>
+              <a:rPr lang="hu-HU" sz="2800" b="0" strike="noStrike" spc="-1" dirty="0" err="1">
+                <a:solidFill>
+                  <a:srgbClr val="000000"/>
+                </a:solidFill>
+                <a:uFill>
+                  <a:solidFill>
+                    <a:srgbClr val="FFFFFF"/>
+                  </a:solidFill>
+                </a:uFill>
+                <a:latin typeface="Calibri"/>
+              </a:rPr>
+              <a:t>devices</a:t>
+            </a:r>
+            <a:r>
+              <a:rPr lang="hu-HU" sz="2800" b="0" strike="noStrike" spc="-1" dirty="0">
+                <a:solidFill>
+                  <a:srgbClr val="000000"/>
+                </a:solidFill>
+                <a:uFill>
+                  <a:solidFill>
+                    <a:srgbClr val="FFFFFF"/>
+                  </a:solidFill>
+                </a:uFill>
+                <a:latin typeface="Calibri"/>
+              </a:rPr>
+              <a:t> </a:t>
+            </a:r>
+            <a:r>
+              <a:rPr lang="hu-HU" sz="2800" b="0" strike="noStrike" spc="-1" dirty="0" err="1">
+                <a:solidFill>
+                  <a:srgbClr val="000000"/>
+                </a:solidFill>
+                <a:uFill>
+                  <a:solidFill>
+                    <a:srgbClr val="FFFFFF"/>
+                  </a:solidFill>
+                </a:uFill>
+                <a:latin typeface="Calibri"/>
+              </a:rPr>
+              <a:t>which</a:t>
+            </a:r>
+            <a:r>
+              <a:rPr lang="hu-HU" sz="2800" b="0" strike="noStrike" spc="-1" dirty="0">
+                <a:solidFill>
+                  <a:srgbClr val="000000"/>
+                </a:solidFill>
+                <a:uFill>
+                  <a:solidFill>
+                    <a:srgbClr val="FFFFFF"/>
+                  </a:solidFill>
+                </a:uFill>
+                <a:latin typeface="Calibri"/>
+              </a:rPr>
+              <a:t> </a:t>
+            </a:r>
+            <a:r>
+              <a:rPr lang="hu-HU" sz="2800" b="0" strike="noStrike" spc="-1" dirty="0" err="1">
+                <a:solidFill>
+                  <a:srgbClr val="000000"/>
+                </a:solidFill>
+                <a:uFill>
+                  <a:solidFill>
+                    <a:srgbClr val="FFFFFF"/>
+                  </a:solidFill>
+                </a:uFill>
+                <a:latin typeface="Calibri"/>
+              </a:rPr>
+              <a:t>are</a:t>
+            </a:r>
+            <a:r>
+              <a:rPr lang="hu-HU" sz="2800" b="0" strike="noStrike" spc="-1" dirty="0">
+                <a:solidFill>
+                  <a:srgbClr val="000000"/>
+                </a:solidFill>
+                <a:uFill>
+                  <a:solidFill>
+                    <a:srgbClr val="FFFFFF"/>
+                  </a:solidFill>
+                </a:uFill>
+                <a:latin typeface="Calibri"/>
+              </a:rPr>
+              <a:t> part of </a:t>
+            </a:r>
+            <a:r>
+              <a:rPr lang="hu-HU" sz="2800" b="0" strike="noStrike" spc="-1" dirty="0" err="1">
+                <a:solidFill>
+                  <a:srgbClr val="000000"/>
+                </a:solidFill>
+                <a:uFill>
+                  <a:solidFill>
+                    <a:srgbClr val="FFFFFF"/>
+                  </a:solidFill>
+                </a:uFill>
+                <a:latin typeface="Calibri"/>
+              </a:rPr>
+              <a:t>the</a:t>
+            </a:r>
+            <a:r>
+              <a:rPr lang="hu-HU" sz="2800" b="0" strike="noStrike" spc="-1" dirty="0">
+                <a:solidFill>
+                  <a:srgbClr val="000000"/>
+                </a:solidFill>
+                <a:uFill>
+                  <a:solidFill>
+                    <a:srgbClr val="FFFFFF"/>
+                  </a:solidFill>
+                </a:uFill>
+                <a:latin typeface="Calibri"/>
+              </a:rPr>
+              <a:t> </a:t>
+            </a:r>
+            <a:r>
+              <a:rPr lang="hu-HU" sz="2800" b="0" strike="noStrike" spc="-1" dirty="0" err="1">
+                <a:solidFill>
+                  <a:srgbClr val="000000"/>
+                </a:solidFill>
+                <a:uFill>
+                  <a:solidFill>
+                    <a:srgbClr val="FFFFFF"/>
+                  </a:solidFill>
+                </a:uFill>
+                <a:latin typeface="Calibri"/>
+              </a:rPr>
+              <a:t>system</a:t>
+            </a:r>
+            <a:r>
+              <a:rPr lang="hu-HU" sz="2800" b="0" strike="noStrike" spc="-1" dirty="0">
+                <a:solidFill>
+                  <a:srgbClr val="000000"/>
+                </a:solidFill>
+                <a:uFill>
+                  <a:solidFill>
+                    <a:srgbClr val="FFFFFF"/>
+                  </a:solidFill>
+                </a:uFill>
+                <a:latin typeface="Calibri"/>
+              </a:rPr>
+              <a:t>.</a:t>
+            </a:r>
           </a:p>
           <a:p>
             <a:pPr marL="228600" indent="-228240">
@@ -5319,27 +6715,83 @@
               <a:buChar char="•"/>
             </a:pPr>
             <a:r>
-              <a:rPr b="0" lang="hu-HU" sz="2800" spc="-1" strike="noStrike">
-                <a:solidFill>
-                  <a:srgbClr val="000000"/>
-                </a:solidFill>
-                <a:uFill>
-                  <a:solidFill>
-                    <a:srgbClr val="ffffff"/>
-                  </a:solidFill>
-                </a:uFill>
-                <a:latin typeface="Calibri"/>
-              </a:rPr>
-              <a:t>Vehicle Detector devices</a:t>
-            </a:r>
-            <a:r>
-              <a:rPr b="1" lang="hu-HU" sz="2800" spc="-1" strike="noStrike">
-                <a:solidFill>
-                  <a:srgbClr val="000000"/>
-                </a:solidFill>
-                <a:uFill>
-                  <a:solidFill>
-                    <a:srgbClr val="ffffff"/>
+              <a:rPr lang="hu-HU" sz="2800" b="0" strike="noStrike" spc="-1" dirty="0" err="1">
+                <a:solidFill>
+                  <a:srgbClr val="000000"/>
+                </a:solidFill>
+                <a:uFill>
+                  <a:solidFill>
+                    <a:srgbClr val="FFFFFF"/>
+                  </a:solidFill>
+                </a:uFill>
+                <a:latin typeface="Calibri"/>
+              </a:rPr>
+              <a:t>Vehicle</a:t>
+            </a:r>
+            <a:r>
+              <a:rPr lang="hu-HU" sz="2800" b="0" strike="noStrike" spc="-1" dirty="0">
+                <a:solidFill>
+                  <a:srgbClr val="000000"/>
+                </a:solidFill>
+                <a:uFill>
+                  <a:solidFill>
+                    <a:srgbClr val="FFFFFF"/>
+                  </a:solidFill>
+                </a:uFill>
+                <a:latin typeface="Calibri"/>
+              </a:rPr>
+              <a:t> </a:t>
+            </a:r>
+            <a:r>
+              <a:rPr lang="hu-HU" sz="2800" b="0" strike="noStrike" spc="-1" dirty="0" err="1">
+                <a:solidFill>
+                  <a:srgbClr val="000000"/>
+                </a:solidFill>
+                <a:uFill>
+                  <a:solidFill>
+                    <a:srgbClr val="FFFFFF"/>
+                  </a:solidFill>
+                </a:uFill>
+                <a:latin typeface="Calibri"/>
+              </a:rPr>
+              <a:t>Detector</a:t>
+            </a:r>
+            <a:r>
+              <a:rPr lang="hu-HU" sz="2800" b="0" strike="noStrike" spc="-1" dirty="0">
+                <a:solidFill>
+                  <a:srgbClr val="000000"/>
+                </a:solidFill>
+                <a:uFill>
+                  <a:solidFill>
+                    <a:srgbClr val="FFFFFF"/>
+                  </a:solidFill>
+                </a:uFill>
+                <a:latin typeface="Calibri"/>
+              </a:rPr>
+              <a:t> </a:t>
+            </a:r>
+            <a:r>
+              <a:rPr lang="hu-HU" sz="2800" b="0" strike="noStrike" spc="-1" dirty="0" err="1">
+                <a:solidFill>
+                  <a:srgbClr val="000000"/>
+                </a:solidFill>
+                <a:uFill>
+                  <a:solidFill>
+                    <a:srgbClr val="FFFFFF"/>
+                  </a:solidFill>
+                </a:uFill>
+                <a:latin typeface="Calibri"/>
+              </a:rPr>
+              <a:t>devices</a:t>
+            </a:r>
+            <a:r>
+              <a:rPr lang="hu-HU" sz="2800" b="1" strike="noStrike" spc="-1" dirty="0">
+                <a:solidFill>
+                  <a:srgbClr val="000000"/>
+                </a:solidFill>
+                <a:uFill>
+                  <a:solidFill>
+                    <a:srgbClr val="FFFFFF"/>
                   </a:solidFill>
                 </a:uFill>
                 <a:latin typeface="Calibri"/>
@@ -5347,30 +6799,341 @@
               <a:t>: </a:t>
             </a:r>
             <a:r>
-              <a:rPr b="0" lang="hu-HU" sz="2800" spc="-1" strike="noStrike">
-                <a:solidFill>
-                  <a:srgbClr val="000000"/>
-                </a:solidFill>
-                <a:uFill>
-                  <a:solidFill>
-                    <a:srgbClr val="ffffff"/>
-                  </a:solidFill>
-                </a:uFill>
-                <a:latin typeface="Calibri"/>
-              </a:rPr>
-              <a:t>subsurface passive, loop inductors (SPLIs), above-surface infrared sensors (ASIs) and, above-surface radars (ASRs ).</a:t>
-            </a:r>
-            <a:endParaRPr b="0" lang="hu-HU" sz="2800" spc="-1" strike="noStrike">
-              <a:solidFill>
-                <a:srgbClr val="000000"/>
-              </a:solidFill>
-              <a:uFill>
-                <a:solidFill>
-                  <a:srgbClr val="ffffff"/>
-                </a:solidFill>
-              </a:uFill>
-              <a:latin typeface="Calibri"/>
-            </a:endParaRPr>
+              <a:rPr lang="hu-HU" sz="2800" b="0" strike="noStrike" spc="-1" dirty="0" err="1">
+                <a:solidFill>
+                  <a:srgbClr val="000000"/>
+                </a:solidFill>
+                <a:uFill>
+                  <a:solidFill>
+                    <a:srgbClr val="FFFFFF"/>
+                  </a:solidFill>
+                </a:uFill>
+                <a:latin typeface="Calibri"/>
+              </a:rPr>
+              <a:t>subsurface</a:t>
+            </a:r>
+            <a:r>
+              <a:rPr lang="hu-HU" sz="2800" b="0" strike="noStrike" spc="-1" dirty="0">
+                <a:solidFill>
+                  <a:srgbClr val="000000"/>
+                </a:solidFill>
+                <a:uFill>
+                  <a:solidFill>
+                    <a:srgbClr val="FFFFFF"/>
+                  </a:solidFill>
+                </a:uFill>
+                <a:latin typeface="Calibri"/>
+              </a:rPr>
+              <a:t> </a:t>
+            </a:r>
+            <a:r>
+              <a:rPr lang="hu-HU" sz="2800" b="0" strike="noStrike" spc="-1" dirty="0" err="1">
+                <a:solidFill>
+                  <a:srgbClr val="000000"/>
+                </a:solidFill>
+                <a:uFill>
+                  <a:solidFill>
+                    <a:srgbClr val="FFFFFF"/>
+                  </a:solidFill>
+                </a:uFill>
+                <a:latin typeface="Calibri"/>
+              </a:rPr>
+              <a:t>passive</a:t>
+            </a:r>
+            <a:r>
+              <a:rPr lang="hu-HU" sz="2800" b="0" strike="noStrike" spc="-1" dirty="0">
+                <a:solidFill>
+                  <a:srgbClr val="000000"/>
+                </a:solidFill>
+                <a:uFill>
+                  <a:solidFill>
+                    <a:srgbClr val="FFFFFF"/>
+                  </a:solidFill>
+                </a:uFill>
+                <a:latin typeface="Calibri"/>
+              </a:rPr>
+              <a:t>, </a:t>
+            </a:r>
+            <a:r>
+              <a:rPr lang="hu-HU" sz="2800" b="0" strike="noStrike" spc="-1" dirty="0" err="1">
+                <a:solidFill>
+                  <a:srgbClr val="000000"/>
+                </a:solidFill>
+                <a:uFill>
+                  <a:solidFill>
+                    <a:srgbClr val="FFFFFF"/>
+                  </a:solidFill>
+                </a:uFill>
+                <a:latin typeface="Calibri"/>
+              </a:rPr>
+              <a:t>loop</a:t>
+            </a:r>
+            <a:r>
+              <a:rPr lang="hu-HU" sz="2800" b="0" strike="noStrike" spc="-1" dirty="0">
+                <a:solidFill>
+                  <a:srgbClr val="000000"/>
+                </a:solidFill>
+                <a:uFill>
+                  <a:solidFill>
+                    <a:srgbClr val="FFFFFF"/>
+                  </a:solidFill>
+                </a:uFill>
+                <a:latin typeface="Calibri"/>
+              </a:rPr>
+              <a:t> </a:t>
+            </a:r>
+            <a:r>
+              <a:rPr lang="hu-HU" sz="2800" b="0" strike="noStrike" spc="-1" dirty="0" err="1">
+                <a:solidFill>
+                  <a:srgbClr val="000000"/>
+                </a:solidFill>
+                <a:uFill>
+                  <a:solidFill>
+                    <a:srgbClr val="FFFFFF"/>
+                  </a:solidFill>
+                </a:uFill>
+                <a:latin typeface="Calibri"/>
+              </a:rPr>
+              <a:t>inductors</a:t>
+            </a:r>
+            <a:r>
+              <a:rPr lang="hu-HU" sz="2800" b="0" strike="noStrike" spc="-1" dirty="0">
+                <a:solidFill>
+                  <a:srgbClr val="000000"/>
+                </a:solidFill>
+                <a:uFill>
+                  <a:solidFill>
+                    <a:srgbClr val="FFFFFF"/>
+                  </a:solidFill>
+                </a:uFill>
+                <a:latin typeface="Calibri"/>
+              </a:rPr>
+              <a:t> (</a:t>
+            </a:r>
+            <a:r>
+              <a:rPr lang="hu-HU" sz="2800" b="0" strike="noStrike" spc="-1" dirty="0" err="1">
+                <a:solidFill>
+                  <a:srgbClr val="000000"/>
+                </a:solidFill>
+                <a:uFill>
+                  <a:solidFill>
+                    <a:srgbClr val="FFFFFF"/>
+                  </a:solidFill>
+                </a:uFill>
+                <a:latin typeface="Calibri"/>
+              </a:rPr>
+              <a:t>SPLIs</a:t>
+            </a:r>
+            <a:r>
+              <a:rPr lang="hu-HU" sz="2800" b="0" strike="noStrike" spc="-1" dirty="0">
+                <a:solidFill>
+                  <a:srgbClr val="000000"/>
+                </a:solidFill>
+                <a:uFill>
+                  <a:solidFill>
+                    <a:srgbClr val="FFFFFF"/>
+                  </a:solidFill>
+                </a:uFill>
+                <a:latin typeface="Calibri"/>
+              </a:rPr>
+              <a:t>), </a:t>
+            </a:r>
+            <a:r>
+              <a:rPr lang="hu-HU" sz="2800" b="0" strike="noStrike" spc="-1" dirty="0" err="1">
+                <a:solidFill>
+                  <a:srgbClr val="000000"/>
+                </a:solidFill>
+                <a:uFill>
+                  <a:solidFill>
+                    <a:srgbClr val="FFFFFF"/>
+                  </a:solidFill>
+                </a:uFill>
+                <a:latin typeface="Calibri"/>
+              </a:rPr>
+              <a:t>above-surface</a:t>
+            </a:r>
+            <a:r>
+              <a:rPr lang="hu-HU" sz="2800" b="0" strike="noStrike" spc="-1" dirty="0">
+                <a:solidFill>
+                  <a:srgbClr val="000000"/>
+                </a:solidFill>
+                <a:uFill>
+                  <a:solidFill>
+                    <a:srgbClr val="FFFFFF"/>
+                  </a:solidFill>
+                </a:uFill>
+                <a:latin typeface="Calibri"/>
+              </a:rPr>
+              <a:t> </a:t>
+            </a:r>
+            <a:r>
+              <a:rPr lang="hu-HU" sz="2800" b="0" strike="noStrike" spc="-1" dirty="0" err="1">
+                <a:solidFill>
+                  <a:srgbClr val="000000"/>
+                </a:solidFill>
+                <a:uFill>
+                  <a:solidFill>
+                    <a:srgbClr val="FFFFFF"/>
+                  </a:solidFill>
+                </a:uFill>
+                <a:latin typeface="Calibri"/>
+              </a:rPr>
+              <a:t>infrared</a:t>
+            </a:r>
+            <a:r>
+              <a:rPr lang="hu-HU" sz="2800" b="0" strike="noStrike" spc="-1" dirty="0">
+                <a:solidFill>
+                  <a:srgbClr val="000000"/>
+                </a:solidFill>
+                <a:uFill>
+                  <a:solidFill>
+                    <a:srgbClr val="FFFFFF"/>
+                  </a:solidFill>
+                </a:uFill>
+                <a:latin typeface="Calibri"/>
+              </a:rPr>
+              <a:t> </a:t>
+            </a:r>
+            <a:r>
+              <a:rPr lang="hu-HU" sz="2800" b="0" strike="noStrike" spc="-1" dirty="0" err="1">
+                <a:solidFill>
+                  <a:srgbClr val="000000"/>
+                </a:solidFill>
+                <a:uFill>
+                  <a:solidFill>
+                    <a:srgbClr val="FFFFFF"/>
+                  </a:solidFill>
+                </a:uFill>
+                <a:latin typeface="Calibri"/>
+              </a:rPr>
+              <a:t>sensors</a:t>
+            </a:r>
+            <a:r>
+              <a:rPr lang="hu-HU" sz="2800" b="0" strike="noStrike" spc="-1" dirty="0">
+                <a:solidFill>
+                  <a:srgbClr val="000000"/>
+                </a:solidFill>
+                <a:uFill>
+                  <a:solidFill>
+                    <a:srgbClr val="FFFFFF"/>
+                  </a:solidFill>
+                </a:uFill>
+                <a:latin typeface="Calibri"/>
+              </a:rPr>
+              <a:t> (</a:t>
+            </a:r>
+            <a:r>
+              <a:rPr lang="hu-HU" sz="2800" b="0" strike="noStrike" spc="-1" dirty="0" err="1">
+                <a:solidFill>
+                  <a:srgbClr val="000000"/>
+                </a:solidFill>
+                <a:uFill>
+                  <a:solidFill>
+                    <a:srgbClr val="FFFFFF"/>
+                  </a:solidFill>
+                </a:uFill>
+                <a:latin typeface="Calibri"/>
+              </a:rPr>
+              <a:t>ASIs</a:t>
+            </a:r>
+            <a:r>
+              <a:rPr lang="hu-HU" sz="2800" b="0" strike="noStrike" spc="-1" dirty="0">
+                <a:solidFill>
+                  <a:srgbClr val="000000"/>
+                </a:solidFill>
+                <a:uFill>
+                  <a:solidFill>
+                    <a:srgbClr val="FFFFFF"/>
+                  </a:solidFill>
+                </a:uFill>
+                <a:latin typeface="Calibri"/>
+              </a:rPr>
+              <a:t>) and, </a:t>
+            </a:r>
+            <a:r>
+              <a:rPr lang="hu-HU" sz="2800" b="0" strike="noStrike" spc="-1" dirty="0" err="1">
+                <a:solidFill>
+                  <a:srgbClr val="000000"/>
+                </a:solidFill>
+                <a:uFill>
+                  <a:solidFill>
+                    <a:srgbClr val="FFFFFF"/>
+                  </a:solidFill>
+                </a:uFill>
+                <a:latin typeface="Calibri"/>
+              </a:rPr>
+              <a:t>above-surface</a:t>
+            </a:r>
+            <a:r>
+              <a:rPr lang="hu-HU" sz="2800" b="0" strike="noStrike" spc="-1" dirty="0">
+                <a:solidFill>
+                  <a:srgbClr val="000000"/>
+                </a:solidFill>
+                <a:uFill>
+                  <a:solidFill>
+                    <a:srgbClr val="FFFFFF"/>
+                  </a:solidFill>
+                </a:uFill>
+                <a:latin typeface="Calibri"/>
+              </a:rPr>
+              <a:t> </a:t>
+            </a:r>
+            <a:r>
+              <a:rPr lang="hu-HU" sz="2800" b="0" strike="noStrike" spc="-1" dirty="0" err="1">
+                <a:solidFill>
+                  <a:srgbClr val="000000"/>
+                </a:solidFill>
+                <a:uFill>
+                  <a:solidFill>
+                    <a:srgbClr val="FFFFFF"/>
+                  </a:solidFill>
+                </a:uFill>
+                <a:latin typeface="Calibri"/>
+              </a:rPr>
+              <a:t>radars</a:t>
+            </a:r>
+            <a:r>
+              <a:rPr lang="hu-HU" sz="2800" b="0" strike="noStrike" spc="-1" dirty="0">
+                <a:solidFill>
+                  <a:srgbClr val="000000"/>
+                </a:solidFill>
+                <a:uFill>
+                  <a:solidFill>
+                    <a:srgbClr val="FFFFFF"/>
+                  </a:solidFill>
+                </a:uFill>
+                <a:latin typeface="Calibri"/>
+              </a:rPr>
+              <a:t> (</a:t>
+            </a:r>
+            <a:r>
+              <a:rPr lang="hu-HU" sz="2800" b="0" strike="noStrike" spc="-1" dirty="0" err="1">
+                <a:solidFill>
+                  <a:srgbClr val="000000"/>
+                </a:solidFill>
+                <a:uFill>
+                  <a:solidFill>
+                    <a:srgbClr val="FFFFFF"/>
+                  </a:solidFill>
+                </a:uFill>
+                <a:latin typeface="Calibri"/>
+              </a:rPr>
+              <a:t>ASRs</a:t>
+            </a:r>
+            <a:r>
+              <a:rPr lang="hu-HU" sz="2800" b="0" strike="noStrike" spc="-1" dirty="0">
+                <a:solidFill>
+                  <a:srgbClr val="000000"/>
+                </a:solidFill>
+                <a:uFill>
+                  <a:solidFill>
+                    <a:srgbClr val="FFFFFF"/>
+                  </a:solidFill>
+                </a:uFill>
+                <a:latin typeface="Calibri"/>
+              </a:rPr>
+              <a:t> ).</a:t>
+            </a:r>
           </a:p>
           <a:p>
             <a:pPr marL="228600" indent="-228240">
@@ -5384,30 +7147,243 @@
               <a:buChar char="•"/>
             </a:pPr>
             <a:r>
-              <a:rPr b="0" lang="hu-HU" sz="2800" spc="-1" strike="noStrike">
-                <a:solidFill>
-                  <a:srgbClr val="000000"/>
-                </a:solidFill>
-                <a:uFill>
-                  <a:solidFill>
-                    <a:srgbClr val="ffffff"/>
-                  </a:solidFill>
-                </a:uFill>
-                <a:latin typeface="Calibri"/>
-              </a:rPr>
-              <a:t>Image Acquisition physical devices:  optical, FLIR (forward-looking infrared), and SAR (synthetic-aperture radar) sensors.</a:t>
-            </a:r>
-            <a:endParaRPr b="0" lang="hu-HU" sz="2800" spc="-1" strike="noStrike">
-              <a:solidFill>
-                <a:srgbClr val="000000"/>
-              </a:solidFill>
-              <a:uFill>
-                <a:solidFill>
-                  <a:srgbClr val="ffffff"/>
-                </a:solidFill>
-              </a:uFill>
-              <a:latin typeface="Calibri"/>
-            </a:endParaRPr>
+              <a:rPr lang="hu-HU" sz="2800" b="0" strike="noStrike" spc="-1" dirty="0">
+                <a:solidFill>
+                  <a:srgbClr val="000000"/>
+                </a:solidFill>
+                <a:uFill>
+                  <a:solidFill>
+                    <a:srgbClr val="FFFFFF"/>
+                  </a:solidFill>
+                </a:uFill>
+                <a:latin typeface="Calibri"/>
+              </a:rPr>
+              <a:t>Image </a:t>
+            </a:r>
+            <a:r>
+              <a:rPr lang="hu-HU" sz="2800" b="0" strike="noStrike" spc="-1" dirty="0" err="1">
+                <a:solidFill>
+                  <a:srgbClr val="000000"/>
+                </a:solidFill>
+                <a:uFill>
+                  <a:solidFill>
+                    <a:srgbClr val="FFFFFF"/>
+                  </a:solidFill>
+                </a:uFill>
+                <a:latin typeface="Calibri"/>
+              </a:rPr>
+              <a:t>Acquisition</a:t>
+            </a:r>
+            <a:r>
+              <a:rPr lang="hu-HU" sz="2800" b="0" strike="noStrike" spc="-1" dirty="0">
+                <a:solidFill>
+                  <a:srgbClr val="000000"/>
+                </a:solidFill>
+                <a:uFill>
+                  <a:solidFill>
+                    <a:srgbClr val="FFFFFF"/>
+                  </a:solidFill>
+                </a:uFill>
+                <a:latin typeface="Calibri"/>
+              </a:rPr>
+              <a:t> </a:t>
+            </a:r>
+            <a:r>
+              <a:rPr lang="hu-HU" sz="2800" b="0" strike="noStrike" spc="-1" dirty="0" err="1">
+                <a:solidFill>
+                  <a:srgbClr val="000000"/>
+                </a:solidFill>
+                <a:uFill>
+                  <a:solidFill>
+                    <a:srgbClr val="FFFFFF"/>
+                  </a:solidFill>
+                </a:uFill>
+                <a:latin typeface="Calibri"/>
+              </a:rPr>
+              <a:t>physical</a:t>
+            </a:r>
+            <a:r>
+              <a:rPr lang="hu-HU" sz="2800" b="0" strike="noStrike" spc="-1" dirty="0">
+                <a:solidFill>
+                  <a:srgbClr val="000000"/>
+                </a:solidFill>
+                <a:uFill>
+                  <a:solidFill>
+                    <a:srgbClr val="FFFFFF"/>
+                  </a:solidFill>
+                </a:uFill>
+                <a:latin typeface="Calibri"/>
+              </a:rPr>
+              <a:t> </a:t>
+            </a:r>
+            <a:r>
+              <a:rPr lang="hu-HU" sz="2800" b="0" strike="noStrike" spc="-1" dirty="0" err="1">
+                <a:solidFill>
+                  <a:srgbClr val="000000"/>
+                </a:solidFill>
+                <a:uFill>
+                  <a:solidFill>
+                    <a:srgbClr val="FFFFFF"/>
+                  </a:solidFill>
+                </a:uFill>
+                <a:latin typeface="Calibri"/>
+              </a:rPr>
+              <a:t>devices</a:t>
+            </a:r>
+            <a:r>
+              <a:rPr lang="hu-HU" sz="2800" b="0" strike="noStrike" spc="-1" dirty="0">
+                <a:solidFill>
+                  <a:srgbClr val="000000"/>
+                </a:solidFill>
+                <a:uFill>
+                  <a:solidFill>
+                    <a:srgbClr val="FFFFFF"/>
+                  </a:solidFill>
+                </a:uFill>
+                <a:latin typeface="Calibri"/>
+              </a:rPr>
+              <a:t>:  </a:t>
+            </a:r>
+            <a:r>
+              <a:rPr lang="hu-HU" sz="2800" b="0" strike="noStrike" spc="-1" dirty="0" err="1">
+                <a:solidFill>
+                  <a:srgbClr val="000000"/>
+                </a:solidFill>
+                <a:uFill>
+                  <a:solidFill>
+                    <a:srgbClr val="FFFFFF"/>
+                  </a:solidFill>
+                </a:uFill>
+                <a:latin typeface="Calibri"/>
+              </a:rPr>
+              <a:t>optical</a:t>
+            </a:r>
+            <a:r>
+              <a:rPr lang="hu-HU" sz="2800" b="0" strike="noStrike" spc="-1" dirty="0">
+                <a:solidFill>
+                  <a:srgbClr val="000000"/>
+                </a:solidFill>
+                <a:uFill>
+                  <a:solidFill>
+                    <a:srgbClr val="FFFFFF"/>
+                  </a:solidFill>
+                </a:uFill>
+                <a:latin typeface="Calibri"/>
+              </a:rPr>
+              <a:t>, FLIR (</a:t>
+            </a:r>
+            <a:r>
+              <a:rPr lang="hu-HU" sz="2800" b="0" strike="noStrike" spc="-1" dirty="0" err="1">
+                <a:solidFill>
+                  <a:srgbClr val="000000"/>
+                </a:solidFill>
+                <a:uFill>
+                  <a:solidFill>
+                    <a:srgbClr val="FFFFFF"/>
+                  </a:solidFill>
+                </a:uFill>
+                <a:latin typeface="Calibri"/>
+              </a:rPr>
+              <a:t>forward-looking</a:t>
+            </a:r>
+            <a:r>
+              <a:rPr lang="hu-HU" sz="2800" b="0" strike="noStrike" spc="-1" dirty="0">
+                <a:solidFill>
+                  <a:srgbClr val="000000"/>
+                </a:solidFill>
+                <a:uFill>
+                  <a:solidFill>
+                    <a:srgbClr val="FFFFFF"/>
+                  </a:solidFill>
+                </a:uFill>
+                <a:latin typeface="Calibri"/>
+              </a:rPr>
+              <a:t> </a:t>
+            </a:r>
+            <a:r>
+              <a:rPr lang="hu-HU" sz="2800" b="0" strike="noStrike" spc="-1" dirty="0" err="1">
+                <a:solidFill>
+                  <a:srgbClr val="000000"/>
+                </a:solidFill>
+                <a:uFill>
+                  <a:solidFill>
+                    <a:srgbClr val="FFFFFF"/>
+                  </a:solidFill>
+                </a:uFill>
+                <a:latin typeface="Calibri"/>
+              </a:rPr>
+              <a:t>infrared</a:t>
+            </a:r>
+            <a:r>
+              <a:rPr lang="hu-HU" sz="2800" b="0" strike="noStrike" spc="-1" dirty="0">
+                <a:solidFill>
+                  <a:srgbClr val="000000"/>
+                </a:solidFill>
+                <a:uFill>
+                  <a:solidFill>
+                    <a:srgbClr val="FFFFFF"/>
+                  </a:solidFill>
+                </a:uFill>
+                <a:latin typeface="Calibri"/>
+              </a:rPr>
+              <a:t>), and SAR (</a:t>
+            </a:r>
+            <a:r>
+              <a:rPr lang="hu-HU" sz="2800" b="0" strike="noStrike" spc="-1" dirty="0" err="1">
+                <a:solidFill>
+                  <a:srgbClr val="000000"/>
+                </a:solidFill>
+                <a:uFill>
+                  <a:solidFill>
+                    <a:srgbClr val="FFFFFF"/>
+                  </a:solidFill>
+                </a:uFill>
+                <a:latin typeface="Calibri"/>
+              </a:rPr>
+              <a:t>synthetic-aperture</a:t>
+            </a:r>
+            <a:r>
+              <a:rPr lang="hu-HU" sz="2800" b="0" strike="noStrike" spc="-1" dirty="0">
+                <a:solidFill>
+                  <a:srgbClr val="000000"/>
+                </a:solidFill>
+                <a:uFill>
+                  <a:solidFill>
+                    <a:srgbClr val="FFFFFF"/>
+                  </a:solidFill>
+                </a:uFill>
+                <a:latin typeface="Calibri"/>
+              </a:rPr>
+              <a:t> radar) </a:t>
+            </a:r>
+            <a:r>
+              <a:rPr lang="hu-HU" sz="2800" b="0" strike="noStrike" spc="-1" dirty="0" err="1">
+                <a:solidFill>
+                  <a:srgbClr val="000000"/>
+                </a:solidFill>
+                <a:uFill>
+                  <a:solidFill>
+                    <a:srgbClr val="FFFFFF"/>
+                  </a:solidFill>
+                </a:uFill>
+                <a:latin typeface="Calibri"/>
+              </a:rPr>
+              <a:t>sensors</a:t>
+            </a:r>
+            <a:r>
+              <a:rPr lang="hu-HU" sz="2800" b="0" strike="noStrike" spc="-1" dirty="0">
+                <a:solidFill>
+                  <a:srgbClr val="000000"/>
+                </a:solidFill>
+                <a:uFill>
+                  <a:solidFill>
+                    <a:srgbClr val="FFFFFF"/>
+                  </a:solidFill>
+                </a:uFill>
+                <a:latin typeface="Calibri"/>
+              </a:rPr>
+              <a:t>.</a:t>
+            </a:r>
           </a:p>
           <a:p>
             <a:pPr>
@@ -5415,13 +7391,13 @@
                 <a:spcPct val="150000"/>
               </a:lnSpc>
             </a:pPr>
-            <a:endParaRPr b="0" lang="hu-HU" sz="2800" spc="-1" strike="noStrike">
+            <a:endParaRPr lang="hu-HU" sz="2800" b="0" strike="noStrike" spc="-1" dirty="0">
               <a:solidFill>
                 <a:srgbClr val="000000"/>
               </a:solidFill>
               <a:uFill>
                 <a:solidFill>
-                  <a:srgbClr val="ffffff"/>
+                  <a:srgbClr val="FFFFFF"/>
                 </a:solidFill>
               </a:uFill>
               <a:latin typeface="Calibri"/>
@@ -5431,22 +7407,25 @@
       </p:sp>
     </p:spTree>
   </p:cSld>
+  <p:clrMapOvr>
+    <a:masterClrMapping/>
+  </p:clrMapOvr>
   <p:timing>
     <p:tnLst>
       <p:par>
-        <p:cTn id="3" dur="indefinite" restart="never" nodeType="tmRoot">
+        <p:cTn id="1" dur="indefinite" restart="never" nodeType="tmRoot">
           <p:childTnLst>
             <p:seq>
-              <p:cTn id="4" nodeType="mainSeq"/>
+              <p:cTn id="2" nodeType="mainSeq"/>
               <p:prevCondLst>
-                <p:cond delay="0" evt="onPrev">
+                <p:cond evt="onPrev" delay="0">
                   <p:tgtEl>
                     <p:sldTgt/>
                   </p:tgtEl>
                 </p:cond>
               </p:prevCondLst>
               <p:nextCondLst>
-                <p:cond delay="0" evt="onNext">
+                <p:cond evt="onNext" delay="0">
                   <p:tgtEl>
                     <p:sldTgt/>
                   </p:tgtEl>
@@ -5462,7 +7441,7 @@
 </file>
 
 <file path=ppt/slides/slide3.xml><?xml version="1.0" encoding="utf-8"?>
-<p:sld xmlns:a="http://schemas.openxmlformats.org/drawingml/2006/main" xmlns:p="http://schemas.openxmlformats.org/presentationml/2006/main" xmlns:r="http://schemas.openxmlformats.org/officeDocument/2006/relationships" xmlns:p14="http://schemas.microsoft.com/office/powerpoint/2010/main" xmlns:p15="http://schemas.microsoft.com/office/powerpoint/2012/main" xmlns:mc="http://schemas.openxmlformats.org/markup-compatibility/2006">
+<p:sld xmlns:a="http://schemas.openxmlformats.org/drawingml/2006/main" xmlns:r="http://schemas.openxmlformats.org/officeDocument/2006/relationships" xmlns:p="http://schemas.openxmlformats.org/presentationml/2006/main">
   <p:cSld>
     <p:spTree>
       <p:nvGrpSpPr>
@@ -5499,6 +7478,7 @@
         </p:spPr>
         <p:txBody>
           <a:bodyPr anchor="ctr"/>
+          <a:lstStyle/>
           <a:p>
             <a:pPr algn="ctr">
               <a:lnSpc>
@@ -5506,26 +7486,26 @@
               </a:lnSpc>
             </a:pPr>
             <a:r>
-              <a:rPr b="0" lang="hu-HU" sz="4400" spc="-1" strike="noStrike">
-                <a:solidFill>
-                  <a:srgbClr val="000000"/>
-                </a:solidFill>
-                <a:uFill>
-                  <a:solidFill>
-                    <a:srgbClr val="ffffff"/>
+              <a:rPr lang="hu-HU" sz="4400" b="0" strike="noStrike" spc="-1">
+                <a:solidFill>
+                  <a:srgbClr val="000000"/>
+                </a:solidFill>
+                <a:uFill>
+                  <a:solidFill>
+                    <a:srgbClr val="FFFFFF"/>
                   </a:solidFill>
                 </a:uFill>
                 <a:latin typeface="Calibri Light"/>
               </a:rPr>
               <a:t>Apply real-word items and physical devices strtegy</a:t>
             </a:r>
-            <a:endParaRPr b="0" lang="hu-HU" sz="1800" spc="-1" strike="noStrike">
+            <a:endParaRPr lang="hu-HU" sz="1800" b="0" strike="noStrike" spc="-1">
               <a:solidFill>
                 <a:srgbClr val="000000"/>
               </a:solidFill>
               <a:uFill>
                 <a:solidFill>
-                  <a:srgbClr val="ffffff"/>
+                  <a:srgbClr val="FFFFFF"/>
                 </a:solidFill>
               </a:uFill>
               <a:latin typeface="Calibri"/>
@@ -5554,19 +7534,20 @@
         </p:spPr>
         <p:txBody>
           <a:bodyPr/>
+          <a:lstStyle/>
           <a:p>
             <a:pPr>
               <a:lnSpc>
                 <a:spcPct val="100000"/>
               </a:lnSpc>
             </a:pPr>
-            <a:endParaRPr b="0" lang="hu-HU" sz="2800" spc="-1" strike="noStrike">
+            <a:endParaRPr lang="hu-HU" sz="2800" b="0" strike="noStrike" spc="-1" dirty="0">
               <a:solidFill>
                 <a:srgbClr val="000000"/>
               </a:solidFill>
               <a:uFill>
                 <a:solidFill>
-                  <a:srgbClr val="ffffff"/>
+                  <a:srgbClr val="FFFFFF"/>
                 </a:solidFill>
               </a:uFill>
               <a:latin typeface="Calibri"/>
@@ -5584,26 +7565,138 @@
               <a:buChar char="•"/>
             </a:pPr>
             <a:r>
-              <a:rPr b="0" lang="hu-HU" sz="2800" spc="-1" strike="noStrike">
-                <a:solidFill>
-                  <a:srgbClr val="000000"/>
-                </a:solidFill>
-                <a:uFill>
-                  <a:solidFill>
-                    <a:srgbClr val="ffffff"/>
-                  </a:solidFill>
-                </a:uFill>
-                <a:latin typeface="Calibri"/>
-              </a:rPr>
-              <a:t>Indructor provides energy, wide interface</a:t>
-            </a:r>
-            <a:endParaRPr b="0" lang="hu-HU" sz="2800" spc="-1" strike="noStrike">
+              <a:rPr lang="hu-HU" sz="2800" b="0" strike="noStrike" spc="-1" dirty="0" err="1">
+                <a:solidFill>
+                  <a:srgbClr val="000000"/>
+                </a:solidFill>
+                <a:uFill>
+                  <a:solidFill>
+                    <a:srgbClr val="FFFFFF"/>
+                  </a:solidFill>
+                </a:uFill>
+                <a:latin typeface="Calibri"/>
+              </a:rPr>
+              <a:t>Indructor</a:t>
+            </a:r>
+            <a:r>
+              <a:rPr lang="hu-HU" sz="2800" b="0" strike="noStrike" spc="-1" dirty="0">
+                <a:solidFill>
+                  <a:srgbClr val="000000"/>
+                </a:solidFill>
+                <a:uFill>
+                  <a:solidFill>
+                    <a:srgbClr val="FFFFFF"/>
+                  </a:solidFill>
+                </a:uFill>
+                <a:latin typeface="Calibri"/>
+              </a:rPr>
+              <a:t> </a:t>
+            </a:r>
+            <a:r>
+              <a:rPr lang="hu-HU" sz="2800" b="0" strike="noStrike" spc="-1" dirty="0" err="1">
+                <a:solidFill>
+                  <a:srgbClr val="000000"/>
+                </a:solidFill>
+                <a:uFill>
+                  <a:solidFill>
+                    <a:srgbClr val="FFFFFF"/>
+                  </a:solidFill>
+                </a:uFill>
+                <a:latin typeface="Calibri"/>
+              </a:rPr>
+              <a:t>provides</a:t>
+            </a:r>
+            <a:r>
+              <a:rPr lang="hu-HU" sz="2800" b="0" strike="noStrike" spc="-1" dirty="0">
+                <a:solidFill>
+                  <a:srgbClr val="000000"/>
+                </a:solidFill>
+                <a:uFill>
+                  <a:solidFill>
+                    <a:srgbClr val="FFFFFF"/>
+                  </a:solidFill>
+                </a:uFill>
+                <a:latin typeface="Calibri"/>
+              </a:rPr>
+              <a:t> </a:t>
+            </a:r>
+            <a:r>
+              <a:rPr lang="hu-HU" sz="2800" b="0" strike="noStrike" spc="-1" dirty="0" err="1">
+                <a:solidFill>
+                  <a:srgbClr val="000000"/>
+                </a:solidFill>
+                <a:uFill>
+                  <a:solidFill>
+                    <a:srgbClr val="FFFFFF"/>
+                  </a:solidFill>
+                </a:uFill>
+                <a:latin typeface="Calibri"/>
+              </a:rPr>
+              <a:t>energy</a:t>
+            </a:r>
+            <a:r>
+              <a:rPr lang="hu-HU" sz="2800" b="0" strike="noStrike" spc="-1" dirty="0">
+                <a:solidFill>
+                  <a:srgbClr val="000000"/>
+                </a:solidFill>
+                <a:uFill>
+                  <a:solidFill>
+                    <a:srgbClr val="FFFFFF"/>
+                  </a:solidFill>
+                </a:uFill>
+                <a:latin typeface="Calibri"/>
+              </a:rPr>
+              <a:t>, </a:t>
+            </a:r>
+            <a:r>
+              <a:rPr lang="hu-HU" sz="2800" b="0" strike="noStrike" spc="-1" dirty="0" err="1">
+                <a:solidFill>
+                  <a:srgbClr val="000000"/>
+                </a:solidFill>
+                <a:uFill>
+                  <a:solidFill>
+                    <a:srgbClr val="FFFFFF"/>
+                  </a:solidFill>
+                </a:uFill>
+                <a:latin typeface="Calibri"/>
+              </a:rPr>
+              <a:t>wide</a:t>
+            </a:r>
+            <a:r>
+              <a:rPr lang="hu-HU" sz="2800" b="0" strike="noStrike" spc="-1" dirty="0">
+                <a:solidFill>
+                  <a:srgbClr val="000000"/>
+                </a:solidFill>
+                <a:uFill>
+                  <a:solidFill>
+                    <a:srgbClr val="FFFFFF"/>
+                  </a:solidFill>
+                </a:uFill>
+                <a:latin typeface="Calibri"/>
+              </a:rPr>
+              <a:t> </a:t>
+            </a:r>
+            <a:r>
+              <a:rPr lang="hu-HU" sz="2800" b="0" strike="noStrike" spc="-1" dirty="0" err="1">
+                <a:solidFill>
+                  <a:srgbClr val="000000"/>
+                </a:solidFill>
+                <a:uFill>
+                  <a:solidFill>
+                    <a:srgbClr val="FFFFFF"/>
+                  </a:solidFill>
+                </a:uFill>
+                <a:latin typeface="Calibri"/>
+              </a:rPr>
+              <a:t>interface</a:t>
+            </a:r>
+            <a:endParaRPr lang="hu-HU" sz="2800" b="0" strike="noStrike" spc="-1" dirty="0">
               <a:solidFill>
                 <a:srgbClr val="000000"/>
               </a:solidFill>
               <a:uFill>
                 <a:solidFill>
-                  <a:srgbClr val="ffffff"/>
+                  <a:srgbClr val="FFFFFF"/>
                 </a:solidFill>
               </a:uFill>
               <a:latin typeface="Calibri"/>
@@ -5621,26 +7714,222 @@
               <a:buChar char="•"/>
             </a:pPr>
             <a:r>
-              <a:rPr b="0" lang="hu-HU" sz="2800" spc="-1" strike="noStrike">
-                <a:solidFill>
-                  <a:srgbClr val="000000"/>
-                </a:solidFill>
-                <a:uFill>
-                  <a:solidFill>
-                    <a:srgbClr val="ffffff"/>
-                  </a:solidFill>
-                </a:uFill>
-                <a:latin typeface="Calibri"/>
-              </a:rPr>
-              <a:t>Sensors and radars provides both wired and secure wireless communication</a:t>
-            </a:r>
-            <a:endParaRPr b="0" lang="hu-HU" sz="2800" spc="-1" strike="noStrike">
+              <a:rPr lang="hu-HU" sz="2800" b="0" strike="noStrike" spc="-1" dirty="0" err="1">
+                <a:solidFill>
+                  <a:srgbClr val="000000"/>
+                </a:solidFill>
+                <a:uFill>
+                  <a:solidFill>
+                    <a:srgbClr val="FFFFFF"/>
+                  </a:solidFill>
+                </a:uFill>
+                <a:latin typeface="Calibri"/>
+              </a:rPr>
+              <a:t>Sensors</a:t>
+            </a:r>
+            <a:r>
+              <a:rPr lang="hu-HU" sz="2800" b="0" strike="noStrike" spc="-1" dirty="0">
+                <a:solidFill>
+                  <a:srgbClr val="000000"/>
+                </a:solidFill>
+                <a:uFill>
+                  <a:solidFill>
+                    <a:srgbClr val="FFFFFF"/>
+                  </a:solidFill>
+                </a:uFill>
+                <a:latin typeface="Calibri"/>
+              </a:rPr>
+              <a:t> and </a:t>
+            </a:r>
+            <a:r>
+              <a:rPr lang="hu-HU" sz="2800" b="0" strike="noStrike" spc="-1" dirty="0" err="1">
+                <a:solidFill>
+                  <a:srgbClr val="000000"/>
+                </a:solidFill>
+                <a:uFill>
+                  <a:solidFill>
+                    <a:srgbClr val="FFFFFF"/>
+                  </a:solidFill>
+                </a:uFill>
+                <a:latin typeface="Calibri"/>
+              </a:rPr>
+              <a:t>radars</a:t>
+            </a:r>
+            <a:r>
+              <a:rPr lang="hu-HU" sz="2800" b="0" strike="noStrike" spc="-1" dirty="0">
+                <a:solidFill>
+                  <a:srgbClr val="000000"/>
+                </a:solidFill>
+                <a:uFill>
+                  <a:solidFill>
+                    <a:srgbClr val="FFFFFF"/>
+                  </a:solidFill>
+                </a:uFill>
+                <a:latin typeface="Calibri"/>
+              </a:rPr>
+              <a:t> </a:t>
+            </a:r>
+            <a:r>
+              <a:rPr lang="hu-HU" sz="2800" b="0" strike="noStrike" spc="-1" dirty="0" err="1">
+                <a:solidFill>
+                  <a:srgbClr val="000000"/>
+                </a:solidFill>
+                <a:uFill>
+                  <a:solidFill>
+                    <a:srgbClr val="FFFFFF"/>
+                  </a:solidFill>
+                </a:uFill>
+                <a:latin typeface="Calibri"/>
+              </a:rPr>
+              <a:t>provides</a:t>
+            </a:r>
+            <a:r>
+              <a:rPr lang="hu-HU" sz="2800" b="0" strike="noStrike" spc="-1" dirty="0">
+                <a:solidFill>
+                  <a:srgbClr val="000000"/>
+                </a:solidFill>
+                <a:uFill>
+                  <a:solidFill>
+                    <a:srgbClr val="FFFFFF"/>
+                  </a:solidFill>
+                </a:uFill>
+                <a:latin typeface="Calibri"/>
+              </a:rPr>
+              <a:t> </a:t>
+            </a:r>
+            <a:r>
+              <a:rPr lang="hu-HU" sz="2800" b="0" strike="noStrike" spc="-1" dirty="0" err="1">
+                <a:solidFill>
+                  <a:srgbClr val="000000"/>
+                </a:solidFill>
+                <a:uFill>
+                  <a:solidFill>
+                    <a:srgbClr val="FFFFFF"/>
+                  </a:solidFill>
+                </a:uFill>
+                <a:latin typeface="Calibri"/>
+              </a:rPr>
+              <a:t>both</a:t>
+            </a:r>
+            <a:r>
+              <a:rPr lang="hu-HU" sz="2800" b="0" strike="noStrike" spc="-1" dirty="0">
+                <a:solidFill>
+                  <a:srgbClr val="000000"/>
+                </a:solidFill>
+                <a:uFill>
+                  <a:solidFill>
+                    <a:srgbClr val="FFFFFF"/>
+                  </a:solidFill>
+                </a:uFill>
+                <a:latin typeface="Calibri"/>
+              </a:rPr>
+              <a:t> </a:t>
+            </a:r>
+            <a:r>
+              <a:rPr lang="hu-HU" sz="2800" b="0" strike="noStrike" spc="-1" dirty="0" err="1">
+                <a:solidFill>
+                  <a:srgbClr val="000000"/>
+                </a:solidFill>
+                <a:uFill>
+                  <a:solidFill>
+                    <a:srgbClr val="FFFFFF"/>
+                  </a:solidFill>
+                </a:uFill>
+                <a:latin typeface="Calibri"/>
+              </a:rPr>
+              <a:t>wired</a:t>
+            </a:r>
+            <a:r>
+              <a:rPr lang="hu-HU" sz="2800" b="0" strike="noStrike" spc="-1" dirty="0">
+                <a:solidFill>
+                  <a:srgbClr val="000000"/>
+                </a:solidFill>
+                <a:uFill>
+                  <a:solidFill>
+                    <a:srgbClr val="FFFFFF"/>
+                  </a:solidFill>
+                </a:uFill>
+                <a:latin typeface="Calibri"/>
+              </a:rPr>
+              <a:t> and </a:t>
+            </a:r>
+            <a:r>
+              <a:rPr lang="hu-HU" sz="2800" b="0" strike="noStrike" spc="-1" dirty="0" err="1">
+                <a:solidFill>
+                  <a:srgbClr val="000000"/>
+                </a:solidFill>
+                <a:uFill>
+                  <a:solidFill>
+                    <a:srgbClr val="FFFFFF"/>
+                  </a:solidFill>
+                </a:uFill>
+                <a:latin typeface="Calibri"/>
+              </a:rPr>
+              <a:t>secure</a:t>
+            </a:r>
+            <a:r>
+              <a:rPr lang="hu-HU" sz="2800" b="0" strike="noStrike" spc="-1" dirty="0">
+                <a:solidFill>
+                  <a:srgbClr val="000000"/>
+                </a:solidFill>
+                <a:uFill>
+                  <a:solidFill>
+                    <a:srgbClr val="FFFFFF"/>
+                  </a:solidFill>
+                </a:uFill>
+                <a:latin typeface="Calibri"/>
+              </a:rPr>
+              <a:t> </a:t>
+            </a:r>
+            <a:r>
+              <a:rPr lang="hu-HU" sz="2800" b="0" strike="noStrike" spc="-1" dirty="0" err="1">
+                <a:solidFill>
+                  <a:srgbClr val="000000"/>
+                </a:solidFill>
+                <a:uFill>
+                  <a:solidFill>
+                    <a:srgbClr val="FFFFFF"/>
+                  </a:solidFill>
+                </a:uFill>
+                <a:latin typeface="Calibri"/>
+              </a:rPr>
+              <a:t>wireless</a:t>
+            </a:r>
+            <a:r>
+              <a:rPr lang="hu-HU" sz="2800" b="0" strike="noStrike" spc="-1" dirty="0">
+                <a:solidFill>
+                  <a:srgbClr val="000000"/>
+                </a:solidFill>
+                <a:uFill>
+                  <a:solidFill>
+                    <a:srgbClr val="FFFFFF"/>
+                  </a:solidFill>
+                </a:uFill>
+                <a:latin typeface="Calibri"/>
+              </a:rPr>
+              <a:t> </a:t>
+            </a:r>
+            <a:r>
+              <a:rPr lang="hu-HU" sz="2800" b="0" strike="noStrike" spc="-1" dirty="0" err="1">
+                <a:solidFill>
+                  <a:srgbClr val="000000"/>
+                </a:solidFill>
+                <a:uFill>
+                  <a:solidFill>
+                    <a:srgbClr val="FFFFFF"/>
+                  </a:solidFill>
+                </a:uFill>
+                <a:latin typeface="Calibri"/>
+              </a:rPr>
+              <a:t>communication</a:t>
+            </a:r>
+            <a:endParaRPr lang="hu-HU" sz="2800" b="0" strike="noStrike" spc="-1" dirty="0">
               <a:solidFill>
                 <a:srgbClr val="000000"/>
               </a:solidFill>
               <a:uFill>
                 <a:solidFill>
-                  <a:srgbClr val="ffffff"/>
+                  <a:srgbClr val="FFFFFF"/>
                 </a:solidFill>
               </a:uFill>
               <a:latin typeface="Calibri"/>
@@ -5658,30 +7947,159 @@
               <a:buChar char="•"/>
             </a:pPr>
             <a:r>
-              <a:rPr b="0" lang="hu-HU" sz="2800" spc="-1" strike="noStrike">
-                <a:solidFill>
-                  <a:srgbClr val="000000"/>
-                </a:solidFill>
-                <a:uFill>
-                  <a:solidFill>
-                    <a:srgbClr val="ffffff"/>
-                  </a:solidFill>
-                </a:uFill>
-                <a:latin typeface="Calibri"/>
-              </a:rPr>
-              <a:t>The seonsors could be passive or active.</a:t>
-            </a:r>
-            <a:endParaRPr b="0" lang="hu-HU" sz="2800" spc="-1" strike="noStrike">
-              <a:solidFill>
-                <a:srgbClr val="000000"/>
-              </a:solidFill>
-              <a:uFill>
-                <a:solidFill>
-                  <a:srgbClr val="ffffff"/>
-                </a:solidFill>
-              </a:uFill>
-              <a:latin typeface="Calibri"/>
-            </a:endParaRPr>
+              <a:rPr lang="hu-HU" sz="2800" b="0" strike="noStrike" spc="-1" dirty="0">
+                <a:solidFill>
+                  <a:srgbClr val="000000"/>
+                </a:solidFill>
+                <a:uFill>
+                  <a:solidFill>
+                    <a:srgbClr val="FFFFFF"/>
+                  </a:solidFill>
+                </a:uFill>
+                <a:latin typeface="Calibri"/>
+              </a:rPr>
+              <a:t>The </a:t>
+            </a:r>
+            <a:r>
+              <a:rPr lang="hu-HU" sz="2800" b="0" strike="noStrike" spc="-1" dirty="0" err="1">
+                <a:solidFill>
+                  <a:srgbClr val="000000"/>
+                </a:solidFill>
+                <a:uFill>
+                  <a:solidFill>
+                    <a:srgbClr val="FFFFFF"/>
+                  </a:solidFill>
+                </a:uFill>
+                <a:latin typeface="Calibri"/>
+              </a:rPr>
+              <a:t>seonsors</a:t>
+            </a:r>
+            <a:r>
+              <a:rPr lang="hu-HU" sz="2800" b="0" strike="noStrike" spc="-1" dirty="0">
+                <a:solidFill>
+                  <a:srgbClr val="000000"/>
+                </a:solidFill>
+                <a:uFill>
+                  <a:solidFill>
+                    <a:srgbClr val="FFFFFF"/>
+                  </a:solidFill>
+                </a:uFill>
+                <a:latin typeface="Calibri"/>
+              </a:rPr>
+              <a:t> </a:t>
+            </a:r>
+            <a:r>
+              <a:rPr lang="hu-HU" sz="2800" b="0" strike="noStrike" spc="-1" dirty="0" err="1">
+                <a:solidFill>
+                  <a:srgbClr val="000000"/>
+                </a:solidFill>
+                <a:uFill>
+                  <a:solidFill>
+                    <a:srgbClr val="FFFFFF"/>
+                  </a:solidFill>
+                </a:uFill>
+                <a:latin typeface="Calibri"/>
+              </a:rPr>
+              <a:t>could</a:t>
+            </a:r>
+            <a:r>
+              <a:rPr lang="hu-HU" sz="2800" b="0" strike="noStrike" spc="-1" dirty="0">
+                <a:solidFill>
+                  <a:srgbClr val="000000"/>
+                </a:solidFill>
+                <a:uFill>
+                  <a:solidFill>
+                    <a:srgbClr val="FFFFFF"/>
+                  </a:solidFill>
+                </a:uFill>
+                <a:latin typeface="Calibri"/>
+              </a:rPr>
+              <a:t> be </a:t>
+            </a:r>
+            <a:r>
+              <a:rPr lang="hu-HU" sz="2800" b="0" strike="noStrike" spc="-1" dirty="0" err="1">
+                <a:solidFill>
+                  <a:srgbClr val="000000"/>
+                </a:solidFill>
+                <a:uFill>
+                  <a:solidFill>
+                    <a:srgbClr val="FFFFFF"/>
+                  </a:solidFill>
+                </a:uFill>
+                <a:latin typeface="Calibri"/>
+              </a:rPr>
+              <a:t>passive</a:t>
+            </a:r>
+            <a:r>
+              <a:rPr lang="hu-HU" sz="2800" b="0" strike="noStrike" spc="-1" dirty="0">
+                <a:solidFill>
+                  <a:srgbClr val="000000"/>
+                </a:solidFill>
+                <a:uFill>
+                  <a:solidFill>
+                    <a:srgbClr val="FFFFFF"/>
+                  </a:solidFill>
+                </a:uFill>
+                <a:latin typeface="Calibri"/>
+              </a:rPr>
+              <a:t> </a:t>
+            </a:r>
+            <a:r>
+              <a:rPr lang="hu-HU" sz="2800" b="0" strike="noStrike" spc="-1" dirty="0" err="1">
+                <a:solidFill>
+                  <a:srgbClr val="000000"/>
+                </a:solidFill>
+                <a:uFill>
+                  <a:solidFill>
+                    <a:srgbClr val="FFFFFF"/>
+                  </a:solidFill>
+                </a:uFill>
+                <a:latin typeface="Calibri"/>
+              </a:rPr>
+              <a:t>or</a:t>
+            </a:r>
+            <a:r>
+              <a:rPr lang="hu-HU" sz="2800" b="0" strike="noStrike" spc="-1" dirty="0">
+                <a:solidFill>
+                  <a:srgbClr val="000000"/>
+                </a:solidFill>
+                <a:uFill>
+                  <a:solidFill>
+                    <a:srgbClr val="FFFFFF"/>
+                  </a:solidFill>
+                </a:uFill>
+                <a:latin typeface="Calibri"/>
+              </a:rPr>
+              <a:t> </a:t>
+            </a:r>
+            <a:r>
+              <a:rPr lang="hu-HU" sz="2800" b="0" strike="noStrike" spc="-1" dirty="0" err="1">
+                <a:solidFill>
+                  <a:srgbClr val="000000"/>
+                </a:solidFill>
+                <a:uFill>
+                  <a:solidFill>
+                    <a:srgbClr val="FFFFFF"/>
+                  </a:solidFill>
+                </a:uFill>
+                <a:latin typeface="Calibri"/>
+              </a:rPr>
+              <a:t>active</a:t>
+            </a:r>
+            <a:r>
+              <a:rPr lang="hu-HU" sz="2800" b="0" strike="noStrike" spc="-1" dirty="0">
+                <a:solidFill>
+                  <a:srgbClr val="000000"/>
+                </a:solidFill>
+                <a:uFill>
+                  <a:solidFill>
+                    <a:srgbClr val="FFFFFF"/>
+                  </a:solidFill>
+                </a:uFill>
+                <a:latin typeface="Calibri"/>
+              </a:rPr>
+              <a:t>.</a:t>
+            </a:r>
           </a:p>
           <a:p>
             <a:pPr marL="228600" indent="-228240">
@@ -5695,26 +8113,306 @@
               <a:buChar char="•"/>
             </a:pPr>
             <a:r>
-              <a:rPr b="0" lang="hu-HU" sz="2800" spc="-1" strike="noStrike">
-                <a:solidFill>
-                  <a:srgbClr val="000000"/>
-                </a:solidFill>
-                <a:uFill>
-                  <a:solidFill>
-                    <a:srgbClr val="ffffff"/>
-                  </a:solidFill>
-                </a:uFill>
-                <a:latin typeface="Calibri"/>
-              </a:rPr>
-              <a:t>Passive means: it uses the enegery emmited from the ground, it shaell be a signal</a:t>
-            </a:r>
-            <a:endParaRPr b="0" lang="hu-HU" sz="2800" spc="-1" strike="noStrike">
+              <a:rPr lang="hu-HU" sz="2800" b="0" strike="noStrike" spc="-1" dirty="0" err="1">
+                <a:solidFill>
+                  <a:srgbClr val="000000"/>
+                </a:solidFill>
+                <a:uFill>
+                  <a:solidFill>
+                    <a:srgbClr val="FFFFFF"/>
+                  </a:solidFill>
+                </a:uFill>
+                <a:latin typeface="Calibri"/>
+              </a:rPr>
+              <a:t>Passive</a:t>
+            </a:r>
+            <a:r>
+              <a:rPr lang="hu-HU" sz="2800" b="0" strike="noStrike" spc="-1" dirty="0">
+                <a:solidFill>
+                  <a:srgbClr val="000000"/>
+                </a:solidFill>
+                <a:uFill>
+                  <a:solidFill>
+                    <a:srgbClr val="FFFFFF"/>
+                  </a:solidFill>
+                </a:uFill>
+                <a:latin typeface="Calibri"/>
+              </a:rPr>
+              <a:t> </a:t>
+            </a:r>
+            <a:r>
+              <a:rPr lang="hu-HU" sz="2800" b="0" strike="noStrike" spc="-1" dirty="0" err="1">
+                <a:solidFill>
+                  <a:srgbClr val="000000"/>
+                </a:solidFill>
+                <a:uFill>
+                  <a:solidFill>
+                    <a:srgbClr val="FFFFFF"/>
+                  </a:solidFill>
+                </a:uFill>
+                <a:latin typeface="Calibri"/>
+              </a:rPr>
+              <a:t>means</a:t>
+            </a:r>
+            <a:r>
+              <a:rPr lang="hu-HU" sz="2800" b="0" strike="noStrike" spc="-1" dirty="0">
+                <a:solidFill>
+                  <a:srgbClr val="000000"/>
+                </a:solidFill>
+                <a:uFill>
+                  <a:solidFill>
+                    <a:srgbClr val="FFFFFF"/>
+                  </a:solidFill>
+                </a:uFill>
+                <a:latin typeface="Calibri"/>
+              </a:rPr>
+              <a:t>: it </a:t>
+            </a:r>
+            <a:r>
+              <a:rPr lang="hu-HU" sz="2800" b="0" strike="noStrike" spc="-1" dirty="0" err="1">
+                <a:solidFill>
+                  <a:srgbClr val="000000"/>
+                </a:solidFill>
+                <a:uFill>
+                  <a:solidFill>
+                    <a:srgbClr val="FFFFFF"/>
+                  </a:solidFill>
+                </a:uFill>
+                <a:latin typeface="Calibri"/>
+              </a:rPr>
+              <a:t>uses</a:t>
+            </a:r>
+            <a:r>
+              <a:rPr lang="hu-HU" sz="2800" b="0" strike="noStrike" spc="-1" dirty="0">
+                <a:solidFill>
+                  <a:srgbClr val="000000"/>
+                </a:solidFill>
+                <a:uFill>
+                  <a:solidFill>
+                    <a:srgbClr val="FFFFFF"/>
+                  </a:solidFill>
+                </a:uFill>
+                <a:latin typeface="Calibri"/>
+              </a:rPr>
+              <a:t> </a:t>
+            </a:r>
+            <a:r>
+              <a:rPr lang="hu-HU" sz="2800" b="0" strike="noStrike" spc="-1" dirty="0" err="1">
+                <a:solidFill>
+                  <a:srgbClr val="000000"/>
+                </a:solidFill>
+                <a:uFill>
+                  <a:solidFill>
+                    <a:srgbClr val="FFFFFF"/>
+                  </a:solidFill>
+                </a:uFill>
+                <a:latin typeface="Calibri"/>
+              </a:rPr>
+              <a:t>the</a:t>
+            </a:r>
+            <a:r>
+              <a:rPr lang="hu-HU" sz="2800" b="0" strike="noStrike" spc="-1" dirty="0">
+                <a:solidFill>
+                  <a:srgbClr val="000000"/>
+                </a:solidFill>
+                <a:uFill>
+                  <a:solidFill>
+                    <a:srgbClr val="FFFFFF"/>
+                  </a:solidFill>
+                </a:uFill>
+                <a:latin typeface="Calibri"/>
+              </a:rPr>
+              <a:t> </a:t>
+            </a:r>
+            <a:r>
+              <a:rPr lang="hu-HU" sz="2800" b="0" strike="noStrike" spc="-1" dirty="0" err="1">
+                <a:solidFill>
+                  <a:srgbClr val="000000"/>
+                </a:solidFill>
+                <a:uFill>
+                  <a:solidFill>
+                    <a:srgbClr val="FFFFFF"/>
+                  </a:solidFill>
+                </a:uFill>
+                <a:latin typeface="Calibri"/>
+              </a:rPr>
+              <a:t>enegery</a:t>
+            </a:r>
+            <a:r>
+              <a:rPr lang="hu-HU" sz="2800" b="0" strike="noStrike" spc="-1" dirty="0">
+                <a:solidFill>
+                  <a:srgbClr val="000000"/>
+                </a:solidFill>
+                <a:uFill>
+                  <a:solidFill>
+                    <a:srgbClr val="FFFFFF"/>
+                  </a:solidFill>
+                </a:uFill>
+                <a:latin typeface="Calibri"/>
+              </a:rPr>
+              <a:t> </a:t>
+            </a:r>
+            <a:r>
+              <a:rPr lang="hu-HU" sz="2800" b="0" strike="noStrike" spc="-1" dirty="0" err="1">
+                <a:solidFill>
+                  <a:srgbClr val="000000"/>
+                </a:solidFill>
+                <a:uFill>
+                  <a:solidFill>
+                    <a:srgbClr val="FFFFFF"/>
+                  </a:solidFill>
+                </a:uFill>
+                <a:latin typeface="Calibri"/>
+              </a:rPr>
+              <a:t>emmited</a:t>
+            </a:r>
+            <a:r>
+              <a:rPr lang="hu-HU" sz="2800" b="0" strike="noStrike" spc="-1" dirty="0">
+                <a:solidFill>
+                  <a:srgbClr val="000000"/>
+                </a:solidFill>
+                <a:uFill>
+                  <a:solidFill>
+                    <a:srgbClr val="FFFFFF"/>
+                  </a:solidFill>
+                </a:uFill>
+                <a:latin typeface="Calibri"/>
+              </a:rPr>
+              <a:t> </a:t>
+            </a:r>
+            <a:r>
+              <a:rPr lang="hu-HU" sz="2800" b="0" strike="noStrike" spc="-1" dirty="0" err="1">
+                <a:solidFill>
+                  <a:srgbClr val="000000"/>
+                </a:solidFill>
+                <a:uFill>
+                  <a:solidFill>
+                    <a:srgbClr val="FFFFFF"/>
+                  </a:solidFill>
+                </a:uFill>
+                <a:latin typeface="Calibri"/>
+              </a:rPr>
+              <a:t>from</a:t>
+            </a:r>
+            <a:r>
+              <a:rPr lang="hu-HU" sz="2800" b="0" strike="noStrike" spc="-1" dirty="0">
+                <a:solidFill>
+                  <a:srgbClr val="000000"/>
+                </a:solidFill>
+                <a:uFill>
+                  <a:solidFill>
+                    <a:srgbClr val="FFFFFF"/>
+                  </a:solidFill>
+                </a:uFill>
+                <a:latin typeface="Calibri"/>
+              </a:rPr>
+              <a:t> </a:t>
+            </a:r>
+            <a:r>
+              <a:rPr lang="hu-HU" sz="2800" b="0" strike="noStrike" spc="-1" dirty="0" err="1">
+                <a:solidFill>
+                  <a:srgbClr val="000000"/>
+                </a:solidFill>
+                <a:uFill>
+                  <a:solidFill>
+                    <a:srgbClr val="FFFFFF"/>
+                  </a:solidFill>
+                </a:uFill>
+                <a:latin typeface="Calibri"/>
+              </a:rPr>
+              <a:t>the</a:t>
+            </a:r>
+            <a:r>
+              <a:rPr lang="hu-HU" sz="2800" b="0" strike="noStrike" spc="-1" dirty="0">
+                <a:solidFill>
+                  <a:srgbClr val="000000"/>
+                </a:solidFill>
+                <a:uFill>
+                  <a:solidFill>
+                    <a:srgbClr val="FFFFFF"/>
+                  </a:solidFill>
+                </a:uFill>
+                <a:latin typeface="Calibri"/>
+              </a:rPr>
+              <a:t> </a:t>
+            </a:r>
+            <a:r>
+              <a:rPr lang="hu-HU" sz="2800" b="0" strike="noStrike" spc="-1" dirty="0" err="1">
+                <a:solidFill>
+                  <a:srgbClr val="000000"/>
+                </a:solidFill>
+                <a:uFill>
+                  <a:solidFill>
+                    <a:srgbClr val="FFFFFF"/>
+                  </a:solidFill>
+                </a:uFill>
+                <a:latin typeface="Calibri"/>
+              </a:rPr>
+              <a:t>ground</a:t>
+            </a:r>
+            <a:r>
+              <a:rPr lang="hu-HU" sz="2800" b="0" strike="noStrike" spc="-1" dirty="0">
+                <a:solidFill>
+                  <a:srgbClr val="000000"/>
+                </a:solidFill>
+                <a:uFill>
+                  <a:solidFill>
+                    <a:srgbClr val="FFFFFF"/>
+                  </a:solidFill>
+                </a:uFill>
+                <a:latin typeface="Calibri"/>
+              </a:rPr>
+              <a:t>, it </a:t>
+            </a:r>
+            <a:r>
+              <a:rPr lang="hu-HU" sz="2800" b="0" strike="noStrike" spc="-1" dirty="0" err="1">
+                <a:solidFill>
+                  <a:srgbClr val="000000"/>
+                </a:solidFill>
+                <a:uFill>
+                  <a:solidFill>
+                    <a:srgbClr val="FFFFFF"/>
+                  </a:solidFill>
+                </a:uFill>
+                <a:latin typeface="Calibri"/>
+              </a:rPr>
+              <a:t>shaell</a:t>
+            </a:r>
+            <a:r>
+              <a:rPr lang="hu-HU" sz="2800" b="0" strike="noStrike" spc="-1" dirty="0">
+                <a:solidFill>
+                  <a:srgbClr val="000000"/>
+                </a:solidFill>
+                <a:uFill>
+                  <a:solidFill>
+                    <a:srgbClr val="FFFFFF"/>
+                  </a:solidFill>
+                </a:uFill>
+                <a:latin typeface="Calibri"/>
+              </a:rPr>
+              <a:t> be a </a:t>
+            </a:r>
+            <a:r>
+              <a:rPr lang="hu-HU" sz="2800" b="0" strike="noStrike" spc="-1" dirty="0" err="1">
+                <a:solidFill>
+                  <a:srgbClr val="000000"/>
+                </a:solidFill>
+                <a:uFill>
+                  <a:solidFill>
+                    <a:srgbClr val="FFFFFF"/>
+                  </a:solidFill>
+                </a:uFill>
+                <a:latin typeface="Calibri"/>
+              </a:rPr>
+              <a:t>signal</a:t>
+            </a:r>
+            <a:endParaRPr lang="hu-HU" sz="2800" b="0" strike="noStrike" spc="-1" dirty="0">
               <a:solidFill>
                 <a:srgbClr val="000000"/>
               </a:solidFill>
               <a:uFill>
                 <a:solidFill>
-                  <a:srgbClr val="ffffff"/>
+                  <a:srgbClr val="FFFFFF"/>
                 </a:solidFill>
               </a:uFill>
               <a:latin typeface="Calibri"/>
@@ -5732,26 +8430,474 @@
               <a:buChar char="•"/>
             </a:pPr>
             <a:r>
-              <a:rPr b="0" lang="hu-HU" sz="2800" spc="-1" strike="noStrike">
-                <a:solidFill>
-                  <a:srgbClr val="000000"/>
-                </a:solidFill>
-                <a:uFill>
-                  <a:solidFill>
-                    <a:srgbClr val="ffffff"/>
-                  </a:solidFill>
-                </a:uFill>
-                <a:latin typeface="Calibri"/>
-              </a:rPr>
-              <a:t>Active means: painting the targets with energy and uses the using the reflection of these pulses to geadher information</a:t>
-            </a:r>
-            <a:endParaRPr b="0" lang="hu-HU" sz="2800" spc="-1" strike="noStrike">
+              <a:rPr lang="hu-HU" sz="2800" b="0" strike="noStrike" spc="-1" dirty="0" err="1">
+                <a:solidFill>
+                  <a:srgbClr val="000000"/>
+                </a:solidFill>
+                <a:uFill>
+                  <a:solidFill>
+                    <a:srgbClr val="FFFFFF"/>
+                  </a:solidFill>
+                </a:uFill>
+                <a:latin typeface="Calibri"/>
+              </a:rPr>
+              <a:t>Active</a:t>
+            </a:r>
+            <a:r>
+              <a:rPr lang="hu-HU" sz="2800" b="0" strike="noStrike" spc="-1" dirty="0">
+                <a:solidFill>
+                  <a:srgbClr val="000000"/>
+                </a:solidFill>
+                <a:uFill>
+                  <a:solidFill>
+                    <a:srgbClr val="FFFFFF"/>
+                  </a:solidFill>
+                </a:uFill>
+                <a:latin typeface="Calibri"/>
+              </a:rPr>
+              <a:t> </a:t>
+            </a:r>
+            <a:r>
+              <a:rPr lang="hu-HU" sz="2800" b="0" strike="noStrike" spc="-1" dirty="0" err="1">
+                <a:solidFill>
+                  <a:srgbClr val="000000"/>
+                </a:solidFill>
+                <a:uFill>
+                  <a:solidFill>
+                    <a:srgbClr val="FFFFFF"/>
+                  </a:solidFill>
+                </a:uFill>
+                <a:latin typeface="Calibri"/>
+              </a:rPr>
+              <a:t>means</a:t>
+            </a:r>
+            <a:r>
+              <a:rPr lang="hu-HU" sz="2800" b="0" strike="noStrike" spc="-1" dirty="0">
+                <a:solidFill>
+                  <a:srgbClr val="000000"/>
+                </a:solidFill>
+                <a:uFill>
+                  <a:solidFill>
+                    <a:srgbClr val="FFFFFF"/>
+                  </a:solidFill>
+                </a:uFill>
+                <a:latin typeface="Calibri"/>
+              </a:rPr>
+              <a:t>: </a:t>
+            </a:r>
+            <a:r>
+              <a:rPr lang="hu-HU" sz="2800" b="0" strike="noStrike" spc="-1" dirty="0" err="1">
+                <a:solidFill>
+                  <a:srgbClr val="000000"/>
+                </a:solidFill>
+                <a:uFill>
+                  <a:solidFill>
+                    <a:srgbClr val="FFFFFF"/>
+                  </a:solidFill>
+                </a:uFill>
+                <a:latin typeface="Calibri"/>
+              </a:rPr>
+              <a:t>painting</a:t>
+            </a:r>
+            <a:r>
+              <a:rPr lang="hu-HU" sz="2800" b="0" strike="noStrike" spc="-1" dirty="0">
+                <a:solidFill>
+                  <a:srgbClr val="000000"/>
+                </a:solidFill>
+                <a:uFill>
+                  <a:solidFill>
+                    <a:srgbClr val="FFFFFF"/>
+                  </a:solidFill>
+                </a:uFill>
+                <a:latin typeface="Calibri"/>
+              </a:rPr>
+              <a:t> </a:t>
+            </a:r>
+            <a:r>
+              <a:rPr lang="hu-HU" sz="2800" b="0" strike="noStrike" spc="-1" dirty="0" err="1">
+                <a:solidFill>
+                  <a:srgbClr val="000000"/>
+                </a:solidFill>
+                <a:uFill>
+                  <a:solidFill>
+                    <a:srgbClr val="FFFFFF"/>
+                  </a:solidFill>
+                </a:uFill>
+                <a:latin typeface="Calibri"/>
+              </a:rPr>
+              <a:t>the</a:t>
+            </a:r>
+            <a:r>
+              <a:rPr lang="hu-HU" sz="2800" b="0" strike="noStrike" spc="-1" dirty="0">
+                <a:solidFill>
+                  <a:srgbClr val="000000"/>
+                </a:solidFill>
+                <a:uFill>
+                  <a:solidFill>
+                    <a:srgbClr val="FFFFFF"/>
+                  </a:solidFill>
+                </a:uFill>
+                <a:latin typeface="Calibri"/>
+              </a:rPr>
+              <a:t> </a:t>
+            </a:r>
+            <a:r>
+              <a:rPr lang="hu-HU" sz="2800" b="0" strike="noStrike" spc="-1" dirty="0" err="1">
+                <a:solidFill>
+                  <a:srgbClr val="000000"/>
+                </a:solidFill>
+                <a:uFill>
+                  <a:solidFill>
+                    <a:srgbClr val="FFFFFF"/>
+                  </a:solidFill>
+                </a:uFill>
+                <a:latin typeface="Calibri"/>
+              </a:rPr>
+              <a:t>targets</a:t>
+            </a:r>
+            <a:r>
+              <a:rPr lang="hu-HU" sz="2800" b="0" strike="noStrike" spc="-1" dirty="0">
+                <a:solidFill>
+                  <a:srgbClr val="000000"/>
+                </a:solidFill>
+                <a:uFill>
+                  <a:solidFill>
+                    <a:srgbClr val="FFFFFF"/>
+                  </a:solidFill>
+                </a:uFill>
+                <a:latin typeface="Calibri"/>
+              </a:rPr>
+              <a:t> </a:t>
+            </a:r>
+            <a:r>
+              <a:rPr lang="hu-HU" sz="2800" b="0" strike="noStrike" spc="-1" dirty="0" err="1">
+                <a:solidFill>
+                  <a:srgbClr val="000000"/>
+                </a:solidFill>
+                <a:uFill>
+                  <a:solidFill>
+                    <a:srgbClr val="FFFFFF"/>
+                  </a:solidFill>
+                </a:uFill>
+                <a:latin typeface="Calibri"/>
+              </a:rPr>
+              <a:t>with</a:t>
+            </a:r>
+            <a:r>
+              <a:rPr lang="hu-HU" sz="2800" b="0" strike="noStrike" spc="-1" dirty="0">
+                <a:solidFill>
+                  <a:srgbClr val="000000"/>
+                </a:solidFill>
+                <a:uFill>
+                  <a:solidFill>
+                    <a:srgbClr val="FFFFFF"/>
+                  </a:solidFill>
+                </a:uFill>
+                <a:latin typeface="Calibri"/>
+              </a:rPr>
+              <a:t> </a:t>
+            </a:r>
+            <a:r>
+              <a:rPr lang="hu-HU" sz="2800" b="0" strike="noStrike" spc="-1" dirty="0" err="1">
+                <a:solidFill>
+                  <a:srgbClr val="000000"/>
+                </a:solidFill>
+                <a:uFill>
+                  <a:solidFill>
+                    <a:srgbClr val="FFFFFF"/>
+                  </a:solidFill>
+                </a:uFill>
+                <a:latin typeface="Calibri"/>
+              </a:rPr>
+              <a:t>energy</a:t>
+            </a:r>
+            <a:r>
+              <a:rPr lang="hu-HU" sz="2800" b="0" strike="noStrike" spc="-1" dirty="0">
+                <a:solidFill>
+                  <a:srgbClr val="000000"/>
+                </a:solidFill>
+                <a:uFill>
+                  <a:solidFill>
+                    <a:srgbClr val="FFFFFF"/>
+                  </a:solidFill>
+                </a:uFill>
+                <a:latin typeface="Calibri"/>
+              </a:rPr>
+              <a:t> and </a:t>
+            </a:r>
+            <a:r>
+              <a:rPr lang="hu-HU" sz="2800" b="0" strike="noStrike" spc="-1" dirty="0" err="1">
+                <a:solidFill>
+                  <a:srgbClr val="000000"/>
+                </a:solidFill>
+                <a:uFill>
+                  <a:solidFill>
+                    <a:srgbClr val="FFFFFF"/>
+                  </a:solidFill>
+                </a:uFill>
+                <a:latin typeface="Calibri"/>
+              </a:rPr>
+              <a:t>uses</a:t>
+            </a:r>
+            <a:r>
+              <a:rPr lang="hu-HU" sz="2800" b="0" strike="noStrike" spc="-1" dirty="0">
+                <a:solidFill>
+                  <a:srgbClr val="000000"/>
+                </a:solidFill>
+                <a:uFill>
+                  <a:solidFill>
+                    <a:srgbClr val="FFFFFF"/>
+                  </a:solidFill>
+                </a:uFill>
+                <a:latin typeface="Calibri"/>
+              </a:rPr>
+              <a:t> </a:t>
+            </a:r>
+            <a:r>
+              <a:rPr lang="hu-HU" sz="2800" b="0" strike="noStrike" spc="-1" dirty="0" err="1">
+                <a:solidFill>
+                  <a:srgbClr val="000000"/>
+                </a:solidFill>
+                <a:uFill>
+                  <a:solidFill>
+                    <a:srgbClr val="FFFFFF"/>
+                  </a:solidFill>
+                </a:uFill>
+                <a:latin typeface="Calibri"/>
+              </a:rPr>
+              <a:t>the</a:t>
+            </a:r>
+            <a:r>
+              <a:rPr lang="hu-HU" sz="2800" b="0" strike="noStrike" spc="-1" dirty="0">
+                <a:solidFill>
+                  <a:srgbClr val="000000"/>
+                </a:solidFill>
+                <a:uFill>
+                  <a:solidFill>
+                    <a:srgbClr val="FFFFFF"/>
+                  </a:solidFill>
+                </a:uFill>
+                <a:latin typeface="Calibri"/>
+              </a:rPr>
+              <a:t> </a:t>
+            </a:r>
+            <a:r>
+              <a:rPr lang="hu-HU" sz="2800" b="0" strike="noStrike" spc="-1" dirty="0" err="1">
+                <a:solidFill>
+                  <a:srgbClr val="000000"/>
+                </a:solidFill>
+                <a:uFill>
+                  <a:solidFill>
+                    <a:srgbClr val="FFFFFF"/>
+                  </a:solidFill>
+                </a:uFill>
+                <a:latin typeface="Calibri"/>
+              </a:rPr>
+              <a:t>using</a:t>
+            </a:r>
+            <a:r>
+              <a:rPr lang="hu-HU" sz="2800" b="0" strike="noStrike" spc="-1" dirty="0">
+                <a:solidFill>
+                  <a:srgbClr val="000000"/>
+                </a:solidFill>
+                <a:uFill>
+                  <a:solidFill>
+                    <a:srgbClr val="FFFFFF"/>
+                  </a:solidFill>
+                </a:uFill>
+                <a:latin typeface="Calibri"/>
+              </a:rPr>
+              <a:t> </a:t>
+            </a:r>
+            <a:r>
+              <a:rPr lang="hu-HU" sz="2800" b="0" strike="noStrike" spc="-1" dirty="0" err="1">
+                <a:solidFill>
+                  <a:srgbClr val="000000"/>
+                </a:solidFill>
+                <a:uFill>
+                  <a:solidFill>
+                    <a:srgbClr val="FFFFFF"/>
+                  </a:solidFill>
+                </a:uFill>
+                <a:latin typeface="Calibri"/>
+              </a:rPr>
+              <a:t>the</a:t>
+            </a:r>
+            <a:r>
+              <a:rPr lang="hu-HU" sz="2800" b="0" strike="noStrike" spc="-1" dirty="0">
+                <a:solidFill>
+                  <a:srgbClr val="000000"/>
+                </a:solidFill>
+                <a:uFill>
+                  <a:solidFill>
+                    <a:srgbClr val="FFFFFF"/>
+                  </a:solidFill>
+                </a:uFill>
+                <a:latin typeface="Calibri"/>
+              </a:rPr>
+              <a:t> </a:t>
+            </a:r>
+            <a:r>
+              <a:rPr lang="hu-HU" sz="2800" b="0" strike="noStrike" spc="-1" dirty="0" err="1">
+                <a:solidFill>
+                  <a:srgbClr val="000000"/>
+                </a:solidFill>
+                <a:uFill>
+                  <a:solidFill>
+                    <a:srgbClr val="FFFFFF"/>
+                  </a:solidFill>
+                </a:uFill>
+                <a:latin typeface="Calibri"/>
+              </a:rPr>
+              <a:t>reflection</a:t>
+            </a:r>
+            <a:r>
+              <a:rPr lang="hu-HU" sz="2800" b="0" strike="noStrike" spc="-1" dirty="0">
+                <a:solidFill>
+                  <a:srgbClr val="000000"/>
+                </a:solidFill>
+                <a:uFill>
+                  <a:solidFill>
+                    <a:srgbClr val="FFFFFF"/>
+                  </a:solidFill>
+                </a:uFill>
+                <a:latin typeface="Calibri"/>
+              </a:rPr>
+              <a:t> of </a:t>
+            </a:r>
+            <a:r>
+              <a:rPr lang="hu-HU" sz="2800" b="0" strike="noStrike" spc="-1" dirty="0" err="1">
+                <a:solidFill>
+                  <a:srgbClr val="000000"/>
+                </a:solidFill>
+                <a:uFill>
+                  <a:solidFill>
+                    <a:srgbClr val="FFFFFF"/>
+                  </a:solidFill>
+                </a:uFill>
+                <a:latin typeface="Calibri"/>
+              </a:rPr>
+              <a:t>these</a:t>
+            </a:r>
+            <a:r>
+              <a:rPr lang="hu-HU" sz="2800" b="0" strike="noStrike" spc="-1" dirty="0">
+                <a:solidFill>
+                  <a:srgbClr val="000000"/>
+                </a:solidFill>
+                <a:uFill>
+                  <a:solidFill>
+                    <a:srgbClr val="FFFFFF"/>
+                  </a:solidFill>
+                </a:uFill>
+                <a:latin typeface="Calibri"/>
+              </a:rPr>
+              <a:t> </a:t>
+            </a:r>
+            <a:r>
+              <a:rPr lang="hu-HU" sz="2800" b="0" strike="noStrike" spc="-1" dirty="0" err="1">
+                <a:solidFill>
+                  <a:srgbClr val="000000"/>
+                </a:solidFill>
+                <a:uFill>
+                  <a:solidFill>
+                    <a:srgbClr val="FFFFFF"/>
+                  </a:solidFill>
+                </a:uFill>
+                <a:latin typeface="Calibri"/>
+              </a:rPr>
+              <a:t>pulses</a:t>
+            </a:r>
+            <a:r>
+              <a:rPr lang="hu-HU" sz="2800" b="0" strike="noStrike" spc="-1" dirty="0">
+                <a:solidFill>
+                  <a:srgbClr val="000000"/>
+                </a:solidFill>
+                <a:uFill>
+                  <a:solidFill>
+                    <a:srgbClr val="FFFFFF"/>
+                  </a:solidFill>
+                </a:uFill>
+                <a:latin typeface="Calibri"/>
+              </a:rPr>
+              <a:t> </a:t>
+            </a:r>
+            <a:r>
+              <a:rPr lang="hu-HU" sz="2800" b="0" strike="noStrike" spc="-1" dirty="0" err="1">
+                <a:solidFill>
+                  <a:srgbClr val="000000"/>
+                </a:solidFill>
+                <a:uFill>
+                  <a:solidFill>
+                    <a:srgbClr val="FFFFFF"/>
+                  </a:solidFill>
+                </a:uFill>
+                <a:latin typeface="Calibri"/>
+              </a:rPr>
+              <a:t>to</a:t>
+            </a:r>
+            <a:r>
+              <a:rPr lang="hu-HU" sz="2800" b="0" strike="noStrike" spc="-1" dirty="0">
+                <a:solidFill>
+                  <a:srgbClr val="000000"/>
+                </a:solidFill>
+                <a:uFill>
+                  <a:solidFill>
+                    <a:srgbClr val="FFFFFF"/>
+                  </a:solidFill>
+                </a:uFill>
+                <a:latin typeface="Calibri"/>
+              </a:rPr>
+              <a:t> </a:t>
+            </a:r>
+            <a:r>
+              <a:rPr lang="hu-HU" sz="2800" b="0" strike="noStrike" spc="-1" dirty="0" err="1">
+                <a:solidFill>
+                  <a:srgbClr val="000000"/>
+                </a:solidFill>
+                <a:uFill>
+                  <a:solidFill>
+                    <a:srgbClr val="FFFFFF"/>
+                  </a:solidFill>
+                </a:uFill>
+                <a:latin typeface="Calibri"/>
+              </a:rPr>
+              <a:t>geadher</a:t>
+            </a:r>
+            <a:r>
+              <a:rPr lang="hu-HU" sz="2800" b="0" strike="noStrike" spc="-1" dirty="0">
+                <a:solidFill>
+                  <a:srgbClr val="000000"/>
+                </a:solidFill>
+                <a:uFill>
+                  <a:solidFill>
+                    <a:srgbClr val="FFFFFF"/>
+                  </a:solidFill>
+                </a:uFill>
+                <a:latin typeface="Calibri"/>
+              </a:rPr>
+              <a:t> </a:t>
+            </a:r>
+            <a:r>
+              <a:rPr lang="hu-HU" sz="2800" b="0" strike="noStrike" spc="-1" dirty="0" err="1">
+                <a:solidFill>
+                  <a:srgbClr val="000000"/>
+                </a:solidFill>
+                <a:uFill>
+                  <a:solidFill>
+                    <a:srgbClr val="FFFFFF"/>
+                  </a:solidFill>
+                </a:uFill>
+                <a:latin typeface="Calibri"/>
+              </a:rPr>
+              <a:t>information</a:t>
+            </a:r>
+            <a:endParaRPr lang="hu-HU" sz="2800" b="0" strike="noStrike" spc="-1" dirty="0">
               <a:solidFill>
                 <a:srgbClr val="000000"/>
               </a:solidFill>
               <a:uFill>
                 <a:solidFill>
-                  <a:srgbClr val="ffffff"/>
+                  <a:srgbClr val="FFFFFF"/>
                 </a:solidFill>
               </a:uFill>
               <a:latin typeface="Calibri"/>
@@ -5761,11 +8907,14 @@
       </p:sp>
     </p:spTree>
   </p:cSld>
+  <p:clrMapOvr>
+    <a:masterClrMapping/>
+  </p:clrMapOvr>
 </p:sld>
 </file>
 
 <file path=ppt/slides/slide4.xml><?xml version="1.0" encoding="utf-8"?>
-<p:sld xmlns:a="http://schemas.openxmlformats.org/drawingml/2006/main" xmlns:p="http://schemas.openxmlformats.org/presentationml/2006/main" xmlns:r="http://schemas.openxmlformats.org/officeDocument/2006/relationships" xmlns:p14="http://schemas.microsoft.com/office/powerpoint/2010/main" xmlns:p15="http://schemas.microsoft.com/office/powerpoint/2012/main" xmlns:mc="http://schemas.openxmlformats.org/markup-compatibility/2006">
+<p:sld xmlns:a="http://schemas.openxmlformats.org/drawingml/2006/main" xmlns:r="http://schemas.openxmlformats.org/officeDocument/2006/relationships" xmlns:p="http://schemas.openxmlformats.org/presentationml/2006/main">
   <p:cSld>
     <p:spTree>
       <p:nvGrpSpPr>
@@ -5802,6 +8951,7 @@
         </p:spPr>
         <p:txBody>
           <a:bodyPr anchor="ctr"/>
+          <a:lstStyle/>
           <a:p>
             <a:pPr algn="ctr">
               <a:lnSpc>
@@ -5809,40 +8959,26 @@
               </a:lnSpc>
             </a:pPr>
             <a:r>
-              <a:rPr b="0" lang="hu-HU" sz="4000" spc="-1" strike="noStrike">
-                <a:solidFill>
-                  <a:srgbClr val="000000"/>
-                </a:solidFill>
-                <a:uFill>
-                  <a:solidFill>
-                    <a:srgbClr val="ffffff"/>
+              <a:rPr lang="hu-HU" sz="4000" b="0" strike="noStrike" spc="-1">
+                <a:solidFill>
+                  <a:srgbClr val="000000"/>
+                </a:solidFill>
+                <a:uFill>
+                  <a:solidFill>
+                    <a:srgbClr val="FFFFFF"/>
                   </a:solidFill>
                 </a:uFill>
                 <a:latin typeface="Calibri Light"/>
               </a:rPr>
-              <a:t> </a:t>
-            </a:r>
-            <a:r>
-              <a:rPr b="0" lang="hu-HU" sz="4000" spc="-1" strike="noStrike">
-                <a:solidFill>
-                  <a:srgbClr val="000000"/>
-                </a:solidFill>
-                <a:uFill>
-                  <a:solidFill>
-                    <a:srgbClr val="ffffff"/>
-                  </a:solidFill>
-                </a:uFill>
-                <a:latin typeface="Calibri Light"/>
-              </a:rPr>
-              <a:t>Apply Key Concepts and Transaction Strategies</a:t>
-            </a:r>
-            <a:endParaRPr b="0" lang="hu-HU" sz="1800" spc="-1" strike="noStrike">
+              <a:t> Apply Key Concepts and Transaction Strategies</a:t>
+            </a:r>
+            <a:endParaRPr lang="hu-HU" sz="1800" b="0" strike="noStrike" spc="-1">
               <a:solidFill>
                 <a:srgbClr val="000000"/>
               </a:solidFill>
               <a:uFill>
                 <a:solidFill>
-                  <a:srgbClr val="ffffff"/>
+                  <a:srgbClr val="FFFFFF"/>
                 </a:solidFill>
               </a:uFill>
               <a:latin typeface="Calibri"/>
@@ -5871,6 +9007,7 @@
         </p:spPr>
         <p:txBody>
           <a:bodyPr/>
+          <a:lstStyle/>
           <a:p>
             <a:pPr marL="228600" indent="-228240">
               <a:lnSpc>
@@ -5883,30 +9020,19 @@
               <a:buChar char="•"/>
             </a:pPr>
             <a:r>
-              <a:rPr b="0" lang="hu-HU" sz="2800" spc="-1" strike="noStrike">
-                <a:solidFill>
-                  <a:srgbClr val="000000"/>
-                </a:solidFill>
-                <a:uFill>
-                  <a:solidFill>
-                    <a:srgbClr val="ffffff"/>
+              <a:rPr lang="hu-HU" sz="2800" b="0" strike="noStrike" spc="-1">
+                <a:solidFill>
+                  <a:srgbClr val="000000"/>
+                </a:solidFill>
+                <a:uFill>
+                  <a:solidFill>
+                    <a:srgbClr val="FFFFFF"/>
                   </a:solidFill>
                 </a:uFill>
                 <a:latin typeface="Calibri"/>
               </a:rPr>
               <a:t>Oppsite of real-world strategy</a:t>
             </a:r>
-            <a:endParaRPr b="0" lang="hu-HU" sz="2800" spc="-1" strike="noStrike">
-              <a:solidFill>
-                <a:srgbClr val="000000"/>
-              </a:solidFill>
-              <a:uFill>
-                <a:solidFill>
-                  <a:srgbClr val="ffffff"/>
-                </a:solidFill>
-              </a:uFill>
-              <a:latin typeface="Calibri"/>
-            </a:endParaRPr>
           </a:p>
           <a:p>
             <a:pPr marL="228600" indent="-228240">
@@ -5920,30 +9046,19 @@
               <a:buChar char="•"/>
             </a:pPr>
             <a:r>
-              <a:rPr b="0" lang="hu-HU" sz="2800" spc="-1" strike="noStrike">
-                <a:solidFill>
-                  <a:srgbClr val="000000"/>
-                </a:solidFill>
-                <a:uFill>
-                  <a:solidFill>
-                    <a:srgbClr val="ffffff"/>
+              <a:rPr lang="hu-HU" sz="2800" b="0" strike="noStrike" spc="-1">
+                <a:solidFill>
+                  <a:srgbClr val="000000"/>
+                </a:solidFill>
+                <a:uFill>
+                  <a:solidFill>
+                    <a:srgbClr val="FFFFFF"/>
                   </a:solidFill>
                 </a:uFill>
                 <a:latin typeface="Calibri"/>
               </a:rPr>
               <a:t>Find the essential concepts of a domain of discourse</a:t>
             </a:r>
-            <a:endParaRPr b="0" lang="hu-HU" sz="2800" spc="-1" strike="noStrike">
-              <a:solidFill>
-                <a:srgbClr val="000000"/>
-              </a:solidFill>
-              <a:uFill>
-                <a:solidFill>
-                  <a:srgbClr val="ffffff"/>
-                </a:solidFill>
-              </a:uFill>
-              <a:latin typeface="Calibri"/>
-            </a:endParaRPr>
           </a:p>
           <a:p>
             <a:pPr marL="228600" indent="-228240">
@@ -5957,30 +9072,19 @@
               <a:buChar char="•"/>
             </a:pPr>
             <a:r>
-              <a:rPr b="0" lang="hu-HU" sz="2800" spc="-1" strike="noStrike">
-                <a:solidFill>
-                  <a:srgbClr val="000000"/>
-                </a:solidFill>
-                <a:uFill>
-                  <a:solidFill>
-                    <a:srgbClr val="ffffff"/>
+              <a:rPr lang="hu-HU" sz="2800" b="0" strike="noStrike" spc="-1">
+                <a:solidFill>
+                  <a:srgbClr val="000000"/>
+                </a:solidFill>
+                <a:uFill>
+                  <a:solidFill>
+                    <a:srgbClr val="FFFFFF"/>
                   </a:solidFill>
                 </a:uFill>
                 <a:latin typeface="Calibri"/>
               </a:rPr>
               <a:t>For instance: an account in a banking system</a:t>
             </a:r>
-            <a:endParaRPr b="0" lang="hu-HU" sz="2800" spc="-1" strike="noStrike">
-              <a:solidFill>
-                <a:srgbClr val="000000"/>
-              </a:solidFill>
-              <a:uFill>
-                <a:solidFill>
-                  <a:srgbClr val="ffffff"/>
-                </a:solidFill>
-              </a:uFill>
-              <a:latin typeface="Calibri"/>
-            </a:endParaRPr>
           </a:p>
           <a:p>
             <a:pPr marL="228600" indent="-228240">
@@ -5994,30 +9098,19 @@
               <a:buChar char="•"/>
             </a:pPr>
             <a:r>
-              <a:rPr b="0" lang="hu-HU" sz="2800" spc="-1" strike="noStrike">
-                <a:solidFill>
-                  <a:srgbClr val="000000"/>
-                </a:solidFill>
-                <a:uFill>
-                  <a:solidFill>
-                    <a:srgbClr val="ffffff"/>
+              <a:rPr lang="hu-HU" sz="2800" b="0" strike="noStrike" spc="-1">
+                <a:solidFill>
+                  <a:srgbClr val="000000"/>
+                </a:solidFill>
+                <a:uFill>
+                  <a:solidFill>
+                    <a:srgbClr val="FFFFFF"/>
                   </a:solidFill>
                 </a:uFill>
                 <a:latin typeface="Calibri"/>
               </a:rPr>
               <a:t>Transaction: Reification of an interaction between objects</a:t>
             </a:r>
-            <a:endParaRPr b="0" lang="hu-HU" sz="2800" spc="-1" strike="noStrike">
-              <a:solidFill>
-                <a:srgbClr val="000000"/>
-              </a:solidFill>
-              <a:uFill>
-                <a:solidFill>
-                  <a:srgbClr val="ffffff"/>
-                </a:solidFill>
-              </a:uFill>
-              <a:latin typeface="Calibri"/>
-            </a:endParaRPr>
           </a:p>
           <a:p>
             <a:pPr marL="228600" indent="-228240">
@@ -6031,40 +9124,32 @@
               <a:buChar char="•"/>
             </a:pPr>
             <a:r>
-              <a:rPr b="0" lang="hu-HU" sz="2800" spc="-1" strike="noStrike">
-                <a:solidFill>
-                  <a:srgbClr val="000000"/>
-                </a:solidFill>
-                <a:uFill>
-                  <a:solidFill>
-                    <a:srgbClr val="ffffff"/>
+              <a:rPr lang="hu-HU" sz="2800" b="0" strike="noStrike" spc="-1">
+                <a:solidFill>
+                  <a:srgbClr val="000000"/>
+                </a:solidFill>
+                <a:uFill>
+                  <a:solidFill>
+                    <a:srgbClr val="FFFFFF"/>
                   </a:solidFill>
                 </a:uFill>
                 <a:latin typeface="Calibri"/>
               </a:rPr>
               <a:t>For instance: A withdrawal from a bank account is a transactional object.</a:t>
             </a:r>
-            <a:endParaRPr b="0" lang="hu-HU" sz="2800" spc="-1" strike="noStrike">
-              <a:solidFill>
-                <a:srgbClr val="000000"/>
-              </a:solidFill>
-              <a:uFill>
-                <a:solidFill>
-                  <a:srgbClr val="ffffff"/>
-                </a:solidFill>
-              </a:uFill>
-              <a:latin typeface="Calibri"/>
-            </a:endParaRPr>
           </a:p>
         </p:txBody>
       </p:sp>
     </p:spTree>
   </p:cSld>
+  <p:clrMapOvr>
+    <a:masterClrMapping/>
+  </p:clrMapOvr>
 </p:sld>
 </file>
 
 <file path=ppt/slides/slide5.xml><?xml version="1.0" encoding="utf-8"?>
-<p:sld xmlns:a="http://schemas.openxmlformats.org/drawingml/2006/main" xmlns:p="http://schemas.openxmlformats.org/presentationml/2006/main" xmlns:r="http://schemas.openxmlformats.org/officeDocument/2006/relationships" xmlns:p14="http://schemas.microsoft.com/office/powerpoint/2010/main" xmlns:p15="http://schemas.microsoft.com/office/powerpoint/2012/main" xmlns:mc="http://schemas.openxmlformats.org/markup-compatibility/2006">
+<p:sld xmlns:a="http://schemas.openxmlformats.org/drawingml/2006/main" xmlns:r="http://schemas.openxmlformats.org/officeDocument/2006/relationships" xmlns:p="http://schemas.openxmlformats.org/presentationml/2006/main">
   <p:cSld>
     <p:spTree>
       <p:nvGrpSpPr>
@@ -6101,6 +9186,7 @@
         </p:spPr>
         <p:txBody>
           <a:bodyPr anchor="ctr"/>
+          <a:lstStyle/>
           <a:p>
             <a:pPr algn="ctr">
               <a:lnSpc>
@@ -6108,26 +9194,26 @@
               </a:lnSpc>
             </a:pPr>
             <a:r>
-              <a:rPr b="0" lang="hu-HU" sz="3600" spc="-1" strike="noStrike">
-                <a:solidFill>
-                  <a:srgbClr val="000000"/>
-                </a:solidFill>
-                <a:uFill>
-                  <a:solidFill>
-                    <a:srgbClr val="ffffff"/>
+              <a:rPr lang="hu-HU" sz="3600" b="0" strike="noStrike" spc="-1">
+                <a:solidFill>
+                  <a:srgbClr val="000000"/>
+                </a:solidFill>
+                <a:uFill>
+                  <a:solidFill>
+                    <a:srgbClr val="FFFFFF"/>
                   </a:solidFill>
                 </a:uFill>
                 <a:latin typeface="Calibri Light"/>
               </a:rPr>
               <a:t>Apply Identify Visual Elements and Scenarios Strategies</a:t>
             </a:r>
-            <a:endParaRPr b="0" lang="hu-HU" sz="1800" spc="-1" strike="noStrike">
+            <a:endParaRPr lang="hu-HU" sz="1800" b="0" strike="noStrike" spc="-1">
               <a:solidFill>
                 <a:srgbClr val="000000"/>
               </a:solidFill>
               <a:uFill>
                 <a:solidFill>
-                  <a:srgbClr val="ffffff"/>
+                  <a:srgbClr val="FFFFFF"/>
                 </a:solidFill>
               </a:uFill>
               <a:latin typeface="Calibri"/>
@@ -6156,6 +9242,7 @@
         </p:spPr>
         <p:txBody>
           <a:bodyPr/>
+          <a:lstStyle/>
           <a:p>
             <a:pPr marL="228600" indent="-228240">
               <a:lnSpc>
@@ -6168,30 +9255,19 @@
               <a:buChar char="•"/>
             </a:pPr>
             <a:r>
-              <a:rPr b="0" lang="hu-HU" sz="2800" spc="-1" strike="noStrike">
-                <a:solidFill>
-                  <a:srgbClr val="000000"/>
-                </a:solidFill>
-                <a:uFill>
-                  <a:solidFill>
-                    <a:srgbClr val="ffffff"/>
+              <a:rPr lang="hu-HU" sz="2800" b="0" strike="noStrike" spc="-1">
+                <a:solidFill>
+                  <a:srgbClr val="000000"/>
+                </a:solidFill>
+                <a:uFill>
+                  <a:solidFill>
+                    <a:srgbClr val="FFFFFF"/>
                   </a:solidFill>
                 </a:uFill>
                 <a:latin typeface="Calibri"/>
               </a:rPr>
               <a:t>VE startegy is related to Scenarios strtagey (during considering a scenario we should gadher interfaces for the sceanrios)</a:t>
             </a:r>
-            <a:endParaRPr b="0" lang="hu-HU" sz="2800" spc="-1" strike="noStrike">
-              <a:solidFill>
-                <a:srgbClr val="000000"/>
-              </a:solidFill>
-              <a:uFill>
-                <a:solidFill>
-                  <a:srgbClr val="ffffff"/>
-                </a:solidFill>
-              </a:uFill>
-              <a:latin typeface="Calibri"/>
-            </a:endParaRPr>
           </a:p>
           <a:p>
             <a:pPr marL="228600" indent="-228240">
@@ -6205,30 +9281,19 @@
               <a:buChar char="•"/>
             </a:pPr>
             <a:r>
-              <a:rPr b="0" lang="hu-HU" sz="2800" spc="-1" strike="noStrike">
-                <a:solidFill>
-                  <a:srgbClr val="000000"/>
-                </a:solidFill>
-                <a:uFill>
-                  <a:solidFill>
-                    <a:srgbClr val="ffffff"/>
+              <a:rPr lang="hu-HU" sz="2800" b="0" strike="noStrike" spc="-1">
+                <a:solidFill>
+                  <a:srgbClr val="000000"/>
+                </a:solidFill>
+                <a:uFill>
+                  <a:solidFill>
+                    <a:srgbClr val="FFFFFF"/>
                   </a:solidFill>
                 </a:uFill>
                 <a:latin typeface="Calibri"/>
               </a:rPr>
               <a:t>The easisest way to create a working collaboration of classes to realize an use case</a:t>
             </a:r>
-            <a:endParaRPr b="0" lang="hu-HU" sz="2800" spc="-1" strike="noStrike">
-              <a:solidFill>
-                <a:srgbClr val="000000"/>
-              </a:solidFill>
-              <a:uFill>
-                <a:solidFill>
-                  <a:srgbClr val="ffffff"/>
-                </a:solidFill>
-              </a:uFill>
-              <a:latin typeface="Calibri"/>
-            </a:endParaRPr>
           </a:p>
           <a:p>
             <a:pPr marL="228600" indent="-228240">
@@ -6242,13 +9307,13 @@
               <a:buChar char="•"/>
             </a:pPr>
             <a:r>
-              <a:rPr b="0" lang="hu-HU" sz="2800" spc="-1" strike="noStrike">
-                <a:solidFill>
-                  <a:srgbClr val="000000"/>
-                </a:solidFill>
-                <a:uFill>
-                  <a:solidFill>
-                    <a:srgbClr val="ffffff"/>
+              <a:rPr lang="hu-HU" sz="2800" b="0" strike="noStrike" spc="-1">
+                <a:solidFill>
+                  <a:srgbClr val="000000"/>
+                </a:solidFill>
+                <a:uFill>
+                  <a:solidFill>
+                    <a:srgbClr val="FFFFFF"/>
                   </a:solidFill>
                 </a:uFill>
                 <a:latin typeface="Calibri"/>
@@ -6256,13 +9321,13 @@
               <a:t>In small systems (like </a:t>
             </a:r>
             <a:r>
-              <a:rPr b="0" lang="hu-HU" sz="2800" spc="-1" strike="noStrike" u="sng">
-                <a:solidFill>
-                  <a:srgbClr val="000000"/>
-                </a:solidFill>
-                <a:uFill>
-                  <a:solidFill>
-                    <a:srgbClr val="ffffff"/>
+              <a:rPr lang="hu-HU" sz="2800" b="0" u="sng" strike="noStrike" spc="-1">
+                <a:solidFill>
+                  <a:srgbClr val="000000"/>
+                </a:solidFill>
+                <a:uFill>
+                  <a:solidFill>
+                    <a:srgbClr val="FFFFFF"/>
                   </a:solidFill>
                 </a:uFill>
                 <a:latin typeface="Calibri"/>
@@ -6270,30 +9335,19 @@
               <a:t>RTLC</a:t>
             </a:r>
             <a:r>
-              <a:rPr b="0" lang="hu-HU" sz="2800" spc="-1" strike="noStrike">
-                <a:solidFill>
-                  <a:srgbClr val="000000"/>
-                </a:solidFill>
-                <a:uFill>
-                  <a:solidFill>
-                    <a:srgbClr val="ffffff"/>
+              <a:rPr lang="hu-HU" sz="2800" b="0" strike="noStrike" spc="-1">
+                <a:solidFill>
+                  <a:srgbClr val="000000"/>
+                </a:solidFill>
+                <a:uFill>
+                  <a:solidFill>
+                    <a:srgbClr val="FFFFFF"/>
                   </a:solidFill>
                 </a:uFill>
                 <a:latin typeface="Calibri"/>
               </a:rPr>
               <a:t>) system-level use cases are used while in bigger system subsystem-level user cases are used.</a:t>
             </a:r>
-            <a:endParaRPr b="0" lang="hu-HU" sz="2800" spc="-1" strike="noStrike">
-              <a:solidFill>
-                <a:srgbClr val="000000"/>
-              </a:solidFill>
-              <a:uFill>
-                <a:solidFill>
-                  <a:srgbClr val="ffffff"/>
-                </a:solidFill>
-              </a:uFill>
-              <a:latin typeface="Calibri"/>
-            </a:endParaRPr>
           </a:p>
           <a:p>
             <a:pPr marL="228600" indent="-228240">
@@ -6307,51 +9361,43 @@
               <a:buChar char="•"/>
             </a:pPr>
             <a:r>
-              <a:rPr b="0" lang="hu-HU" sz="2800" spc="-1" strike="noStrike">
-                <a:solidFill>
-                  <a:srgbClr val="000000"/>
-                </a:solidFill>
-                <a:uFill>
-                  <a:solidFill>
-                    <a:srgbClr val="ffffff"/>
+              <a:rPr lang="hu-HU" sz="2800" b="0" strike="noStrike" spc="-1">
+                <a:solidFill>
+                  <a:srgbClr val="000000"/>
+                </a:solidFill>
+                <a:uFill>
+                  <a:solidFill>
+                    <a:srgbClr val="FFFFFF"/>
                   </a:solidFill>
                 </a:uFill>
                 <a:latin typeface="Calibri"/>
               </a:rPr>
               <a:t>This elaboration is able to done in-line or by decomposition</a:t>
             </a:r>
-            <a:endParaRPr b="0" lang="hu-HU" sz="2800" spc="-1" strike="noStrike">
-              <a:solidFill>
-                <a:srgbClr val="000000"/>
-              </a:solidFill>
-              <a:uFill>
-                <a:solidFill>
-                  <a:srgbClr val="ffffff"/>
-                </a:solidFill>
-              </a:uFill>
-              <a:latin typeface="Calibri"/>
-            </a:endParaRPr>
           </a:p>
         </p:txBody>
       </p:sp>
     </p:spTree>
   </p:cSld>
+  <p:clrMapOvr>
+    <a:masterClrMapping/>
+  </p:clrMapOvr>
   <p:timing>
     <p:tnLst>
       <p:par>
-        <p:cTn id="5" dur="indefinite" restart="never" nodeType="tmRoot">
+        <p:cTn id="1" dur="indefinite" restart="never" nodeType="tmRoot">
           <p:childTnLst>
             <p:seq>
-              <p:cTn id="6" nodeType="mainSeq"/>
+              <p:cTn id="2" nodeType="mainSeq"/>
               <p:prevCondLst>
-                <p:cond delay="0" evt="onPrev">
+                <p:cond evt="onPrev" delay="0">
                   <p:tgtEl>
                     <p:sldTgt/>
                   </p:tgtEl>
                 </p:cond>
               </p:prevCondLst>
               <p:nextCondLst>
-                <p:cond delay="0" evt="onNext">
+                <p:cond evt="onNext" delay="0">
                   <p:tgtEl>
                     <p:sldTgt/>
                   </p:tgtEl>
@@ -6367,7 +9413,7 @@
 </file>
 
 <file path=ppt/slides/slide6.xml><?xml version="1.0" encoding="utf-8"?>
-<p:sld xmlns:a="http://schemas.openxmlformats.org/drawingml/2006/main" xmlns:p="http://schemas.openxmlformats.org/presentationml/2006/main" xmlns:r="http://schemas.openxmlformats.org/officeDocument/2006/relationships" xmlns:p14="http://schemas.microsoft.com/office/powerpoint/2010/main" xmlns:p15="http://schemas.microsoft.com/office/powerpoint/2012/main" xmlns:mc="http://schemas.openxmlformats.org/markup-compatibility/2006">
+<p:sld xmlns:a="http://schemas.openxmlformats.org/drawingml/2006/main" xmlns:r="http://schemas.openxmlformats.org/officeDocument/2006/relationships" xmlns:p="http://schemas.openxmlformats.org/presentationml/2006/main">
   <p:cSld>
     <p:spTree>
       <p:nvGrpSpPr>
@@ -6391,7 +9437,7 @@
         </p:nvSpPr>
         <p:spPr>
           <a:xfrm>
-            <a:off x="838080" y="365040"/>
+            <a:off x="819419" y="-51480"/>
             <a:ext cx="10515240" cy="1325160"/>
           </a:xfrm>
           <a:prstGeom prst="rect">
@@ -6403,29 +9449,143 @@
           </a:ln>
         </p:spPr>
         <p:txBody>
-          <a:bodyPr lIns="0" rIns="0" tIns="0" bIns="0" anchor="ctr"/>
-          <a:p>
-            <a:r>
-              <a:rPr b="0" lang="hu-HU" sz="1800" spc="-1" strike="noStrike">
-                <a:solidFill>
-                  <a:srgbClr val="000000"/>
-                </a:solidFill>
-                <a:uFill>
-                  <a:solidFill>
-                    <a:srgbClr val="ffffff"/>
-                  </a:solidFill>
-                </a:uFill>
-                <a:latin typeface="Calibri"/>
-              </a:rPr>
-              <a:t>High level seqence diagram before eloberation</a:t>
-            </a:r>
-            <a:endParaRPr b="0" lang="hu-HU" sz="1800" spc="-1" strike="noStrike">
+          <a:bodyPr lIns="0" tIns="0" rIns="0" bIns="0" anchor="ctr"/>
+          <a:lstStyle/>
+          <a:p>
+            <a:pPr algn="ctr"/>
+            <a:r>
+              <a:rPr lang="hu-HU" sz="2400" b="0" strike="noStrike" spc="-1" dirty="0" err="1">
+                <a:solidFill>
+                  <a:srgbClr val="000000"/>
+                </a:solidFill>
+                <a:uFill>
+                  <a:solidFill>
+                    <a:srgbClr val="FFFFFF"/>
+                  </a:solidFill>
+                </a:uFill>
+                <a:latin typeface="Calibri"/>
+              </a:rPr>
+              <a:t>High</a:t>
+            </a:r>
+            <a:r>
+              <a:rPr lang="hu-HU" sz="2400" b="0" strike="noStrike" spc="-1" dirty="0">
+                <a:solidFill>
+                  <a:srgbClr val="000000"/>
+                </a:solidFill>
+                <a:uFill>
+                  <a:solidFill>
+                    <a:srgbClr val="FFFFFF"/>
+                  </a:solidFill>
+                </a:uFill>
+                <a:latin typeface="Calibri"/>
+              </a:rPr>
+              <a:t> </a:t>
+            </a:r>
+            <a:r>
+              <a:rPr lang="hu-HU" sz="2400" b="0" strike="noStrike" spc="-1" dirty="0" err="1">
+                <a:solidFill>
+                  <a:srgbClr val="000000"/>
+                </a:solidFill>
+                <a:uFill>
+                  <a:solidFill>
+                    <a:srgbClr val="FFFFFF"/>
+                  </a:solidFill>
+                </a:uFill>
+                <a:latin typeface="Calibri"/>
+              </a:rPr>
+              <a:t>level</a:t>
+            </a:r>
+            <a:r>
+              <a:rPr lang="hu-HU" sz="2400" b="0" strike="noStrike" spc="-1" dirty="0">
+                <a:solidFill>
+                  <a:srgbClr val="000000"/>
+                </a:solidFill>
+                <a:uFill>
+                  <a:solidFill>
+                    <a:srgbClr val="FFFFFF"/>
+                  </a:solidFill>
+                </a:uFill>
+                <a:latin typeface="Calibri"/>
+              </a:rPr>
+              <a:t> </a:t>
+            </a:r>
+            <a:r>
+              <a:rPr lang="hu-HU" sz="2400" b="0" strike="noStrike" spc="-1" dirty="0" err="1">
+                <a:solidFill>
+                  <a:srgbClr val="000000"/>
+                </a:solidFill>
+                <a:uFill>
+                  <a:solidFill>
+                    <a:srgbClr val="FFFFFF"/>
+                  </a:solidFill>
+                </a:uFill>
+                <a:latin typeface="Calibri"/>
+              </a:rPr>
+              <a:t>seqence</a:t>
+            </a:r>
+            <a:r>
+              <a:rPr lang="hu-HU" sz="2400" b="0" strike="noStrike" spc="-1" dirty="0">
+                <a:solidFill>
+                  <a:srgbClr val="000000"/>
+                </a:solidFill>
+                <a:uFill>
+                  <a:solidFill>
+                    <a:srgbClr val="FFFFFF"/>
+                  </a:solidFill>
+                </a:uFill>
+                <a:latin typeface="Calibri"/>
+              </a:rPr>
+              <a:t> diagram </a:t>
+            </a:r>
+            <a:r>
+              <a:rPr lang="hu-HU" sz="2400" b="0" strike="noStrike" spc="-1" dirty="0" err="1">
+                <a:solidFill>
+                  <a:srgbClr val="000000"/>
+                </a:solidFill>
+                <a:uFill>
+                  <a:solidFill>
+                    <a:srgbClr val="FFFFFF"/>
+                  </a:solidFill>
+                </a:uFill>
+                <a:latin typeface="Calibri"/>
+              </a:rPr>
+              <a:t>before</a:t>
+            </a:r>
+            <a:r>
+              <a:rPr lang="hu-HU" sz="2400" b="0" strike="noStrike" spc="-1" dirty="0">
+                <a:solidFill>
+                  <a:srgbClr val="000000"/>
+                </a:solidFill>
+                <a:uFill>
+                  <a:solidFill>
+                    <a:srgbClr val="FFFFFF"/>
+                  </a:solidFill>
+                </a:uFill>
+                <a:latin typeface="Calibri"/>
+              </a:rPr>
+              <a:t> </a:t>
+            </a:r>
+            <a:r>
+              <a:rPr lang="hu-HU" sz="2400" b="0" strike="noStrike" spc="-1" dirty="0" err="1">
+                <a:solidFill>
+                  <a:srgbClr val="000000"/>
+                </a:solidFill>
+                <a:uFill>
+                  <a:solidFill>
+                    <a:srgbClr val="FFFFFF"/>
+                  </a:solidFill>
+                </a:uFill>
+                <a:latin typeface="Calibri"/>
+              </a:rPr>
+              <a:t>eloberation</a:t>
+            </a:r>
+            <a:endParaRPr lang="hu-HU" sz="2400" b="0" strike="noStrike" spc="-1" dirty="0">
               <a:solidFill>
                 <a:srgbClr val="000000"/>
               </a:solidFill>
               <a:uFill>
                 <a:solidFill>
-                  <a:srgbClr val="ffffff"/>
+                  <a:srgbClr val="FFFFFF"/>
                 </a:solidFill>
               </a:uFill>
               <a:latin typeface="Calibri"/>
@@ -6435,17 +9595,17 @@
       </p:sp>
       <p:pic>
         <p:nvPicPr>
-          <p:cNvPr id="89" name="" descr=""/>
+          <p:cNvPr id="89" name="Kép 88"/>
           <p:cNvPicPr/>
           <p:nvPr/>
         </p:nvPicPr>
         <p:blipFill>
-          <a:blip r:embed="rId1"/>
+          <a:blip r:embed="rId2"/>
           <a:stretch/>
         </p:blipFill>
         <p:spPr>
           <a:xfrm>
-            <a:off x="2750400" y="1150560"/>
+            <a:off x="2722408" y="1273680"/>
             <a:ext cx="6942240" cy="5584320"/>
           </a:xfrm>
           <a:prstGeom prst="rect">
@@ -6458,22 +9618,25 @@
       </p:pic>
     </p:spTree>
   </p:cSld>
+  <p:clrMapOvr>
+    <a:masterClrMapping/>
+  </p:clrMapOvr>
   <p:timing>
     <p:tnLst>
       <p:par>
-        <p:cTn id="7" dur="indefinite" restart="never" nodeType="tmRoot">
+        <p:cTn id="1" dur="indefinite" restart="never" nodeType="tmRoot">
           <p:childTnLst>
             <p:seq>
-              <p:cTn id="8" nodeType="mainSeq"/>
+              <p:cTn id="2" nodeType="mainSeq"/>
               <p:prevCondLst>
-                <p:cond delay="0" evt="onPrev">
+                <p:cond evt="onPrev" delay="0">
                   <p:tgtEl>
                     <p:sldTgt/>
                   </p:tgtEl>
                 </p:cond>
               </p:prevCondLst>
               <p:nextCondLst>
-                <p:cond delay="0" evt="onNext">
+                <p:cond evt="onNext" delay="0">
                   <p:tgtEl>
                     <p:sldTgt/>
                   </p:tgtEl>
@@ -6489,7 +9652,7 @@
 </file>
 
 <file path=ppt/slides/slide7.xml><?xml version="1.0" encoding="utf-8"?>
-<p:sld xmlns:a="http://schemas.openxmlformats.org/drawingml/2006/main" xmlns:p="http://schemas.openxmlformats.org/presentationml/2006/main" xmlns:r="http://schemas.openxmlformats.org/officeDocument/2006/relationships" xmlns:p14="http://schemas.microsoft.com/office/powerpoint/2010/main" xmlns:p15="http://schemas.microsoft.com/office/powerpoint/2012/main" xmlns:mc="http://schemas.openxmlformats.org/markup-compatibility/2006">
+<p:sld xmlns:a="http://schemas.openxmlformats.org/drawingml/2006/main" xmlns:r="http://schemas.openxmlformats.org/officeDocument/2006/relationships" xmlns:p="http://schemas.openxmlformats.org/presentationml/2006/main">
   <p:cSld>
     <p:spTree>
       <p:nvGrpSpPr>
@@ -6513,7 +9676,7 @@
         </p:nvSpPr>
         <p:spPr>
           <a:xfrm>
-            <a:off x="838080" y="365040"/>
+            <a:off x="875402" y="0"/>
             <a:ext cx="10515240" cy="1325160"/>
           </a:xfrm>
           <a:prstGeom prst="rect">
@@ -6525,29 +9688,143 @@
           </a:ln>
         </p:spPr>
         <p:txBody>
-          <a:bodyPr lIns="0" rIns="0" tIns="0" bIns="0" anchor="ctr"/>
-          <a:p>
-            <a:r>
-              <a:rPr b="0" lang="hu-HU" sz="1800" spc="-1" strike="noStrike">
-                <a:solidFill>
-                  <a:srgbClr val="000000"/>
-                </a:solidFill>
-                <a:uFill>
-                  <a:solidFill>
-                    <a:srgbClr val="ffffff"/>
-                  </a:solidFill>
-                </a:uFill>
-                <a:latin typeface="Calibri"/>
-              </a:rPr>
-              <a:t>High-level sequence with elaborated detail</a:t>
-            </a:r>
-            <a:endParaRPr b="0" lang="hu-HU" sz="1800" spc="-1" strike="noStrike">
+          <a:bodyPr lIns="0" tIns="0" rIns="0" bIns="0" anchor="ctr"/>
+          <a:lstStyle/>
+          <a:p>
+            <a:pPr algn="ctr"/>
+            <a:r>
+              <a:rPr lang="hu-HU" sz="2400" b="0" strike="noStrike" spc="-1" dirty="0" err="1">
+                <a:solidFill>
+                  <a:srgbClr val="000000"/>
+                </a:solidFill>
+                <a:uFill>
+                  <a:solidFill>
+                    <a:srgbClr val="FFFFFF"/>
+                  </a:solidFill>
+                </a:uFill>
+                <a:latin typeface="Calibri"/>
+              </a:rPr>
+              <a:t>High-level</a:t>
+            </a:r>
+            <a:r>
+              <a:rPr lang="hu-HU" sz="2400" b="0" strike="noStrike" spc="-1" dirty="0">
+                <a:solidFill>
+                  <a:srgbClr val="000000"/>
+                </a:solidFill>
+                <a:uFill>
+                  <a:solidFill>
+                    <a:srgbClr val="FFFFFF"/>
+                  </a:solidFill>
+                </a:uFill>
+                <a:latin typeface="Calibri"/>
+              </a:rPr>
+              <a:t> </a:t>
+            </a:r>
+            <a:r>
+              <a:rPr lang="hu-HU" sz="2400" b="0" strike="noStrike" spc="-1" dirty="0" err="1">
+                <a:solidFill>
+                  <a:srgbClr val="000000"/>
+                </a:solidFill>
+                <a:uFill>
+                  <a:solidFill>
+                    <a:srgbClr val="FFFFFF"/>
+                  </a:solidFill>
+                </a:uFill>
+                <a:latin typeface="Calibri"/>
+              </a:rPr>
+              <a:t>sequence</a:t>
+            </a:r>
+            <a:r>
+              <a:rPr lang="hu-HU" sz="2400" b="0" strike="noStrike" spc="-1" dirty="0">
+                <a:solidFill>
+                  <a:srgbClr val="000000"/>
+                </a:solidFill>
+                <a:uFill>
+                  <a:solidFill>
+                    <a:srgbClr val="FFFFFF"/>
+                  </a:solidFill>
+                </a:uFill>
+                <a:latin typeface="Calibri"/>
+              </a:rPr>
+              <a:t> </a:t>
+            </a:r>
+            <a:r>
+              <a:rPr lang="hu-HU" sz="2400" b="0" strike="noStrike" spc="-1" dirty="0" err="1">
+                <a:solidFill>
+                  <a:srgbClr val="000000"/>
+                </a:solidFill>
+                <a:uFill>
+                  <a:solidFill>
+                    <a:srgbClr val="FFFFFF"/>
+                  </a:solidFill>
+                </a:uFill>
+                <a:latin typeface="Calibri"/>
+              </a:rPr>
+              <a:t>with</a:t>
+            </a:r>
+            <a:r>
+              <a:rPr lang="hu-HU" sz="2400" b="0" strike="noStrike" spc="-1" dirty="0">
+                <a:solidFill>
+                  <a:srgbClr val="000000"/>
+                </a:solidFill>
+                <a:uFill>
+                  <a:solidFill>
+                    <a:srgbClr val="FFFFFF"/>
+                  </a:solidFill>
+                </a:uFill>
+                <a:latin typeface="Calibri"/>
+              </a:rPr>
+              <a:t> </a:t>
+            </a:r>
+            <a:r>
+              <a:rPr lang="hu-HU" sz="2400" b="0" strike="noStrike" spc="-1" dirty="0" err="1">
+                <a:solidFill>
+                  <a:srgbClr val="000000"/>
+                </a:solidFill>
+                <a:uFill>
+                  <a:solidFill>
+                    <a:srgbClr val="FFFFFF"/>
+                  </a:solidFill>
+                </a:uFill>
+                <a:latin typeface="Calibri"/>
+              </a:rPr>
+              <a:t>elaborated</a:t>
+            </a:r>
+            <a:r>
+              <a:rPr lang="hu-HU" sz="2400" b="0" strike="noStrike" spc="-1" dirty="0">
+                <a:solidFill>
+                  <a:srgbClr val="000000"/>
+                </a:solidFill>
+                <a:uFill>
+                  <a:solidFill>
+                    <a:srgbClr val="FFFFFF"/>
+                  </a:solidFill>
+                </a:uFill>
+                <a:latin typeface="Calibri"/>
+              </a:rPr>
+              <a:t> </a:t>
+            </a:r>
+            <a:r>
+              <a:rPr lang="hu-HU" sz="2400" b="0" strike="noStrike" spc="-1" dirty="0" err="1">
+                <a:solidFill>
+                  <a:srgbClr val="000000"/>
+                </a:solidFill>
+                <a:uFill>
+                  <a:solidFill>
+                    <a:srgbClr val="FFFFFF"/>
+                  </a:solidFill>
+                </a:uFill>
+                <a:latin typeface="Calibri"/>
+              </a:rPr>
+              <a:t>detail</a:t>
+            </a:r>
+            <a:endParaRPr lang="hu-HU" sz="2400" b="0" strike="noStrike" spc="-1" dirty="0">
               <a:solidFill>
                 <a:srgbClr val="000000"/>
               </a:solidFill>
               <a:uFill>
                 <a:solidFill>
-                  <a:srgbClr val="ffffff"/>
+                  <a:srgbClr val="FFFFFF"/>
                 </a:solidFill>
               </a:uFill>
               <a:latin typeface="Calibri"/>
@@ -6557,12 +9834,12 @@
       </p:sp>
       <p:pic>
         <p:nvPicPr>
-          <p:cNvPr id="91" name="" descr=""/>
+          <p:cNvPr id="91" name="Kép 90"/>
           <p:cNvPicPr/>
           <p:nvPr/>
         </p:nvPicPr>
         <p:blipFill>
-          <a:blip r:embed="rId1"/>
+          <a:blip r:embed="rId2"/>
           <a:stretch/>
         </p:blipFill>
         <p:spPr>
@@ -6580,22 +9857,25 @@
       </p:pic>
     </p:spTree>
   </p:cSld>
+  <p:clrMapOvr>
+    <a:masterClrMapping/>
+  </p:clrMapOvr>
   <p:timing>
     <p:tnLst>
       <p:par>
-        <p:cTn id="9" dur="indefinite" restart="never" nodeType="tmRoot">
+        <p:cTn id="1" dur="indefinite" restart="never" nodeType="tmRoot">
           <p:childTnLst>
             <p:seq>
-              <p:cTn id="10" nodeType="mainSeq"/>
+              <p:cTn id="2" nodeType="mainSeq"/>
               <p:prevCondLst>
-                <p:cond delay="0" evt="onPrev">
+                <p:cond evt="onPrev" delay="0">
                   <p:tgtEl>
                     <p:sldTgt/>
                   </p:tgtEl>
                 </p:cond>
               </p:prevCondLst>
               <p:nextCondLst>
-                <p:cond delay="0" evt="onNext">
+                <p:cond evt="onNext" delay="0">
                   <p:tgtEl>
                     <p:sldTgt/>
                   </p:tgtEl>
@@ -6611,7 +9891,7 @@
 </file>
 
 <file path=ppt/slides/slide8.xml><?xml version="1.0" encoding="utf-8"?>
-<p:sld xmlns:a="http://schemas.openxmlformats.org/drawingml/2006/main" xmlns:p="http://schemas.openxmlformats.org/presentationml/2006/main" xmlns:r="http://schemas.openxmlformats.org/officeDocument/2006/relationships" xmlns:p14="http://schemas.microsoft.com/office/powerpoint/2010/main" xmlns:p15="http://schemas.microsoft.com/office/powerpoint/2012/main" xmlns:mc="http://schemas.openxmlformats.org/markup-compatibility/2006">
+<p:sld xmlns:a="http://schemas.openxmlformats.org/drawingml/2006/main" xmlns:r="http://schemas.openxmlformats.org/officeDocument/2006/relationships" xmlns:p="http://schemas.openxmlformats.org/presentationml/2006/main">
   <p:cSld>
     <p:spTree>
       <p:nvGrpSpPr>
@@ -6648,6 +9928,7 @@
         </p:spPr>
         <p:txBody>
           <a:bodyPr anchor="ctr"/>
+          <a:lstStyle/>
           <a:p>
             <a:pPr algn="ctr">
               <a:lnSpc>
@@ -6655,26 +9936,26 @@
               </a:lnSpc>
             </a:pPr>
             <a:r>
-              <a:rPr b="0" lang="hu-HU" sz="4400" spc="-1" strike="noStrike">
-                <a:solidFill>
-                  <a:srgbClr val="000000"/>
-                </a:solidFill>
-                <a:uFill>
-                  <a:solidFill>
-                    <a:srgbClr val="ffffff"/>
+              <a:rPr lang="hu-HU" sz="4400" b="0" strike="noStrike" spc="-1">
+                <a:solidFill>
+                  <a:srgbClr val="000000"/>
+                </a:solidFill>
+                <a:uFill>
+                  <a:solidFill>
+                    <a:srgbClr val="FFFFFF"/>
                   </a:solidFill>
                 </a:uFill>
                 <a:latin typeface="Calibri Light"/>
               </a:rPr>
               <a:t>Object-level scenario elaboration</a:t>
             </a:r>
-            <a:endParaRPr b="0" lang="hu-HU" sz="1800" spc="-1" strike="noStrike">
+            <a:endParaRPr lang="hu-HU" sz="1800" b="0" strike="noStrike" spc="-1">
               <a:solidFill>
                 <a:srgbClr val="000000"/>
               </a:solidFill>
               <a:uFill>
                 <a:solidFill>
-                  <a:srgbClr val="ffffff"/>
+                  <a:srgbClr val="FFFFFF"/>
                 </a:solidFill>
               </a:uFill>
               <a:latin typeface="Calibri"/>
@@ -6703,6 +9984,7 @@
         </p:spPr>
         <p:txBody>
           <a:bodyPr/>
+          <a:lstStyle/>
           <a:p>
             <a:pPr marL="228600" indent="-228240">
               <a:lnSpc>
@@ -6715,30 +9997,19 @@
               <a:buChar char="•"/>
             </a:pPr>
             <a:r>
-              <a:rPr b="0" lang="hu-HU" sz="2800" spc="-1" strike="noStrike">
-                <a:solidFill>
-                  <a:srgbClr val="000000"/>
-                </a:solidFill>
-                <a:uFill>
-                  <a:solidFill>
-                    <a:srgbClr val="ffffff"/>
+              <a:rPr lang="hu-HU" sz="2800" b="0" strike="noStrike" spc="-1">
+                <a:solidFill>
+                  <a:srgbClr val="000000"/>
+                </a:solidFill>
+                <a:uFill>
+                  <a:solidFill>
+                    <a:srgbClr val="FFFFFF"/>
                   </a:solidFill>
                 </a:uFill>
                 <a:latin typeface="Calibri"/>
               </a:rPr>
               <a:t>You should uncover objects, services and parameters.</a:t>
             </a:r>
-            <a:endParaRPr b="0" lang="hu-HU" sz="2800" spc="-1" strike="noStrike">
-              <a:solidFill>
-                <a:srgbClr val="000000"/>
-              </a:solidFill>
-              <a:uFill>
-                <a:solidFill>
-                  <a:srgbClr val="ffffff"/>
-                </a:solidFill>
-              </a:uFill>
-              <a:latin typeface="Calibri"/>
-            </a:endParaRPr>
           </a:p>
           <a:p>
             <a:pPr marL="228600" indent="-228240">
@@ -6752,30 +10023,19 @@
               <a:buChar char="•"/>
             </a:pPr>
             <a:r>
-              <a:rPr b="0" lang="hu-HU" sz="2800" spc="-1" strike="noStrike">
-                <a:solidFill>
-                  <a:srgbClr val="000000"/>
-                </a:solidFill>
-                <a:uFill>
-                  <a:solidFill>
-                    <a:srgbClr val="ffffff"/>
+              <a:rPr lang="hu-HU" sz="2800" b="0" strike="noStrike" spc="-1">
+                <a:solidFill>
+                  <a:srgbClr val="000000"/>
+                </a:solidFill>
+                <a:uFill>
+                  <a:solidFill>
+                    <a:srgbClr val="FFFFFF"/>
                   </a:solidFill>
                 </a:uFill>
                 <a:latin typeface="Calibri"/>
               </a:rPr>
               <a:t>What object has the information necessary to perform this service?</a:t>
             </a:r>
-            <a:endParaRPr b="0" lang="hu-HU" sz="2800" spc="-1" strike="noStrike">
-              <a:solidFill>
-                <a:srgbClr val="000000"/>
-              </a:solidFill>
-              <a:uFill>
-                <a:solidFill>
-                  <a:srgbClr val="ffffff"/>
-                </a:solidFill>
-              </a:uFill>
-              <a:latin typeface="Calibri"/>
-            </a:endParaRPr>
           </a:p>
           <a:p>
             <a:pPr marL="228600" indent="-228240">
@@ -6789,30 +10049,19 @@
               <a:buChar char="•"/>
             </a:pPr>
             <a:r>
-              <a:rPr b="0" lang="hu-HU" sz="2800" spc="-1" strike="noStrike">
-                <a:solidFill>
-                  <a:srgbClr val="000000"/>
-                </a:solidFill>
-                <a:uFill>
-                  <a:solidFill>
-                    <a:srgbClr val="ffffff"/>
+              <a:rPr lang="hu-HU" sz="2800" b="0" strike="noStrike" spc="-1">
+                <a:solidFill>
+                  <a:srgbClr val="000000"/>
+                </a:solidFill>
+                <a:uFill>
+                  <a:solidFill>
+                    <a:srgbClr val="FFFFFF"/>
                   </a:solidFill>
                 </a:uFill>
                 <a:latin typeface="Calibri"/>
               </a:rPr>
               <a:t>What object has the proper interfaces necessary to perform this service?</a:t>
             </a:r>
-            <a:endParaRPr b="0" lang="hu-HU" sz="2800" spc="-1" strike="noStrike">
-              <a:solidFill>
-                <a:srgbClr val="000000"/>
-              </a:solidFill>
-              <a:uFill>
-                <a:solidFill>
-                  <a:srgbClr val="ffffff"/>
-                </a:solidFill>
-              </a:uFill>
-              <a:latin typeface="Calibri"/>
-            </a:endParaRPr>
           </a:p>
           <a:p>
             <a:pPr marL="228600" indent="-228240">
@@ -6826,51 +10075,43 @@
               <a:buChar char="•"/>
             </a:pPr>
             <a:r>
-              <a:rPr b="0" lang="hu-HU" sz="2800" spc="-1" strike="noStrike">
-                <a:solidFill>
-                  <a:srgbClr val="000000"/>
-                </a:solidFill>
-                <a:uFill>
-                  <a:solidFill>
-                    <a:srgbClr val="ffffff"/>
+              <a:rPr lang="hu-HU" sz="2800" b="0" strike="noStrike" spc="-1">
+                <a:solidFill>
+                  <a:srgbClr val="000000"/>
+                </a:solidFill>
+                <a:uFill>
+                  <a:solidFill>
+                    <a:srgbClr val="FFFFFF"/>
                   </a:solidFill>
                 </a:uFill>
                 <a:latin typeface="Calibri"/>
               </a:rPr>
               <a:t>What object has the responsibility to perform this service?</a:t>
             </a:r>
-            <a:endParaRPr b="0" lang="hu-HU" sz="2800" spc="-1" strike="noStrike">
-              <a:solidFill>
-                <a:srgbClr val="000000"/>
-              </a:solidFill>
-              <a:uFill>
-                <a:solidFill>
-                  <a:srgbClr val="ffffff"/>
-                </a:solidFill>
-              </a:uFill>
-              <a:latin typeface="Calibri"/>
-            </a:endParaRPr>
           </a:p>
         </p:txBody>
       </p:sp>
     </p:spTree>
   </p:cSld>
+  <p:clrMapOvr>
+    <a:masterClrMapping/>
+  </p:clrMapOvr>
   <p:timing>
     <p:tnLst>
       <p:par>
-        <p:cTn id="11" dur="indefinite" restart="never" nodeType="tmRoot">
+        <p:cTn id="1" dur="indefinite" restart="never" nodeType="tmRoot">
           <p:childTnLst>
             <p:seq>
-              <p:cTn id="12" nodeType="mainSeq"/>
+              <p:cTn id="2" nodeType="mainSeq"/>
               <p:prevCondLst>
-                <p:cond delay="0" evt="onPrev">
+                <p:cond evt="onPrev" delay="0">
                   <p:tgtEl>
                     <p:sldTgt/>
                   </p:tgtEl>
                 </p:cond>
               </p:prevCondLst>
               <p:nextCondLst>
-                <p:cond delay="0" evt="onNext">
+                <p:cond evt="onNext" delay="0">
                   <p:tgtEl>
                     <p:sldTgt/>
                   </p:tgtEl>
@@ -6886,7 +10127,7 @@
 </file>
 
 <file path=ppt/slides/slide9.xml><?xml version="1.0" encoding="utf-8"?>
-<p:sld xmlns:a="http://schemas.openxmlformats.org/drawingml/2006/main" xmlns:p="http://schemas.openxmlformats.org/presentationml/2006/main" xmlns:r="http://schemas.openxmlformats.org/officeDocument/2006/relationships" xmlns:p14="http://schemas.microsoft.com/office/powerpoint/2010/main" xmlns:p15="http://schemas.microsoft.com/office/powerpoint/2012/main" xmlns:mc="http://schemas.openxmlformats.org/markup-compatibility/2006">
+<p:sld xmlns:a="http://schemas.openxmlformats.org/drawingml/2006/main" xmlns:r="http://schemas.openxmlformats.org/officeDocument/2006/relationships" xmlns:p="http://schemas.openxmlformats.org/presentationml/2006/main">
   <p:cSld>
     <p:spTree>
       <p:nvGrpSpPr>
@@ -6923,6 +10164,7 @@
         </p:spPr>
         <p:txBody>
           <a:bodyPr anchor="ctr"/>
+          <a:lstStyle/>
           <a:p>
             <a:pPr algn="ctr">
               <a:lnSpc>
@@ -6930,26 +10172,26 @@
               </a:lnSpc>
             </a:pPr>
             <a:r>
-              <a:rPr b="0" lang="hu-HU" sz="4400" spc="-1" strike="noStrike">
-                <a:solidFill>
-                  <a:srgbClr val="000000"/>
-                </a:solidFill>
-                <a:uFill>
-                  <a:solidFill>
-                    <a:srgbClr val="ffffff"/>
+              <a:rPr lang="hu-HU" sz="4400" b="0" strike="noStrike" spc="-1">
+                <a:solidFill>
+                  <a:srgbClr val="000000"/>
+                </a:solidFill>
+                <a:uFill>
+                  <a:solidFill>
+                    <a:srgbClr val="FFFFFF"/>
                   </a:solidFill>
                 </a:uFill>
                 <a:latin typeface="Calibri Light"/>
               </a:rPr>
               <a:t>Object-level scenario elaboration</a:t>
             </a:r>
-            <a:endParaRPr b="0" lang="hu-HU" sz="1800" spc="-1" strike="noStrike">
+            <a:endParaRPr lang="hu-HU" sz="1800" b="0" strike="noStrike" spc="-1">
               <a:solidFill>
                 <a:srgbClr val="000000"/>
               </a:solidFill>
               <a:uFill>
                 <a:solidFill>
-                  <a:srgbClr val="ffffff"/>
+                  <a:srgbClr val="FFFFFF"/>
                 </a:solidFill>
               </a:uFill>
               <a:latin typeface="Calibri"/>
@@ -6978,6 +10220,7 @@
         </p:spPr>
         <p:txBody>
           <a:bodyPr/>
+          <a:lstStyle/>
           <a:p>
             <a:pPr marL="228600" indent="-228240">
               <a:lnSpc>
@@ -6990,30 +10233,19 @@
               <a:buChar char="•"/>
             </a:pPr>
             <a:r>
-              <a:rPr b="0" lang="hu-HU" sz="2800" spc="-1" strike="noStrike">
-                <a:solidFill>
-                  <a:srgbClr val="000000"/>
-                </a:solidFill>
-                <a:uFill>
-                  <a:solidFill>
-                    <a:srgbClr val="ffffff"/>
+              <a:rPr lang="hu-HU" sz="2800" b="0" strike="noStrike" spc="-1">
+                <a:solidFill>
+                  <a:srgbClr val="000000"/>
+                </a:solidFill>
+                <a:uFill>
+                  <a:solidFill>
+                    <a:srgbClr val="FFFFFF"/>
                   </a:solidFill>
                 </a:uFill>
                 <a:latin typeface="Calibri"/>
               </a:rPr>
               <a:t>Add objects, services, and relations to detail this scenario.</a:t>
             </a:r>
-            <a:endParaRPr b="0" lang="hu-HU" sz="2800" spc="-1" strike="noStrike">
-              <a:solidFill>
-                <a:srgbClr val="000000"/>
-              </a:solidFill>
-              <a:uFill>
-                <a:solidFill>
-                  <a:srgbClr val="ffffff"/>
-                </a:solidFill>
-              </a:uFill>
-              <a:latin typeface="Calibri"/>
-            </a:endParaRPr>
           </a:p>
           <a:p>
             <a:pPr marL="228600" indent="-228240">
@@ -7027,30 +10259,19 @@
               <a:buChar char="•"/>
             </a:pPr>
             <a:r>
-              <a:rPr b="0" lang="hu-HU" sz="2800" spc="-1" strike="noStrike">
-                <a:solidFill>
-                  <a:srgbClr val="000000"/>
-                </a:solidFill>
-                <a:uFill>
-                  <a:solidFill>
-                    <a:srgbClr val="ffffff"/>
+              <a:rPr lang="hu-HU" sz="2800" b="0" strike="noStrike" spc="-1">
+                <a:solidFill>
+                  <a:srgbClr val="000000"/>
+                </a:solidFill>
+                <a:uFill>
+                  <a:solidFill>
+                    <a:srgbClr val="FFFFFF"/>
                   </a:solidFill>
                 </a:uFill>
                 <a:latin typeface="Calibri"/>
               </a:rPr>
               <a:t>Start at the beginning of the scenario, or somewhere in the middle—perhaps</a:t>
             </a:r>
-            <a:endParaRPr b="0" lang="hu-HU" sz="2800" spc="-1" strike="noStrike">
-              <a:solidFill>
-                <a:srgbClr val="000000"/>
-              </a:solidFill>
-              <a:uFill>
-                <a:solidFill>
-                  <a:srgbClr val="ffffff"/>
-                </a:solidFill>
-              </a:uFill>
-              <a:latin typeface="Calibri"/>
-            </a:endParaRPr>
           </a:p>
           <a:p>
             <a:pPr marL="228600" indent="-228240">
@@ -7064,35 +10285,27 @@
               <a:buChar char="•"/>
             </a:pPr>
             <a:r>
-              <a:rPr b="0" lang="hu-HU" sz="2800" spc="-1" strike="noStrike">
-                <a:solidFill>
-                  <a:srgbClr val="000000"/>
-                </a:solidFill>
-                <a:uFill>
-                  <a:solidFill>
-                    <a:srgbClr val="ffffff"/>
+              <a:rPr lang="hu-HU" sz="2800" b="0" strike="noStrike" spc="-1">
+                <a:solidFill>
+                  <a:srgbClr val="000000"/>
+                </a:solidFill>
+                <a:uFill>
+                  <a:solidFill>
+                    <a:srgbClr val="FFFFFF"/>
                   </a:solidFill>
                 </a:uFill>
                 <a:latin typeface="Calibri"/>
               </a:rPr>
               <a:t>Add relevant classes to a class diagram, filling in the operation calls and event receptions to handle the message, attributes.</a:t>
             </a:r>
-            <a:endParaRPr b="0" lang="hu-HU" sz="2800" spc="-1" strike="noStrike">
-              <a:solidFill>
-                <a:srgbClr val="000000"/>
-              </a:solidFill>
-              <a:uFill>
-                <a:solidFill>
-                  <a:srgbClr val="ffffff"/>
-                </a:solidFill>
-              </a:uFill>
-              <a:latin typeface="Calibri"/>
-            </a:endParaRPr>
           </a:p>
         </p:txBody>
       </p:sp>
     </p:spTree>
   </p:cSld>
+  <p:clrMapOvr>
+    <a:masterClrMapping/>
+  </p:clrMapOvr>
 </p:sld>
 </file>
 
@@ -7316,6 +10529,8 @@
       </a:bgFillStyleLst>
     </a:fmtScheme>
   </a:themeElements>
+  <a:objectDefaults/>
+  <a:extraClrSchemeLst/>
 </a:theme>
 </file>
 
@@ -7539,5 +10754,7 @@
       </a:bgFillStyleLst>
     </a:fmtScheme>
   </a:themeElements>
+  <a:objectDefaults/>
+  <a:extraClrSchemeLst/>
 </a:theme>
 </file>